--- a/docs/deployment_guide/images/headend-system-simulator-architecture-diagram.pptx
+++ b/docs/deployment_guide/images/headend-system-simulator-architecture-diagram.pptx
@@ -259,7 +259,7 @@
           <a:p>
             <a:fld id="{B536BDF9-59C5-F24F-8A2E-4145DBCAD367}" type="datetimeFigureOut">
               <a:rPr lang="en-US" smtClean="0"/>
-              <a:t>4/14/2023</a:t>
+              <a:t>5/1/2023</a:t>
             </a:fld>
             <a:endParaRPr lang="en-US"/>
           </a:p>
@@ -457,7 +457,7 @@
           <a:p>
             <a:fld id="{B536BDF9-59C5-F24F-8A2E-4145DBCAD367}" type="datetimeFigureOut">
               <a:rPr lang="en-US" smtClean="0"/>
-              <a:t>4/14/2023</a:t>
+              <a:t>5/1/2023</a:t>
             </a:fld>
             <a:endParaRPr lang="en-US"/>
           </a:p>
@@ -665,7 +665,7 @@
           <a:p>
             <a:fld id="{B536BDF9-59C5-F24F-8A2E-4145DBCAD367}" type="datetimeFigureOut">
               <a:rPr lang="en-US" smtClean="0"/>
-              <a:t>4/14/2023</a:t>
+              <a:t>5/1/2023</a:t>
             </a:fld>
             <a:endParaRPr lang="en-US"/>
           </a:p>
@@ -863,7 +863,7 @@
           <a:p>
             <a:fld id="{B536BDF9-59C5-F24F-8A2E-4145DBCAD367}" type="datetimeFigureOut">
               <a:rPr lang="en-US" smtClean="0"/>
-              <a:t>4/14/2023</a:t>
+              <a:t>5/1/2023</a:t>
             </a:fld>
             <a:endParaRPr lang="en-US"/>
           </a:p>
@@ -1138,7 +1138,7 @@
           <a:p>
             <a:fld id="{B536BDF9-59C5-F24F-8A2E-4145DBCAD367}" type="datetimeFigureOut">
               <a:rPr lang="en-US" smtClean="0"/>
-              <a:t>4/14/2023</a:t>
+              <a:t>5/1/2023</a:t>
             </a:fld>
             <a:endParaRPr lang="en-US"/>
           </a:p>
@@ -1403,7 +1403,7 @@
           <a:p>
             <a:fld id="{B536BDF9-59C5-F24F-8A2E-4145DBCAD367}" type="datetimeFigureOut">
               <a:rPr lang="en-US" smtClean="0"/>
-              <a:t>4/14/2023</a:t>
+              <a:t>5/1/2023</a:t>
             </a:fld>
             <a:endParaRPr lang="en-US"/>
           </a:p>
@@ -1815,7 +1815,7 @@
           <a:p>
             <a:fld id="{B536BDF9-59C5-F24F-8A2E-4145DBCAD367}" type="datetimeFigureOut">
               <a:rPr lang="en-US" smtClean="0"/>
-              <a:t>4/14/2023</a:t>
+              <a:t>5/1/2023</a:t>
             </a:fld>
             <a:endParaRPr lang="en-US"/>
           </a:p>
@@ -1956,7 +1956,7 @@
           <a:p>
             <a:fld id="{B536BDF9-59C5-F24F-8A2E-4145DBCAD367}" type="datetimeFigureOut">
               <a:rPr lang="en-US" smtClean="0"/>
-              <a:t>4/14/2023</a:t>
+              <a:t>5/1/2023</a:t>
             </a:fld>
             <a:endParaRPr lang="en-US"/>
           </a:p>
@@ -2069,7 +2069,7 @@
           <a:p>
             <a:fld id="{B536BDF9-59C5-F24F-8A2E-4145DBCAD367}" type="datetimeFigureOut">
               <a:rPr lang="en-US" smtClean="0"/>
-              <a:t>4/14/2023</a:t>
+              <a:t>5/1/2023</a:t>
             </a:fld>
             <a:endParaRPr lang="en-US"/>
           </a:p>
@@ -2380,7 +2380,7 @@
           <a:p>
             <a:fld id="{B536BDF9-59C5-F24F-8A2E-4145DBCAD367}" type="datetimeFigureOut">
               <a:rPr lang="en-US" smtClean="0"/>
-              <a:t>4/14/2023</a:t>
+              <a:t>5/1/2023</a:t>
             </a:fld>
             <a:endParaRPr lang="en-US"/>
           </a:p>
@@ -2668,7 +2668,7 @@
           <a:p>
             <a:fld id="{B536BDF9-59C5-F24F-8A2E-4145DBCAD367}" type="datetimeFigureOut">
               <a:rPr lang="en-US" smtClean="0"/>
-              <a:t>4/14/2023</a:t>
+              <a:t>5/1/2023</a:t>
             </a:fld>
             <a:endParaRPr lang="en-US"/>
           </a:p>
@@ -2909,7 +2909,7 @@
           <a:p>
             <a:fld id="{B536BDF9-59C5-F24F-8A2E-4145DBCAD367}" type="datetimeFigureOut">
               <a:rPr lang="en-US" smtClean="0"/>
-              <a:t>4/14/2023</a:t>
+              <a:t>5/1/2023</a:t>
             </a:fld>
             <a:endParaRPr lang="en-US"/>
           </a:p>
@@ -3354,7 +3354,7 @@
         <p:spPr bwMode="auto">
           <a:xfrm>
             <a:off x="466090" y="2514211"/>
-            <a:ext cx="469900" cy="469900"/>
+            <a:ext cx="457200" cy="457200"/>
           </a:xfrm>
           <a:prstGeom prst="rect">
             <a:avLst/>
@@ -3396,19 +3396,18 @@
           <p:cNvCxnSpPr>
             <a:cxnSpLocks/>
             <a:stCxn id="54" idx="1"/>
-            <a:endCxn id="47" idx="3"/>
           </p:cNvCxnSpPr>
           <p:nvPr/>
         </p:nvCxnSpPr>
         <p:spPr>
           <a:xfrm flipH="1">
-            <a:off x="8056689" y="1173695"/>
-            <a:ext cx="1635502" cy="0"/>
+            <a:off x="8056689" y="1167345"/>
+            <a:ext cx="1635502" cy="6350"/>
           </a:xfrm>
           <a:prstGeom prst="straightConnector1">
             <a:avLst/>
           </a:prstGeom>
-          <a:ln w="12700">
+          <a:ln w="15875">
             <a:solidFill>
               <a:schemeClr val="tx2"/>
             </a:solidFill>
@@ -3443,19 +3442,18 @@
           <p:cNvCxnSpPr>
             <a:cxnSpLocks/>
             <a:stCxn id="13" idx="0"/>
-            <a:endCxn id="103" idx="1"/>
           </p:cNvCxnSpPr>
           <p:nvPr/>
         </p:nvCxnSpPr>
         <p:spPr>
           <a:xfrm rot="5400000" flipH="1" flipV="1">
-            <a:off x="624811" y="1219230"/>
-            <a:ext cx="1371211" cy="1218752"/>
+            <a:off x="621636" y="1216055"/>
+            <a:ext cx="1371211" cy="1225102"/>
           </a:xfrm>
           <a:prstGeom prst="bentConnector2">
             <a:avLst/>
           </a:prstGeom>
-          <a:ln w="12700">
+          <a:ln w="15875">
             <a:solidFill>
               <a:schemeClr val="tx2"/>
             </a:solidFill>
@@ -3490,19 +3488,18 @@
           <p:cNvCxnSpPr>
             <a:cxnSpLocks/>
             <a:stCxn id="189" idx="2"/>
-            <a:endCxn id="9" idx="1"/>
           </p:cNvCxnSpPr>
           <p:nvPr/>
         </p:nvCxnSpPr>
         <p:spPr>
           <a:xfrm rot="16200000" flipH="1">
-            <a:off x="736414" y="3198036"/>
-            <a:ext cx="1146527" cy="1217274"/>
+            <a:off x="742769" y="3204391"/>
+            <a:ext cx="1133817" cy="1217274"/>
           </a:xfrm>
           <a:prstGeom prst="bentConnector2">
             <a:avLst/>
           </a:prstGeom>
-          <a:ln w="12700">
+          <a:ln w="15875">
             <a:solidFill>
               <a:schemeClr val="tx2"/>
             </a:solidFill>
@@ -3541,8 +3538,8 @@
         </p:nvSpPr>
         <p:spPr bwMode="auto">
           <a:xfrm>
-            <a:off x="152400" y="2971800"/>
-            <a:ext cx="1097280" cy="261610"/>
+            <a:off x="106680" y="2971800"/>
+            <a:ext cx="1188720" cy="274320"/>
           </a:xfrm>
           <a:prstGeom prst="rect">
             <a:avLst/>
@@ -3676,7 +3673,7 @@
           <a:p>
             <a:pPr algn="ctr" eaLnBrk="1" hangingPunct="1"/>
             <a:r>
-              <a:rPr lang="en-US" altLang="en-US" sz="1100" dirty="0">
+              <a:rPr lang="en-US" altLang="en-US" sz="1200" dirty="0">
                 <a:latin typeface="Arial" panose="020B0604020202020204" pitchFamily="34" charset="0"/>
                 <a:ea typeface="Amazon Ember" panose="020B0603020204020204" pitchFamily="34" charset="0"/>
                 <a:cs typeface="Arial" panose="020B0604020202020204" pitchFamily="34" charset="0"/>
@@ -3707,7 +3704,7 @@
             <a:avLst/>
           </a:prstGeom>
           <a:noFill/>
-          <a:ln w="12700">
+          <a:ln w="15875">
             <a:solidFill>
               <a:schemeClr val="tx1"/>
             </a:solidFill>
@@ -3788,546 +3785,6 @@
           <a:prstGeom prst="rect">
             <a:avLst/>
           </a:prstGeom>
-        </p:spPr>
-      </p:pic>
-      <p:pic>
-        <p:nvPicPr>
-          <p:cNvPr id="2" name="Graphic 13">
-            <a:extLst>
-              <a:ext uri="{FF2B5EF4-FFF2-40B4-BE49-F238E27FC236}">
-                <a16:creationId xmlns:a16="http://schemas.microsoft.com/office/drawing/2014/main" id="{E5FA42C4-BAC3-A26E-CA41-7E519D768EF0}"/>
-              </a:ext>
-            </a:extLst>
-          </p:cNvPr>
-          <p:cNvPicPr>
-            <a:picLocks noChangeAspect="1" noChangeArrowheads="1"/>
-          </p:cNvPicPr>
-          <p:nvPr/>
-        </p:nvPicPr>
-        <p:blipFill>
-          <a:blip r:embed="rId6">
-            <a:extLst>
-              <a:ext uri="{28A0092B-C50C-407E-A947-70E740481C1C}">
-                <a14:useLocalDpi xmlns:a14="http://schemas.microsoft.com/office/drawing/2010/main" val="0"/>
-              </a:ext>
-            </a:extLst>
-          </a:blip>
-          <a:srcRect/>
-          <a:stretch>
-            <a:fillRect/>
-          </a:stretch>
-        </p:blipFill>
-        <p:spPr bwMode="auto">
-          <a:xfrm>
-            <a:off x="3017520" y="2103120"/>
-            <a:ext cx="457200" cy="457200"/>
-          </a:xfrm>
-          <a:prstGeom prst="rect">
-            <a:avLst/>
-          </a:prstGeom>
-          <a:noFill/>
-          <a:ln>
-            <a:noFill/>
-          </a:ln>
-          <a:extLst>
-            <a:ext uri="{909E8E84-426E-40DD-AFC4-6F175D3DCCD1}">
-              <a14:hiddenFill xmlns:a14="http://schemas.microsoft.com/office/drawing/2010/main">
-                <a:solidFill>
-                  <a:srgbClr val="FFFFFF"/>
-                </a:solidFill>
-              </a14:hiddenFill>
-            </a:ext>
-            <a:ext uri="{91240B29-F687-4F45-9708-019B960494DF}">
-              <a14:hiddenLine xmlns:a14="http://schemas.microsoft.com/office/drawing/2010/main" w="9525">
-                <a:solidFill>
-                  <a:srgbClr val="000000"/>
-                </a:solidFill>
-                <a:miter lim="800000"/>
-                <a:headEnd/>
-                <a:tailEnd/>
-              </a14:hiddenLine>
-            </a:ext>
-          </a:extLst>
-        </p:spPr>
-      </p:pic>
-      <p:pic>
-        <p:nvPicPr>
-          <p:cNvPr id="3" name="Graphic 29">
-            <a:extLst>
-              <a:ext uri="{FF2B5EF4-FFF2-40B4-BE49-F238E27FC236}">
-                <a16:creationId xmlns:a16="http://schemas.microsoft.com/office/drawing/2014/main" id="{3F8AD450-F9AB-18F9-15FB-38A6BF784D49}"/>
-              </a:ext>
-            </a:extLst>
-          </p:cNvPr>
-          <p:cNvPicPr>
-            <a:picLocks noChangeAspect="1" noChangeArrowheads="1"/>
-          </p:cNvPicPr>
-          <p:nvPr/>
-        </p:nvPicPr>
-        <p:blipFill>
-          <a:blip r:embed="rId7">
-            <a:extLst>
-              <a:ext uri="{28A0092B-C50C-407E-A947-70E740481C1C}">
-                <a14:useLocalDpi xmlns:a14="http://schemas.microsoft.com/office/drawing/2010/main" val="0"/>
-              </a:ext>
-            </a:extLst>
-          </a:blip>
-          <a:srcRect/>
-          <a:stretch>
-            <a:fillRect/>
-          </a:stretch>
-        </p:blipFill>
-        <p:spPr bwMode="auto">
-          <a:xfrm>
-            <a:off x="4246955" y="1572768"/>
-            <a:ext cx="457200" cy="457200"/>
-          </a:xfrm>
-          <a:prstGeom prst="rect">
-            <a:avLst/>
-          </a:prstGeom>
-          <a:noFill/>
-          <a:ln>
-            <a:noFill/>
-          </a:ln>
-          <a:extLst>
-            <a:ext uri="{909E8E84-426E-40DD-AFC4-6F175D3DCCD1}">
-              <a14:hiddenFill xmlns:a14="http://schemas.microsoft.com/office/drawing/2010/main">
-                <a:solidFill>
-                  <a:srgbClr val="FFFFFF"/>
-                </a:solidFill>
-              </a14:hiddenFill>
-            </a:ext>
-            <a:ext uri="{91240B29-F687-4F45-9708-019B960494DF}">
-              <a14:hiddenLine xmlns:a14="http://schemas.microsoft.com/office/drawing/2010/main" w="9525">
-                <a:solidFill>
-                  <a:srgbClr val="000000"/>
-                </a:solidFill>
-                <a:miter lim="800000"/>
-                <a:headEnd/>
-                <a:tailEnd/>
-              </a14:hiddenLine>
-            </a:ext>
-          </a:extLst>
-        </p:spPr>
-      </p:pic>
-      <p:pic>
-        <p:nvPicPr>
-          <p:cNvPr id="4" name="Graphic 29">
-            <a:extLst>
-              <a:ext uri="{FF2B5EF4-FFF2-40B4-BE49-F238E27FC236}">
-                <a16:creationId xmlns:a16="http://schemas.microsoft.com/office/drawing/2014/main" id="{6C359C9A-6E76-7B79-3AF2-D1F7788E1941}"/>
-              </a:ext>
-            </a:extLst>
-          </p:cNvPr>
-          <p:cNvPicPr>
-            <a:picLocks noChangeAspect="1" noChangeArrowheads="1"/>
-          </p:cNvPicPr>
-          <p:nvPr/>
-        </p:nvPicPr>
-        <p:blipFill>
-          <a:blip r:embed="rId8">
-            <a:extLst>
-              <a:ext uri="{28A0092B-C50C-407E-A947-70E740481C1C}">
-                <a14:useLocalDpi xmlns:a14="http://schemas.microsoft.com/office/drawing/2010/main" val="0"/>
-              </a:ext>
-            </a:extLst>
-          </a:blip>
-          <a:srcRect/>
-          <a:stretch>
-            <a:fillRect/>
-          </a:stretch>
-        </p:blipFill>
-        <p:spPr bwMode="auto">
-          <a:xfrm>
-            <a:off x="4251960" y="2555207"/>
-            <a:ext cx="457200" cy="457200"/>
-          </a:xfrm>
-          <a:prstGeom prst="rect">
-            <a:avLst/>
-          </a:prstGeom>
-          <a:noFill/>
-          <a:ln>
-            <a:noFill/>
-          </a:ln>
-          <a:extLst>
-            <a:ext uri="{909E8E84-426E-40DD-AFC4-6F175D3DCCD1}">
-              <a14:hiddenFill xmlns:a14="http://schemas.microsoft.com/office/drawing/2010/main">
-                <a:solidFill>
-                  <a:srgbClr val="FFFFFF"/>
-                </a:solidFill>
-              </a14:hiddenFill>
-            </a:ext>
-            <a:ext uri="{91240B29-F687-4F45-9708-019B960494DF}">
-              <a14:hiddenLine xmlns:a14="http://schemas.microsoft.com/office/drawing/2010/main" w="9525">
-                <a:solidFill>
-                  <a:srgbClr val="000000"/>
-                </a:solidFill>
-                <a:miter lim="800000"/>
-                <a:headEnd/>
-                <a:tailEnd/>
-              </a14:hiddenLine>
-            </a:ext>
-          </a:extLst>
-        </p:spPr>
-      </p:pic>
-      <p:pic>
-        <p:nvPicPr>
-          <p:cNvPr id="6" name="Graphic 14">
-            <a:extLst>
-              <a:ext uri="{FF2B5EF4-FFF2-40B4-BE49-F238E27FC236}">
-                <a16:creationId xmlns:a16="http://schemas.microsoft.com/office/drawing/2014/main" id="{68EC145F-5D65-BA86-E943-23BE4BD89C8F}"/>
-              </a:ext>
-            </a:extLst>
-          </p:cNvPr>
-          <p:cNvPicPr>
-            <a:picLocks noChangeAspect="1" noChangeArrowheads="1"/>
-          </p:cNvPicPr>
-          <p:nvPr/>
-        </p:nvPicPr>
-        <p:blipFill>
-          <a:blip r:embed="rId9">
-            <a:extLst>
-              <a:ext uri="{28A0092B-C50C-407E-A947-70E740481C1C}">
-                <a14:useLocalDpi xmlns:a14="http://schemas.microsoft.com/office/drawing/2010/main" val="0"/>
-              </a:ext>
-            </a:extLst>
-          </a:blip>
-          <a:srcRect/>
-          <a:stretch>
-            <a:fillRect/>
-          </a:stretch>
-        </p:blipFill>
-        <p:spPr bwMode="auto">
-          <a:xfrm>
-            <a:off x="4140261" y="4151337"/>
-            <a:ext cx="457200" cy="457200"/>
-          </a:xfrm>
-          <a:prstGeom prst="rect">
-            <a:avLst/>
-          </a:prstGeom>
-          <a:noFill/>
-          <a:ln>
-            <a:noFill/>
-          </a:ln>
-          <a:extLst>
-            <a:ext uri="{909E8E84-426E-40DD-AFC4-6F175D3DCCD1}">
-              <a14:hiddenFill xmlns:a14="http://schemas.microsoft.com/office/drawing/2010/main">
-                <a:solidFill>
-                  <a:srgbClr val="FFFFFF"/>
-                </a:solidFill>
-              </a14:hiddenFill>
-            </a:ext>
-            <a:ext uri="{91240B29-F687-4F45-9708-019B960494DF}">
-              <a14:hiddenLine xmlns:a14="http://schemas.microsoft.com/office/drawing/2010/main" w="9525">
-                <a:solidFill>
-                  <a:srgbClr val="000000"/>
-                </a:solidFill>
-                <a:miter lim="800000"/>
-                <a:headEnd/>
-                <a:tailEnd/>
-              </a14:hiddenLine>
-            </a:ext>
-          </a:extLst>
-        </p:spPr>
-      </p:pic>
-      <p:pic>
-        <p:nvPicPr>
-          <p:cNvPr id="7" name="Graphic 6">
-            <a:extLst>
-              <a:ext uri="{FF2B5EF4-FFF2-40B4-BE49-F238E27FC236}">
-                <a16:creationId xmlns:a16="http://schemas.microsoft.com/office/drawing/2014/main" id="{DAA2128D-581E-675A-9DDC-69ECF86218AB}"/>
-              </a:ext>
-            </a:extLst>
-          </p:cNvPr>
-          <p:cNvPicPr>
-            <a:picLocks noChangeAspect="1" noChangeArrowheads="1"/>
-          </p:cNvPicPr>
-          <p:nvPr/>
-        </p:nvPicPr>
-        <p:blipFill>
-          <a:blip r:embed="rId10">
-            <a:extLst>
-              <a:ext uri="{28A0092B-C50C-407E-A947-70E740481C1C}">
-                <a14:useLocalDpi xmlns:a14="http://schemas.microsoft.com/office/drawing/2010/main" val="0"/>
-              </a:ext>
-            </a:extLst>
-          </a:blip>
-          <a:srcRect/>
-          <a:stretch>
-            <a:fillRect/>
-          </a:stretch>
-        </p:blipFill>
-        <p:spPr bwMode="auto">
-          <a:xfrm>
-            <a:off x="6349417" y="2414016"/>
-            <a:ext cx="762000" cy="762000"/>
-          </a:xfrm>
-          <a:prstGeom prst="rect">
-            <a:avLst/>
-          </a:prstGeom>
-          <a:noFill/>
-          <a:ln>
-            <a:noFill/>
-          </a:ln>
-          <a:extLst>
-            <a:ext uri="{909E8E84-426E-40DD-AFC4-6F175D3DCCD1}">
-              <a14:hiddenFill xmlns:a14="http://schemas.microsoft.com/office/drawing/2010/main">
-                <a:solidFill>
-                  <a:srgbClr val="FFFFFF"/>
-                </a:solidFill>
-              </a14:hiddenFill>
-            </a:ext>
-            <a:ext uri="{91240B29-F687-4F45-9708-019B960494DF}">
-              <a14:hiddenLine xmlns:a14="http://schemas.microsoft.com/office/drawing/2010/main" w="9525">
-                <a:solidFill>
-                  <a:srgbClr val="000000"/>
-                </a:solidFill>
-                <a:miter lim="800000"/>
-                <a:headEnd/>
-                <a:tailEnd/>
-              </a14:hiddenLine>
-            </a:ext>
-          </a:extLst>
-        </p:spPr>
-      </p:pic>
-      <p:pic>
-        <p:nvPicPr>
-          <p:cNvPr id="9" name="Graphic 22">
-            <a:extLst>
-              <a:ext uri="{FF2B5EF4-FFF2-40B4-BE49-F238E27FC236}">
-                <a16:creationId xmlns:a16="http://schemas.microsoft.com/office/drawing/2014/main" id="{CB950015-E0B8-7D0A-FCA9-B1DE64C936EB}"/>
-              </a:ext>
-            </a:extLst>
-          </p:cNvPr>
-          <p:cNvPicPr>
-            <a:picLocks noChangeAspect="1" noChangeArrowheads="1"/>
-          </p:cNvPicPr>
-          <p:nvPr/>
-        </p:nvPicPr>
-        <p:blipFill>
-          <a:blip r:embed="rId11">
-            <a:extLst>
-              <a:ext uri="{28A0092B-C50C-407E-A947-70E740481C1C}">
-                <a14:useLocalDpi xmlns:a14="http://schemas.microsoft.com/office/drawing/2010/main" val="0"/>
-              </a:ext>
-            </a:extLst>
-          </a:blip>
-          <a:srcRect/>
-          <a:stretch>
-            <a:fillRect/>
-          </a:stretch>
-        </p:blipFill>
-        <p:spPr bwMode="auto">
-          <a:xfrm>
-            <a:off x="1918314" y="4151337"/>
-            <a:ext cx="457200" cy="457200"/>
-          </a:xfrm>
-          <a:prstGeom prst="rect">
-            <a:avLst/>
-          </a:prstGeom>
-          <a:noFill/>
-          <a:ln>
-            <a:noFill/>
-          </a:ln>
-          <a:extLst>
-            <a:ext uri="{909E8E84-426E-40DD-AFC4-6F175D3DCCD1}">
-              <a14:hiddenFill xmlns:a14="http://schemas.microsoft.com/office/drawing/2010/main">
-                <a:solidFill>
-                  <a:srgbClr val="FFFFFF"/>
-                </a:solidFill>
-              </a14:hiddenFill>
-            </a:ext>
-            <a:ext uri="{91240B29-F687-4F45-9708-019B960494DF}">
-              <a14:hiddenLine xmlns:a14="http://schemas.microsoft.com/office/drawing/2010/main" w="9525">
-                <a:solidFill>
-                  <a:srgbClr val="000000"/>
-                </a:solidFill>
-                <a:miter lim="800000"/>
-                <a:headEnd/>
-                <a:tailEnd/>
-              </a14:hiddenLine>
-            </a:ext>
-          </a:extLst>
-        </p:spPr>
-      </p:pic>
-      <p:pic>
-        <p:nvPicPr>
-          <p:cNvPr id="17" name="Graphic 13">
-            <a:extLst>
-              <a:ext uri="{FF2B5EF4-FFF2-40B4-BE49-F238E27FC236}">
-                <a16:creationId xmlns:a16="http://schemas.microsoft.com/office/drawing/2014/main" id="{7D424B3F-CD6E-6676-D926-8E34D70127BA}"/>
-              </a:ext>
-            </a:extLst>
-          </p:cNvPr>
-          <p:cNvPicPr>
-            <a:picLocks noChangeAspect="1" noChangeArrowheads="1"/>
-          </p:cNvPicPr>
-          <p:nvPr/>
-        </p:nvPicPr>
-        <p:blipFill>
-          <a:blip r:embed="rId6">
-            <a:extLst>
-              <a:ext uri="{28A0092B-C50C-407E-A947-70E740481C1C}">
-                <a14:useLocalDpi xmlns:a14="http://schemas.microsoft.com/office/drawing/2010/main" val="0"/>
-              </a:ext>
-            </a:extLst>
-          </a:blip>
-          <a:srcRect/>
-          <a:stretch>
-            <a:fillRect/>
-          </a:stretch>
-        </p:blipFill>
-        <p:spPr bwMode="auto">
-          <a:xfrm>
-            <a:off x="3017520" y="3033569"/>
-            <a:ext cx="457200" cy="457200"/>
-          </a:xfrm>
-          <a:prstGeom prst="rect">
-            <a:avLst/>
-          </a:prstGeom>
-          <a:noFill/>
-          <a:ln>
-            <a:noFill/>
-          </a:ln>
-          <a:extLst>
-            <a:ext uri="{909E8E84-426E-40DD-AFC4-6F175D3DCCD1}">
-              <a14:hiddenFill xmlns:a14="http://schemas.microsoft.com/office/drawing/2010/main">
-                <a:solidFill>
-                  <a:srgbClr val="FFFFFF"/>
-                </a:solidFill>
-              </a14:hiddenFill>
-            </a:ext>
-            <a:ext uri="{91240B29-F687-4F45-9708-019B960494DF}">
-              <a14:hiddenLine xmlns:a14="http://schemas.microsoft.com/office/drawing/2010/main" w="9525">
-                <a:solidFill>
-                  <a:srgbClr val="000000"/>
-                </a:solidFill>
-                <a:miter lim="800000"/>
-                <a:headEnd/>
-                <a:tailEnd/>
-              </a14:hiddenLine>
-            </a:ext>
-          </a:extLst>
-        </p:spPr>
-      </p:pic>
-      <p:pic>
-        <p:nvPicPr>
-          <p:cNvPr id="26" name="Graphic 13">
-            <a:extLst>
-              <a:ext uri="{FF2B5EF4-FFF2-40B4-BE49-F238E27FC236}">
-                <a16:creationId xmlns:a16="http://schemas.microsoft.com/office/drawing/2014/main" id="{0700CE9F-3CA3-2FCC-5254-DABB21C93670}"/>
-              </a:ext>
-            </a:extLst>
-          </p:cNvPr>
-          <p:cNvPicPr>
-            <a:picLocks noChangeAspect="1" noChangeArrowheads="1"/>
-          </p:cNvPicPr>
-          <p:nvPr/>
-        </p:nvPicPr>
-        <p:blipFill>
-          <a:blip r:embed="rId6">
-            <a:extLst>
-              <a:ext uri="{28A0092B-C50C-407E-A947-70E740481C1C}">
-                <a14:useLocalDpi xmlns:a14="http://schemas.microsoft.com/office/drawing/2010/main" val="0"/>
-              </a:ext>
-            </a:extLst>
-          </a:blip>
-          <a:srcRect/>
-          <a:stretch>
-            <a:fillRect/>
-          </a:stretch>
-        </p:blipFill>
-        <p:spPr bwMode="auto">
-          <a:xfrm>
-            <a:off x="5237871" y="2042070"/>
-            <a:ext cx="457200" cy="457200"/>
-          </a:xfrm>
-          <a:prstGeom prst="rect">
-            <a:avLst/>
-          </a:prstGeom>
-          <a:noFill/>
-          <a:ln>
-            <a:noFill/>
-          </a:ln>
-          <a:extLst>
-            <a:ext uri="{909E8E84-426E-40DD-AFC4-6F175D3DCCD1}">
-              <a14:hiddenFill xmlns:a14="http://schemas.microsoft.com/office/drawing/2010/main">
-                <a:solidFill>
-                  <a:srgbClr val="FFFFFF"/>
-                </a:solidFill>
-              </a14:hiddenFill>
-            </a:ext>
-            <a:ext uri="{91240B29-F687-4F45-9708-019B960494DF}">
-              <a14:hiddenLine xmlns:a14="http://schemas.microsoft.com/office/drawing/2010/main" w="9525">
-                <a:solidFill>
-                  <a:srgbClr val="000000"/>
-                </a:solidFill>
-                <a:miter lim="800000"/>
-                <a:headEnd/>
-                <a:tailEnd/>
-              </a14:hiddenLine>
-            </a:ext>
-          </a:extLst>
-        </p:spPr>
-      </p:pic>
-      <p:pic>
-        <p:nvPicPr>
-          <p:cNvPr id="47" name="Graphic 19">
-            <a:extLst>
-              <a:ext uri="{FF2B5EF4-FFF2-40B4-BE49-F238E27FC236}">
-                <a16:creationId xmlns:a16="http://schemas.microsoft.com/office/drawing/2014/main" id="{893068EF-6B6A-49AF-DC1F-30D2D94D73D7}"/>
-              </a:ext>
-            </a:extLst>
-          </p:cNvPr>
-          <p:cNvPicPr>
-            <a:picLocks noChangeAspect="1" noChangeArrowheads="1"/>
-          </p:cNvPicPr>
-          <p:nvPr/>
-        </p:nvPicPr>
-        <p:blipFill>
-          <a:blip r:embed="rId12">
-            <a:extLst>
-              <a:ext uri="{28A0092B-C50C-407E-A947-70E740481C1C}">
-                <a14:useLocalDpi xmlns:a14="http://schemas.microsoft.com/office/drawing/2010/main" val="0"/>
-              </a:ext>
-            </a:extLst>
-          </a:blip>
-          <a:srcRect/>
-          <a:stretch>
-            <a:fillRect/>
-          </a:stretch>
-        </p:blipFill>
-        <p:spPr bwMode="auto">
-          <a:xfrm>
-            <a:off x="7294689" y="792695"/>
-            <a:ext cx="762000" cy="762000"/>
-          </a:xfrm>
-          <a:prstGeom prst="rect">
-            <a:avLst/>
-          </a:prstGeom>
-          <a:noFill/>
-          <a:ln>
-            <a:noFill/>
-          </a:ln>
-          <a:extLst>
-            <a:ext uri="{909E8E84-426E-40DD-AFC4-6F175D3DCCD1}">
-              <a14:hiddenFill xmlns:a14="http://schemas.microsoft.com/office/drawing/2010/main">
-                <a:solidFill>
-                  <a:srgbClr val="FFFFFF"/>
-                </a:solidFill>
-              </a14:hiddenFill>
-            </a:ext>
-            <a:ext uri="{91240B29-F687-4F45-9708-019B960494DF}">
-              <a14:hiddenLine xmlns:a14="http://schemas.microsoft.com/office/drawing/2010/main" w="9525">
-                <a:solidFill>
-                  <a:srgbClr val="000000"/>
-                </a:solidFill>
-                <a:miter lim="800000"/>
-                <a:headEnd/>
-                <a:tailEnd/>
-              </a14:hiddenLine>
-            </a:ext>
-          </a:extLst>
         </p:spPr>
       </p:pic>
       <p:sp>
@@ -4385,7 +3842,7 @@
             </a:pathLst>
           </a:custGeom>
           <a:noFill/>
-          <a:ln w="12700">
+          <a:ln w="15875">
             <a:solidFill>
               <a:schemeClr val="tx2"/>
             </a:solidFill>
@@ -4443,7 +3900,7 @@
         <p:spPr bwMode="auto">
           <a:xfrm>
             <a:off x="1706660" y="1325880"/>
-            <a:ext cx="896162" cy="430887"/>
+            <a:ext cx="896162" cy="461665"/>
           </a:xfrm>
           <a:prstGeom prst="rect">
             <a:avLst/>
@@ -4577,7 +4034,7 @@
           <a:p>
             <a:pPr algn="ctr" eaLnBrk="1" hangingPunct="1"/>
             <a:r>
-              <a:rPr lang="en-US" altLang="en-US" sz="1100" dirty="0">
+              <a:rPr lang="en-US" altLang="en-US" sz="1200" dirty="0">
                 <a:latin typeface="Arial" panose="020B0604020202020204" pitchFamily="34" charset="0"/>
                 <a:ea typeface="Amazon Ember" panose="020B0603020204020204" pitchFamily="34" charset="0"/>
                 <a:cs typeface="Arial" panose="020B0604020202020204" pitchFamily="34" charset="0"/>
@@ -4585,14 +4042,14 @@
               <a:t>Readings</a:t>
             </a:r>
             <a:br>
-              <a:rPr lang="en-US" altLang="en-US" sz="1100" dirty="0">
+              <a:rPr lang="en-US" altLang="en-US" sz="1200" dirty="0">
                 <a:latin typeface="Arial" panose="020B0604020202020204" pitchFamily="34" charset="0"/>
                 <a:ea typeface="Amazon Ember" panose="020B0603020204020204" pitchFamily="34" charset="0"/>
                 <a:cs typeface="Arial" panose="020B0604020202020204" pitchFamily="34" charset="0"/>
               </a:rPr>
             </a:br>
             <a:r>
-              <a:rPr lang="en-US" altLang="en-US" sz="1100" dirty="0">
+              <a:rPr lang="en-US" altLang="en-US" sz="1200" dirty="0">
                 <a:latin typeface="Arial" panose="020B0604020202020204" pitchFamily="34" charset="0"/>
                 <a:ea typeface="Amazon Ember" panose="020B0603020204020204" pitchFamily="34" charset="0"/>
                 <a:cs typeface="Arial" panose="020B0604020202020204" pitchFamily="34" charset="0"/>
@@ -4602,182 +4059,6 @@
           </a:p>
         </p:txBody>
       </p:sp>
-      <p:pic>
-        <p:nvPicPr>
-          <p:cNvPr id="97" name="Graphic 6">
-            <a:extLst>
-              <a:ext uri="{FF2B5EF4-FFF2-40B4-BE49-F238E27FC236}">
-                <a16:creationId xmlns:a16="http://schemas.microsoft.com/office/drawing/2014/main" id="{38A26ED0-0391-2CE0-BB33-B629154BCE60}"/>
-              </a:ext>
-            </a:extLst>
-          </p:cNvPr>
-          <p:cNvPicPr>
-            <a:picLocks noChangeAspect="1" noChangeArrowheads="1"/>
-          </p:cNvPicPr>
-          <p:nvPr/>
-        </p:nvPicPr>
-        <p:blipFill>
-          <a:blip r:embed="rId13">
-            <a:extLst>
-              <a:ext uri="{96DAC541-7B7A-43D3-8B79-37D633B846F1}">
-                <asvg:svgBlip xmlns:asvg="http://schemas.microsoft.com/office/drawing/2016/SVG/main" r:embed="rId14"/>
-              </a:ext>
-            </a:extLst>
-          </a:blip>
-          <a:srcRect/>
-          <a:stretch/>
-        </p:blipFill>
-        <p:spPr bwMode="auto">
-          <a:xfrm>
-            <a:off x="1918314" y="2519715"/>
-            <a:ext cx="457200" cy="457200"/>
-          </a:xfrm>
-          <a:prstGeom prst="rect">
-            <a:avLst/>
-          </a:prstGeom>
-          <a:noFill/>
-          <a:ln>
-            <a:noFill/>
-          </a:ln>
-          <a:extLst>
-            <a:ext uri="{909E8E84-426E-40DD-AFC4-6F175D3DCCD1}">
-              <a14:hiddenFill xmlns:a14="http://schemas.microsoft.com/office/drawing/2010/main">
-                <a:solidFill>
-                  <a:srgbClr val="FFFFFF"/>
-                </a:solidFill>
-              </a14:hiddenFill>
-            </a:ext>
-            <a:ext uri="{91240B29-F687-4F45-9708-019B960494DF}">
-              <a14:hiddenLine xmlns:a14="http://schemas.microsoft.com/office/drawing/2010/main" w="9525">
-                <a:solidFill>
-                  <a:srgbClr val="000000"/>
-                </a:solidFill>
-                <a:miter lim="800000"/>
-                <a:headEnd/>
-                <a:tailEnd/>
-              </a14:hiddenLine>
-            </a:ext>
-          </a:extLst>
-        </p:spPr>
-      </p:pic>
-      <p:pic>
-        <p:nvPicPr>
-          <p:cNvPr id="103" name="Graphic 6">
-            <a:extLst>
-              <a:ext uri="{FF2B5EF4-FFF2-40B4-BE49-F238E27FC236}">
-                <a16:creationId xmlns:a16="http://schemas.microsoft.com/office/drawing/2014/main" id="{2B0224E1-FAB0-C3C7-27C0-AA137F791356}"/>
-              </a:ext>
-            </a:extLst>
-          </p:cNvPr>
-          <p:cNvPicPr>
-            <a:picLocks noChangeAspect="1" noChangeArrowheads="1"/>
-          </p:cNvPicPr>
-          <p:nvPr/>
-        </p:nvPicPr>
-        <p:blipFill>
-          <a:blip r:embed="rId13">
-            <a:extLst>
-              <a:ext uri="{96DAC541-7B7A-43D3-8B79-37D633B846F1}">
-                <asvg:svgBlip xmlns:asvg="http://schemas.microsoft.com/office/drawing/2016/SVG/main" r:embed="rId14"/>
-              </a:ext>
-            </a:extLst>
-          </a:blip>
-          <a:srcRect/>
-          <a:stretch/>
-        </p:blipFill>
-        <p:spPr bwMode="auto">
-          <a:xfrm>
-            <a:off x="1919792" y="914400"/>
-            <a:ext cx="457200" cy="457200"/>
-          </a:xfrm>
-          <a:prstGeom prst="rect">
-            <a:avLst/>
-          </a:prstGeom>
-          <a:noFill/>
-          <a:ln>
-            <a:noFill/>
-          </a:ln>
-          <a:extLst>
-            <a:ext uri="{909E8E84-426E-40DD-AFC4-6F175D3DCCD1}">
-              <a14:hiddenFill xmlns:a14="http://schemas.microsoft.com/office/drawing/2010/main">
-                <a:solidFill>
-                  <a:srgbClr val="FFFFFF"/>
-                </a:solidFill>
-              </a14:hiddenFill>
-            </a:ext>
-            <a:ext uri="{91240B29-F687-4F45-9708-019B960494DF}">
-              <a14:hiddenLine xmlns:a14="http://schemas.microsoft.com/office/drawing/2010/main" w="9525">
-                <a:solidFill>
-                  <a:srgbClr val="000000"/>
-                </a:solidFill>
-                <a:miter lim="800000"/>
-                <a:headEnd/>
-                <a:tailEnd/>
-              </a14:hiddenLine>
-            </a:ext>
-          </a:extLst>
-        </p:spPr>
-      </p:pic>
-      <p:pic>
-        <p:nvPicPr>
-          <p:cNvPr id="104" name="Graphic 13">
-            <a:extLst>
-              <a:ext uri="{FF2B5EF4-FFF2-40B4-BE49-F238E27FC236}">
-                <a16:creationId xmlns:a16="http://schemas.microsoft.com/office/drawing/2014/main" id="{887CCCCF-6D24-6A13-FE5B-F8CD56DA72D1}"/>
-              </a:ext>
-            </a:extLst>
-          </p:cNvPr>
-          <p:cNvPicPr>
-            <a:picLocks noChangeAspect="1" noChangeArrowheads="1"/>
-          </p:cNvPicPr>
-          <p:nvPr/>
-        </p:nvPicPr>
-        <p:blipFill>
-          <a:blip r:embed="rId6">
-            <a:extLst>
-              <a:ext uri="{28A0092B-C50C-407E-A947-70E740481C1C}">
-                <a14:useLocalDpi xmlns:a14="http://schemas.microsoft.com/office/drawing/2010/main" val="0"/>
-              </a:ext>
-            </a:extLst>
-          </a:blip>
-          <a:srcRect/>
-          <a:stretch>
-            <a:fillRect/>
-          </a:stretch>
-        </p:blipFill>
-        <p:spPr bwMode="auto">
-          <a:xfrm>
-            <a:off x="3017520" y="914400"/>
-            <a:ext cx="457200" cy="457200"/>
-          </a:xfrm>
-          <a:prstGeom prst="rect">
-            <a:avLst/>
-          </a:prstGeom>
-          <a:noFill/>
-          <a:ln>
-            <a:noFill/>
-          </a:ln>
-          <a:extLst>
-            <a:ext uri="{909E8E84-426E-40DD-AFC4-6F175D3DCCD1}">
-              <a14:hiddenFill xmlns:a14="http://schemas.microsoft.com/office/drawing/2010/main">
-                <a:solidFill>
-                  <a:srgbClr val="FFFFFF"/>
-                </a:solidFill>
-              </a14:hiddenFill>
-            </a:ext>
-            <a:ext uri="{91240B29-F687-4F45-9708-019B960494DF}">
-              <a14:hiddenLine xmlns:a14="http://schemas.microsoft.com/office/drawing/2010/main" w="9525">
-                <a:solidFill>
-                  <a:srgbClr val="000000"/>
-                </a:solidFill>
-                <a:miter lim="800000"/>
-                <a:headEnd/>
-                <a:tailEnd/>
-              </a14:hiddenLine>
-            </a:ext>
-          </a:extLst>
-        </p:spPr>
-      </p:pic>
       <p:cxnSp>
         <p:nvCxnSpPr>
           <p:cNvPr id="105" name="Straight Arrow Connector 104">
@@ -4789,8 +4070,6 @@
           </p:cNvPr>
           <p:cNvCxnSpPr>
             <a:cxnSpLocks/>
-            <a:stCxn id="103" idx="3"/>
-            <a:endCxn id="104" idx="1"/>
           </p:cNvCxnSpPr>
           <p:nvPr/>
         </p:nvCxnSpPr>
@@ -4802,7 +4081,7 @@
           <a:prstGeom prst="straightConnector1">
             <a:avLst/>
           </a:prstGeom>
-          <a:ln w="12700">
+          <a:ln w="15875">
             <a:solidFill>
               <a:schemeClr val="tx2"/>
             </a:solidFill>
@@ -4841,8 +4120,8 @@
         </p:nvSpPr>
         <p:spPr bwMode="auto">
           <a:xfrm>
-            <a:off x="1642189" y="2926080"/>
-            <a:ext cx="1005840" cy="261610"/>
+            <a:off x="1599752" y="2926080"/>
+            <a:ext cx="1097280" cy="274320"/>
           </a:xfrm>
           <a:prstGeom prst="rect">
             <a:avLst/>
@@ -4976,7 +4255,7 @@
           <a:p>
             <a:pPr algn="ctr" eaLnBrk="1" hangingPunct="1"/>
             <a:r>
-              <a:rPr lang="en-US" altLang="en-US" sz="1100" dirty="0">
+              <a:rPr lang="en-US" altLang="en-US" sz="1200" dirty="0">
                 <a:latin typeface="Arial" panose="020B0604020202020204" pitchFamily="34" charset="0"/>
                 <a:ea typeface="Amazon Ember" panose="020B0603020204020204" pitchFamily="34" charset="0"/>
                 <a:cs typeface="Arial" panose="020B0604020202020204" pitchFamily="34" charset="0"/>
@@ -5003,7 +4282,7 @@
         <p:spPr bwMode="auto">
           <a:xfrm>
             <a:off x="2771750" y="1325880"/>
-            <a:ext cx="989953" cy="430887"/>
+            <a:ext cx="989953" cy="461665"/>
           </a:xfrm>
           <a:prstGeom prst="rect">
             <a:avLst/>
@@ -5137,7 +4416,7 @@
           <a:p>
             <a:pPr algn="ctr" eaLnBrk="1" hangingPunct="1"/>
             <a:r>
-              <a:rPr lang="en-US" altLang="en-US" sz="1100" dirty="0">
+              <a:rPr lang="en-US" altLang="en-US" sz="1200" dirty="0">
                 <a:latin typeface="Arial" panose="020B0604020202020204" pitchFamily="34" charset="0"/>
                 <a:ea typeface="Amazon Ember" panose="020B0603020204020204" pitchFamily="34" charset="0"/>
                 <a:cs typeface="Arial" panose="020B0604020202020204" pitchFamily="34" charset="0"/>
@@ -5145,14 +4424,14 @@
               <a:t>Paginated</a:t>
             </a:r>
             <a:br>
-              <a:rPr lang="en-US" altLang="en-US" sz="1100" dirty="0">
+              <a:rPr lang="en-US" altLang="en-US" sz="1200" dirty="0">
                 <a:latin typeface="Arial" panose="020B0604020202020204" pitchFamily="34" charset="0"/>
                 <a:ea typeface="Amazon Ember" panose="020B0603020204020204" pitchFamily="34" charset="0"/>
                 <a:cs typeface="Arial" panose="020B0604020202020204" pitchFamily="34" charset="0"/>
               </a:rPr>
             </a:br>
             <a:r>
-              <a:rPr lang="en-US" altLang="en-US" sz="1100" dirty="0">
+              <a:rPr lang="en-US" altLang="en-US" sz="1200" dirty="0">
                 <a:latin typeface="Arial" panose="020B0604020202020204" pitchFamily="34" charset="0"/>
                 <a:ea typeface="Amazon Ember" panose="020B0603020204020204" pitchFamily="34" charset="0"/>
                 <a:cs typeface="Arial" panose="020B0604020202020204" pitchFamily="34" charset="0"/>
@@ -5179,7 +4458,7 @@
         <p:spPr bwMode="auto">
           <a:xfrm>
             <a:off x="2738876" y="2514211"/>
-            <a:ext cx="1005840" cy="261610"/>
+            <a:ext cx="1005840" cy="276999"/>
           </a:xfrm>
           <a:prstGeom prst="rect">
             <a:avLst/>
@@ -5313,7 +4592,7 @@
           <a:p>
             <a:pPr algn="ctr" eaLnBrk="1" hangingPunct="1"/>
             <a:r>
-              <a:rPr lang="en-US" altLang="en-US" sz="1100" dirty="0">
+              <a:rPr lang="en-US" altLang="en-US" sz="1200" dirty="0">
                 <a:latin typeface="Arial" panose="020B0604020202020204" pitchFamily="34" charset="0"/>
                 <a:ea typeface="Amazon Ember" panose="020B0603020204020204" pitchFamily="34" charset="0"/>
                 <a:cs typeface="Arial" panose="020B0604020202020204" pitchFamily="34" charset="0"/>
@@ -5339,8 +4618,8 @@
         </p:nvSpPr>
         <p:spPr bwMode="auto">
           <a:xfrm>
-            <a:off x="2846407" y="3429000"/>
-            <a:ext cx="822960" cy="274320"/>
+            <a:off x="2782748" y="3447288"/>
+            <a:ext cx="914400" cy="274320"/>
           </a:xfrm>
           <a:prstGeom prst="rect">
             <a:avLst/>
@@ -5474,7 +4753,7 @@
           <a:p>
             <a:pPr algn="ctr" eaLnBrk="1" hangingPunct="1"/>
             <a:r>
-              <a:rPr lang="en-US" altLang="en-US" sz="1100" dirty="0">
+              <a:rPr lang="en-US" altLang="en-US" sz="1200" dirty="0">
                 <a:latin typeface="Arial" panose="020B0604020202020204" pitchFamily="34" charset="0"/>
                 <a:ea typeface="Amazon Ember" panose="020B0603020204020204" pitchFamily="34" charset="0"/>
                 <a:cs typeface="Arial" panose="020B0604020202020204" pitchFamily="34" charset="0"/>
@@ -5635,7 +4914,7 @@
           <a:p>
             <a:pPr algn="ctr" eaLnBrk="1" hangingPunct="1"/>
             <a:r>
-              <a:rPr lang="en-US" altLang="en-US" sz="1100" dirty="0">
+              <a:rPr lang="en-US" altLang="en-US" sz="1200" dirty="0">
                 <a:latin typeface="Arial" panose="020B0604020202020204" pitchFamily="34" charset="0"/>
                 <a:ea typeface="Amazon Ember" panose="020B0603020204020204" pitchFamily="34" charset="0"/>
                 <a:cs typeface="Arial" panose="020B0604020202020204" pitchFamily="34" charset="0"/>
@@ -5661,8 +4940,8 @@
         </p:nvSpPr>
         <p:spPr bwMode="auto">
           <a:xfrm>
-            <a:off x="5015533" y="2423160"/>
-            <a:ext cx="914400" cy="274320"/>
+            <a:off x="4959075" y="2441448"/>
+            <a:ext cx="1005840" cy="274320"/>
           </a:xfrm>
           <a:prstGeom prst="rect">
             <a:avLst/>
@@ -5796,7 +5075,7 @@
           <a:p>
             <a:pPr algn="ctr" eaLnBrk="1" hangingPunct="1"/>
             <a:r>
-              <a:rPr lang="en-US" altLang="en-US" sz="1100" dirty="0">
+              <a:rPr lang="en-US" altLang="en-US" sz="1200" dirty="0">
                 <a:latin typeface="Arial" panose="020B0604020202020204" pitchFamily="34" charset="0"/>
                 <a:ea typeface="Amazon Ember" panose="020B0603020204020204" pitchFamily="34" charset="0"/>
                 <a:cs typeface="Arial" panose="020B0604020202020204" pitchFamily="34" charset="0"/>
@@ -5967,248 +5246,167 @@
           </a:p>
         </p:txBody>
       </p:sp>
-      <p:grpSp>
-        <p:nvGrpSpPr>
-          <p:cNvPr id="10" name="Group 9">
-            <a:extLst>
-              <a:ext uri="{FF2B5EF4-FFF2-40B4-BE49-F238E27FC236}">
-                <a16:creationId xmlns:a16="http://schemas.microsoft.com/office/drawing/2014/main" id="{373BEF54-4264-452E-B06A-348B44601D63}"/>
-              </a:ext>
-            </a:extLst>
-          </p:cNvPr>
-          <p:cNvGrpSpPr/>
+      <p:sp>
+        <p:nvSpPr>
+          <p:cNvPr id="156" name="TextBox 9">
+            <a:extLst>
+              <a:ext uri="{FF2B5EF4-FFF2-40B4-BE49-F238E27FC236}">
+                <a16:creationId xmlns:a16="http://schemas.microsoft.com/office/drawing/2014/main" id="{65CA9F73-673A-BE10-3743-34AF774D0B03}"/>
+              </a:ext>
+            </a:extLst>
+          </p:cNvPr>
+          <p:cNvSpPr txBox="1">
+            <a:spLocks noChangeArrowheads="1"/>
+          </p:cNvSpPr>
           <p:nvPr/>
-        </p:nvGrpSpPr>
-        <p:grpSpPr>
+        </p:nvSpPr>
+        <p:spPr bwMode="auto">
           <a:xfrm>
-            <a:off x="7376476" y="3474720"/>
-            <a:ext cx="1737360" cy="1054239"/>
-            <a:chOff x="7376476" y="3931920"/>
-            <a:chExt cx="1737360" cy="1054239"/>
+            <a:off x="7376476" y="4251960"/>
+            <a:ext cx="1737360" cy="276999"/>
           </a:xfrm>
-        </p:grpSpPr>
-        <p:pic>
-          <p:nvPicPr>
-            <p:cNvPr id="5" name="Graphic 17">
-              <a:extLst>
-                <a:ext uri="{FF2B5EF4-FFF2-40B4-BE49-F238E27FC236}">
-                  <a16:creationId xmlns:a16="http://schemas.microsoft.com/office/drawing/2014/main" id="{D5AA282D-9F86-91C1-4703-7B88A64161F6}"/>
-                </a:ext>
-              </a:extLst>
-            </p:cNvPr>
-            <p:cNvPicPr>
-              <a:picLocks noChangeAspect="1" noChangeArrowheads="1"/>
-            </p:cNvPicPr>
-            <p:nvPr/>
-          </p:nvPicPr>
-          <p:blipFill>
-            <a:blip r:embed="rId15">
-              <a:extLst>
-                <a:ext uri="{28A0092B-C50C-407E-A947-70E740481C1C}">
-                  <a14:useLocalDpi xmlns:a14="http://schemas.microsoft.com/office/drawing/2010/main" val="0"/>
-                </a:ext>
-              </a:extLst>
-            </a:blip>
-            <a:srcRect/>
-            <a:stretch>
-              <a:fillRect/>
-            </a:stretch>
-          </p:blipFill>
-          <p:spPr bwMode="auto">
-            <a:xfrm>
-              <a:off x="7864156" y="3931920"/>
-              <a:ext cx="762000" cy="762000"/>
-            </a:xfrm>
-            <a:prstGeom prst="rect">
-              <a:avLst/>
-            </a:prstGeom>
+          <a:prstGeom prst="rect">
+            <a:avLst/>
+          </a:prstGeom>
+          <a:noFill/>
+          <a:ln>
             <a:noFill/>
-            <a:ln>
-              <a:noFill/>
-            </a:ln>
-            <a:extLst>
-              <a:ext uri="{909E8E84-426E-40DD-AFC4-6F175D3DCCD1}">
-                <a14:hiddenFill xmlns:a14="http://schemas.microsoft.com/office/drawing/2010/main">
-                  <a:solidFill>
-                    <a:srgbClr val="FFFFFF"/>
-                  </a:solidFill>
-                </a14:hiddenFill>
-              </a:ext>
-              <a:ext uri="{91240B29-F687-4F45-9708-019B960494DF}">
-                <a14:hiddenLine xmlns:a14="http://schemas.microsoft.com/office/drawing/2010/main" w="9525">
-                  <a:solidFill>
-                    <a:srgbClr val="000000"/>
-                  </a:solidFill>
-                  <a:miter lim="800000"/>
-                  <a:headEnd/>
-                  <a:tailEnd/>
-                </a14:hiddenLine>
-              </a:ext>
-            </a:extLst>
-          </p:spPr>
-        </p:pic>
-        <p:sp>
-          <p:nvSpPr>
-            <p:cNvPr id="156" name="TextBox 9">
-              <a:extLst>
-                <a:ext uri="{FF2B5EF4-FFF2-40B4-BE49-F238E27FC236}">
-                  <a16:creationId xmlns:a16="http://schemas.microsoft.com/office/drawing/2014/main" id="{65CA9F73-673A-BE10-3743-34AF774D0B03}"/>
-                </a:ext>
-              </a:extLst>
-            </p:cNvPr>
-            <p:cNvSpPr txBox="1">
-              <a:spLocks noChangeArrowheads="1"/>
-            </p:cNvSpPr>
-            <p:nvPr/>
-          </p:nvSpPr>
-          <p:spPr bwMode="auto">
-            <a:xfrm>
-              <a:off x="7376476" y="4709160"/>
-              <a:ext cx="1737360" cy="276999"/>
-            </a:xfrm>
-            <a:prstGeom prst="rect">
-              <a:avLst/>
-            </a:prstGeom>
-            <a:noFill/>
-            <a:ln>
-              <a:noFill/>
-            </a:ln>
-            <a:extLst>
-              <a:ext uri="{909E8E84-426E-40DD-AFC4-6F175D3DCCD1}">
-                <a14:hiddenFill xmlns:a14="http://schemas.microsoft.com/office/drawing/2010/main">
-                  <a:solidFill>
-                    <a:srgbClr val="FFFFFF"/>
-                  </a:solidFill>
-                </a14:hiddenFill>
-              </a:ext>
-              <a:ext uri="{91240B29-F687-4F45-9708-019B960494DF}">
-                <a14:hiddenLine xmlns:a14="http://schemas.microsoft.com/office/drawing/2010/main" w="9525">
-                  <a:solidFill>
-                    <a:srgbClr val="000000"/>
-                  </a:solidFill>
-                  <a:miter lim="800000"/>
-                  <a:headEnd/>
-                  <a:tailEnd/>
-                </a14:hiddenLine>
-              </a:ext>
-            </a:extLst>
-          </p:spPr>
-          <p:txBody>
-            <a:bodyPr wrap="square">
-              <a:spAutoFit/>
-            </a:bodyPr>
-            <a:lstStyle>
-              <a:lvl1pPr>
-                <a:defRPr>
-                  <a:solidFill>
-                    <a:schemeClr val="tx1"/>
-                  </a:solidFill>
-                  <a:latin typeface="Calibri" panose="020F0502020204030204" pitchFamily="34" charset="0"/>
-                </a:defRPr>
-              </a:lvl1pPr>
-              <a:lvl2pPr marL="742950" indent="-285750">
-                <a:defRPr>
-                  <a:solidFill>
-                    <a:schemeClr val="tx1"/>
-                  </a:solidFill>
-                  <a:latin typeface="Calibri" panose="020F0502020204030204" pitchFamily="34" charset="0"/>
-                </a:defRPr>
-              </a:lvl2pPr>
-              <a:lvl3pPr marL="1143000" indent="-228600">
-                <a:defRPr>
-                  <a:solidFill>
-                    <a:schemeClr val="tx1"/>
-                  </a:solidFill>
-                  <a:latin typeface="Calibri" panose="020F0502020204030204" pitchFamily="34" charset="0"/>
-                </a:defRPr>
-              </a:lvl3pPr>
-              <a:lvl4pPr marL="1600200" indent="-228600">
-                <a:defRPr>
-                  <a:solidFill>
-                    <a:schemeClr val="tx1"/>
-                  </a:solidFill>
-                  <a:latin typeface="Calibri" panose="020F0502020204030204" pitchFamily="34" charset="0"/>
-                </a:defRPr>
-              </a:lvl4pPr>
-              <a:lvl5pPr marL="2057400" indent="-228600">
-                <a:defRPr>
-                  <a:solidFill>
-                    <a:schemeClr val="tx1"/>
-                  </a:solidFill>
-                  <a:latin typeface="Calibri" panose="020F0502020204030204" pitchFamily="34" charset="0"/>
-                </a:defRPr>
-              </a:lvl5pPr>
-              <a:lvl6pPr marL="2514600" indent="-228600" eaLnBrk="0" fontAlgn="base" hangingPunct="0">
-                <a:spcBef>
-                  <a:spcPct val="0"/>
-                </a:spcBef>
-                <a:spcAft>
-                  <a:spcPct val="0"/>
-                </a:spcAft>
-                <a:defRPr>
-                  <a:solidFill>
-                    <a:schemeClr val="tx1"/>
-                  </a:solidFill>
-                  <a:latin typeface="Calibri" panose="020F0502020204030204" pitchFamily="34" charset="0"/>
-                </a:defRPr>
-              </a:lvl6pPr>
-              <a:lvl7pPr marL="2971800" indent="-228600" eaLnBrk="0" fontAlgn="base" hangingPunct="0">
-                <a:spcBef>
-                  <a:spcPct val="0"/>
-                </a:spcBef>
-                <a:spcAft>
-                  <a:spcPct val="0"/>
-                </a:spcAft>
-                <a:defRPr>
-                  <a:solidFill>
-                    <a:schemeClr val="tx1"/>
-                  </a:solidFill>
-                  <a:latin typeface="Calibri" panose="020F0502020204030204" pitchFamily="34" charset="0"/>
-                </a:defRPr>
-              </a:lvl7pPr>
-              <a:lvl8pPr marL="3429000" indent="-228600" eaLnBrk="0" fontAlgn="base" hangingPunct="0">
-                <a:spcBef>
-                  <a:spcPct val="0"/>
-                </a:spcBef>
-                <a:spcAft>
-                  <a:spcPct val="0"/>
-                </a:spcAft>
-                <a:defRPr>
-                  <a:solidFill>
-                    <a:schemeClr val="tx1"/>
-                  </a:solidFill>
-                  <a:latin typeface="Calibri" panose="020F0502020204030204" pitchFamily="34" charset="0"/>
-                </a:defRPr>
-              </a:lvl8pPr>
-              <a:lvl9pPr marL="3886200" indent="-228600" eaLnBrk="0" fontAlgn="base" hangingPunct="0">
-                <a:spcBef>
-                  <a:spcPct val="0"/>
-                </a:spcBef>
-                <a:spcAft>
-                  <a:spcPct val="0"/>
-                </a:spcAft>
-                <a:defRPr>
-                  <a:solidFill>
-                    <a:schemeClr val="tx1"/>
-                  </a:solidFill>
-                  <a:latin typeface="Calibri" panose="020F0502020204030204" pitchFamily="34" charset="0"/>
-                </a:defRPr>
-              </a:lvl9pPr>
-            </a:lstStyle>
-            <a:p>
-              <a:pPr algn="ctr" eaLnBrk="1" hangingPunct="1"/>
-              <a:r>
-                <a:rPr lang="en-US" altLang="en-US" sz="1200" dirty="0">
-                  <a:latin typeface="Arial" panose="020B0604020202020204" pitchFamily="34" charset="0"/>
-                  <a:ea typeface="Amazon Ember" panose="020B0603020204020204" pitchFamily="34" charset="0"/>
-                  <a:cs typeface="Arial" panose="020B0604020202020204" pitchFamily="34" charset="0"/>
-                </a:rPr>
-                <a:t>AWS Secrets Manager</a:t>
-              </a:r>
-            </a:p>
-          </p:txBody>
-        </p:sp>
-      </p:grpSp>
+          </a:ln>
+          <a:extLst>
+            <a:ext uri="{909E8E84-426E-40DD-AFC4-6F175D3DCCD1}">
+              <a14:hiddenFill xmlns:a14="http://schemas.microsoft.com/office/drawing/2010/main">
+                <a:solidFill>
+                  <a:srgbClr val="FFFFFF"/>
+                </a:solidFill>
+              </a14:hiddenFill>
+            </a:ext>
+            <a:ext uri="{91240B29-F687-4F45-9708-019B960494DF}">
+              <a14:hiddenLine xmlns:a14="http://schemas.microsoft.com/office/drawing/2010/main" w="9525">
+                <a:solidFill>
+                  <a:srgbClr val="000000"/>
+                </a:solidFill>
+                <a:miter lim="800000"/>
+                <a:headEnd/>
+                <a:tailEnd/>
+              </a14:hiddenLine>
+            </a:ext>
+          </a:extLst>
+        </p:spPr>
+        <p:txBody>
+          <a:bodyPr wrap="square">
+            <a:spAutoFit/>
+          </a:bodyPr>
+          <a:lstStyle>
+            <a:lvl1pPr>
+              <a:defRPr>
+                <a:solidFill>
+                  <a:schemeClr val="tx1"/>
+                </a:solidFill>
+                <a:latin typeface="Calibri" panose="020F0502020204030204" pitchFamily="34" charset="0"/>
+              </a:defRPr>
+            </a:lvl1pPr>
+            <a:lvl2pPr marL="742950" indent="-285750">
+              <a:defRPr>
+                <a:solidFill>
+                  <a:schemeClr val="tx1"/>
+                </a:solidFill>
+                <a:latin typeface="Calibri" panose="020F0502020204030204" pitchFamily="34" charset="0"/>
+              </a:defRPr>
+            </a:lvl2pPr>
+            <a:lvl3pPr marL="1143000" indent="-228600">
+              <a:defRPr>
+                <a:solidFill>
+                  <a:schemeClr val="tx1"/>
+                </a:solidFill>
+                <a:latin typeface="Calibri" panose="020F0502020204030204" pitchFamily="34" charset="0"/>
+              </a:defRPr>
+            </a:lvl3pPr>
+            <a:lvl4pPr marL="1600200" indent="-228600">
+              <a:defRPr>
+                <a:solidFill>
+                  <a:schemeClr val="tx1"/>
+                </a:solidFill>
+                <a:latin typeface="Calibri" panose="020F0502020204030204" pitchFamily="34" charset="0"/>
+              </a:defRPr>
+            </a:lvl4pPr>
+            <a:lvl5pPr marL="2057400" indent="-228600">
+              <a:defRPr>
+                <a:solidFill>
+                  <a:schemeClr val="tx1"/>
+                </a:solidFill>
+                <a:latin typeface="Calibri" panose="020F0502020204030204" pitchFamily="34" charset="0"/>
+              </a:defRPr>
+            </a:lvl5pPr>
+            <a:lvl6pPr marL="2514600" indent="-228600" eaLnBrk="0" fontAlgn="base" hangingPunct="0">
+              <a:spcBef>
+                <a:spcPct val="0"/>
+              </a:spcBef>
+              <a:spcAft>
+                <a:spcPct val="0"/>
+              </a:spcAft>
+              <a:defRPr>
+                <a:solidFill>
+                  <a:schemeClr val="tx1"/>
+                </a:solidFill>
+                <a:latin typeface="Calibri" panose="020F0502020204030204" pitchFamily="34" charset="0"/>
+              </a:defRPr>
+            </a:lvl6pPr>
+            <a:lvl7pPr marL="2971800" indent="-228600" eaLnBrk="0" fontAlgn="base" hangingPunct="0">
+              <a:spcBef>
+                <a:spcPct val="0"/>
+              </a:spcBef>
+              <a:spcAft>
+                <a:spcPct val="0"/>
+              </a:spcAft>
+              <a:defRPr>
+                <a:solidFill>
+                  <a:schemeClr val="tx1"/>
+                </a:solidFill>
+                <a:latin typeface="Calibri" panose="020F0502020204030204" pitchFamily="34" charset="0"/>
+              </a:defRPr>
+            </a:lvl7pPr>
+            <a:lvl8pPr marL="3429000" indent="-228600" eaLnBrk="0" fontAlgn="base" hangingPunct="0">
+              <a:spcBef>
+                <a:spcPct val="0"/>
+              </a:spcBef>
+              <a:spcAft>
+                <a:spcPct val="0"/>
+              </a:spcAft>
+              <a:defRPr>
+                <a:solidFill>
+                  <a:schemeClr val="tx1"/>
+                </a:solidFill>
+                <a:latin typeface="Calibri" panose="020F0502020204030204" pitchFamily="34" charset="0"/>
+              </a:defRPr>
+            </a:lvl8pPr>
+            <a:lvl9pPr marL="3886200" indent="-228600" eaLnBrk="0" fontAlgn="base" hangingPunct="0">
+              <a:spcBef>
+                <a:spcPct val="0"/>
+              </a:spcBef>
+              <a:spcAft>
+                <a:spcPct val="0"/>
+              </a:spcAft>
+              <a:defRPr>
+                <a:solidFill>
+                  <a:schemeClr val="tx1"/>
+                </a:solidFill>
+                <a:latin typeface="Calibri" panose="020F0502020204030204" pitchFamily="34" charset="0"/>
+              </a:defRPr>
+            </a:lvl9pPr>
+          </a:lstStyle>
+          <a:p>
+            <a:pPr algn="ctr" eaLnBrk="1" hangingPunct="1"/>
+            <a:r>
+              <a:rPr lang="en-US" altLang="en-US" sz="1200" dirty="0">
+                <a:latin typeface="Arial" panose="020B0604020202020204" pitchFamily="34" charset="0"/>
+                <a:ea typeface="Amazon Ember" panose="020B0603020204020204" pitchFamily="34" charset="0"/>
+                <a:cs typeface="Arial" panose="020B0604020202020204" pitchFamily="34" charset="0"/>
+              </a:rPr>
+              <a:t>AWS Secrets Manager</a:t>
+            </a:r>
+          </a:p>
+        </p:txBody>
+      </p:sp>
       <p:sp>
         <p:nvSpPr>
           <p:cNvPr id="157" name="TextBox 9">
@@ -6387,7 +5585,7 @@
         <p:spPr bwMode="auto">
           <a:xfrm>
             <a:off x="4018355" y="2971800"/>
-            <a:ext cx="914400" cy="261610"/>
+            <a:ext cx="914400" cy="276999"/>
           </a:xfrm>
           <a:prstGeom prst="rect">
             <a:avLst/>
@@ -6521,7 +5719,7 @@
           <a:p>
             <a:pPr algn="ctr" eaLnBrk="1" hangingPunct="1"/>
             <a:r>
-              <a:rPr lang="en-US" altLang="en-US" sz="1100" dirty="0">
+              <a:rPr lang="en-US" altLang="en-US" sz="1200" dirty="0">
                 <a:latin typeface="Arial" panose="020B0604020202020204" pitchFamily="34" charset="0"/>
                 <a:ea typeface="Amazon Ember" panose="020B0603020204020204" pitchFamily="34" charset="0"/>
                 <a:cs typeface="Arial" panose="020B0604020202020204" pitchFamily="34" charset="0"/>
@@ -6542,8 +5740,6 @@
           </p:cNvPr>
           <p:cNvCxnSpPr>
             <a:cxnSpLocks/>
-            <a:stCxn id="6" idx="1"/>
-            <a:endCxn id="9" idx="3"/>
           </p:cNvCxnSpPr>
           <p:nvPr/>
         </p:nvCxnSpPr>
@@ -6555,7 +5751,7 @@
           <a:prstGeom prst="straightConnector1">
             <a:avLst/>
           </a:prstGeom>
-          <a:ln w="12700">
+          <a:ln w="15875">
             <a:solidFill>
               <a:schemeClr val="tx2"/>
             </a:solidFill>
@@ -6594,8 +5790,8 @@
         </p:nvSpPr>
         <p:spPr bwMode="auto">
           <a:xfrm>
-            <a:off x="3778206" y="4566680"/>
-            <a:ext cx="1196552" cy="261610"/>
+            <a:off x="3778206" y="4617720"/>
+            <a:ext cx="1196552" cy="276999"/>
           </a:xfrm>
           <a:prstGeom prst="rect">
             <a:avLst/>
@@ -6729,7 +5925,7 @@
           <a:p>
             <a:pPr algn="ctr" eaLnBrk="1" hangingPunct="1"/>
             <a:r>
-              <a:rPr lang="en-US" altLang="en-US" sz="1100" dirty="0">
+              <a:rPr lang="en-US" altLang="en-US" sz="1200" dirty="0">
                 <a:latin typeface="Arial" panose="020B0604020202020204" pitchFamily="34" charset="0"/>
                 <a:ea typeface="Amazon Ember" panose="020B0603020204020204" pitchFamily="34" charset="0"/>
                 <a:cs typeface="Arial" panose="020B0604020202020204" pitchFamily="34" charset="0"/>
@@ -6755,8 +5951,8 @@
         </p:nvSpPr>
         <p:spPr bwMode="auto">
           <a:xfrm>
-            <a:off x="1568589" y="4608537"/>
-            <a:ext cx="1196552" cy="261610"/>
+            <a:off x="1514661" y="4617720"/>
+            <a:ext cx="1280160" cy="274320"/>
           </a:xfrm>
           <a:prstGeom prst="rect">
             <a:avLst/>
@@ -6890,7 +6086,7 @@
           <a:p>
             <a:pPr algn="ctr" eaLnBrk="1" hangingPunct="1"/>
             <a:r>
-              <a:rPr lang="en-US" altLang="en-US" sz="1100" dirty="0">
+              <a:rPr lang="en-US" altLang="en-US" sz="1200" dirty="0">
                 <a:latin typeface="Arial" panose="020B0604020202020204" pitchFamily="34" charset="0"/>
                 <a:ea typeface="Amazon Ember" panose="020B0603020204020204" pitchFamily="34" charset="0"/>
                 <a:cs typeface="Arial" panose="020B0604020202020204" pitchFamily="34" charset="0"/>
@@ -6915,7 +6111,7 @@
           <p:nvPr/>
         </p:nvPicPr>
         <p:blipFill>
-          <a:blip r:embed="rId16">
+          <a:blip r:embed="rId6">
             <a:extLst>
               <a:ext uri="{28A0092B-C50C-407E-A947-70E740481C1C}">
                 <a14:useLocalDpi xmlns:a14="http://schemas.microsoft.com/office/drawing/2010/main" val="0"/>
@@ -6930,7 +6126,7 @@
         <p:spPr bwMode="auto">
           <a:xfrm>
             <a:off x="9692191" y="938745"/>
-            <a:ext cx="469900" cy="469900"/>
+            <a:ext cx="457200" cy="457200"/>
           </a:xfrm>
           <a:prstGeom prst="rect">
             <a:avLst/>
@@ -6976,8 +6172,8 @@
         </p:nvSpPr>
         <p:spPr bwMode="auto">
           <a:xfrm>
-            <a:off x="9424221" y="1391920"/>
-            <a:ext cx="1005840" cy="365760"/>
+            <a:off x="9378501" y="1389888"/>
+            <a:ext cx="1097280" cy="457200"/>
           </a:xfrm>
           <a:prstGeom prst="rect">
             <a:avLst/>
@@ -7111,7 +6307,7 @@
           <a:p>
             <a:pPr algn="ctr" eaLnBrk="1" hangingPunct="1"/>
             <a:r>
-              <a:rPr lang="en-US" altLang="en-US" sz="1100" dirty="0">
+              <a:rPr lang="en-US" altLang="en-US" sz="1200" dirty="0">
                 <a:solidFill>
                   <a:srgbClr val="000000"/>
                 </a:solidFill>
@@ -7135,19 +6331,18 @@
           <p:cNvCxnSpPr>
             <a:cxnSpLocks/>
             <a:stCxn id="13" idx="3"/>
-            <a:endCxn id="97" idx="1"/>
           </p:cNvCxnSpPr>
           <p:nvPr/>
         </p:nvCxnSpPr>
         <p:spPr>
-          <a:xfrm flipV="1">
-            <a:off x="935990" y="2748315"/>
-            <a:ext cx="982324" cy="846"/>
+          <a:xfrm>
+            <a:off x="923290" y="2742811"/>
+            <a:ext cx="995024" cy="5504"/>
           </a:xfrm>
           <a:prstGeom prst="straightConnector1">
             <a:avLst/>
           </a:prstGeom>
-          <a:ln w="12700">
+          <a:ln w="15875">
             <a:solidFill>
               <a:schemeClr val="tx2"/>
             </a:solidFill>
@@ -7181,8 +6376,6 @@
           </p:cNvPr>
           <p:cNvCxnSpPr>
             <a:cxnSpLocks/>
-            <a:stCxn id="104" idx="3"/>
-            <a:endCxn id="47" idx="1"/>
           </p:cNvCxnSpPr>
           <p:nvPr/>
         </p:nvCxnSpPr>
@@ -7194,7 +6387,7 @@
           <a:prstGeom prst="straightConnector1">
             <a:avLst/>
           </a:prstGeom>
-          <a:ln w="12700">
+          <a:ln w="15875">
             <a:solidFill>
               <a:schemeClr val="tx2"/>
             </a:solidFill>
@@ -7272,7 +6465,7 @@
             </a:pathLst>
           </a:custGeom>
           <a:noFill/>
-          <a:ln w="12700">
+          <a:ln w="15875">
             <a:solidFill>
               <a:schemeClr val="tx2"/>
             </a:solidFill>
@@ -7406,7 +6599,7 @@
               </a:pathLst>
             </a:custGeom>
             <a:noFill/>
-            <a:ln w="12700">
+            <a:ln w="15875">
               <a:solidFill>
                 <a:schemeClr val="tx2"/>
               </a:solidFill>
@@ -7458,7 +6651,6 @@
             </p:cNvPr>
             <p:cNvCxnSpPr>
               <a:cxnSpLocks/>
-              <a:stCxn id="2" idx="3"/>
             </p:cNvCxnSpPr>
             <p:nvPr/>
           </p:nvCxnSpPr>
@@ -7470,7 +6662,7 @@
             <a:prstGeom prst="straightConnector1">
               <a:avLst/>
             </a:prstGeom>
-            <a:ln w="12700">
+            <a:ln w="15875">
               <a:solidFill>
                 <a:schemeClr val="tx2"/>
               </a:solidFill>
@@ -7587,7 +6779,7 @@
               </a:pathLst>
             </a:custGeom>
             <a:noFill/>
-            <a:ln w="12700">
+            <a:ln w="15875">
               <a:solidFill>
                 <a:schemeClr val="tx2"/>
               </a:solidFill>
@@ -7650,7 +6842,7 @@
             <a:prstGeom prst="straightConnector1">
               <a:avLst/>
             </a:prstGeom>
-            <a:ln w="12700">
+            <a:ln w="15875">
               <a:solidFill>
                 <a:schemeClr val="tx2"/>
               </a:solidFill>
@@ -7685,8 +6877,6 @@
           </p:cNvPr>
           <p:cNvCxnSpPr>
             <a:cxnSpLocks/>
-            <a:stCxn id="7" idx="1"/>
-            <a:endCxn id="4" idx="3"/>
           </p:cNvCxnSpPr>
           <p:nvPr/>
         </p:nvCxnSpPr>
@@ -7698,7 +6888,7 @@
           <a:prstGeom prst="straightConnector1">
             <a:avLst/>
           </a:prstGeom>
-          <a:ln w="12700">
+          <a:ln w="15875">
             <a:solidFill>
               <a:schemeClr val="tx2"/>
             </a:solidFill>
@@ -7776,7 +6966,7 @@
             </a:pathLst>
           </a:custGeom>
           <a:noFill/>
-          <a:ln w="12700">
+          <a:ln w="15875">
             <a:solidFill>
               <a:schemeClr val="tx2"/>
             </a:solidFill>
@@ -7872,7 +7062,7 @@
             </a:pathLst>
           </a:custGeom>
           <a:noFill/>
-          <a:ln w="12700">
+          <a:ln w="15875">
             <a:solidFill>
               <a:schemeClr val="tx2"/>
             </a:solidFill>
@@ -7968,7 +7158,7 @@
             </a:pathLst>
           </a:custGeom>
           <a:noFill/>
-          <a:ln w="12700">
+          <a:ln w="15875">
             <a:solidFill>
               <a:schemeClr val="tx2"/>
             </a:solidFill>
@@ -8064,7 +7254,7 @@
             </a:pathLst>
           </a:custGeom>
           <a:noFill/>
-          <a:ln w="12700">
+          <a:ln w="15875">
             <a:solidFill>
               <a:schemeClr val="tx2"/>
             </a:solidFill>
@@ -8105,6 +7295,672 @@
           </a:p>
         </p:txBody>
       </p:sp>
+      <p:pic>
+        <p:nvPicPr>
+          <p:cNvPr id="58" name="Graphic 6">
+            <a:extLst>
+              <a:ext uri="{FF2B5EF4-FFF2-40B4-BE49-F238E27FC236}">
+                <a16:creationId xmlns:a16="http://schemas.microsoft.com/office/drawing/2014/main" id="{B18F25F0-D79E-4EAC-BE4B-2FB231273405}"/>
+              </a:ext>
+            </a:extLst>
+          </p:cNvPr>
+          <p:cNvPicPr>
+            <a:picLocks noChangeAspect="1" noChangeArrowheads="1"/>
+          </p:cNvPicPr>
+          <p:nvPr/>
+        </p:nvPicPr>
+        <p:blipFill>
+          <a:blip r:embed="rId7">
+            <a:extLst>
+              <a:ext uri="{96DAC541-7B7A-43D3-8B79-37D633B846F1}">
+                <asvg:svgBlip xmlns:asvg="http://schemas.microsoft.com/office/drawing/2016/SVG/main" r:embed="rId8"/>
+              </a:ext>
+            </a:extLst>
+          </a:blip>
+          <a:srcRect/>
+          <a:stretch/>
+        </p:blipFill>
+        <p:spPr bwMode="auto">
+          <a:xfrm>
+            <a:off x="6345936" y="2414016"/>
+            <a:ext cx="762000" cy="762000"/>
+          </a:xfrm>
+          <a:prstGeom prst="rect">
+            <a:avLst/>
+          </a:prstGeom>
+          <a:noFill/>
+          <a:ln>
+            <a:noFill/>
+          </a:ln>
+          <a:extLst>
+            <a:ext uri="{909E8E84-426E-40DD-AFC4-6F175D3DCCD1}">
+              <a14:hiddenFill xmlns:a14="http://schemas.microsoft.com/office/drawing/2010/main">
+                <a:solidFill>
+                  <a:srgbClr val="FFFFFF"/>
+                </a:solidFill>
+              </a14:hiddenFill>
+            </a:ext>
+            <a:ext uri="{91240B29-F687-4F45-9708-019B960494DF}">
+              <a14:hiddenLine xmlns:a14="http://schemas.microsoft.com/office/drawing/2010/main" w="9525">
+                <a:solidFill>
+                  <a:srgbClr val="000000"/>
+                </a:solidFill>
+                <a:miter lim="800000"/>
+                <a:headEnd/>
+                <a:tailEnd/>
+              </a14:hiddenLine>
+            </a:ext>
+          </a:extLst>
+        </p:spPr>
+      </p:pic>
+      <p:pic>
+        <p:nvPicPr>
+          <p:cNvPr id="59" name="Graphic 13">
+            <a:extLst>
+              <a:ext uri="{FF2B5EF4-FFF2-40B4-BE49-F238E27FC236}">
+                <a16:creationId xmlns:a16="http://schemas.microsoft.com/office/drawing/2014/main" id="{26E62974-848D-42EB-80FA-E6C968DFC4B4}"/>
+              </a:ext>
+            </a:extLst>
+          </p:cNvPr>
+          <p:cNvPicPr>
+            <a:picLocks noChangeAspect="1" noChangeArrowheads="1"/>
+          </p:cNvPicPr>
+          <p:nvPr/>
+        </p:nvPicPr>
+        <p:blipFill>
+          <a:blip r:embed="rId9">
+            <a:extLst>
+              <a:ext uri="{96DAC541-7B7A-43D3-8B79-37D633B846F1}">
+                <asvg:svgBlip xmlns:asvg="http://schemas.microsoft.com/office/drawing/2016/SVG/main" r:embed="rId10"/>
+              </a:ext>
+            </a:extLst>
+          </a:blip>
+          <a:srcRect/>
+          <a:stretch/>
+        </p:blipFill>
+        <p:spPr bwMode="auto">
+          <a:xfrm>
+            <a:off x="5239512" y="2039112"/>
+            <a:ext cx="457200" cy="457200"/>
+          </a:xfrm>
+          <a:prstGeom prst="rect">
+            <a:avLst/>
+          </a:prstGeom>
+          <a:noFill/>
+          <a:ln>
+            <a:noFill/>
+          </a:ln>
+          <a:extLst>
+            <a:ext uri="{909E8E84-426E-40DD-AFC4-6F175D3DCCD1}">
+              <a14:hiddenFill xmlns:a14="http://schemas.microsoft.com/office/drawing/2010/main">
+                <a:solidFill>
+                  <a:srgbClr val="FFFFFF"/>
+                </a:solidFill>
+              </a14:hiddenFill>
+            </a:ext>
+            <a:ext uri="{91240B29-F687-4F45-9708-019B960494DF}">
+              <a14:hiddenLine xmlns:a14="http://schemas.microsoft.com/office/drawing/2010/main" w="9525">
+                <a:solidFill>
+                  <a:srgbClr val="000000"/>
+                </a:solidFill>
+                <a:miter lim="800000"/>
+                <a:headEnd/>
+                <a:tailEnd/>
+              </a14:hiddenLine>
+            </a:ext>
+          </a:extLst>
+        </p:spPr>
+      </p:pic>
+      <p:pic>
+        <p:nvPicPr>
+          <p:cNvPr id="60" name="Graphic 13">
+            <a:extLst>
+              <a:ext uri="{FF2B5EF4-FFF2-40B4-BE49-F238E27FC236}">
+                <a16:creationId xmlns:a16="http://schemas.microsoft.com/office/drawing/2014/main" id="{2838896C-2194-4A65-9D0A-3891DF458C99}"/>
+              </a:ext>
+            </a:extLst>
+          </p:cNvPr>
+          <p:cNvPicPr>
+            <a:picLocks noChangeAspect="1" noChangeArrowheads="1"/>
+          </p:cNvPicPr>
+          <p:nvPr/>
+        </p:nvPicPr>
+        <p:blipFill>
+          <a:blip r:embed="rId9">
+            <a:extLst>
+              <a:ext uri="{96DAC541-7B7A-43D3-8B79-37D633B846F1}">
+                <asvg:svgBlip xmlns:asvg="http://schemas.microsoft.com/office/drawing/2016/SVG/main" r:embed="rId10"/>
+              </a:ext>
+            </a:extLst>
+          </a:blip>
+          <a:srcRect/>
+          <a:stretch/>
+        </p:blipFill>
+        <p:spPr bwMode="auto">
+          <a:xfrm>
+            <a:off x="3017520" y="914400"/>
+            <a:ext cx="457200" cy="457200"/>
+          </a:xfrm>
+          <a:prstGeom prst="rect">
+            <a:avLst/>
+          </a:prstGeom>
+          <a:noFill/>
+          <a:ln>
+            <a:noFill/>
+          </a:ln>
+          <a:extLst>
+            <a:ext uri="{909E8E84-426E-40DD-AFC4-6F175D3DCCD1}">
+              <a14:hiddenFill xmlns:a14="http://schemas.microsoft.com/office/drawing/2010/main">
+                <a:solidFill>
+                  <a:srgbClr val="FFFFFF"/>
+                </a:solidFill>
+              </a14:hiddenFill>
+            </a:ext>
+            <a:ext uri="{91240B29-F687-4F45-9708-019B960494DF}">
+              <a14:hiddenLine xmlns:a14="http://schemas.microsoft.com/office/drawing/2010/main" w="9525">
+                <a:solidFill>
+                  <a:srgbClr val="000000"/>
+                </a:solidFill>
+                <a:miter lim="800000"/>
+                <a:headEnd/>
+                <a:tailEnd/>
+              </a14:hiddenLine>
+            </a:ext>
+          </a:extLst>
+        </p:spPr>
+      </p:pic>
+      <p:pic>
+        <p:nvPicPr>
+          <p:cNvPr id="61" name="Graphic 13">
+            <a:extLst>
+              <a:ext uri="{FF2B5EF4-FFF2-40B4-BE49-F238E27FC236}">
+                <a16:creationId xmlns:a16="http://schemas.microsoft.com/office/drawing/2014/main" id="{1B13CFDB-16F2-4808-8837-65A9263F333B}"/>
+              </a:ext>
+            </a:extLst>
+          </p:cNvPr>
+          <p:cNvPicPr>
+            <a:picLocks noChangeAspect="1" noChangeArrowheads="1"/>
+          </p:cNvPicPr>
+          <p:nvPr/>
+        </p:nvPicPr>
+        <p:blipFill>
+          <a:blip r:embed="rId9">
+            <a:extLst>
+              <a:ext uri="{96DAC541-7B7A-43D3-8B79-37D633B846F1}">
+                <asvg:svgBlip xmlns:asvg="http://schemas.microsoft.com/office/drawing/2016/SVG/main" r:embed="rId10"/>
+              </a:ext>
+            </a:extLst>
+          </a:blip>
+          <a:srcRect/>
+          <a:stretch/>
+        </p:blipFill>
+        <p:spPr bwMode="auto">
+          <a:xfrm>
+            <a:off x="3017520" y="3035808"/>
+            <a:ext cx="457200" cy="457200"/>
+          </a:xfrm>
+          <a:prstGeom prst="rect">
+            <a:avLst/>
+          </a:prstGeom>
+          <a:noFill/>
+          <a:ln>
+            <a:noFill/>
+          </a:ln>
+          <a:extLst>
+            <a:ext uri="{909E8E84-426E-40DD-AFC4-6F175D3DCCD1}">
+              <a14:hiddenFill xmlns:a14="http://schemas.microsoft.com/office/drawing/2010/main">
+                <a:solidFill>
+                  <a:srgbClr val="FFFFFF"/>
+                </a:solidFill>
+              </a14:hiddenFill>
+            </a:ext>
+            <a:ext uri="{91240B29-F687-4F45-9708-019B960494DF}">
+              <a14:hiddenLine xmlns:a14="http://schemas.microsoft.com/office/drawing/2010/main" w="9525">
+                <a:solidFill>
+                  <a:srgbClr val="000000"/>
+                </a:solidFill>
+                <a:miter lim="800000"/>
+                <a:headEnd/>
+                <a:tailEnd/>
+              </a14:hiddenLine>
+            </a:ext>
+          </a:extLst>
+        </p:spPr>
+      </p:pic>
+      <p:pic>
+        <p:nvPicPr>
+          <p:cNvPr id="62" name="Graphic 13">
+            <a:extLst>
+              <a:ext uri="{FF2B5EF4-FFF2-40B4-BE49-F238E27FC236}">
+                <a16:creationId xmlns:a16="http://schemas.microsoft.com/office/drawing/2014/main" id="{3D1CF34A-CE7E-41FE-942C-411F1DABF072}"/>
+              </a:ext>
+            </a:extLst>
+          </p:cNvPr>
+          <p:cNvPicPr>
+            <a:picLocks noChangeAspect="1" noChangeArrowheads="1"/>
+          </p:cNvPicPr>
+          <p:nvPr/>
+        </p:nvPicPr>
+        <p:blipFill>
+          <a:blip r:embed="rId9">
+            <a:extLst>
+              <a:ext uri="{96DAC541-7B7A-43D3-8B79-37D633B846F1}">
+                <asvg:svgBlip xmlns:asvg="http://schemas.microsoft.com/office/drawing/2016/SVG/main" r:embed="rId10"/>
+              </a:ext>
+            </a:extLst>
+          </a:blip>
+          <a:srcRect/>
+          <a:stretch/>
+        </p:blipFill>
+        <p:spPr bwMode="auto">
+          <a:xfrm>
+            <a:off x="3017520" y="2103120"/>
+            <a:ext cx="457200" cy="457200"/>
+          </a:xfrm>
+          <a:prstGeom prst="rect">
+            <a:avLst/>
+          </a:prstGeom>
+          <a:noFill/>
+          <a:ln>
+            <a:noFill/>
+          </a:ln>
+          <a:extLst>
+            <a:ext uri="{909E8E84-426E-40DD-AFC4-6F175D3DCCD1}">
+              <a14:hiddenFill xmlns:a14="http://schemas.microsoft.com/office/drawing/2010/main">
+                <a:solidFill>
+                  <a:srgbClr val="FFFFFF"/>
+                </a:solidFill>
+              </a14:hiddenFill>
+            </a:ext>
+            <a:ext uri="{91240B29-F687-4F45-9708-019B960494DF}">
+              <a14:hiddenLine xmlns:a14="http://schemas.microsoft.com/office/drawing/2010/main" w="9525">
+                <a:solidFill>
+                  <a:srgbClr val="000000"/>
+                </a:solidFill>
+                <a:miter lim="800000"/>
+                <a:headEnd/>
+                <a:tailEnd/>
+              </a14:hiddenLine>
+            </a:ext>
+          </a:extLst>
+        </p:spPr>
+      </p:pic>
+      <p:pic>
+        <p:nvPicPr>
+          <p:cNvPr id="63" name="Graphic 62">
+            <a:extLst>
+              <a:ext uri="{FF2B5EF4-FFF2-40B4-BE49-F238E27FC236}">
+                <a16:creationId xmlns:a16="http://schemas.microsoft.com/office/drawing/2014/main" id="{09BADE95-CD75-44CF-9770-A715BA48C29B}"/>
+              </a:ext>
+            </a:extLst>
+          </p:cNvPr>
+          <p:cNvPicPr>
+            <a:picLocks noChangeAspect="1"/>
+          </p:cNvPicPr>
+          <p:nvPr/>
+        </p:nvPicPr>
+        <p:blipFill>
+          <a:blip r:embed="rId11">
+            <a:extLst>
+              <a:ext uri="{96DAC541-7B7A-43D3-8B79-37D633B846F1}">
+                <asvg:svgBlip xmlns:asvg="http://schemas.microsoft.com/office/drawing/2016/SVG/main" r:embed="rId12"/>
+              </a:ext>
+            </a:extLst>
+          </a:blip>
+          <a:stretch>
+            <a:fillRect/>
+          </a:stretch>
+        </p:blipFill>
+        <p:spPr>
+          <a:xfrm>
+            <a:off x="1920240" y="4151376"/>
+            <a:ext cx="457200" cy="457200"/>
+          </a:xfrm>
+          <a:prstGeom prst="rect">
+            <a:avLst/>
+          </a:prstGeom>
+        </p:spPr>
+      </p:pic>
+      <p:pic>
+        <p:nvPicPr>
+          <p:cNvPr id="64" name="Graphic 17">
+            <a:extLst>
+              <a:ext uri="{FF2B5EF4-FFF2-40B4-BE49-F238E27FC236}">
+                <a16:creationId xmlns:a16="http://schemas.microsoft.com/office/drawing/2014/main" id="{D224F861-3658-4FCF-A510-70EDE1943B17}"/>
+              </a:ext>
+            </a:extLst>
+          </p:cNvPr>
+          <p:cNvPicPr>
+            <a:picLocks noChangeAspect="1" noChangeArrowheads="1"/>
+          </p:cNvPicPr>
+          <p:nvPr/>
+        </p:nvPicPr>
+        <p:blipFill>
+          <a:blip r:embed="rId13">
+            <a:extLst>
+              <a:ext uri="{96DAC541-7B7A-43D3-8B79-37D633B846F1}">
+                <asvg:svgBlip xmlns:asvg="http://schemas.microsoft.com/office/drawing/2016/SVG/main" r:embed="rId14"/>
+              </a:ext>
+            </a:extLst>
+          </a:blip>
+          <a:srcRect/>
+          <a:stretch/>
+        </p:blipFill>
+        <p:spPr bwMode="auto">
+          <a:xfrm>
+            <a:off x="7863840" y="3474720"/>
+            <a:ext cx="762000" cy="762000"/>
+          </a:xfrm>
+          <a:prstGeom prst="rect">
+            <a:avLst/>
+          </a:prstGeom>
+          <a:noFill/>
+          <a:ln>
+            <a:noFill/>
+          </a:ln>
+          <a:extLst>
+            <a:ext uri="{909E8E84-426E-40DD-AFC4-6F175D3DCCD1}">
+              <a14:hiddenFill xmlns:a14="http://schemas.microsoft.com/office/drawing/2010/main">
+                <a:solidFill>
+                  <a:srgbClr val="FFFFFF"/>
+                </a:solidFill>
+              </a14:hiddenFill>
+            </a:ext>
+            <a:ext uri="{91240B29-F687-4F45-9708-019B960494DF}">
+              <a14:hiddenLine xmlns:a14="http://schemas.microsoft.com/office/drawing/2010/main" w="9525">
+                <a:solidFill>
+                  <a:srgbClr val="000000"/>
+                </a:solidFill>
+                <a:miter lim="800000"/>
+                <a:headEnd/>
+                <a:tailEnd/>
+              </a14:hiddenLine>
+            </a:ext>
+          </a:extLst>
+        </p:spPr>
+      </p:pic>
+      <p:pic>
+        <p:nvPicPr>
+          <p:cNvPr id="65" name="Graphic 64">
+            <a:extLst>
+              <a:ext uri="{FF2B5EF4-FFF2-40B4-BE49-F238E27FC236}">
+                <a16:creationId xmlns:a16="http://schemas.microsoft.com/office/drawing/2014/main" id="{E3B1F7EE-7841-4472-BD2B-F924EC16DB15}"/>
+              </a:ext>
+            </a:extLst>
+          </p:cNvPr>
+          <p:cNvPicPr>
+            <a:picLocks noChangeAspect="1"/>
+          </p:cNvPicPr>
+          <p:nvPr/>
+        </p:nvPicPr>
+        <p:blipFill>
+          <a:blip r:embed="rId15">
+            <a:extLst>
+              <a:ext uri="{96DAC541-7B7A-43D3-8B79-37D633B846F1}">
+                <asvg:svgBlip xmlns:asvg="http://schemas.microsoft.com/office/drawing/2016/SVG/main" r:embed="rId16"/>
+              </a:ext>
+            </a:extLst>
+          </a:blip>
+          <a:stretch>
+            <a:fillRect/>
+          </a:stretch>
+        </p:blipFill>
+        <p:spPr>
+          <a:xfrm>
+            <a:off x="4142232" y="4151376"/>
+            <a:ext cx="457200" cy="457200"/>
+          </a:xfrm>
+          <a:prstGeom prst="rect">
+            <a:avLst/>
+          </a:prstGeom>
+        </p:spPr>
+      </p:pic>
+      <p:pic>
+        <p:nvPicPr>
+          <p:cNvPr id="66" name="Graphic 19">
+            <a:extLst>
+              <a:ext uri="{FF2B5EF4-FFF2-40B4-BE49-F238E27FC236}">
+                <a16:creationId xmlns:a16="http://schemas.microsoft.com/office/drawing/2014/main" id="{0C569C94-BBA2-4FE9-8272-A004CEE7928D}"/>
+              </a:ext>
+            </a:extLst>
+          </p:cNvPr>
+          <p:cNvPicPr>
+            <a:picLocks noChangeAspect="1" noChangeArrowheads="1"/>
+          </p:cNvPicPr>
+          <p:nvPr/>
+        </p:nvPicPr>
+        <p:blipFill>
+          <a:blip r:embed="rId17">
+            <a:extLst>
+              <a:ext uri="{96DAC541-7B7A-43D3-8B79-37D633B846F1}">
+                <asvg:svgBlip xmlns:asvg="http://schemas.microsoft.com/office/drawing/2016/SVG/main" r:embed="rId18"/>
+              </a:ext>
+            </a:extLst>
+          </a:blip>
+          <a:srcRect/>
+          <a:stretch/>
+        </p:blipFill>
+        <p:spPr bwMode="auto">
+          <a:xfrm>
+            <a:off x="7296912" y="795528"/>
+            <a:ext cx="762000" cy="762000"/>
+          </a:xfrm>
+          <a:prstGeom prst="rect">
+            <a:avLst/>
+          </a:prstGeom>
+          <a:noFill/>
+          <a:ln>
+            <a:noFill/>
+          </a:ln>
+          <a:extLst>
+            <a:ext uri="{909E8E84-426E-40DD-AFC4-6F175D3DCCD1}">
+              <a14:hiddenFill xmlns:a14="http://schemas.microsoft.com/office/drawing/2010/main">
+                <a:solidFill>
+                  <a:srgbClr val="FFFFFF"/>
+                </a:solidFill>
+              </a14:hiddenFill>
+            </a:ext>
+            <a:ext uri="{91240B29-F687-4F45-9708-019B960494DF}">
+              <a14:hiddenLine xmlns:a14="http://schemas.microsoft.com/office/drawing/2010/main" w="9525">
+                <a:solidFill>
+                  <a:srgbClr val="000000"/>
+                </a:solidFill>
+                <a:miter lim="800000"/>
+                <a:headEnd/>
+                <a:tailEnd/>
+              </a14:hiddenLine>
+            </a:ext>
+          </a:extLst>
+        </p:spPr>
+      </p:pic>
+      <p:pic>
+        <p:nvPicPr>
+          <p:cNvPr id="67" name="Graphic 6">
+            <a:extLst>
+              <a:ext uri="{FF2B5EF4-FFF2-40B4-BE49-F238E27FC236}">
+                <a16:creationId xmlns:a16="http://schemas.microsoft.com/office/drawing/2014/main" id="{DFF7DA98-2B47-4709-BDC3-41A9BE2020E7}"/>
+              </a:ext>
+            </a:extLst>
+          </p:cNvPr>
+          <p:cNvPicPr>
+            <a:picLocks noChangeAspect="1" noChangeArrowheads="1"/>
+          </p:cNvPicPr>
+          <p:nvPr/>
+        </p:nvPicPr>
+        <p:blipFill>
+          <a:blip r:embed="rId19">
+            <a:extLst>
+              <a:ext uri="{96DAC541-7B7A-43D3-8B79-37D633B846F1}">
+                <asvg:svgBlip xmlns:asvg="http://schemas.microsoft.com/office/drawing/2016/SVG/main" r:embed="rId20"/>
+              </a:ext>
+            </a:extLst>
+          </a:blip>
+          <a:srcRect/>
+          <a:stretch/>
+        </p:blipFill>
+        <p:spPr bwMode="auto">
+          <a:xfrm>
+            <a:off x="1920240" y="2523744"/>
+            <a:ext cx="457200" cy="457200"/>
+          </a:xfrm>
+          <a:prstGeom prst="rect">
+            <a:avLst/>
+          </a:prstGeom>
+          <a:noFill/>
+          <a:ln>
+            <a:noFill/>
+          </a:ln>
+          <a:extLst>
+            <a:ext uri="{909E8E84-426E-40DD-AFC4-6F175D3DCCD1}">
+              <a14:hiddenFill xmlns:a14="http://schemas.microsoft.com/office/drawing/2010/main">
+                <a:solidFill>
+                  <a:srgbClr val="FFFFFF"/>
+                </a:solidFill>
+              </a14:hiddenFill>
+            </a:ext>
+            <a:ext uri="{91240B29-F687-4F45-9708-019B960494DF}">
+              <a14:hiddenLine xmlns:a14="http://schemas.microsoft.com/office/drawing/2010/main" w="9525">
+                <a:solidFill>
+                  <a:srgbClr val="000000"/>
+                </a:solidFill>
+                <a:miter lim="800000"/>
+                <a:headEnd/>
+                <a:tailEnd/>
+              </a14:hiddenLine>
+            </a:ext>
+          </a:extLst>
+        </p:spPr>
+      </p:pic>
+      <p:pic>
+        <p:nvPicPr>
+          <p:cNvPr id="68" name="Graphic 6">
+            <a:extLst>
+              <a:ext uri="{FF2B5EF4-FFF2-40B4-BE49-F238E27FC236}">
+                <a16:creationId xmlns:a16="http://schemas.microsoft.com/office/drawing/2014/main" id="{BFF4FFC7-31B4-4D55-B0D1-548E43436196}"/>
+              </a:ext>
+            </a:extLst>
+          </p:cNvPr>
+          <p:cNvPicPr>
+            <a:picLocks noChangeAspect="1" noChangeArrowheads="1"/>
+          </p:cNvPicPr>
+          <p:nvPr/>
+        </p:nvPicPr>
+        <p:blipFill>
+          <a:blip r:embed="rId19">
+            <a:extLst>
+              <a:ext uri="{96DAC541-7B7A-43D3-8B79-37D633B846F1}">
+                <asvg:svgBlip xmlns:asvg="http://schemas.microsoft.com/office/drawing/2016/SVG/main" r:embed="rId20"/>
+              </a:ext>
+            </a:extLst>
+          </a:blip>
+          <a:srcRect/>
+          <a:stretch/>
+        </p:blipFill>
+        <p:spPr bwMode="auto">
+          <a:xfrm>
+            <a:off x="1920240" y="914400"/>
+            <a:ext cx="457200" cy="457200"/>
+          </a:xfrm>
+          <a:prstGeom prst="rect">
+            <a:avLst/>
+          </a:prstGeom>
+          <a:noFill/>
+          <a:ln>
+            <a:noFill/>
+          </a:ln>
+          <a:extLst>
+            <a:ext uri="{909E8E84-426E-40DD-AFC4-6F175D3DCCD1}">
+              <a14:hiddenFill xmlns:a14="http://schemas.microsoft.com/office/drawing/2010/main">
+                <a:solidFill>
+                  <a:srgbClr val="FFFFFF"/>
+                </a:solidFill>
+              </a14:hiddenFill>
+            </a:ext>
+            <a:ext uri="{91240B29-F687-4F45-9708-019B960494DF}">
+              <a14:hiddenLine xmlns:a14="http://schemas.microsoft.com/office/drawing/2010/main" w="9525">
+                <a:solidFill>
+                  <a:srgbClr val="000000"/>
+                </a:solidFill>
+                <a:miter lim="800000"/>
+                <a:headEnd/>
+                <a:tailEnd/>
+              </a14:hiddenLine>
+            </a:ext>
+          </a:extLst>
+        </p:spPr>
+      </p:pic>
+      <p:pic>
+        <p:nvPicPr>
+          <p:cNvPr id="69" name="Graphic 68">
+            <a:extLst>
+              <a:ext uri="{FF2B5EF4-FFF2-40B4-BE49-F238E27FC236}">
+                <a16:creationId xmlns:a16="http://schemas.microsoft.com/office/drawing/2014/main" id="{446B5341-D139-487B-9F4D-3B53320DB98B}"/>
+              </a:ext>
+            </a:extLst>
+          </p:cNvPr>
+          <p:cNvPicPr>
+            <a:picLocks noChangeAspect="1"/>
+          </p:cNvPicPr>
+          <p:nvPr/>
+        </p:nvPicPr>
+        <p:blipFill>
+          <a:blip r:embed="rId21">
+            <a:extLst>
+              <a:ext uri="{96DAC541-7B7A-43D3-8B79-37D633B846F1}">
+                <asvg:svgBlip xmlns:asvg="http://schemas.microsoft.com/office/drawing/2016/SVG/main" r:embed="rId22"/>
+              </a:ext>
+            </a:extLst>
+          </a:blip>
+          <a:stretch>
+            <a:fillRect/>
+          </a:stretch>
+        </p:blipFill>
+        <p:spPr>
+          <a:xfrm>
+            <a:off x="4251960" y="1572768"/>
+            <a:ext cx="457200" cy="457200"/>
+          </a:xfrm>
+          <a:prstGeom prst="rect">
+            <a:avLst/>
+          </a:prstGeom>
+        </p:spPr>
+      </p:pic>
+      <p:pic>
+        <p:nvPicPr>
+          <p:cNvPr id="70" name="Graphic 69">
+            <a:extLst>
+              <a:ext uri="{FF2B5EF4-FFF2-40B4-BE49-F238E27FC236}">
+                <a16:creationId xmlns:a16="http://schemas.microsoft.com/office/drawing/2014/main" id="{467DAFE2-B420-43B6-B1C7-0F8C247DE332}"/>
+              </a:ext>
+            </a:extLst>
+          </p:cNvPr>
+          <p:cNvPicPr>
+            <a:picLocks noChangeAspect="1"/>
+          </p:cNvPicPr>
+          <p:nvPr/>
+        </p:nvPicPr>
+        <p:blipFill>
+          <a:blip r:embed="rId23">
+            <a:extLst>
+              <a:ext uri="{96DAC541-7B7A-43D3-8B79-37D633B846F1}">
+                <asvg:svgBlip xmlns:asvg="http://schemas.microsoft.com/office/drawing/2016/SVG/main" r:embed="rId24"/>
+              </a:ext>
+            </a:extLst>
+          </a:blip>
+          <a:stretch>
+            <a:fillRect/>
+          </a:stretch>
+        </p:blipFill>
+        <p:spPr>
+          <a:xfrm>
+            <a:off x="4251960" y="2551176"/>
+            <a:ext cx="457200" cy="457200"/>
+          </a:xfrm>
+          <a:prstGeom prst="rect">
+            <a:avLst/>
+          </a:prstGeom>
+        </p:spPr>
+      </p:pic>
     </p:spTree>
     <p:extLst>
       <p:ext uri="{BB962C8B-B14F-4D97-AF65-F5344CB8AC3E}">

--- a/docs/deployment_guide/images/headend-system-simulator-architecture-diagram.pptx
+++ b/docs/deployment_guide/images/headend-system-simulator-architecture-diagram.pptx
@@ -3326,64 +3326,6 @@
           <a:chExt cx="0" cy="0"/>
         </a:xfrm>
       </p:grpSpPr>
-      <p:pic>
-        <p:nvPicPr>
-          <p:cNvPr id="13" name="Graphic 22">
-            <a:extLst>
-              <a:ext uri="{FF2B5EF4-FFF2-40B4-BE49-F238E27FC236}">
-                <a16:creationId xmlns:a16="http://schemas.microsoft.com/office/drawing/2014/main" id="{3B667FF7-D8FA-A350-49D1-2E63BE0BE96E}"/>
-              </a:ext>
-            </a:extLst>
-          </p:cNvPr>
-          <p:cNvPicPr>
-            <a:picLocks noChangeAspect="1" noChangeArrowheads="1"/>
-          </p:cNvPicPr>
-          <p:nvPr/>
-        </p:nvPicPr>
-        <p:blipFill>
-          <a:blip r:embed="rId2">
-            <a:extLst>
-              <a:ext uri="{96DAC541-7B7A-43D3-8B79-37D633B846F1}">
-                <asvg:svgBlip xmlns:asvg="http://schemas.microsoft.com/office/drawing/2016/SVG/main" r:embed="rId3"/>
-              </a:ext>
-            </a:extLst>
-          </a:blip>
-          <a:srcRect/>
-          <a:stretch/>
-        </p:blipFill>
-        <p:spPr bwMode="auto">
-          <a:xfrm>
-            <a:off x="466090" y="2514211"/>
-            <a:ext cx="457200" cy="457200"/>
-          </a:xfrm>
-          <a:prstGeom prst="rect">
-            <a:avLst/>
-          </a:prstGeom>
-          <a:noFill/>
-          <a:ln>
-            <a:noFill/>
-          </a:ln>
-          <a:extLst>
-            <a:ext uri="{909E8E84-426E-40DD-AFC4-6F175D3DCCD1}">
-              <a14:hiddenFill xmlns:a14="http://schemas.microsoft.com/office/drawing/2010/main">
-                <a:solidFill>
-                  <a:srgbClr val="FFFFFF"/>
-                </a:solidFill>
-              </a14:hiddenFill>
-            </a:ext>
-            <a:ext uri="{91240B29-F687-4F45-9708-019B960494DF}">
-              <a14:hiddenLine xmlns:a14="http://schemas.microsoft.com/office/drawing/2010/main" w="9525">
-                <a:solidFill>
-                  <a:srgbClr val="000000"/>
-                </a:solidFill>
-                <a:miter lim="800000"/>
-                <a:headEnd/>
-                <a:tailEnd/>
-              </a14:hiddenLine>
-            </a:ext>
-          </a:extLst>
-        </p:spPr>
-      </p:pic>
       <p:cxnSp>
         <p:nvCxnSpPr>
           <p:cNvPr id="173" name="Straight Arrow Connector 172">
@@ -3396,13 +3338,14 @@
           <p:cNvCxnSpPr>
             <a:cxnSpLocks/>
             <a:stCxn id="54" idx="1"/>
+            <a:endCxn id="66" idx="3"/>
           </p:cNvCxnSpPr>
           <p:nvPr/>
         </p:nvCxnSpPr>
         <p:spPr>
           <a:xfrm flipH="1">
-            <a:off x="8056689" y="1167345"/>
-            <a:ext cx="1635502" cy="6350"/>
+            <a:off x="8058912" y="1143000"/>
+            <a:ext cx="1634085" cy="0"/>
           </a:xfrm>
           <a:prstGeom prst="straightConnector1">
             <a:avLst/>
@@ -3441,14 +3384,15 @@
           </p:cNvPr>
           <p:cNvCxnSpPr>
             <a:cxnSpLocks/>
-            <a:stCxn id="13" idx="0"/>
+            <a:stCxn id="2" idx="0"/>
+            <a:endCxn id="68" idx="1"/>
           </p:cNvCxnSpPr>
           <p:nvPr/>
         </p:nvCxnSpPr>
         <p:spPr>
           <a:xfrm rot="5400000" flipH="1" flipV="1">
-            <a:off x="621636" y="1216055"/>
-            <a:ext cx="1371211" cy="1225102"/>
+            <a:off x="617093" y="1220597"/>
+            <a:ext cx="1380744" cy="1225550"/>
           </a:xfrm>
           <a:prstGeom prst="bentConnector2">
             <a:avLst/>
@@ -3488,13 +3432,14 @@
           <p:cNvCxnSpPr>
             <a:cxnSpLocks/>
             <a:stCxn id="189" idx="2"/>
+            <a:endCxn id="63" idx="1"/>
           </p:cNvCxnSpPr>
           <p:nvPr/>
         </p:nvCxnSpPr>
         <p:spPr>
           <a:xfrm rot="16200000" flipH="1">
-            <a:off x="742769" y="3204391"/>
-            <a:ext cx="1133817" cy="1217274"/>
+            <a:off x="743712" y="3203448"/>
+            <a:ext cx="1133856" cy="1219200"/>
           </a:xfrm>
           <a:prstGeom prst="bentConnector2">
             <a:avLst/>
@@ -3767,10 +3712,10 @@
           <p:nvPr/>
         </p:nvPicPr>
         <p:blipFill>
-          <a:blip r:embed="rId4">
+          <a:blip r:embed="rId2">
             <a:extLst>
               <a:ext uri="{96DAC541-7B7A-43D3-8B79-37D633B846F1}">
-                <asvg:svgBlip xmlns:asvg="http://schemas.microsoft.com/office/drawing/2016/SVG/main" r:embed="rId5"/>
+                <asvg:svgBlip xmlns:asvg="http://schemas.microsoft.com/office/drawing/2016/SVG/main" r:embed="rId3"/>
               </a:ext>
             </a:extLst>
           </a:blip>
@@ -3787,102 +3732,6 @@
           </a:prstGeom>
         </p:spPr>
       </p:pic>
-      <p:sp>
-        <p:nvSpPr>
-          <p:cNvPr id="92" name="Freeform 91">
-            <a:extLst>
-              <a:ext uri="{FF2B5EF4-FFF2-40B4-BE49-F238E27FC236}">
-                <a16:creationId xmlns:a16="http://schemas.microsoft.com/office/drawing/2014/main" id="{81156875-571A-4201-8663-0C52AB5FFE03}"/>
-              </a:ext>
-            </a:extLst>
-          </p:cNvPr>
-          <p:cNvSpPr/>
-          <p:nvPr/>
-        </p:nvSpPr>
-        <p:spPr>
-          <a:xfrm rot="10800000" flipH="1">
-            <a:off x="4597461" y="3447279"/>
-            <a:ext cx="2123537" cy="932992"/>
-          </a:xfrm>
-          <a:custGeom>
-            <a:avLst/>
-            <a:gdLst>
-              <a:gd name="connsiteX0" fmla="*/ 1371600 w 1371600"/>
-              <a:gd name="connsiteY0" fmla="*/ 711200 h 711200"/>
-              <a:gd name="connsiteX1" fmla="*/ 1371600 w 1371600"/>
-              <a:gd name="connsiteY1" fmla="*/ 0 h 711200"/>
-              <a:gd name="connsiteX2" fmla="*/ 0 w 1371600"/>
-              <a:gd name="connsiteY2" fmla="*/ 0 h 711200"/>
-            </a:gdLst>
-            <a:ahLst/>
-            <a:cxnLst>
-              <a:cxn ang="0">
-                <a:pos x="connsiteX0" y="connsiteY0"/>
-              </a:cxn>
-              <a:cxn ang="0">
-                <a:pos x="connsiteX1" y="connsiteY1"/>
-              </a:cxn>
-              <a:cxn ang="0">
-                <a:pos x="connsiteX2" y="connsiteY2"/>
-              </a:cxn>
-            </a:cxnLst>
-            <a:rect l="l" t="t" r="r" b="b"/>
-            <a:pathLst>
-              <a:path w="1371600" h="711200">
-                <a:moveTo>
-                  <a:pt x="1371600" y="711200"/>
-                </a:moveTo>
-                <a:lnTo>
-                  <a:pt x="1371600" y="0"/>
-                </a:lnTo>
-                <a:lnTo>
-                  <a:pt x="0" y="0"/>
-                </a:lnTo>
-              </a:path>
-            </a:pathLst>
-          </a:custGeom>
-          <a:noFill/>
-          <a:ln w="15875">
-            <a:solidFill>
-              <a:schemeClr val="tx2"/>
-            </a:solidFill>
-            <a:headEnd type="none" w="med" len="sm"/>
-            <a:tailEnd type="arrow" w="med" len="sm"/>
-          </a:ln>
-        </p:spPr>
-        <p:style>
-          <a:lnRef idx="2">
-            <a:schemeClr val="accent1">
-              <a:shade val="50000"/>
-            </a:schemeClr>
-          </a:lnRef>
-          <a:fillRef idx="1">
-            <a:schemeClr val="accent1"/>
-          </a:fillRef>
-          <a:effectRef idx="0">
-            <a:schemeClr val="accent1"/>
-          </a:effectRef>
-          <a:fontRef idx="minor">
-            <a:schemeClr val="lt1"/>
-          </a:fontRef>
-        </p:style>
-        <p:txBody>
-          <a:bodyPr anchor="ctr"/>
-          <a:lstStyle/>
-          <a:p>
-            <a:pPr algn="ctr" eaLnBrk="1" fontAlgn="auto" hangingPunct="1">
-              <a:spcBef>
-                <a:spcPts val="0"/>
-              </a:spcBef>
-              <a:spcAft>
-                <a:spcPts val="0"/>
-              </a:spcAft>
-              <a:defRPr/>
-            </a:pPr>
-            <a:endParaRPr lang="en-US" dirty="0"/>
-          </a:p>
-        </p:txBody>
-      </p:sp>
       <p:sp>
         <p:nvSpPr>
           <p:cNvPr id="95" name="TextBox 9">
@@ -4070,13 +3919,15 @@
           </p:cNvPr>
           <p:cNvCxnSpPr>
             <a:cxnSpLocks/>
+            <a:stCxn id="68" idx="3"/>
+            <a:endCxn id="60" idx="1"/>
           </p:cNvCxnSpPr>
           <p:nvPr/>
         </p:nvCxnSpPr>
         <p:spPr>
           <a:xfrm>
-            <a:off x="2376992" y="1143000"/>
-            <a:ext cx="640528" cy="0"/>
+            <a:off x="2377440" y="1143000"/>
+            <a:ext cx="639698" cy="0"/>
           </a:xfrm>
           <a:prstGeom prst="straightConnector1">
             <a:avLst/>
@@ -5101,7 +4952,7 @@
         </p:nvSpPr>
         <p:spPr bwMode="auto">
           <a:xfrm>
-            <a:off x="6276178" y="3200400"/>
+            <a:off x="6276178" y="3165374"/>
             <a:ext cx="914400" cy="276999"/>
           </a:xfrm>
           <a:prstGeom prst="rect">
@@ -5423,7 +5274,7 @@
         </p:nvSpPr>
         <p:spPr bwMode="auto">
           <a:xfrm>
-            <a:off x="6833680" y="1554480"/>
+            <a:off x="6833680" y="1518720"/>
             <a:ext cx="1681017" cy="276999"/>
           </a:xfrm>
           <a:prstGeom prst="rect">
@@ -5740,13 +5591,15 @@
           </p:cNvPr>
           <p:cNvCxnSpPr>
             <a:cxnSpLocks/>
+            <a:stCxn id="65" idx="1"/>
+            <a:endCxn id="63" idx="3"/>
           </p:cNvCxnSpPr>
           <p:nvPr/>
         </p:nvCxnSpPr>
         <p:spPr>
           <a:xfrm flipH="1">
-            <a:off x="2375514" y="4379937"/>
-            <a:ext cx="1764747" cy="0"/>
+            <a:off x="2377440" y="4379976"/>
+            <a:ext cx="1869514" cy="0"/>
           </a:xfrm>
           <a:prstGeom prst="straightConnector1">
             <a:avLst/>
@@ -5790,7 +5643,7 @@
         </p:nvSpPr>
         <p:spPr bwMode="auto">
           <a:xfrm>
-            <a:off x="3778206" y="4617720"/>
+            <a:off x="3866977" y="4617720"/>
             <a:ext cx="1196552" cy="276999"/>
           </a:xfrm>
           <a:prstGeom prst="rect">
@@ -6111,7 +5964,7 @@
           <p:nvPr/>
         </p:nvPicPr>
         <p:blipFill>
-          <a:blip r:embed="rId6">
+          <a:blip r:embed="rId4">
             <a:extLst>
               <a:ext uri="{28A0092B-C50C-407E-A947-70E740481C1C}">
                 <a14:useLocalDpi xmlns:a14="http://schemas.microsoft.com/office/drawing/2010/main" val="0"/>
@@ -6125,7 +5978,7 @@
         </p:blipFill>
         <p:spPr bwMode="auto">
           <a:xfrm>
-            <a:off x="9692191" y="938745"/>
+            <a:off x="9692997" y="914400"/>
             <a:ext cx="457200" cy="457200"/>
           </a:xfrm>
           <a:prstGeom prst="rect">
@@ -6172,7 +6025,7 @@
         </p:nvSpPr>
         <p:spPr bwMode="auto">
           <a:xfrm>
-            <a:off x="9378501" y="1389888"/>
+            <a:off x="9372957" y="1389888"/>
             <a:ext cx="1097280" cy="457200"/>
           </a:xfrm>
           <a:prstGeom prst="rect">
@@ -6330,14 +6183,15 @@
           </p:cNvPr>
           <p:cNvCxnSpPr>
             <a:cxnSpLocks/>
-            <a:stCxn id="13" idx="3"/>
+            <a:stCxn id="2" idx="3"/>
+            <a:endCxn id="67" idx="1"/>
           </p:cNvCxnSpPr>
           <p:nvPr/>
         </p:nvCxnSpPr>
         <p:spPr>
           <a:xfrm>
-            <a:off x="923290" y="2742811"/>
-            <a:ext cx="995024" cy="5504"/>
+            <a:off x="923290" y="2752344"/>
+            <a:ext cx="996950" cy="0"/>
           </a:xfrm>
           <a:prstGeom prst="straightConnector1">
             <a:avLst/>
@@ -6376,13 +6230,15 @@
           </p:cNvPr>
           <p:cNvCxnSpPr>
             <a:cxnSpLocks/>
+            <a:stCxn id="60" idx="3"/>
+            <a:endCxn id="66" idx="1"/>
           </p:cNvCxnSpPr>
           <p:nvPr/>
         </p:nvCxnSpPr>
         <p:spPr>
           <a:xfrm>
-            <a:off x="3474720" y="1143000"/>
-            <a:ext cx="3819969" cy="30695"/>
+            <a:off x="3474338" y="1143000"/>
+            <a:ext cx="3822574" cy="0"/>
           </a:xfrm>
           <a:prstGeom prst="straightConnector1">
             <a:avLst/>
@@ -6656,8 +6512,8 @@
           </p:nvCxnSpPr>
           <p:spPr>
             <a:xfrm flipV="1">
-              <a:off x="2486957" y="1723105"/>
-              <a:ext cx="748687" cy="1"/>
+              <a:off x="2486957" y="1723106"/>
+              <a:ext cx="729735" cy="0"/>
             </a:xfrm>
             <a:prstGeom prst="straightConnector1">
               <a:avLst/>
@@ -6877,13 +6733,15 @@
           </p:cNvPr>
           <p:cNvCxnSpPr>
             <a:cxnSpLocks/>
+            <a:stCxn id="58" idx="1"/>
+            <a:endCxn id="70" idx="3"/>
           </p:cNvCxnSpPr>
           <p:nvPr/>
         </p:nvCxnSpPr>
         <p:spPr>
           <a:xfrm flipH="1" flipV="1">
-            <a:off x="4709160" y="2783807"/>
-            <a:ext cx="1640257" cy="11209"/>
+            <a:off x="4709160" y="2779776"/>
+            <a:ext cx="1636776" cy="1697"/>
           </a:xfrm>
           <a:prstGeom prst="straightConnector1">
             <a:avLst/>
@@ -7009,102 +6867,6 @@
       </p:sp>
       <p:sp>
         <p:nvSpPr>
-          <p:cNvPr id="174" name="Freeform 60">
-            <a:extLst>
-              <a:ext uri="{FF2B5EF4-FFF2-40B4-BE49-F238E27FC236}">
-                <a16:creationId xmlns:a16="http://schemas.microsoft.com/office/drawing/2014/main" id="{4B450AB8-B486-4DE1-ADFB-F5CA14502E55}"/>
-              </a:ext>
-            </a:extLst>
-          </p:cNvPr>
-          <p:cNvSpPr/>
-          <p:nvPr/>
-        </p:nvSpPr>
-        <p:spPr>
-          <a:xfrm rot="16200000" flipH="1" flipV="1">
-            <a:off x="6876527" y="1995856"/>
-            <a:ext cx="1012187" cy="586137"/>
-          </a:xfrm>
-          <a:custGeom>
-            <a:avLst/>
-            <a:gdLst>
-              <a:gd name="connsiteX0" fmla="*/ 1371600 w 1371600"/>
-              <a:gd name="connsiteY0" fmla="*/ 711200 h 711200"/>
-              <a:gd name="connsiteX1" fmla="*/ 1371600 w 1371600"/>
-              <a:gd name="connsiteY1" fmla="*/ 0 h 711200"/>
-              <a:gd name="connsiteX2" fmla="*/ 0 w 1371600"/>
-              <a:gd name="connsiteY2" fmla="*/ 0 h 711200"/>
-            </a:gdLst>
-            <a:ahLst/>
-            <a:cxnLst>
-              <a:cxn ang="0">
-                <a:pos x="connsiteX0" y="connsiteY0"/>
-              </a:cxn>
-              <a:cxn ang="0">
-                <a:pos x="connsiteX1" y="connsiteY1"/>
-              </a:cxn>
-              <a:cxn ang="0">
-                <a:pos x="connsiteX2" y="connsiteY2"/>
-              </a:cxn>
-            </a:cxnLst>
-            <a:rect l="l" t="t" r="r" b="b"/>
-            <a:pathLst>
-              <a:path w="1371600" h="711200">
-                <a:moveTo>
-                  <a:pt x="1371600" y="711200"/>
-                </a:moveTo>
-                <a:lnTo>
-                  <a:pt x="1371600" y="0"/>
-                </a:lnTo>
-                <a:lnTo>
-                  <a:pt x="0" y="0"/>
-                </a:lnTo>
-              </a:path>
-            </a:pathLst>
-          </a:custGeom>
-          <a:noFill/>
-          <a:ln w="15875">
-            <a:solidFill>
-              <a:schemeClr val="tx2"/>
-            </a:solidFill>
-            <a:headEnd type="none" w="med" len="sm"/>
-            <a:tailEnd type="arrow" w="med" len="sm"/>
-          </a:ln>
-        </p:spPr>
-        <p:style>
-          <a:lnRef idx="2">
-            <a:schemeClr val="accent1">
-              <a:shade val="50000"/>
-            </a:schemeClr>
-          </a:lnRef>
-          <a:fillRef idx="1">
-            <a:schemeClr val="accent1"/>
-          </a:fillRef>
-          <a:effectRef idx="0">
-            <a:schemeClr val="accent1"/>
-          </a:effectRef>
-          <a:fontRef idx="minor">
-            <a:schemeClr val="lt1"/>
-          </a:fontRef>
-        </p:style>
-        <p:txBody>
-          <a:bodyPr anchor="ctr"/>
-          <a:lstStyle/>
-          <a:p>
-            <a:pPr algn="ctr" eaLnBrk="1" fontAlgn="auto" hangingPunct="1">
-              <a:spcBef>
-                <a:spcPts val="0"/>
-              </a:spcBef>
-              <a:spcAft>
-                <a:spcPts val="0"/>
-              </a:spcAft>
-              <a:defRPr/>
-            </a:pPr>
-            <a:endParaRPr lang="en-US" dirty="0"/>
-          </a:p>
-        </p:txBody>
-      </p:sp>
-      <p:sp>
-        <p:nvSpPr>
           <p:cNvPr id="191" name="Freeform 59">
             <a:extLst>
               <a:ext uri="{FF2B5EF4-FFF2-40B4-BE49-F238E27FC236}">
@@ -7310,10 +7072,10 @@
           <p:nvPr/>
         </p:nvPicPr>
         <p:blipFill>
-          <a:blip r:embed="rId7">
+          <a:blip r:embed="rId5">
             <a:extLst>
               <a:ext uri="{96DAC541-7B7A-43D3-8B79-37D633B846F1}">
-                <asvg:svgBlip xmlns:asvg="http://schemas.microsoft.com/office/drawing/2016/SVG/main" r:embed="rId8"/>
+                <asvg:svgBlip xmlns:asvg="http://schemas.microsoft.com/office/drawing/2016/SVG/main" r:embed="rId6"/>
               </a:ext>
             </a:extLst>
           </a:blip>
@@ -7322,7 +7084,7 @@
         </p:blipFill>
         <p:spPr bwMode="auto">
           <a:xfrm>
-            <a:off x="6345936" y="2414016"/>
+            <a:off x="6345936" y="2400473"/>
             <a:ext cx="762000" cy="762000"/>
           </a:xfrm>
           <a:prstGeom prst="rect">
@@ -7368,10 +7130,10 @@
           <p:nvPr/>
         </p:nvPicPr>
         <p:blipFill>
-          <a:blip r:embed="rId9">
+          <a:blip r:embed="rId7">
             <a:extLst>
               <a:ext uri="{96DAC541-7B7A-43D3-8B79-37D633B846F1}">
-                <asvg:svgBlip xmlns:asvg="http://schemas.microsoft.com/office/drawing/2016/SVG/main" r:embed="rId10"/>
+                <asvg:svgBlip xmlns:asvg="http://schemas.microsoft.com/office/drawing/2016/SVG/main" r:embed="rId8"/>
               </a:ext>
             </a:extLst>
           </a:blip>
@@ -7426,10 +7188,10 @@
           <p:nvPr/>
         </p:nvPicPr>
         <p:blipFill>
-          <a:blip r:embed="rId9">
+          <a:blip r:embed="rId7">
             <a:extLst>
               <a:ext uri="{96DAC541-7B7A-43D3-8B79-37D633B846F1}">
-                <asvg:svgBlip xmlns:asvg="http://schemas.microsoft.com/office/drawing/2016/SVG/main" r:embed="rId10"/>
+                <asvg:svgBlip xmlns:asvg="http://schemas.microsoft.com/office/drawing/2016/SVG/main" r:embed="rId8"/>
               </a:ext>
             </a:extLst>
           </a:blip>
@@ -7438,7 +7200,7 @@
         </p:blipFill>
         <p:spPr bwMode="auto">
           <a:xfrm>
-            <a:off x="3017520" y="914400"/>
+            <a:off x="3017138" y="914400"/>
             <a:ext cx="457200" cy="457200"/>
           </a:xfrm>
           <a:prstGeom prst="rect">
@@ -7484,10 +7246,10 @@
           <p:nvPr/>
         </p:nvPicPr>
         <p:blipFill>
-          <a:blip r:embed="rId9">
+          <a:blip r:embed="rId7">
             <a:extLst>
               <a:ext uri="{96DAC541-7B7A-43D3-8B79-37D633B846F1}">
-                <asvg:svgBlip xmlns:asvg="http://schemas.microsoft.com/office/drawing/2016/SVG/main" r:embed="rId10"/>
+                <asvg:svgBlip xmlns:asvg="http://schemas.microsoft.com/office/drawing/2016/SVG/main" r:embed="rId8"/>
               </a:ext>
             </a:extLst>
           </a:blip>
@@ -7542,10 +7304,10 @@
           <p:nvPr/>
         </p:nvPicPr>
         <p:blipFill>
-          <a:blip r:embed="rId9">
+          <a:blip r:embed="rId7">
             <a:extLst>
               <a:ext uri="{96DAC541-7B7A-43D3-8B79-37D633B846F1}">
-                <asvg:svgBlip xmlns:asvg="http://schemas.microsoft.com/office/drawing/2016/SVG/main" r:embed="rId10"/>
+                <asvg:svgBlip xmlns:asvg="http://schemas.microsoft.com/office/drawing/2016/SVG/main" r:embed="rId8"/>
               </a:ext>
             </a:extLst>
           </a:blip>
@@ -7600,10 +7362,10 @@
           <p:nvPr/>
         </p:nvPicPr>
         <p:blipFill>
-          <a:blip r:embed="rId11">
+          <a:blip r:embed="rId9">
             <a:extLst>
               <a:ext uri="{96DAC541-7B7A-43D3-8B79-37D633B846F1}">
-                <asvg:svgBlip xmlns:asvg="http://schemas.microsoft.com/office/drawing/2016/SVG/main" r:embed="rId12"/>
+                <asvg:svgBlip xmlns:asvg="http://schemas.microsoft.com/office/drawing/2016/SVG/main" r:embed="rId10"/>
               </a:ext>
             </a:extLst>
           </a:blip>
@@ -7636,10 +7398,10 @@
           <p:nvPr/>
         </p:nvPicPr>
         <p:blipFill>
-          <a:blip r:embed="rId13">
+          <a:blip r:embed="rId11">
             <a:extLst>
               <a:ext uri="{96DAC541-7B7A-43D3-8B79-37D633B846F1}">
-                <asvg:svgBlip xmlns:asvg="http://schemas.microsoft.com/office/drawing/2016/SVG/main" r:embed="rId14"/>
+                <asvg:svgBlip xmlns:asvg="http://schemas.microsoft.com/office/drawing/2016/SVG/main" r:embed="rId12"/>
               </a:ext>
             </a:extLst>
           </a:blip>
@@ -7694,10 +7456,10 @@
           <p:nvPr/>
         </p:nvPicPr>
         <p:blipFill>
-          <a:blip r:embed="rId15">
+          <a:blip r:embed="rId13">
             <a:extLst>
               <a:ext uri="{96DAC541-7B7A-43D3-8B79-37D633B846F1}">
-                <asvg:svgBlip xmlns:asvg="http://schemas.microsoft.com/office/drawing/2016/SVG/main" r:embed="rId16"/>
+                <asvg:svgBlip xmlns:asvg="http://schemas.microsoft.com/office/drawing/2016/SVG/main" r:embed="rId14"/>
               </a:ext>
             </a:extLst>
           </a:blip>
@@ -7707,7 +7469,7 @@
         </p:blipFill>
         <p:spPr>
           <a:xfrm>
-            <a:off x="4142232" y="4151376"/>
+            <a:off x="4246954" y="4151376"/>
             <a:ext cx="457200" cy="457200"/>
           </a:xfrm>
           <a:prstGeom prst="rect">
@@ -7730,10 +7492,10 @@
           <p:nvPr/>
         </p:nvPicPr>
         <p:blipFill>
-          <a:blip r:embed="rId17">
+          <a:blip r:embed="rId15">
             <a:extLst>
               <a:ext uri="{96DAC541-7B7A-43D3-8B79-37D633B846F1}">
-                <asvg:svgBlip xmlns:asvg="http://schemas.microsoft.com/office/drawing/2016/SVG/main" r:embed="rId18"/>
+                <asvg:svgBlip xmlns:asvg="http://schemas.microsoft.com/office/drawing/2016/SVG/main" r:embed="rId16"/>
               </a:ext>
             </a:extLst>
           </a:blip>
@@ -7742,7 +7504,7 @@
         </p:blipFill>
         <p:spPr bwMode="auto">
           <a:xfrm>
-            <a:off x="7296912" y="795528"/>
+            <a:off x="7296912" y="766888"/>
             <a:ext cx="762000" cy="762000"/>
           </a:xfrm>
           <a:prstGeom prst="rect">
@@ -7788,10 +7550,10 @@
           <p:nvPr/>
         </p:nvPicPr>
         <p:blipFill>
-          <a:blip r:embed="rId19">
+          <a:blip r:embed="rId17">
             <a:extLst>
               <a:ext uri="{96DAC541-7B7A-43D3-8B79-37D633B846F1}">
-                <asvg:svgBlip xmlns:asvg="http://schemas.microsoft.com/office/drawing/2016/SVG/main" r:embed="rId20"/>
+                <asvg:svgBlip xmlns:asvg="http://schemas.microsoft.com/office/drawing/2016/SVG/main" r:embed="rId18"/>
               </a:ext>
             </a:extLst>
           </a:blip>
@@ -7846,10 +7608,10 @@
           <p:nvPr/>
         </p:nvPicPr>
         <p:blipFill>
-          <a:blip r:embed="rId19">
+          <a:blip r:embed="rId17">
             <a:extLst>
               <a:ext uri="{96DAC541-7B7A-43D3-8B79-37D633B846F1}">
-                <asvg:svgBlip xmlns:asvg="http://schemas.microsoft.com/office/drawing/2016/SVG/main" r:embed="rId20"/>
+                <asvg:svgBlip xmlns:asvg="http://schemas.microsoft.com/office/drawing/2016/SVG/main" r:embed="rId18"/>
               </a:ext>
             </a:extLst>
           </a:blip>
@@ -7904,10 +7666,10 @@
           <p:nvPr/>
         </p:nvPicPr>
         <p:blipFill>
-          <a:blip r:embed="rId21">
+          <a:blip r:embed="rId19">
             <a:extLst>
               <a:ext uri="{96DAC541-7B7A-43D3-8B79-37D633B846F1}">
-                <asvg:svgBlip xmlns:asvg="http://schemas.microsoft.com/office/drawing/2016/SVG/main" r:embed="rId22"/>
+                <asvg:svgBlip xmlns:asvg="http://schemas.microsoft.com/office/drawing/2016/SVG/main" r:embed="rId20"/>
               </a:ext>
             </a:extLst>
           </a:blip>
@@ -7940,10 +7702,10 @@
           <p:nvPr/>
         </p:nvPicPr>
         <p:blipFill>
-          <a:blip r:embed="rId23">
+          <a:blip r:embed="rId21">
             <a:extLst>
               <a:ext uri="{96DAC541-7B7A-43D3-8B79-37D633B846F1}">
-                <asvg:svgBlip xmlns:asvg="http://schemas.microsoft.com/office/drawing/2016/SVG/main" r:embed="rId24"/>
+                <asvg:svgBlip xmlns:asvg="http://schemas.microsoft.com/office/drawing/2016/SVG/main" r:embed="rId22"/>
               </a:ext>
             </a:extLst>
           </a:blip>
@@ -7961,6 +7723,158 @@
           </a:prstGeom>
         </p:spPr>
       </p:pic>
+      <p:pic>
+        <p:nvPicPr>
+          <p:cNvPr id="2" name="Graphic 22">
+            <a:extLst>
+              <a:ext uri="{FF2B5EF4-FFF2-40B4-BE49-F238E27FC236}">
+                <a16:creationId xmlns:a16="http://schemas.microsoft.com/office/drawing/2014/main" id="{A1FC6C44-8793-2A0B-6082-8B5B8F10FBDD}"/>
+              </a:ext>
+            </a:extLst>
+          </p:cNvPr>
+          <p:cNvPicPr>
+            <a:picLocks noChangeAspect="1" noChangeArrowheads="1"/>
+          </p:cNvPicPr>
+          <p:nvPr/>
+        </p:nvPicPr>
+        <p:blipFill>
+          <a:blip r:embed="rId23">
+            <a:extLst>
+              <a:ext uri="{96DAC541-7B7A-43D3-8B79-37D633B846F1}">
+                <asvg:svgBlip xmlns:asvg="http://schemas.microsoft.com/office/drawing/2016/SVG/main" r:embed="rId24"/>
+              </a:ext>
+            </a:extLst>
+          </a:blip>
+          <a:srcRect/>
+          <a:stretch/>
+        </p:blipFill>
+        <p:spPr bwMode="auto">
+          <a:xfrm>
+            <a:off x="466090" y="2523744"/>
+            <a:ext cx="457200" cy="457200"/>
+          </a:xfrm>
+          <a:prstGeom prst="rect">
+            <a:avLst/>
+          </a:prstGeom>
+          <a:noFill/>
+          <a:ln>
+            <a:noFill/>
+          </a:ln>
+          <a:extLst>
+            <a:ext uri="{909E8E84-426E-40DD-AFC4-6F175D3DCCD1}">
+              <a14:hiddenFill xmlns:a14="http://schemas.microsoft.com/office/drawing/2010/main">
+                <a:solidFill>
+                  <a:srgbClr val="FFFFFF"/>
+                </a:solidFill>
+              </a14:hiddenFill>
+            </a:ext>
+            <a:ext uri="{91240B29-F687-4F45-9708-019B960494DF}">
+              <a14:hiddenLine xmlns:a14="http://schemas.microsoft.com/office/drawing/2010/main" w="9525">
+                <a:solidFill>
+                  <a:srgbClr val="000000"/>
+                </a:solidFill>
+                <a:miter lim="800000"/>
+                <a:headEnd/>
+                <a:tailEnd/>
+              </a14:hiddenLine>
+            </a:ext>
+          </a:extLst>
+        </p:spPr>
+      </p:pic>
+      <p:cxnSp>
+        <p:nvCxnSpPr>
+          <p:cNvPr id="28" name="Elbow Connector 27">
+            <a:extLst>
+              <a:ext uri="{FF2B5EF4-FFF2-40B4-BE49-F238E27FC236}">
+                <a16:creationId xmlns:a16="http://schemas.microsoft.com/office/drawing/2014/main" id="{40BA69F7-8622-8232-40DC-A6DA4504B745}"/>
+              </a:ext>
+            </a:extLst>
+          </p:cNvPr>
+          <p:cNvCxnSpPr>
+            <a:cxnSpLocks/>
+            <a:stCxn id="58" idx="3"/>
+            <a:endCxn id="157" idx="2"/>
+          </p:cNvCxnSpPr>
+          <p:nvPr/>
+        </p:nvCxnSpPr>
+        <p:spPr>
+          <a:xfrm flipV="1">
+            <a:off x="7107936" y="1795719"/>
+            <a:ext cx="566253" cy="985754"/>
+          </a:xfrm>
+          <a:prstGeom prst="bentConnector2">
+            <a:avLst/>
+          </a:prstGeom>
+          <a:ln w="15875">
+            <a:solidFill>
+              <a:schemeClr val="tx2"/>
+            </a:solidFill>
+            <a:headEnd type="none" w="med" len="sm"/>
+            <a:tailEnd type="arrow" w="med" len="sm"/>
+          </a:ln>
+        </p:spPr>
+        <p:style>
+          <a:lnRef idx="1">
+            <a:schemeClr val="accent1"/>
+          </a:lnRef>
+          <a:fillRef idx="0">
+            <a:schemeClr val="accent1"/>
+          </a:fillRef>
+          <a:effectRef idx="0">
+            <a:schemeClr val="accent1"/>
+          </a:effectRef>
+          <a:fontRef idx="minor">
+            <a:schemeClr val="tx1"/>
+          </a:fontRef>
+        </p:style>
+      </p:cxnSp>
+      <p:cxnSp>
+        <p:nvCxnSpPr>
+          <p:cNvPr id="32" name="Elbow Connector 31">
+            <a:extLst>
+              <a:ext uri="{FF2B5EF4-FFF2-40B4-BE49-F238E27FC236}">
+                <a16:creationId xmlns:a16="http://schemas.microsoft.com/office/drawing/2014/main" id="{7903F48C-67A6-4D29-89A7-E962D3B06240}"/>
+              </a:ext>
+            </a:extLst>
+          </p:cNvPr>
+          <p:cNvCxnSpPr>
+            <a:cxnSpLocks/>
+            <a:stCxn id="155" idx="2"/>
+            <a:endCxn id="65" idx="3"/>
+          </p:cNvCxnSpPr>
+          <p:nvPr/>
+        </p:nvCxnSpPr>
+        <p:spPr>
+          <a:xfrm rot="5400000">
+            <a:off x="5249965" y="2896562"/>
+            <a:ext cx="937603" cy="2029224"/>
+          </a:xfrm>
+          <a:prstGeom prst="bentConnector2">
+            <a:avLst/>
+          </a:prstGeom>
+          <a:ln w="15875">
+            <a:solidFill>
+              <a:schemeClr val="tx2"/>
+            </a:solidFill>
+            <a:headEnd type="none" w="med" len="sm"/>
+            <a:tailEnd type="arrow" w="med" len="sm"/>
+          </a:ln>
+        </p:spPr>
+        <p:style>
+          <a:lnRef idx="1">
+            <a:schemeClr val="accent1"/>
+          </a:lnRef>
+          <a:fillRef idx="0">
+            <a:schemeClr val="accent1"/>
+          </a:fillRef>
+          <a:effectRef idx="0">
+            <a:schemeClr val="accent1"/>
+          </a:effectRef>
+          <a:fontRef idx="minor">
+            <a:schemeClr val="tx1"/>
+          </a:fontRef>
+        </p:style>
+      </p:cxnSp>
     </p:spTree>
     <p:extLst>
       <p:ext uri="{BB962C8B-B14F-4D97-AF65-F5344CB8AC3E}">

--- a/docs/deployment_guide/images/headend-system-simulator-architecture-diagram.pptx
+++ b/docs/deployment_guide/images/headend-system-simulator-architecture-diagram.pptx
@@ -259,7 +259,7 @@
           <a:p>
             <a:fld id="{B536BDF9-59C5-F24F-8A2E-4145DBCAD367}" type="datetimeFigureOut">
               <a:rPr lang="en-US" smtClean="0"/>
-              <a:t>5/1/2023</a:t>
+              <a:t>5/5/2023</a:t>
             </a:fld>
             <a:endParaRPr lang="en-US"/>
           </a:p>
@@ -457,7 +457,7 @@
           <a:p>
             <a:fld id="{B536BDF9-59C5-F24F-8A2E-4145DBCAD367}" type="datetimeFigureOut">
               <a:rPr lang="en-US" smtClean="0"/>
-              <a:t>5/1/2023</a:t>
+              <a:t>5/5/2023</a:t>
             </a:fld>
             <a:endParaRPr lang="en-US"/>
           </a:p>
@@ -665,7 +665,7 @@
           <a:p>
             <a:fld id="{B536BDF9-59C5-F24F-8A2E-4145DBCAD367}" type="datetimeFigureOut">
               <a:rPr lang="en-US" smtClean="0"/>
-              <a:t>5/1/2023</a:t>
+              <a:t>5/5/2023</a:t>
             </a:fld>
             <a:endParaRPr lang="en-US"/>
           </a:p>
@@ -863,7 +863,7 @@
           <a:p>
             <a:fld id="{B536BDF9-59C5-F24F-8A2E-4145DBCAD367}" type="datetimeFigureOut">
               <a:rPr lang="en-US" smtClean="0"/>
-              <a:t>5/1/2023</a:t>
+              <a:t>5/5/2023</a:t>
             </a:fld>
             <a:endParaRPr lang="en-US"/>
           </a:p>
@@ -1138,7 +1138,7 @@
           <a:p>
             <a:fld id="{B536BDF9-59C5-F24F-8A2E-4145DBCAD367}" type="datetimeFigureOut">
               <a:rPr lang="en-US" smtClean="0"/>
-              <a:t>5/1/2023</a:t>
+              <a:t>5/5/2023</a:t>
             </a:fld>
             <a:endParaRPr lang="en-US"/>
           </a:p>
@@ -1403,7 +1403,7 @@
           <a:p>
             <a:fld id="{B536BDF9-59C5-F24F-8A2E-4145DBCAD367}" type="datetimeFigureOut">
               <a:rPr lang="en-US" smtClean="0"/>
-              <a:t>5/1/2023</a:t>
+              <a:t>5/5/2023</a:t>
             </a:fld>
             <a:endParaRPr lang="en-US"/>
           </a:p>
@@ -1815,7 +1815,7 @@
           <a:p>
             <a:fld id="{B536BDF9-59C5-F24F-8A2E-4145DBCAD367}" type="datetimeFigureOut">
               <a:rPr lang="en-US" smtClean="0"/>
-              <a:t>5/1/2023</a:t>
+              <a:t>5/5/2023</a:t>
             </a:fld>
             <a:endParaRPr lang="en-US"/>
           </a:p>
@@ -1956,7 +1956,7 @@
           <a:p>
             <a:fld id="{B536BDF9-59C5-F24F-8A2E-4145DBCAD367}" type="datetimeFigureOut">
               <a:rPr lang="en-US" smtClean="0"/>
-              <a:t>5/1/2023</a:t>
+              <a:t>5/5/2023</a:t>
             </a:fld>
             <a:endParaRPr lang="en-US"/>
           </a:p>
@@ -2069,7 +2069,7 @@
           <a:p>
             <a:fld id="{B536BDF9-59C5-F24F-8A2E-4145DBCAD367}" type="datetimeFigureOut">
               <a:rPr lang="en-US" smtClean="0"/>
-              <a:t>5/1/2023</a:t>
+              <a:t>5/5/2023</a:t>
             </a:fld>
             <a:endParaRPr lang="en-US"/>
           </a:p>
@@ -2380,7 +2380,7 @@
           <a:p>
             <a:fld id="{B536BDF9-59C5-F24F-8A2E-4145DBCAD367}" type="datetimeFigureOut">
               <a:rPr lang="en-US" smtClean="0"/>
-              <a:t>5/1/2023</a:t>
+              <a:t>5/5/2023</a:t>
             </a:fld>
             <a:endParaRPr lang="en-US"/>
           </a:p>
@@ -2668,7 +2668,7 @@
           <a:p>
             <a:fld id="{B536BDF9-59C5-F24F-8A2E-4145DBCAD367}" type="datetimeFigureOut">
               <a:rPr lang="en-US" smtClean="0"/>
-              <a:t>5/1/2023</a:t>
+              <a:t>5/5/2023</a:t>
             </a:fld>
             <a:endParaRPr lang="en-US"/>
           </a:p>
@@ -2909,7 +2909,7 @@
           <a:p>
             <a:fld id="{B536BDF9-59C5-F24F-8A2E-4145DBCAD367}" type="datetimeFigureOut">
               <a:rPr lang="en-US" smtClean="0"/>
-              <a:t>5/1/2023</a:t>
+              <a:t>5/5/2023</a:t>
             </a:fld>
             <a:endParaRPr lang="en-US"/>
           </a:p>
@@ -3328,100 +3328,6 @@
       </p:grpSpPr>
       <p:cxnSp>
         <p:nvCxnSpPr>
-          <p:cNvPr id="173" name="Straight Arrow Connector 172">
-            <a:extLst>
-              <a:ext uri="{FF2B5EF4-FFF2-40B4-BE49-F238E27FC236}">
-                <a16:creationId xmlns:a16="http://schemas.microsoft.com/office/drawing/2014/main" id="{60A32A17-6B3B-16CF-271B-F840DBE793FB}"/>
-              </a:ext>
-            </a:extLst>
-          </p:cNvPr>
-          <p:cNvCxnSpPr>
-            <a:cxnSpLocks/>
-            <a:stCxn id="54" idx="1"/>
-            <a:endCxn id="66" idx="3"/>
-          </p:cNvCxnSpPr>
-          <p:nvPr/>
-        </p:nvCxnSpPr>
-        <p:spPr>
-          <a:xfrm flipH="1">
-            <a:off x="8058912" y="1143000"/>
-            <a:ext cx="1634085" cy="0"/>
-          </a:xfrm>
-          <a:prstGeom prst="straightConnector1">
-            <a:avLst/>
-          </a:prstGeom>
-          <a:ln w="15875">
-            <a:solidFill>
-              <a:schemeClr val="tx2"/>
-            </a:solidFill>
-            <a:headEnd type="none" w="med" len="sm"/>
-            <a:tailEnd type="arrow" w="med" len="sm"/>
-          </a:ln>
-        </p:spPr>
-        <p:style>
-          <a:lnRef idx="1">
-            <a:schemeClr val="accent1"/>
-          </a:lnRef>
-          <a:fillRef idx="0">
-            <a:schemeClr val="accent1"/>
-          </a:fillRef>
-          <a:effectRef idx="0">
-            <a:schemeClr val="accent1"/>
-          </a:effectRef>
-          <a:fontRef idx="minor">
-            <a:schemeClr val="tx1"/>
-          </a:fontRef>
-        </p:style>
-      </p:cxnSp>
-      <p:cxnSp>
-        <p:nvCxnSpPr>
-          <p:cNvPr id="181" name="Elbow Connector 180">
-            <a:extLst>
-              <a:ext uri="{FF2B5EF4-FFF2-40B4-BE49-F238E27FC236}">
-                <a16:creationId xmlns:a16="http://schemas.microsoft.com/office/drawing/2014/main" id="{1FF9B1BB-7B41-2417-8B32-7EA0F6C02149}"/>
-              </a:ext>
-            </a:extLst>
-          </p:cNvPr>
-          <p:cNvCxnSpPr>
-            <a:cxnSpLocks/>
-            <a:stCxn id="2" idx="0"/>
-            <a:endCxn id="68" idx="1"/>
-          </p:cNvCxnSpPr>
-          <p:nvPr/>
-        </p:nvCxnSpPr>
-        <p:spPr>
-          <a:xfrm rot="5400000" flipH="1" flipV="1">
-            <a:off x="617093" y="1220597"/>
-            <a:ext cx="1380744" cy="1225550"/>
-          </a:xfrm>
-          <a:prstGeom prst="bentConnector2">
-            <a:avLst/>
-          </a:prstGeom>
-          <a:ln w="15875">
-            <a:solidFill>
-              <a:schemeClr val="tx2"/>
-            </a:solidFill>
-            <a:headEnd type="none" w="med" len="sm"/>
-            <a:tailEnd type="arrow" w="med" len="sm"/>
-          </a:ln>
-        </p:spPr>
-        <p:style>
-          <a:lnRef idx="1">
-            <a:schemeClr val="accent1"/>
-          </a:lnRef>
-          <a:fillRef idx="0">
-            <a:schemeClr val="accent1"/>
-          </a:fillRef>
-          <a:effectRef idx="0">
-            <a:schemeClr val="accent1"/>
-          </a:effectRef>
-          <a:fontRef idx="minor">
-            <a:schemeClr val="tx1"/>
-          </a:fontRef>
-        </p:style>
-      </p:cxnSp>
-      <p:cxnSp>
-        <p:nvCxnSpPr>
           <p:cNvPr id="184" name="Elbow Connector 183">
             <a:extLst>
               <a:ext uri="{FF2B5EF4-FFF2-40B4-BE49-F238E27FC236}">
@@ -3438,8 +3344,8 @@
         </p:nvCxnSpPr>
         <p:spPr>
           <a:xfrm rot="16200000" flipH="1">
-            <a:off x="743712" y="3203448"/>
-            <a:ext cx="1133856" cy="1219200"/>
+            <a:off x="-232326" y="3105234"/>
+            <a:ext cx="2973156" cy="1331976"/>
           </a:xfrm>
           <a:prstGeom prst="bentConnector2">
             <a:avLst/>
@@ -3469,167 +3375,6 @@
       </p:cxnSp>
       <p:sp>
         <p:nvSpPr>
-          <p:cNvPr id="189" name="TextBox 9">
-            <a:extLst>
-              <a:ext uri="{FF2B5EF4-FFF2-40B4-BE49-F238E27FC236}">
-                <a16:creationId xmlns:a16="http://schemas.microsoft.com/office/drawing/2014/main" id="{E90CD532-72E3-6104-2192-0CF45682743C}"/>
-              </a:ext>
-            </a:extLst>
-          </p:cNvPr>
-          <p:cNvSpPr txBox="1">
-            <a:spLocks noChangeArrowheads="1"/>
-          </p:cNvSpPr>
-          <p:nvPr/>
-        </p:nvSpPr>
-        <p:spPr bwMode="auto">
-          <a:xfrm>
-            <a:off x="106680" y="2971800"/>
-            <a:ext cx="1188720" cy="274320"/>
-          </a:xfrm>
-          <a:prstGeom prst="rect">
-            <a:avLst/>
-          </a:prstGeom>
-          <a:noFill/>
-          <a:ln>
-            <a:noFill/>
-          </a:ln>
-          <a:extLst>
-            <a:ext uri="{909E8E84-426E-40DD-AFC4-6F175D3DCCD1}">
-              <a14:hiddenFill xmlns:a14="http://schemas.microsoft.com/office/drawing/2010/main">
-                <a:solidFill>
-                  <a:srgbClr val="FFFFFF"/>
-                </a:solidFill>
-              </a14:hiddenFill>
-            </a:ext>
-            <a:ext uri="{91240B29-F687-4F45-9708-019B960494DF}">
-              <a14:hiddenLine xmlns:a14="http://schemas.microsoft.com/office/drawing/2010/main" w="9525">
-                <a:solidFill>
-                  <a:srgbClr val="000000"/>
-                </a:solidFill>
-                <a:miter lim="800000"/>
-                <a:headEnd/>
-                <a:tailEnd/>
-              </a14:hiddenLine>
-            </a:ext>
-          </a:extLst>
-        </p:spPr>
-        <p:txBody>
-          <a:bodyPr wrap="square">
-            <a:spAutoFit/>
-          </a:bodyPr>
-          <a:lstStyle>
-            <a:lvl1pPr>
-              <a:defRPr>
-                <a:solidFill>
-                  <a:schemeClr val="tx1"/>
-                </a:solidFill>
-                <a:latin typeface="Calibri" panose="020F0502020204030204" pitchFamily="34" charset="0"/>
-              </a:defRPr>
-            </a:lvl1pPr>
-            <a:lvl2pPr marL="742950" indent="-285750">
-              <a:defRPr>
-                <a:solidFill>
-                  <a:schemeClr val="tx1"/>
-                </a:solidFill>
-                <a:latin typeface="Calibri" panose="020F0502020204030204" pitchFamily="34" charset="0"/>
-              </a:defRPr>
-            </a:lvl2pPr>
-            <a:lvl3pPr marL="1143000" indent="-228600">
-              <a:defRPr>
-                <a:solidFill>
-                  <a:schemeClr val="tx1"/>
-                </a:solidFill>
-                <a:latin typeface="Calibri" panose="020F0502020204030204" pitchFamily="34" charset="0"/>
-              </a:defRPr>
-            </a:lvl3pPr>
-            <a:lvl4pPr marL="1600200" indent="-228600">
-              <a:defRPr>
-                <a:solidFill>
-                  <a:schemeClr val="tx1"/>
-                </a:solidFill>
-                <a:latin typeface="Calibri" panose="020F0502020204030204" pitchFamily="34" charset="0"/>
-              </a:defRPr>
-            </a:lvl4pPr>
-            <a:lvl5pPr marL="2057400" indent="-228600">
-              <a:defRPr>
-                <a:solidFill>
-                  <a:schemeClr val="tx1"/>
-                </a:solidFill>
-                <a:latin typeface="Calibri" panose="020F0502020204030204" pitchFamily="34" charset="0"/>
-              </a:defRPr>
-            </a:lvl5pPr>
-            <a:lvl6pPr marL="2514600" indent="-228600" eaLnBrk="0" fontAlgn="base" hangingPunct="0">
-              <a:spcBef>
-                <a:spcPct val="0"/>
-              </a:spcBef>
-              <a:spcAft>
-                <a:spcPct val="0"/>
-              </a:spcAft>
-              <a:defRPr>
-                <a:solidFill>
-                  <a:schemeClr val="tx1"/>
-                </a:solidFill>
-                <a:latin typeface="Calibri" panose="020F0502020204030204" pitchFamily="34" charset="0"/>
-              </a:defRPr>
-            </a:lvl6pPr>
-            <a:lvl7pPr marL="2971800" indent="-228600" eaLnBrk="0" fontAlgn="base" hangingPunct="0">
-              <a:spcBef>
-                <a:spcPct val="0"/>
-              </a:spcBef>
-              <a:spcAft>
-                <a:spcPct val="0"/>
-              </a:spcAft>
-              <a:defRPr>
-                <a:solidFill>
-                  <a:schemeClr val="tx1"/>
-                </a:solidFill>
-                <a:latin typeface="Calibri" panose="020F0502020204030204" pitchFamily="34" charset="0"/>
-              </a:defRPr>
-            </a:lvl7pPr>
-            <a:lvl8pPr marL="3429000" indent="-228600" eaLnBrk="0" fontAlgn="base" hangingPunct="0">
-              <a:spcBef>
-                <a:spcPct val="0"/>
-              </a:spcBef>
-              <a:spcAft>
-                <a:spcPct val="0"/>
-              </a:spcAft>
-              <a:defRPr>
-                <a:solidFill>
-                  <a:schemeClr val="tx1"/>
-                </a:solidFill>
-                <a:latin typeface="Calibri" panose="020F0502020204030204" pitchFamily="34" charset="0"/>
-              </a:defRPr>
-            </a:lvl8pPr>
-            <a:lvl9pPr marL="3886200" indent="-228600" eaLnBrk="0" fontAlgn="base" hangingPunct="0">
-              <a:spcBef>
-                <a:spcPct val="0"/>
-              </a:spcBef>
-              <a:spcAft>
-                <a:spcPct val="0"/>
-              </a:spcAft>
-              <a:defRPr>
-                <a:solidFill>
-                  <a:schemeClr val="tx1"/>
-                </a:solidFill>
-                <a:latin typeface="Calibri" panose="020F0502020204030204" pitchFamily="34" charset="0"/>
-              </a:defRPr>
-            </a:lvl9pPr>
-          </a:lstStyle>
-          <a:p>
-            <a:pPr algn="ctr" eaLnBrk="1" hangingPunct="1"/>
-            <a:r>
-              <a:rPr lang="en-US" altLang="en-US" sz="1200" dirty="0">
-                <a:latin typeface="Arial" panose="020B0604020202020204" pitchFamily="34" charset="0"/>
-                <a:ea typeface="Amazon Ember" panose="020B0603020204020204" pitchFamily="34" charset="0"/>
-                <a:cs typeface="Arial" panose="020B0604020202020204" pitchFamily="34" charset="0"/>
-              </a:rPr>
-              <a:t>Utility supplier</a:t>
-            </a:r>
-          </a:p>
-        </p:txBody>
-      </p:sp>
-      <p:sp>
-        <p:nvSpPr>
           <p:cNvPr id="170" name="Rectangle 169">
             <a:extLst>
               <a:ext uri="{FF2B5EF4-FFF2-40B4-BE49-F238E27FC236}">
@@ -3642,8 +3387,8 @@
         </p:nvSpPr>
         <p:spPr>
           <a:xfrm>
-            <a:off x="1463356" y="365760"/>
-            <a:ext cx="7772399" cy="4754880"/>
+            <a:off x="1463355" y="274320"/>
+            <a:ext cx="8412480" cy="5760720"/>
           </a:xfrm>
           <a:prstGeom prst="rect">
             <a:avLst/>
@@ -3724,7 +3469,7 @@
         </p:blipFill>
         <p:spPr>
           <a:xfrm>
-            <a:off x="1463356" y="365760"/>
+            <a:off x="1463356" y="274320"/>
             <a:ext cx="381000" cy="381000"/>
           </a:xfrm>
           <a:prstGeom prst="rect">
@@ -3734,10 +3479,10 @@
       </p:pic>
       <p:sp>
         <p:nvSpPr>
-          <p:cNvPr id="95" name="TextBox 9">
-            <a:extLst>
-              <a:ext uri="{FF2B5EF4-FFF2-40B4-BE49-F238E27FC236}">
-                <a16:creationId xmlns:a16="http://schemas.microsoft.com/office/drawing/2014/main" id="{D4B7CAA4-6F77-3D10-02AF-921B335F5120}"/>
+          <p:cNvPr id="121" name="TextBox 9">
+            <a:extLst>
+              <a:ext uri="{FF2B5EF4-FFF2-40B4-BE49-F238E27FC236}">
+                <a16:creationId xmlns:a16="http://schemas.microsoft.com/office/drawing/2014/main" id="{B3BE58C8-FD02-8B82-41B4-140547427F98}"/>
               </a:ext>
             </a:extLst>
           </p:cNvPr>
@@ -3748,8 +3493,8 @@
         </p:nvSpPr>
         <p:spPr bwMode="auto">
           <a:xfrm>
-            <a:off x="1706660" y="1325880"/>
-            <a:ext cx="896162" cy="461665"/>
+            <a:off x="1611580" y="2514600"/>
+            <a:ext cx="1097280" cy="457200"/>
           </a:xfrm>
           <a:prstGeom prst="rect">
             <a:avLst/>
@@ -3888,79 +3633,17 @@
                 <a:ea typeface="Amazon Ember" panose="020B0603020204020204" pitchFamily="34" charset="0"/>
                 <a:cs typeface="Arial" panose="020B0604020202020204" pitchFamily="34" charset="0"/>
               </a:rPr>
-              <a:t>Readings</a:t>
-            </a:r>
-            <a:br>
-              <a:rPr lang="en-US" altLang="en-US" sz="1200" dirty="0">
-                <a:latin typeface="Arial" panose="020B0604020202020204" pitchFamily="34" charset="0"/>
-                <a:ea typeface="Amazon Ember" panose="020B0603020204020204" pitchFamily="34" charset="0"/>
-                <a:cs typeface="Arial" panose="020B0604020202020204" pitchFamily="34" charset="0"/>
-              </a:rPr>
-            </a:br>
-            <a:r>
-              <a:rPr lang="en-US" altLang="en-US" sz="1200" dirty="0">
-                <a:latin typeface="Arial" panose="020B0604020202020204" pitchFamily="34" charset="0"/>
-                <a:ea typeface="Amazon Ember" panose="020B0603020204020204" pitchFamily="34" charset="0"/>
-                <a:cs typeface="Arial" panose="020B0604020202020204" pitchFamily="34" charset="0"/>
-              </a:rPr>
-              <a:t>resource</a:t>
+              <a:t>Readings file resource</a:t>
             </a:r>
           </a:p>
         </p:txBody>
       </p:sp>
-      <p:cxnSp>
-        <p:nvCxnSpPr>
-          <p:cNvPr id="105" name="Straight Arrow Connector 104">
-            <a:extLst>
-              <a:ext uri="{FF2B5EF4-FFF2-40B4-BE49-F238E27FC236}">
-                <a16:creationId xmlns:a16="http://schemas.microsoft.com/office/drawing/2014/main" id="{82690B69-B7B0-7BD9-BB7D-35FBBB07FBED}"/>
-              </a:ext>
-            </a:extLst>
-          </p:cNvPr>
-          <p:cNvCxnSpPr>
-            <a:cxnSpLocks/>
-            <a:stCxn id="68" idx="3"/>
-            <a:endCxn id="60" idx="1"/>
-          </p:cNvCxnSpPr>
-          <p:nvPr/>
-        </p:nvCxnSpPr>
-        <p:spPr>
-          <a:xfrm>
-            <a:off x="2377440" y="1143000"/>
-            <a:ext cx="639698" cy="0"/>
-          </a:xfrm>
-          <a:prstGeom prst="straightConnector1">
-            <a:avLst/>
-          </a:prstGeom>
-          <a:ln w="15875">
-            <a:solidFill>
-              <a:schemeClr val="tx2"/>
-            </a:solidFill>
-            <a:headEnd type="none" w="med" len="sm"/>
-            <a:tailEnd type="arrow" w="med" len="sm"/>
-          </a:ln>
-        </p:spPr>
-        <p:style>
-          <a:lnRef idx="1">
-            <a:schemeClr val="accent1"/>
-          </a:lnRef>
-          <a:fillRef idx="0">
-            <a:schemeClr val="accent1"/>
-          </a:fillRef>
-          <a:effectRef idx="0">
-            <a:schemeClr val="accent1"/>
-          </a:effectRef>
-          <a:fontRef idx="minor">
-            <a:schemeClr val="tx1"/>
-          </a:fontRef>
-        </p:style>
-      </p:cxnSp>
       <p:sp>
         <p:nvSpPr>
-          <p:cNvPr id="121" name="TextBox 9">
-            <a:extLst>
-              <a:ext uri="{FF2B5EF4-FFF2-40B4-BE49-F238E27FC236}">
-                <a16:creationId xmlns:a16="http://schemas.microsoft.com/office/drawing/2014/main" id="{B3BE58C8-FD02-8B82-41B4-140547427F98}"/>
+          <p:cNvPr id="124" name="TextBox 9">
+            <a:extLst>
+              <a:ext uri="{FF2B5EF4-FFF2-40B4-BE49-F238E27FC236}">
+                <a16:creationId xmlns:a16="http://schemas.microsoft.com/office/drawing/2014/main" id="{CB714978-B21B-0E38-451C-0B87511AA6FD}"/>
               </a:ext>
             </a:extLst>
           </p:cNvPr>
@@ -3971,8 +3654,8 @@
         </p:nvSpPr>
         <p:spPr bwMode="auto">
           <a:xfrm>
-            <a:off x="1599752" y="2926080"/>
-            <a:ext cx="1097280" cy="274320"/>
+            <a:off x="2656091" y="2514172"/>
+            <a:ext cx="1188720" cy="457200"/>
           </a:xfrm>
           <a:prstGeom prst="rect">
             <a:avLst/>
@@ -4111,17 +3794,17 @@
                 <a:ea typeface="Amazon Ember" panose="020B0603020204020204" pitchFamily="34" charset="0"/>
                 <a:cs typeface="Arial" panose="020B0604020202020204" pitchFamily="34" charset="0"/>
               </a:rPr>
-              <a:t>File resource</a:t>
+              <a:t>Request meter readings file</a:t>
             </a:r>
           </a:p>
         </p:txBody>
       </p:sp>
       <p:sp>
         <p:nvSpPr>
-          <p:cNvPr id="123" name="TextBox 9">
-            <a:extLst>
-              <a:ext uri="{FF2B5EF4-FFF2-40B4-BE49-F238E27FC236}">
-                <a16:creationId xmlns:a16="http://schemas.microsoft.com/office/drawing/2014/main" id="{2DD71556-8AB9-6EB0-A799-E697435224BC}"/>
+          <p:cNvPr id="156" name="TextBox 9">
+            <a:extLst>
+              <a:ext uri="{FF2B5EF4-FFF2-40B4-BE49-F238E27FC236}">
+                <a16:creationId xmlns:a16="http://schemas.microsoft.com/office/drawing/2014/main" id="{65CA9F73-673A-BE10-3743-34AF774D0B03}"/>
               </a:ext>
             </a:extLst>
           </p:cNvPr>
@@ -4132,8 +3815,8 @@
         </p:nvSpPr>
         <p:spPr bwMode="auto">
           <a:xfrm>
-            <a:off x="2771750" y="1325880"/>
-            <a:ext cx="989953" cy="461665"/>
+            <a:off x="8016240" y="2743200"/>
+            <a:ext cx="1737360" cy="276999"/>
           </a:xfrm>
           <a:prstGeom prst="rect">
             <a:avLst/>
@@ -4272,2102 +3955,17 @@
                 <a:ea typeface="Amazon Ember" panose="020B0603020204020204" pitchFamily="34" charset="0"/>
                 <a:cs typeface="Arial" panose="020B0604020202020204" pitchFamily="34" charset="0"/>
               </a:rPr>
-              <a:t>Paginated</a:t>
-            </a:r>
-            <a:br>
-              <a:rPr lang="en-US" altLang="en-US" sz="1200" dirty="0">
-                <a:latin typeface="Arial" panose="020B0604020202020204" pitchFamily="34" charset="0"/>
-                <a:ea typeface="Amazon Ember" panose="020B0603020204020204" pitchFamily="34" charset="0"/>
-                <a:cs typeface="Arial" panose="020B0604020202020204" pitchFamily="34" charset="0"/>
-              </a:rPr>
-            </a:br>
-            <a:r>
-              <a:rPr lang="en-US" altLang="en-US" sz="1200" dirty="0">
-                <a:latin typeface="Arial" panose="020B0604020202020204" pitchFamily="34" charset="0"/>
-                <a:ea typeface="Amazon Ember" panose="020B0603020204020204" pitchFamily="34" charset="0"/>
-                <a:cs typeface="Arial" panose="020B0604020202020204" pitchFamily="34" charset="0"/>
-              </a:rPr>
-              <a:t>readings</a:t>
-            </a:r>
-          </a:p>
-        </p:txBody>
-      </p:sp>
-      <p:sp>
-        <p:nvSpPr>
-          <p:cNvPr id="124" name="TextBox 9">
-            <a:extLst>
-              <a:ext uri="{FF2B5EF4-FFF2-40B4-BE49-F238E27FC236}">
-                <a16:creationId xmlns:a16="http://schemas.microsoft.com/office/drawing/2014/main" id="{CB714978-B21B-0E38-451C-0B87511AA6FD}"/>
-              </a:ext>
-            </a:extLst>
-          </p:cNvPr>
-          <p:cNvSpPr txBox="1">
-            <a:spLocks noChangeArrowheads="1"/>
-          </p:cNvSpPr>
-          <p:nvPr/>
-        </p:nvSpPr>
-        <p:spPr bwMode="auto">
-          <a:xfrm>
-            <a:off x="2738876" y="2514211"/>
-            <a:ext cx="1005840" cy="276999"/>
-          </a:xfrm>
-          <a:prstGeom prst="rect">
-            <a:avLst/>
-          </a:prstGeom>
-          <a:noFill/>
-          <a:ln>
-            <a:noFill/>
-          </a:ln>
-          <a:extLst>
-            <a:ext uri="{909E8E84-426E-40DD-AFC4-6F175D3DCCD1}">
-              <a14:hiddenFill xmlns:a14="http://schemas.microsoft.com/office/drawing/2010/main">
-                <a:solidFill>
-                  <a:srgbClr val="FFFFFF"/>
-                </a:solidFill>
-              </a14:hiddenFill>
-            </a:ext>
-            <a:ext uri="{91240B29-F687-4F45-9708-019B960494DF}">
-              <a14:hiddenLine xmlns:a14="http://schemas.microsoft.com/office/drawing/2010/main" w="9525">
-                <a:solidFill>
-                  <a:srgbClr val="000000"/>
-                </a:solidFill>
-                <a:miter lim="800000"/>
-                <a:headEnd/>
-                <a:tailEnd/>
-              </a14:hiddenLine>
-            </a:ext>
-          </a:extLst>
-        </p:spPr>
-        <p:txBody>
-          <a:bodyPr wrap="square">
-            <a:spAutoFit/>
-          </a:bodyPr>
-          <a:lstStyle>
-            <a:lvl1pPr>
-              <a:defRPr>
-                <a:solidFill>
-                  <a:schemeClr val="tx1"/>
-                </a:solidFill>
-                <a:latin typeface="Calibri" panose="020F0502020204030204" pitchFamily="34" charset="0"/>
-              </a:defRPr>
-            </a:lvl1pPr>
-            <a:lvl2pPr marL="742950" indent="-285750">
-              <a:defRPr>
-                <a:solidFill>
-                  <a:schemeClr val="tx1"/>
-                </a:solidFill>
-                <a:latin typeface="Calibri" panose="020F0502020204030204" pitchFamily="34" charset="0"/>
-              </a:defRPr>
-            </a:lvl2pPr>
-            <a:lvl3pPr marL="1143000" indent="-228600">
-              <a:defRPr>
-                <a:solidFill>
-                  <a:schemeClr val="tx1"/>
-                </a:solidFill>
-                <a:latin typeface="Calibri" panose="020F0502020204030204" pitchFamily="34" charset="0"/>
-              </a:defRPr>
-            </a:lvl3pPr>
-            <a:lvl4pPr marL="1600200" indent="-228600">
-              <a:defRPr>
-                <a:solidFill>
-                  <a:schemeClr val="tx1"/>
-                </a:solidFill>
-                <a:latin typeface="Calibri" panose="020F0502020204030204" pitchFamily="34" charset="0"/>
-              </a:defRPr>
-            </a:lvl4pPr>
-            <a:lvl5pPr marL="2057400" indent="-228600">
-              <a:defRPr>
-                <a:solidFill>
-                  <a:schemeClr val="tx1"/>
-                </a:solidFill>
-                <a:latin typeface="Calibri" panose="020F0502020204030204" pitchFamily="34" charset="0"/>
-              </a:defRPr>
-            </a:lvl5pPr>
-            <a:lvl6pPr marL="2514600" indent="-228600" eaLnBrk="0" fontAlgn="base" hangingPunct="0">
-              <a:spcBef>
-                <a:spcPct val="0"/>
-              </a:spcBef>
-              <a:spcAft>
-                <a:spcPct val="0"/>
-              </a:spcAft>
-              <a:defRPr>
-                <a:solidFill>
-                  <a:schemeClr val="tx1"/>
-                </a:solidFill>
-                <a:latin typeface="Calibri" panose="020F0502020204030204" pitchFamily="34" charset="0"/>
-              </a:defRPr>
-            </a:lvl6pPr>
-            <a:lvl7pPr marL="2971800" indent="-228600" eaLnBrk="0" fontAlgn="base" hangingPunct="0">
-              <a:spcBef>
-                <a:spcPct val="0"/>
-              </a:spcBef>
-              <a:spcAft>
-                <a:spcPct val="0"/>
-              </a:spcAft>
-              <a:defRPr>
-                <a:solidFill>
-                  <a:schemeClr val="tx1"/>
-                </a:solidFill>
-                <a:latin typeface="Calibri" panose="020F0502020204030204" pitchFamily="34" charset="0"/>
-              </a:defRPr>
-            </a:lvl7pPr>
-            <a:lvl8pPr marL="3429000" indent="-228600" eaLnBrk="0" fontAlgn="base" hangingPunct="0">
-              <a:spcBef>
-                <a:spcPct val="0"/>
-              </a:spcBef>
-              <a:spcAft>
-                <a:spcPct val="0"/>
-              </a:spcAft>
-              <a:defRPr>
-                <a:solidFill>
-                  <a:schemeClr val="tx1"/>
-                </a:solidFill>
-                <a:latin typeface="Calibri" panose="020F0502020204030204" pitchFamily="34" charset="0"/>
-              </a:defRPr>
-            </a:lvl8pPr>
-            <a:lvl9pPr marL="3886200" indent="-228600" eaLnBrk="0" fontAlgn="base" hangingPunct="0">
-              <a:spcBef>
-                <a:spcPct val="0"/>
-              </a:spcBef>
-              <a:spcAft>
-                <a:spcPct val="0"/>
-              </a:spcAft>
-              <a:defRPr>
-                <a:solidFill>
-                  <a:schemeClr val="tx1"/>
-                </a:solidFill>
-                <a:latin typeface="Calibri" panose="020F0502020204030204" pitchFamily="34" charset="0"/>
-              </a:defRPr>
-            </a:lvl9pPr>
-          </a:lstStyle>
-          <a:p>
-            <a:pPr algn="ctr" eaLnBrk="1" hangingPunct="1"/>
-            <a:r>
-              <a:rPr lang="en-US" altLang="en-US" sz="1200" dirty="0">
-                <a:latin typeface="Arial" panose="020B0604020202020204" pitchFamily="34" charset="0"/>
-                <a:ea typeface="Amazon Ember" panose="020B0603020204020204" pitchFamily="34" charset="0"/>
-                <a:cs typeface="Arial" panose="020B0604020202020204" pitchFamily="34" charset="0"/>
-              </a:rPr>
-              <a:t>Request file</a:t>
-            </a:r>
-          </a:p>
-        </p:txBody>
-      </p:sp>
-      <p:sp>
-        <p:nvSpPr>
-          <p:cNvPr id="129" name="TextBox 9">
-            <a:extLst>
-              <a:ext uri="{FF2B5EF4-FFF2-40B4-BE49-F238E27FC236}">
-                <a16:creationId xmlns:a16="http://schemas.microsoft.com/office/drawing/2014/main" id="{B9ECF3F7-E9F6-A564-FCE8-884ABCE5FDC3}"/>
-              </a:ext>
-            </a:extLst>
-          </p:cNvPr>
-          <p:cNvSpPr txBox="1">
-            <a:spLocks noChangeArrowheads="1"/>
-          </p:cNvSpPr>
-          <p:nvPr/>
-        </p:nvSpPr>
-        <p:spPr bwMode="auto">
-          <a:xfrm>
-            <a:off x="2782748" y="3447288"/>
-            <a:ext cx="914400" cy="274320"/>
-          </a:xfrm>
-          <a:prstGeom prst="rect">
-            <a:avLst/>
-          </a:prstGeom>
-          <a:noFill/>
-          <a:ln>
-            <a:noFill/>
-          </a:ln>
-          <a:extLst>
-            <a:ext uri="{909E8E84-426E-40DD-AFC4-6F175D3DCCD1}">
-              <a14:hiddenFill xmlns:a14="http://schemas.microsoft.com/office/drawing/2010/main">
-                <a:solidFill>
-                  <a:srgbClr val="FFFFFF"/>
-                </a:solidFill>
-              </a14:hiddenFill>
-            </a:ext>
-            <a:ext uri="{91240B29-F687-4F45-9708-019B960494DF}">
-              <a14:hiddenLine xmlns:a14="http://schemas.microsoft.com/office/drawing/2010/main" w="9525">
-                <a:solidFill>
-                  <a:srgbClr val="000000"/>
-                </a:solidFill>
-                <a:miter lim="800000"/>
-                <a:headEnd/>
-                <a:tailEnd/>
-              </a14:hiddenLine>
-            </a:ext>
-          </a:extLst>
-        </p:spPr>
-        <p:txBody>
-          <a:bodyPr wrap="square">
-            <a:spAutoFit/>
-          </a:bodyPr>
-          <a:lstStyle>
-            <a:lvl1pPr>
-              <a:defRPr>
-                <a:solidFill>
-                  <a:schemeClr val="tx1"/>
-                </a:solidFill>
-                <a:latin typeface="Calibri" panose="020F0502020204030204" pitchFamily="34" charset="0"/>
-              </a:defRPr>
-            </a:lvl1pPr>
-            <a:lvl2pPr marL="742950" indent="-285750">
-              <a:defRPr>
-                <a:solidFill>
-                  <a:schemeClr val="tx1"/>
-                </a:solidFill>
-                <a:latin typeface="Calibri" panose="020F0502020204030204" pitchFamily="34" charset="0"/>
-              </a:defRPr>
-            </a:lvl2pPr>
-            <a:lvl3pPr marL="1143000" indent="-228600">
-              <a:defRPr>
-                <a:solidFill>
-                  <a:schemeClr val="tx1"/>
-                </a:solidFill>
-                <a:latin typeface="Calibri" panose="020F0502020204030204" pitchFamily="34" charset="0"/>
-              </a:defRPr>
-            </a:lvl3pPr>
-            <a:lvl4pPr marL="1600200" indent="-228600">
-              <a:defRPr>
-                <a:solidFill>
-                  <a:schemeClr val="tx1"/>
-                </a:solidFill>
-                <a:latin typeface="Calibri" panose="020F0502020204030204" pitchFamily="34" charset="0"/>
-              </a:defRPr>
-            </a:lvl4pPr>
-            <a:lvl5pPr marL="2057400" indent="-228600">
-              <a:defRPr>
-                <a:solidFill>
-                  <a:schemeClr val="tx1"/>
-                </a:solidFill>
-                <a:latin typeface="Calibri" panose="020F0502020204030204" pitchFamily="34" charset="0"/>
-              </a:defRPr>
-            </a:lvl5pPr>
-            <a:lvl6pPr marL="2514600" indent="-228600" eaLnBrk="0" fontAlgn="base" hangingPunct="0">
-              <a:spcBef>
-                <a:spcPct val="0"/>
-              </a:spcBef>
-              <a:spcAft>
-                <a:spcPct val="0"/>
-              </a:spcAft>
-              <a:defRPr>
-                <a:solidFill>
-                  <a:schemeClr val="tx1"/>
-                </a:solidFill>
-                <a:latin typeface="Calibri" panose="020F0502020204030204" pitchFamily="34" charset="0"/>
-              </a:defRPr>
-            </a:lvl6pPr>
-            <a:lvl7pPr marL="2971800" indent="-228600" eaLnBrk="0" fontAlgn="base" hangingPunct="0">
-              <a:spcBef>
-                <a:spcPct val="0"/>
-              </a:spcBef>
-              <a:spcAft>
-                <a:spcPct val="0"/>
-              </a:spcAft>
-              <a:defRPr>
-                <a:solidFill>
-                  <a:schemeClr val="tx1"/>
-                </a:solidFill>
-                <a:latin typeface="Calibri" panose="020F0502020204030204" pitchFamily="34" charset="0"/>
-              </a:defRPr>
-            </a:lvl7pPr>
-            <a:lvl8pPr marL="3429000" indent="-228600" eaLnBrk="0" fontAlgn="base" hangingPunct="0">
-              <a:spcBef>
-                <a:spcPct val="0"/>
-              </a:spcBef>
-              <a:spcAft>
-                <a:spcPct val="0"/>
-              </a:spcAft>
-              <a:defRPr>
-                <a:solidFill>
-                  <a:schemeClr val="tx1"/>
-                </a:solidFill>
-                <a:latin typeface="Calibri" panose="020F0502020204030204" pitchFamily="34" charset="0"/>
-              </a:defRPr>
-            </a:lvl8pPr>
-            <a:lvl9pPr marL="3886200" indent="-228600" eaLnBrk="0" fontAlgn="base" hangingPunct="0">
-              <a:spcBef>
-                <a:spcPct val="0"/>
-              </a:spcBef>
-              <a:spcAft>
-                <a:spcPct val="0"/>
-              </a:spcAft>
-              <a:defRPr>
-                <a:solidFill>
-                  <a:schemeClr val="tx1"/>
-                </a:solidFill>
-                <a:latin typeface="Calibri" panose="020F0502020204030204" pitchFamily="34" charset="0"/>
-              </a:defRPr>
-            </a:lvl9pPr>
-          </a:lstStyle>
-          <a:p>
-            <a:pPr algn="ctr" eaLnBrk="1" hangingPunct="1"/>
-            <a:r>
-              <a:rPr lang="en-US" altLang="en-US" sz="1200" dirty="0">
-                <a:latin typeface="Arial" panose="020B0604020202020204" pitchFamily="34" charset="0"/>
-                <a:ea typeface="Amazon Ember" panose="020B0603020204020204" pitchFamily="34" charset="0"/>
-                <a:cs typeface="Arial" panose="020B0604020202020204" pitchFamily="34" charset="0"/>
-              </a:rPr>
-              <a:t>File status</a:t>
-            </a:r>
-          </a:p>
-        </p:txBody>
-      </p:sp>
-      <p:sp>
-        <p:nvSpPr>
-          <p:cNvPr id="153" name="TextBox 9">
-            <a:extLst>
-              <a:ext uri="{FF2B5EF4-FFF2-40B4-BE49-F238E27FC236}">
-                <a16:creationId xmlns:a16="http://schemas.microsoft.com/office/drawing/2014/main" id="{54B00827-1EEE-2C8E-DC89-A85D32549D51}"/>
-              </a:ext>
-            </a:extLst>
-          </p:cNvPr>
-          <p:cNvSpPr txBox="1">
-            <a:spLocks noChangeArrowheads="1"/>
-          </p:cNvSpPr>
-          <p:nvPr/>
-        </p:nvSpPr>
-        <p:spPr bwMode="auto">
-          <a:xfrm>
-            <a:off x="4008053" y="1892808"/>
-            <a:ext cx="914400" cy="274320"/>
-          </a:xfrm>
-          <a:prstGeom prst="rect">
-            <a:avLst/>
-          </a:prstGeom>
-          <a:noFill/>
-          <a:ln>
-            <a:noFill/>
-          </a:ln>
-          <a:extLst>
-            <a:ext uri="{909E8E84-426E-40DD-AFC4-6F175D3DCCD1}">
-              <a14:hiddenFill xmlns:a14="http://schemas.microsoft.com/office/drawing/2010/main">
-                <a:solidFill>
-                  <a:srgbClr val="FFFFFF"/>
-                </a:solidFill>
-              </a14:hiddenFill>
-            </a:ext>
-            <a:ext uri="{91240B29-F687-4F45-9708-019B960494DF}">
-              <a14:hiddenLine xmlns:a14="http://schemas.microsoft.com/office/drawing/2010/main" w="9525">
-                <a:solidFill>
-                  <a:srgbClr val="000000"/>
-                </a:solidFill>
-                <a:miter lim="800000"/>
-                <a:headEnd/>
-                <a:tailEnd/>
-              </a14:hiddenLine>
-            </a:ext>
-          </a:extLst>
-        </p:spPr>
-        <p:txBody>
-          <a:bodyPr wrap="square">
-            <a:spAutoFit/>
-          </a:bodyPr>
-          <a:lstStyle>
-            <a:lvl1pPr>
-              <a:defRPr>
-                <a:solidFill>
-                  <a:schemeClr val="tx1"/>
-                </a:solidFill>
-                <a:latin typeface="Calibri" panose="020F0502020204030204" pitchFamily="34" charset="0"/>
-              </a:defRPr>
-            </a:lvl1pPr>
-            <a:lvl2pPr marL="742950" indent="-285750">
-              <a:defRPr>
-                <a:solidFill>
-                  <a:schemeClr val="tx1"/>
-                </a:solidFill>
-                <a:latin typeface="Calibri" panose="020F0502020204030204" pitchFamily="34" charset="0"/>
-              </a:defRPr>
-            </a:lvl2pPr>
-            <a:lvl3pPr marL="1143000" indent="-228600">
-              <a:defRPr>
-                <a:solidFill>
-                  <a:schemeClr val="tx1"/>
-                </a:solidFill>
-                <a:latin typeface="Calibri" panose="020F0502020204030204" pitchFamily="34" charset="0"/>
-              </a:defRPr>
-            </a:lvl3pPr>
-            <a:lvl4pPr marL="1600200" indent="-228600">
-              <a:defRPr>
-                <a:solidFill>
-                  <a:schemeClr val="tx1"/>
-                </a:solidFill>
-                <a:latin typeface="Calibri" panose="020F0502020204030204" pitchFamily="34" charset="0"/>
-              </a:defRPr>
-            </a:lvl4pPr>
-            <a:lvl5pPr marL="2057400" indent="-228600">
-              <a:defRPr>
-                <a:solidFill>
-                  <a:schemeClr val="tx1"/>
-                </a:solidFill>
-                <a:latin typeface="Calibri" panose="020F0502020204030204" pitchFamily="34" charset="0"/>
-              </a:defRPr>
-            </a:lvl5pPr>
-            <a:lvl6pPr marL="2514600" indent="-228600" eaLnBrk="0" fontAlgn="base" hangingPunct="0">
-              <a:spcBef>
-                <a:spcPct val="0"/>
-              </a:spcBef>
-              <a:spcAft>
-                <a:spcPct val="0"/>
-              </a:spcAft>
-              <a:defRPr>
-                <a:solidFill>
-                  <a:schemeClr val="tx1"/>
-                </a:solidFill>
-                <a:latin typeface="Calibri" panose="020F0502020204030204" pitchFamily="34" charset="0"/>
-              </a:defRPr>
-            </a:lvl6pPr>
-            <a:lvl7pPr marL="2971800" indent="-228600" eaLnBrk="0" fontAlgn="base" hangingPunct="0">
-              <a:spcBef>
-                <a:spcPct val="0"/>
-              </a:spcBef>
-              <a:spcAft>
-                <a:spcPct val="0"/>
-              </a:spcAft>
-              <a:defRPr>
-                <a:solidFill>
-                  <a:schemeClr val="tx1"/>
-                </a:solidFill>
-                <a:latin typeface="Calibri" panose="020F0502020204030204" pitchFamily="34" charset="0"/>
-              </a:defRPr>
-            </a:lvl7pPr>
-            <a:lvl8pPr marL="3429000" indent="-228600" eaLnBrk="0" fontAlgn="base" hangingPunct="0">
-              <a:spcBef>
-                <a:spcPct val="0"/>
-              </a:spcBef>
-              <a:spcAft>
-                <a:spcPct val="0"/>
-              </a:spcAft>
-              <a:defRPr>
-                <a:solidFill>
-                  <a:schemeClr val="tx1"/>
-                </a:solidFill>
-                <a:latin typeface="Calibri" panose="020F0502020204030204" pitchFamily="34" charset="0"/>
-              </a:defRPr>
-            </a:lvl8pPr>
-            <a:lvl9pPr marL="3886200" indent="-228600" eaLnBrk="0" fontAlgn="base" hangingPunct="0">
-              <a:spcBef>
-                <a:spcPct val="0"/>
-              </a:spcBef>
-              <a:spcAft>
-                <a:spcPct val="0"/>
-              </a:spcAft>
-              <a:defRPr>
-                <a:solidFill>
-                  <a:schemeClr val="tx1"/>
-                </a:solidFill>
-                <a:latin typeface="Calibri" panose="020F0502020204030204" pitchFamily="34" charset="0"/>
-              </a:defRPr>
-            </a:lvl9pPr>
-          </a:lstStyle>
-          <a:p>
-            <a:pPr algn="ctr" eaLnBrk="1" hangingPunct="1"/>
-            <a:r>
-              <a:rPr lang="en-US" altLang="en-US" sz="1200" dirty="0">
-                <a:latin typeface="Arial" panose="020B0604020202020204" pitchFamily="34" charset="0"/>
-                <a:ea typeface="Amazon Ember" panose="020B0603020204020204" pitchFamily="34" charset="0"/>
-                <a:cs typeface="Arial" panose="020B0604020202020204" pitchFamily="34" charset="0"/>
-              </a:rPr>
-              <a:t>File queue</a:t>
-            </a:r>
-          </a:p>
-        </p:txBody>
-      </p:sp>
-      <p:sp>
-        <p:nvSpPr>
-          <p:cNvPr id="154" name="TextBox 9">
-            <a:extLst>
-              <a:ext uri="{FF2B5EF4-FFF2-40B4-BE49-F238E27FC236}">
-                <a16:creationId xmlns:a16="http://schemas.microsoft.com/office/drawing/2014/main" id="{F00445B4-4E4D-AFEC-84E6-62676BCA2A21}"/>
-              </a:ext>
-            </a:extLst>
-          </p:cNvPr>
-          <p:cNvSpPr txBox="1">
-            <a:spLocks noChangeArrowheads="1"/>
-          </p:cNvSpPr>
-          <p:nvPr/>
-        </p:nvSpPr>
-        <p:spPr bwMode="auto">
-          <a:xfrm>
-            <a:off x="4959075" y="2441448"/>
-            <a:ext cx="1005840" cy="274320"/>
-          </a:xfrm>
-          <a:prstGeom prst="rect">
-            <a:avLst/>
-          </a:prstGeom>
-          <a:noFill/>
-          <a:ln>
-            <a:noFill/>
-          </a:ln>
-          <a:extLst>
-            <a:ext uri="{909E8E84-426E-40DD-AFC4-6F175D3DCCD1}">
-              <a14:hiddenFill xmlns:a14="http://schemas.microsoft.com/office/drawing/2010/main">
-                <a:solidFill>
-                  <a:srgbClr val="FFFFFF"/>
-                </a:solidFill>
-              </a14:hiddenFill>
-            </a:ext>
-            <a:ext uri="{91240B29-F687-4F45-9708-019B960494DF}">
-              <a14:hiddenLine xmlns:a14="http://schemas.microsoft.com/office/drawing/2010/main" w="9525">
-                <a:solidFill>
-                  <a:srgbClr val="000000"/>
-                </a:solidFill>
-                <a:miter lim="800000"/>
-                <a:headEnd/>
-                <a:tailEnd/>
-              </a14:hiddenLine>
-            </a:ext>
-          </a:extLst>
-        </p:spPr>
-        <p:txBody>
-          <a:bodyPr wrap="square">
-            <a:spAutoFit/>
-          </a:bodyPr>
-          <a:lstStyle>
-            <a:lvl1pPr>
-              <a:defRPr>
-                <a:solidFill>
-                  <a:schemeClr val="tx1"/>
-                </a:solidFill>
-                <a:latin typeface="Calibri" panose="020F0502020204030204" pitchFamily="34" charset="0"/>
-              </a:defRPr>
-            </a:lvl1pPr>
-            <a:lvl2pPr marL="742950" indent="-285750">
-              <a:defRPr>
-                <a:solidFill>
-                  <a:schemeClr val="tx1"/>
-                </a:solidFill>
-                <a:latin typeface="Calibri" panose="020F0502020204030204" pitchFamily="34" charset="0"/>
-              </a:defRPr>
-            </a:lvl2pPr>
-            <a:lvl3pPr marL="1143000" indent="-228600">
-              <a:defRPr>
-                <a:solidFill>
-                  <a:schemeClr val="tx1"/>
-                </a:solidFill>
-                <a:latin typeface="Calibri" panose="020F0502020204030204" pitchFamily="34" charset="0"/>
-              </a:defRPr>
-            </a:lvl3pPr>
-            <a:lvl4pPr marL="1600200" indent="-228600">
-              <a:defRPr>
-                <a:solidFill>
-                  <a:schemeClr val="tx1"/>
-                </a:solidFill>
-                <a:latin typeface="Calibri" panose="020F0502020204030204" pitchFamily="34" charset="0"/>
-              </a:defRPr>
-            </a:lvl4pPr>
-            <a:lvl5pPr marL="2057400" indent="-228600">
-              <a:defRPr>
-                <a:solidFill>
-                  <a:schemeClr val="tx1"/>
-                </a:solidFill>
-                <a:latin typeface="Calibri" panose="020F0502020204030204" pitchFamily="34" charset="0"/>
-              </a:defRPr>
-            </a:lvl5pPr>
-            <a:lvl6pPr marL="2514600" indent="-228600" eaLnBrk="0" fontAlgn="base" hangingPunct="0">
-              <a:spcBef>
-                <a:spcPct val="0"/>
-              </a:spcBef>
-              <a:spcAft>
-                <a:spcPct val="0"/>
-              </a:spcAft>
-              <a:defRPr>
-                <a:solidFill>
-                  <a:schemeClr val="tx1"/>
-                </a:solidFill>
-                <a:latin typeface="Calibri" panose="020F0502020204030204" pitchFamily="34" charset="0"/>
-              </a:defRPr>
-            </a:lvl6pPr>
-            <a:lvl7pPr marL="2971800" indent="-228600" eaLnBrk="0" fontAlgn="base" hangingPunct="0">
-              <a:spcBef>
-                <a:spcPct val="0"/>
-              </a:spcBef>
-              <a:spcAft>
-                <a:spcPct val="0"/>
-              </a:spcAft>
-              <a:defRPr>
-                <a:solidFill>
-                  <a:schemeClr val="tx1"/>
-                </a:solidFill>
-                <a:latin typeface="Calibri" panose="020F0502020204030204" pitchFamily="34" charset="0"/>
-              </a:defRPr>
-            </a:lvl7pPr>
-            <a:lvl8pPr marL="3429000" indent="-228600" eaLnBrk="0" fontAlgn="base" hangingPunct="0">
-              <a:spcBef>
-                <a:spcPct val="0"/>
-              </a:spcBef>
-              <a:spcAft>
-                <a:spcPct val="0"/>
-              </a:spcAft>
-              <a:defRPr>
-                <a:solidFill>
-                  <a:schemeClr val="tx1"/>
-                </a:solidFill>
-                <a:latin typeface="Calibri" panose="020F0502020204030204" pitchFamily="34" charset="0"/>
-              </a:defRPr>
-            </a:lvl8pPr>
-            <a:lvl9pPr marL="3886200" indent="-228600" eaLnBrk="0" fontAlgn="base" hangingPunct="0">
-              <a:spcBef>
-                <a:spcPct val="0"/>
-              </a:spcBef>
-              <a:spcAft>
-                <a:spcPct val="0"/>
-              </a:spcAft>
-              <a:defRPr>
-                <a:solidFill>
-                  <a:schemeClr val="tx1"/>
-                </a:solidFill>
-                <a:latin typeface="Calibri" panose="020F0502020204030204" pitchFamily="34" charset="0"/>
-              </a:defRPr>
-            </a:lvl9pPr>
-          </a:lstStyle>
-          <a:p>
-            <a:pPr algn="ctr" eaLnBrk="1" hangingPunct="1"/>
-            <a:r>
-              <a:rPr lang="en-US" altLang="en-US" sz="1200" dirty="0">
-                <a:latin typeface="Arial" panose="020B0604020202020204" pitchFamily="34" charset="0"/>
-                <a:ea typeface="Amazon Ember" panose="020B0603020204020204" pitchFamily="34" charset="0"/>
-                <a:cs typeface="Arial" panose="020B0604020202020204" pitchFamily="34" charset="0"/>
-              </a:rPr>
-              <a:t>File worker</a:t>
-            </a:r>
-          </a:p>
-        </p:txBody>
-      </p:sp>
-      <p:sp>
-        <p:nvSpPr>
-          <p:cNvPr id="155" name="TextBox 9">
-            <a:extLst>
-              <a:ext uri="{FF2B5EF4-FFF2-40B4-BE49-F238E27FC236}">
-                <a16:creationId xmlns:a16="http://schemas.microsoft.com/office/drawing/2014/main" id="{322316AE-9C5E-9B34-6AE4-D9254E9E9013}"/>
-              </a:ext>
-            </a:extLst>
-          </p:cNvPr>
-          <p:cNvSpPr txBox="1">
-            <a:spLocks noChangeArrowheads="1"/>
-          </p:cNvSpPr>
-          <p:nvPr/>
-        </p:nvSpPr>
-        <p:spPr bwMode="auto">
-          <a:xfrm>
-            <a:off x="6276178" y="3165374"/>
-            <a:ext cx="914400" cy="276999"/>
-          </a:xfrm>
-          <a:prstGeom prst="rect">
-            <a:avLst/>
-          </a:prstGeom>
-          <a:noFill/>
-          <a:ln>
-            <a:noFill/>
-          </a:ln>
-          <a:extLst>
-            <a:ext uri="{909E8E84-426E-40DD-AFC4-6F175D3DCCD1}">
-              <a14:hiddenFill xmlns:a14="http://schemas.microsoft.com/office/drawing/2010/main">
-                <a:solidFill>
-                  <a:srgbClr val="FFFFFF"/>
-                </a:solidFill>
-              </a14:hiddenFill>
-            </a:ext>
-            <a:ext uri="{91240B29-F687-4F45-9708-019B960494DF}">
-              <a14:hiddenLine xmlns:a14="http://schemas.microsoft.com/office/drawing/2010/main" w="9525">
-                <a:solidFill>
-                  <a:srgbClr val="000000"/>
-                </a:solidFill>
-                <a:miter lim="800000"/>
-                <a:headEnd/>
-                <a:tailEnd/>
-              </a14:hiddenLine>
-            </a:ext>
-          </a:extLst>
-        </p:spPr>
-        <p:txBody>
-          <a:bodyPr wrap="square">
-            <a:spAutoFit/>
-          </a:bodyPr>
-          <a:lstStyle>
-            <a:lvl1pPr>
-              <a:defRPr>
-                <a:solidFill>
-                  <a:schemeClr val="tx1"/>
-                </a:solidFill>
-                <a:latin typeface="Calibri" panose="020F0502020204030204" pitchFamily="34" charset="0"/>
-              </a:defRPr>
-            </a:lvl1pPr>
-            <a:lvl2pPr marL="742950" indent="-285750">
-              <a:defRPr>
-                <a:solidFill>
-                  <a:schemeClr val="tx1"/>
-                </a:solidFill>
-                <a:latin typeface="Calibri" panose="020F0502020204030204" pitchFamily="34" charset="0"/>
-              </a:defRPr>
-            </a:lvl2pPr>
-            <a:lvl3pPr marL="1143000" indent="-228600">
-              <a:defRPr>
-                <a:solidFill>
-                  <a:schemeClr val="tx1"/>
-                </a:solidFill>
-                <a:latin typeface="Calibri" panose="020F0502020204030204" pitchFamily="34" charset="0"/>
-              </a:defRPr>
-            </a:lvl3pPr>
-            <a:lvl4pPr marL="1600200" indent="-228600">
-              <a:defRPr>
-                <a:solidFill>
-                  <a:schemeClr val="tx1"/>
-                </a:solidFill>
-                <a:latin typeface="Calibri" panose="020F0502020204030204" pitchFamily="34" charset="0"/>
-              </a:defRPr>
-            </a:lvl4pPr>
-            <a:lvl5pPr marL="2057400" indent="-228600">
-              <a:defRPr>
-                <a:solidFill>
-                  <a:schemeClr val="tx1"/>
-                </a:solidFill>
-                <a:latin typeface="Calibri" panose="020F0502020204030204" pitchFamily="34" charset="0"/>
-              </a:defRPr>
-            </a:lvl5pPr>
-            <a:lvl6pPr marL="2514600" indent="-228600" eaLnBrk="0" fontAlgn="base" hangingPunct="0">
-              <a:spcBef>
-                <a:spcPct val="0"/>
-              </a:spcBef>
-              <a:spcAft>
-                <a:spcPct val="0"/>
-              </a:spcAft>
-              <a:defRPr>
-                <a:solidFill>
-                  <a:schemeClr val="tx1"/>
-                </a:solidFill>
-                <a:latin typeface="Calibri" panose="020F0502020204030204" pitchFamily="34" charset="0"/>
-              </a:defRPr>
-            </a:lvl6pPr>
-            <a:lvl7pPr marL="2971800" indent="-228600" eaLnBrk="0" fontAlgn="base" hangingPunct="0">
-              <a:spcBef>
-                <a:spcPct val="0"/>
-              </a:spcBef>
-              <a:spcAft>
-                <a:spcPct val="0"/>
-              </a:spcAft>
-              <a:defRPr>
-                <a:solidFill>
-                  <a:schemeClr val="tx1"/>
-                </a:solidFill>
-                <a:latin typeface="Calibri" panose="020F0502020204030204" pitchFamily="34" charset="0"/>
-              </a:defRPr>
-            </a:lvl7pPr>
-            <a:lvl8pPr marL="3429000" indent="-228600" eaLnBrk="0" fontAlgn="base" hangingPunct="0">
-              <a:spcBef>
-                <a:spcPct val="0"/>
-              </a:spcBef>
-              <a:spcAft>
-                <a:spcPct val="0"/>
-              </a:spcAft>
-              <a:defRPr>
-                <a:solidFill>
-                  <a:schemeClr val="tx1"/>
-                </a:solidFill>
-                <a:latin typeface="Calibri" panose="020F0502020204030204" pitchFamily="34" charset="0"/>
-              </a:defRPr>
-            </a:lvl8pPr>
-            <a:lvl9pPr marL="3886200" indent="-228600" eaLnBrk="0" fontAlgn="base" hangingPunct="0">
-              <a:spcBef>
-                <a:spcPct val="0"/>
-              </a:spcBef>
-              <a:spcAft>
-                <a:spcPct val="0"/>
-              </a:spcAft>
-              <a:defRPr>
-                <a:solidFill>
-                  <a:schemeClr val="tx1"/>
-                </a:solidFill>
-                <a:latin typeface="Calibri" panose="020F0502020204030204" pitchFamily="34" charset="0"/>
-              </a:defRPr>
-            </a:lvl9pPr>
-          </a:lstStyle>
-          <a:p>
-            <a:pPr algn="ctr" eaLnBrk="1" hangingPunct="1"/>
-            <a:r>
-              <a:rPr lang="en-US" altLang="en-US" sz="1200" dirty="0">
-                <a:latin typeface="Arial" panose="020B0604020202020204" pitchFamily="34" charset="0"/>
-                <a:ea typeface="Amazon Ember" panose="020B0603020204020204" pitchFamily="34" charset="0"/>
-                <a:cs typeface="Arial" panose="020B0604020202020204" pitchFamily="34" charset="0"/>
-              </a:rPr>
-              <a:t>AWS Glue</a:t>
-            </a:r>
-          </a:p>
-        </p:txBody>
-      </p:sp>
-      <p:sp>
-        <p:nvSpPr>
-          <p:cNvPr id="156" name="TextBox 9">
-            <a:extLst>
-              <a:ext uri="{FF2B5EF4-FFF2-40B4-BE49-F238E27FC236}">
-                <a16:creationId xmlns:a16="http://schemas.microsoft.com/office/drawing/2014/main" id="{65CA9F73-673A-BE10-3743-34AF774D0B03}"/>
-              </a:ext>
-            </a:extLst>
-          </p:cNvPr>
-          <p:cNvSpPr txBox="1">
-            <a:spLocks noChangeArrowheads="1"/>
-          </p:cNvSpPr>
-          <p:nvPr/>
-        </p:nvSpPr>
-        <p:spPr bwMode="auto">
-          <a:xfrm>
-            <a:off x="7376476" y="4251960"/>
-            <a:ext cx="1737360" cy="276999"/>
-          </a:xfrm>
-          <a:prstGeom prst="rect">
-            <a:avLst/>
-          </a:prstGeom>
-          <a:noFill/>
-          <a:ln>
-            <a:noFill/>
-          </a:ln>
-          <a:extLst>
-            <a:ext uri="{909E8E84-426E-40DD-AFC4-6F175D3DCCD1}">
-              <a14:hiddenFill xmlns:a14="http://schemas.microsoft.com/office/drawing/2010/main">
-                <a:solidFill>
-                  <a:srgbClr val="FFFFFF"/>
-                </a:solidFill>
-              </a14:hiddenFill>
-            </a:ext>
-            <a:ext uri="{91240B29-F687-4F45-9708-019B960494DF}">
-              <a14:hiddenLine xmlns:a14="http://schemas.microsoft.com/office/drawing/2010/main" w="9525">
-                <a:solidFill>
-                  <a:srgbClr val="000000"/>
-                </a:solidFill>
-                <a:miter lim="800000"/>
-                <a:headEnd/>
-                <a:tailEnd/>
-              </a14:hiddenLine>
-            </a:ext>
-          </a:extLst>
-        </p:spPr>
-        <p:txBody>
-          <a:bodyPr wrap="square">
-            <a:spAutoFit/>
-          </a:bodyPr>
-          <a:lstStyle>
-            <a:lvl1pPr>
-              <a:defRPr>
-                <a:solidFill>
-                  <a:schemeClr val="tx1"/>
-                </a:solidFill>
-                <a:latin typeface="Calibri" panose="020F0502020204030204" pitchFamily="34" charset="0"/>
-              </a:defRPr>
-            </a:lvl1pPr>
-            <a:lvl2pPr marL="742950" indent="-285750">
-              <a:defRPr>
-                <a:solidFill>
-                  <a:schemeClr val="tx1"/>
-                </a:solidFill>
-                <a:latin typeface="Calibri" panose="020F0502020204030204" pitchFamily="34" charset="0"/>
-              </a:defRPr>
-            </a:lvl2pPr>
-            <a:lvl3pPr marL="1143000" indent="-228600">
-              <a:defRPr>
-                <a:solidFill>
-                  <a:schemeClr val="tx1"/>
-                </a:solidFill>
-                <a:latin typeface="Calibri" panose="020F0502020204030204" pitchFamily="34" charset="0"/>
-              </a:defRPr>
-            </a:lvl3pPr>
-            <a:lvl4pPr marL="1600200" indent="-228600">
-              <a:defRPr>
-                <a:solidFill>
-                  <a:schemeClr val="tx1"/>
-                </a:solidFill>
-                <a:latin typeface="Calibri" panose="020F0502020204030204" pitchFamily="34" charset="0"/>
-              </a:defRPr>
-            </a:lvl4pPr>
-            <a:lvl5pPr marL="2057400" indent="-228600">
-              <a:defRPr>
-                <a:solidFill>
-                  <a:schemeClr val="tx1"/>
-                </a:solidFill>
-                <a:latin typeface="Calibri" panose="020F0502020204030204" pitchFamily="34" charset="0"/>
-              </a:defRPr>
-            </a:lvl5pPr>
-            <a:lvl6pPr marL="2514600" indent="-228600" eaLnBrk="0" fontAlgn="base" hangingPunct="0">
-              <a:spcBef>
-                <a:spcPct val="0"/>
-              </a:spcBef>
-              <a:spcAft>
-                <a:spcPct val="0"/>
-              </a:spcAft>
-              <a:defRPr>
-                <a:solidFill>
-                  <a:schemeClr val="tx1"/>
-                </a:solidFill>
-                <a:latin typeface="Calibri" panose="020F0502020204030204" pitchFamily="34" charset="0"/>
-              </a:defRPr>
-            </a:lvl6pPr>
-            <a:lvl7pPr marL="2971800" indent="-228600" eaLnBrk="0" fontAlgn="base" hangingPunct="0">
-              <a:spcBef>
-                <a:spcPct val="0"/>
-              </a:spcBef>
-              <a:spcAft>
-                <a:spcPct val="0"/>
-              </a:spcAft>
-              <a:defRPr>
-                <a:solidFill>
-                  <a:schemeClr val="tx1"/>
-                </a:solidFill>
-                <a:latin typeface="Calibri" panose="020F0502020204030204" pitchFamily="34" charset="0"/>
-              </a:defRPr>
-            </a:lvl7pPr>
-            <a:lvl8pPr marL="3429000" indent="-228600" eaLnBrk="0" fontAlgn="base" hangingPunct="0">
-              <a:spcBef>
-                <a:spcPct val="0"/>
-              </a:spcBef>
-              <a:spcAft>
-                <a:spcPct val="0"/>
-              </a:spcAft>
-              <a:defRPr>
-                <a:solidFill>
-                  <a:schemeClr val="tx1"/>
-                </a:solidFill>
-                <a:latin typeface="Calibri" panose="020F0502020204030204" pitchFamily="34" charset="0"/>
-              </a:defRPr>
-            </a:lvl8pPr>
-            <a:lvl9pPr marL="3886200" indent="-228600" eaLnBrk="0" fontAlgn="base" hangingPunct="0">
-              <a:spcBef>
-                <a:spcPct val="0"/>
-              </a:spcBef>
-              <a:spcAft>
-                <a:spcPct val="0"/>
-              </a:spcAft>
-              <a:defRPr>
-                <a:solidFill>
-                  <a:schemeClr val="tx1"/>
-                </a:solidFill>
-                <a:latin typeface="Calibri" panose="020F0502020204030204" pitchFamily="34" charset="0"/>
-              </a:defRPr>
-            </a:lvl9pPr>
-          </a:lstStyle>
-          <a:p>
-            <a:pPr algn="ctr" eaLnBrk="1" hangingPunct="1"/>
-            <a:r>
-              <a:rPr lang="en-US" altLang="en-US" sz="1200" dirty="0">
-                <a:latin typeface="Arial" panose="020B0604020202020204" pitchFamily="34" charset="0"/>
-                <a:ea typeface="Amazon Ember" panose="020B0603020204020204" pitchFamily="34" charset="0"/>
-                <a:cs typeface="Arial" panose="020B0604020202020204" pitchFamily="34" charset="0"/>
-              </a:rPr>
               <a:t>AWS Secrets Manager</a:t>
             </a:r>
-          </a:p>
-        </p:txBody>
-      </p:sp>
-      <p:sp>
-        <p:nvSpPr>
-          <p:cNvPr id="157" name="TextBox 9">
-            <a:extLst>
-              <a:ext uri="{FF2B5EF4-FFF2-40B4-BE49-F238E27FC236}">
-                <a16:creationId xmlns:a16="http://schemas.microsoft.com/office/drawing/2014/main" id="{D0C0AFF6-5DC7-08FE-342F-91C925E3B96A}"/>
-              </a:ext>
-            </a:extLst>
-          </p:cNvPr>
-          <p:cNvSpPr txBox="1">
-            <a:spLocks noChangeArrowheads="1"/>
-          </p:cNvSpPr>
-          <p:nvPr/>
-        </p:nvSpPr>
-        <p:spPr bwMode="auto">
-          <a:xfrm>
-            <a:off x="6833680" y="1518720"/>
-            <a:ext cx="1681017" cy="276999"/>
-          </a:xfrm>
-          <a:prstGeom prst="rect">
-            <a:avLst/>
-          </a:prstGeom>
-          <a:noFill/>
-          <a:ln>
-            <a:noFill/>
-          </a:ln>
-          <a:extLst>
-            <a:ext uri="{909E8E84-426E-40DD-AFC4-6F175D3DCCD1}">
-              <a14:hiddenFill xmlns:a14="http://schemas.microsoft.com/office/drawing/2010/main">
-                <a:solidFill>
-                  <a:srgbClr val="FFFFFF"/>
-                </a:solidFill>
-              </a14:hiddenFill>
-            </a:ext>
-            <a:ext uri="{91240B29-F687-4F45-9708-019B960494DF}">
-              <a14:hiddenLine xmlns:a14="http://schemas.microsoft.com/office/drawing/2010/main" w="9525">
-                <a:solidFill>
-                  <a:srgbClr val="000000"/>
-                </a:solidFill>
-                <a:miter lim="800000"/>
-                <a:headEnd/>
-                <a:tailEnd/>
-              </a14:hiddenLine>
-            </a:ext>
-          </a:extLst>
-        </p:spPr>
-        <p:txBody>
-          <a:bodyPr wrap="square">
-            <a:spAutoFit/>
-          </a:bodyPr>
-          <a:lstStyle>
-            <a:lvl1pPr>
-              <a:defRPr>
-                <a:solidFill>
-                  <a:schemeClr val="tx1"/>
-                </a:solidFill>
-                <a:latin typeface="Calibri" panose="020F0502020204030204" pitchFamily="34" charset="0"/>
-              </a:defRPr>
-            </a:lvl1pPr>
-            <a:lvl2pPr marL="742950" indent="-285750">
-              <a:defRPr>
-                <a:solidFill>
-                  <a:schemeClr val="tx1"/>
-                </a:solidFill>
-                <a:latin typeface="Calibri" panose="020F0502020204030204" pitchFamily="34" charset="0"/>
-              </a:defRPr>
-            </a:lvl2pPr>
-            <a:lvl3pPr marL="1143000" indent="-228600">
-              <a:defRPr>
-                <a:solidFill>
-                  <a:schemeClr val="tx1"/>
-                </a:solidFill>
-                <a:latin typeface="Calibri" panose="020F0502020204030204" pitchFamily="34" charset="0"/>
-              </a:defRPr>
-            </a:lvl3pPr>
-            <a:lvl4pPr marL="1600200" indent="-228600">
-              <a:defRPr>
-                <a:solidFill>
-                  <a:schemeClr val="tx1"/>
-                </a:solidFill>
-                <a:latin typeface="Calibri" panose="020F0502020204030204" pitchFamily="34" charset="0"/>
-              </a:defRPr>
-            </a:lvl4pPr>
-            <a:lvl5pPr marL="2057400" indent="-228600">
-              <a:defRPr>
-                <a:solidFill>
-                  <a:schemeClr val="tx1"/>
-                </a:solidFill>
-                <a:latin typeface="Calibri" panose="020F0502020204030204" pitchFamily="34" charset="0"/>
-              </a:defRPr>
-            </a:lvl5pPr>
-            <a:lvl6pPr marL="2514600" indent="-228600" eaLnBrk="0" fontAlgn="base" hangingPunct="0">
-              <a:spcBef>
-                <a:spcPct val="0"/>
-              </a:spcBef>
-              <a:spcAft>
-                <a:spcPct val="0"/>
-              </a:spcAft>
-              <a:defRPr>
-                <a:solidFill>
-                  <a:schemeClr val="tx1"/>
-                </a:solidFill>
-                <a:latin typeface="Calibri" panose="020F0502020204030204" pitchFamily="34" charset="0"/>
-              </a:defRPr>
-            </a:lvl6pPr>
-            <a:lvl7pPr marL="2971800" indent="-228600" eaLnBrk="0" fontAlgn="base" hangingPunct="0">
-              <a:spcBef>
-                <a:spcPct val="0"/>
-              </a:spcBef>
-              <a:spcAft>
-                <a:spcPct val="0"/>
-              </a:spcAft>
-              <a:defRPr>
-                <a:solidFill>
-                  <a:schemeClr val="tx1"/>
-                </a:solidFill>
-                <a:latin typeface="Calibri" panose="020F0502020204030204" pitchFamily="34" charset="0"/>
-              </a:defRPr>
-            </a:lvl7pPr>
-            <a:lvl8pPr marL="3429000" indent="-228600" eaLnBrk="0" fontAlgn="base" hangingPunct="0">
-              <a:spcBef>
-                <a:spcPct val="0"/>
-              </a:spcBef>
-              <a:spcAft>
-                <a:spcPct val="0"/>
-              </a:spcAft>
-              <a:defRPr>
-                <a:solidFill>
-                  <a:schemeClr val="tx1"/>
-                </a:solidFill>
-                <a:latin typeface="Calibri" panose="020F0502020204030204" pitchFamily="34" charset="0"/>
-              </a:defRPr>
-            </a:lvl8pPr>
-            <a:lvl9pPr marL="3886200" indent="-228600" eaLnBrk="0" fontAlgn="base" hangingPunct="0">
-              <a:spcBef>
-                <a:spcPct val="0"/>
-              </a:spcBef>
-              <a:spcAft>
-                <a:spcPct val="0"/>
-              </a:spcAft>
-              <a:defRPr>
-                <a:solidFill>
-                  <a:schemeClr val="tx1"/>
-                </a:solidFill>
-                <a:latin typeface="Calibri" panose="020F0502020204030204" pitchFamily="34" charset="0"/>
-              </a:defRPr>
-            </a:lvl9pPr>
-          </a:lstStyle>
-          <a:p>
-            <a:pPr algn="ctr" eaLnBrk="1" hangingPunct="1"/>
-            <a:r>
-              <a:rPr lang="en-US" altLang="en-US" sz="1200" dirty="0">
-                <a:latin typeface="Arial" panose="020B0604020202020204" pitchFamily="34" charset="0"/>
-                <a:ea typeface="Amazon Ember" panose="020B0603020204020204" pitchFamily="34" charset="0"/>
-                <a:cs typeface="Arial" panose="020B0604020202020204" pitchFamily="34" charset="0"/>
-              </a:rPr>
-              <a:t>Amazon Timestream</a:t>
-            </a:r>
-          </a:p>
-        </p:txBody>
-      </p:sp>
-      <p:sp>
-        <p:nvSpPr>
-          <p:cNvPr id="165" name="TextBox 9">
-            <a:extLst>
-              <a:ext uri="{FF2B5EF4-FFF2-40B4-BE49-F238E27FC236}">
-                <a16:creationId xmlns:a16="http://schemas.microsoft.com/office/drawing/2014/main" id="{74494672-C2CA-8265-4C88-AD6A85837CB5}"/>
-              </a:ext>
-            </a:extLst>
-          </p:cNvPr>
-          <p:cNvSpPr txBox="1">
-            <a:spLocks noChangeArrowheads="1"/>
-          </p:cNvSpPr>
-          <p:nvPr/>
-        </p:nvSpPr>
-        <p:spPr bwMode="auto">
-          <a:xfrm>
-            <a:off x="4018355" y="2971800"/>
-            <a:ext cx="914400" cy="276999"/>
-          </a:xfrm>
-          <a:prstGeom prst="rect">
-            <a:avLst/>
-          </a:prstGeom>
-          <a:noFill/>
-          <a:ln>
-            <a:noFill/>
-          </a:ln>
-          <a:extLst>
-            <a:ext uri="{909E8E84-426E-40DD-AFC4-6F175D3DCCD1}">
-              <a14:hiddenFill xmlns:a14="http://schemas.microsoft.com/office/drawing/2010/main">
-                <a:solidFill>
-                  <a:srgbClr val="FFFFFF"/>
-                </a:solidFill>
-              </a14:hiddenFill>
-            </a:ext>
-            <a:ext uri="{91240B29-F687-4F45-9708-019B960494DF}">
-              <a14:hiddenLine xmlns:a14="http://schemas.microsoft.com/office/drawing/2010/main" w="9525">
-                <a:solidFill>
-                  <a:srgbClr val="000000"/>
-                </a:solidFill>
-                <a:miter lim="800000"/>
-                <a:headEnd/>
-                <a:tailEnd/>
-              </a14:hiddenLine>
-            </a:ext>
-          </a:extLst>
-        </p:spPr>
-        <p:txBody>
-          <a:bodyPr wrap="square">
-            <a:spAutoFit/>
-          </a:bodyPr>
-          <a:lstStyle>
-            <a:lvl1pPr>
-              <a:defRPr>
-                <a:solidFill>
-                  <a:schemeClr val="tx1"/>
-                </a:solidFill>
-                <a:latin typeface="Calibri" panose="020F0502020204030204" pitchFamily="34" charset="0"/>
-              </a:defRPr>
-            </a:lvl1pPr>
-            <a:lvl2pPr marL="742950" indent="-285750">
-              <a:defRPr>
-                <a:solidFill>
-                  <a:schemeClr val="tx1"/>
-                </a:solidFill>
-                <a:latin typeface="Calibri" panose="020F0502020204030204" pitchFamily="34" charset="0"/>
-              </a:defRPr>
-            </a:lvl2pPr>
-            <a:lvl3pPr marL="1143000" indent="-228600">
-              <a:defRPr>
-                <a:solidFill>
-                  <a:schemeClr val="tx1"/>
-                </a:solidFill>
-                <a:latin typeface="Calibri" panose="020F0502020204030204" pitchFamily="34" charset="0"/>
-              </a:defRPr>
-            </a:lvl3pPr>
-            <a:lvl4pPr marL="1600200" indent="-228600">
-              <a:defRPr>
-                <a:solidFill>
-                  <a:schemeClr val="tx1"/>
-                </a:solidFill>
-                <a:latin typeface="Calibri" panose="020F0502020204030204" pitchFamily="34" charset="0"/>
-              </a:defRPr>
-            </a:lvl4pPr>
-            <a:lvl5pPr marL="2057400" indent="-228600">
-              <a:defRPr>
-                <a:solidFill>
-                  <a:schemeClr val="tx1"/>
-                </a:solidFill>
-                <a:latin typeface="Calibri" panose="020F0502020204030204" pitchFamily="34" charset="0"/>
-              </a:defRPr>
-            </a:lvl5pPr>
-            <a:lvl6pPr marL="2514600" indent="-228600" eaLnBrk="0" fontAlgn="base" hangingPunct="0">
-              <a:spcBef>
-                <a:spcPct val="0"/>
-              </a:spcBef>
-              <a:spcAft>
-                <a:spcPct val="0"/>
-              </a:spcAft>
-              <a:defRPr>
-                <a:solidFill>
-                  <a:schemeClr val="tx1"/>
-                </a:solidFill>
-                <a:latin typeface="Calibri" panose="020F0502020204030204" pitchFamily="34" charset="0"/>
-              </a:defRPr>
-            </a:lvl6pPr>
-            <a:lvl7pPr marL="2971800" indent="-228600" eaLnBrk="0" fontAlgn="base" hangingPunct="0">
-              <a:spcBef>
-                <a:spcPct val="0"/>
-              </a:spcBef>
-              <a:spcAft>
-                <a:spcPct val="0"/>
-              </a:spcAft>
-              <a:defRPr>
-                <a:solidFill>
-                  <a:schemeClr val="tx1"/>
-                </a:solidFill>
-                <a:latin typeface="Calibri" panose="020F0502020204030204" pitchFamily="34" charset="0"/>
-              </a:defRPr>
-            </a:lvl7pPr>
-            <a:lvl8pPr marL="3429000" indent="-228600" eaLnBrk="0" fontAlgn="base" hangingPunct="0">
-              <a:spcBef>
-                <a:spcPct val="0"/>
-              </a:spcBef>
-              <a:spcAft>
-                <a:spcPct val="0"/>
-              </a:spcAft>
-              <a:defRPr>
-                <a:solidFill>
-                  <a:schemeClr val="tx1"/>
-                </a:solidFill>
-                <a:latin typeface="Calibri" panose="020F0502020204030204" pitchFamily="34" charset="0"/>
-              </a:defRPr>
-            </a:lvl8pPr>
-            <a:lvl9pPr marL="3886200" indent="-228600" eaLnBrk="0" fontAlgn="base" hangingPunct="0">
-              <a:spcBef>
-                <a:spcPct val="0"/>
-              </a:spcBef>
-              <a:spcAft>
-                <a:spcPct val="0"/>
-              </a:spcAft>
-              <a:defRPr>
-                <a:solidFill>
-                  <a:schemeClr val="tx1"/>
-                </a:solidFill>
-                <a:latin typeface="Calibri" panose="020F0502020204030204" pitchFamily="34" charset="0"/>
-              </a:defRPr>
-            </a:lvl9pPr>
-          </a:lstStyle>
-          <a:p>
-            <a:pPr algn="ctr" eaLnBrk="1" hangingPunct="1"/>
-            <a:r>
-              <a:rPr lang="en-US" altLang="en-US" sz="1200" dirty="0">
-                <a:latin typeface="Arial" panose="020B0604020202020204" pitchFamily="34" charset="0"/>
-                <a:ea typeface="Amazon Ember" panose="020B0603020204020204" pitchFamily="34" charset="0"/>
-                <a:cs typeface="Arial" panose="020B0604020202020204" pitchFamily="34" charset="0"/>
-              </a:rPr>
-              <a:t>File details</a:t>
-            </a:r>
-          </a:p>
-        </p:txBody>
-      </p:sp>
-      <p:cxnSp>
-        <p:nvCxnSpPr>
-          <p:cNvPr id="168" name="Straight Arrow Connector 167">
-            <a:extLst>
-              <a:ext uri="{FF2B5EF4-FFF2-40B4-BE49-F238E27FC236}">
-                <a16:creationId xmlns:a16="http://schemas.microsoft.com/office/drawing/2014/main" id="{EC006825-A5E2-48DB-64AF-9CB8ED708EC8}"/>
-              </a:ext>
-            </a:extLst>
-          </p:cNvPr>
-          <p:cNvCxnSpPr>
-            <a:cxnSpLocks/>
-            <a:stCxn id="65" idx="1"/>
-            <a:endCxn id="63" idx="3"/>
-          </p:cNvCxnSpPr>
-          <p:nvPr/>
-        </p:nvCxnSpPr>
-        <p:spPr>
-          <a:xfrm flipH="1">
-            <a:off x="2377440" y="4379976"/>
-            <a:ext cx="1869514" cy="0"/>
-          </a:xfrm>
-          <a:prstGeom prst="straightConnector1">
-            <a:avLst/>
-          </a:prstGeom>
-          <a:ln w="15875">
-            <a:solidFill>
-              <a:schemeClr val="tx2"/>
-            </a:solidFill>
-            <a:headEnd type="none" w="med" len="sm"/>
-            <a:tailEnd type="arrow" w="med" len="sm"/>
-          </a:ln>
-        </p:spPr>
-        <p:style>
-          <a:lnRef idx="1">
-            <a:schemeClr val="accent1"/>
-          </a:lnRef>
-          <a:fillRef idx="0">
-            <a:schemeClr val="accent1"/>
-          </a:fillRef>
-          <a:effectRef idx="0">
-            <a:schemeClr val="accent1"/>
-          </a:effectRef>
-          <a:fontRef idx="minor">
-            <a:schemeClr val="tx1"/>
-          </a:fontRef>
-        </p:style>
-      </p:cxnSp>
-      <p:sp>
-        <p:nvSpPr>
-          <p:cNvPr id="169" name="TextBox 9">
-            <a:extLst>
-              <a:ext uri="{FF2B5EF4-FFF2-40B4-BE49-F238E27FC236}">
-                <a16:creationId xmlns:a16="http://schemas.microsoft.com/office/drawing/2014/main" id="{EDC4914A-62A9-F973-3A3F-5B05954CE68D}"/>
-              </a:ext>
-            </a:extLst>
-          </p:cNvPr>
-          <p:cNvSpPr txBox="1">
-            <a:spLocks noChangeArrowheads="1"/>
-          </p:cNvSpPr>
-          <p:nvPr/>
-        </p:nvSpPr>
-        <p:spPr bwMode="auto">
-          <a:xfrm>
-            <a:off x="3866977" y="4617720"/>
-            <a:ext cx="1196552" cy="276999"/>
-          </a:xfrm>
-          <a:prstGeom prst="rect">
-            <a:avLst/>
-          </a:prstGeom>
-          <a:noFill/>
-          <a:ln>
-            <a:noFill/>
-          </a:ln>
-          <a:extLst>
-            <a:ext uri="{909E8E84-426E-40DD-AFC4-6F175D3DCCD1}">
-              <a14:hiddenFill xmlns:a14="http://schemas.microsoft.com/office/drawing/2010/main">
-                <a:solidFill>
-                  <a:srgbClr val="FFFFFF"/>
-                </a:solidFill>
-              </a14:hiddenFill>
-            </a:ext>
-            <a:ext uri="{91240B29-F687-4F45-9708-019B960494DF}">
-              <a14:hiddenLine xmlns:a14="http://schemas.microsoft.com/office/drawing/2010/main" w="9525">
-                <a:solidFill>
-                  <a:srgbClr val="000000"/>
-                </a:solidFill>
-                <a:miter lim="800000"/>
-                <a:headEnd/>
-                <a:tailEnd/>
-              </a14:hiddenLine>
-            </a:ext>
-          </a:extLst>
-        </p:spPr>
-        <p:txBody>
-          <a:bodyPr wrap="square">
-            <a:spAutoFit/>
-          </a:bodyPr>
-          <a:lstStyle>
-            <a:lvl1pPr>
-              <a:defRPr>
-                <a:solidFill>
-                  <a:schemeClr val="tx1"/>
-                </a:solidFill>
-                <a:latin typeface="Calibri" panose="020F0502020204030204" pitchFamily="34" charset="0"/>
-              </a:defRPr>
-            </a:lvl1pPr>
-            <a:lvl2pPr marL="742950" indent="-285750">
-              <a:defRPr>
-                <a:solidFill>
-                  <a:schemeClr val="tx1"/>
-                </a:solidFill>
-                <a:latin typeface="Calibri" panose="020F0502020204030204" pitchFamily="34" charset="0"/>
-              </a:defRPr>
-            </a:lvl2pPr>
-            <a:lvl3pPr marL="1143000" indent="-228600">
-              <a:defRPr>
-                <a:solidFill>
-                  <a:schemeClr val="tx1"/>
-                </a:solidFill>
-                <a:latin typeface="Calibri" panose="020F0502020204030204" pitchFamily="34" charset="0"/>
-              </a:defRPr>
-            </a:lvl3pPr>
-            <a:lvl4pPr marL="1600200" indent="-228600">
-              <a:defRPr>
-                <a:solidFill>
-                  <a:schemeClr val="tx1"/>
-                </a:solidFill>
-                <a:latin typeface="Calibri" panose="020F0502020204030204" pitchFamily="34" charset="0"/>
-              </a:defRPr>
-            </a:lvl4pPr>
-            <a:lvl5pPr marL="2057400" indent="-228600">
-              <a:defRPr>
-                <a:solidFill>
-                  <a:schemeClr val="tx1"/>
-                </a:solidFill>
-                <a:latin typeface="Calibri" panose="020F0502020204030204" pitchFamily="34" charset="0"/>
-              </a:defRPr>
-            </a:lvl5pPr>
-            <a:lvl6pPr marL="2514600" indent="-228600" eaLnBrk="0" fontAlgn="base" hangingPunct="0">
-              <a:spcBef>
-                <a:spcPct val="0"/>
-              </a:spcBef>
-              <a:spcAft>
-                <a:spcPct val="0"/>
-              </a:spcAft>
-              <a:defRPr>
-                <a:solidFill>
-                  <a:schemeClr val="tx1"/>
-                </a:solidFill>
-                <a:latin typeface="Calibri" panose="020F0502020204030204" pitchFamily="34" charset="0"/>
-              </a:defRPr>
-            </a:lvl6pPr>
-            <a:lvl7pPr marL="2971800" indent="-228600" eaLnBrk="0" fontAlgn="base" hangingPunct="0">
-              <a:spcBef>
-                <a:spcPct val="0"/>
-              </a:spcBef>
-              <a:spcAft>
-                <a:spcPct val="0"/>
-              </a:spcAft>
-              <a:defRPr>
-                <a:solidFill>
-                  <a:schemeClr val="tx1"/>
-                </a:solidFill>
-                <a:latin typeface="Calibri" panose="020F0502020204030204" pitchFamily="34" charset="0"/>
-              </a:defRPr>
-            </a:lvl7pPr>
-            <a:lvl8pPr marL="3429000" indent="-228600" eaLnBrk="0" fontAlgn="base" hangingPunct="0">
-              <a:spcBef>
-                <a:spcPct val="0"/>
-              </a:spcBef>
-              <a:spcAft>
-                <a:spcPct val="0"/>
-              </a:spcAft>
-              <a:defRPr>
-                <a:solidFill>
-                  <a:schemeClr val="tx1"/>
-                </a:solidFill>
-                <a:latin typeface="Calibri" panose="020F0502020204030204" pitchFamily="34" charset="0"/>
-              </a:defRPr>
-            </a:lvl8pPr>
-            <a:lvl9pPr marL="3886200" indent="-228600" eaLnBrk="0" fontAlgn="base" hangingPunct="0">
-              <a:spcBef>
-                <a:spcPct val="0"/>
-              </a:spcBef>
-              <a:spcAft>
-                <a:spcPct val="0"/>
-              </a:spcAft>
-              <a:defRPr>
-                <a:solidFill>
-                  <a:schemeClr val="tx1"/>
-                </a:solidFill>
-                <a:latin typeface="Calibri" panose="020F0502020204030204" pitchFamily="34" charset="0"/>
-              </a:defRPr>
-            </a:lvl9pPr>
-          </a:lstStyle>
-          <a:p>
-            <a:pPr algn="ctr" eaLnBrk="1" hangingPunct="1"/>
-            <a:r>
-              <a:rPr lang="en-US" altLang="en-US" sz="1200" dirty="0">
-                <a:latin typeface="Arial" panose="020B0604020202020204" pitchFamily="34" charset="0"/>
-                <a:ea typeface="Amazon Ember" panose="020B0603020204020204" pitchFamily="34" charset="0"/>
-                <a:cs typeface="Arial" panose="020B0604020202020204" pitchFamily="34" charset="0"/>
-              </a:rPr>
-              <a:t>Readings files</a:t>
-            </a:r>
-          </a:p>
-        </p:txBody>
-      </p:sp>
-      <p:sp>
-        <p:nvSpPr>
-          <p:cNvPr id="188" name="TextBox 9">
-            <a:extLst>
-              <a:ext uri="{FF2B5EF4-FFF2-40B4-BE49-F238E27FC236}">
-                <a16:creationId xmlns:a16="http://schemas.microsoft.com/office/drawing/2014/main" id="{082D5BEB-1797-15CA-4723-34702F567923}"/>
-              </a:ext>
-            </a:extLst>
-          </p:cNvPr>
-          <p:cNvSpPr txBox="1">
-            <a:spLocks noChangeArrowheads="1"/>
-          </p:cNvSpPr>
-          <p:nvPr/>
-        </p:nvSpPr>
-        <p:spPr bwMode="auto">
-          <a:xfrm>
-            <a:off x="1514661" y="4617720"/>
-            <a:ext cx="1280160" cy="274320"/>
-          </a:xfrm>
-          <a:prstGeom prst="rect">
-            <a:avLst/>
-          </a:prstGeom>
-          <a:noFill/>
-          <a:ln>
-            <a:noFill/>
-          </a:ln>
-          <a:extLst>
-            <a:ext uri="{909E8E84-426E-40DD-AFC4-6F175D3DCCD1}">
-              <a14:hiddenFill xmlns:a14="http://schemas.microsoft.com/office/drawing/2010/main">
-                <a:solidFill>
-                  <a:srgbClr val="FFFFFF"/>
-                </a:solidFill>
-              </a14:hiddenFill>
-            </a:ext>
-            <a:ext uri="{91240B29-F687-4F45-9708-019B960494DF}">
-              <a14:hiddenLine xmlns:a14="http://schemas.microsoft.com/office/drawing/2010/main" w="9525">
-                <a:solidFill>
-                  <a:srgbClr val="000000"/>
-                </a:solidFill>
-                <a:miter lim="800000"/>
-                <a:headEnd/>
-                <a:tailEnd/>
-              </a14:hiddenLine>
-            </a:ext>
-          </a:extLst>
-        </p:spPr>
-        <p:txBody>
-          <a:bodyPr wrap="square">
-            <a:spAutoFit/>
-          </a:bodyPr>
-          <a:lstStyle>
-            <a:lvl1pPr>
-              <a:defRPr>
-                <a:solidFill>
-                  <a:schemeClr val="tx1"/>
-                </a:solidFill>
-                <a:latin typeface="Calibri" panose="020F0502020204030204" pitchFamily="34" charset="0"/>
-              </a:defRPr>
-            </a:lvl1pPr>
-            <a:lvl2pPr marL="742950" indent="-285750">
-              <a:defRPr>
-                <a:solidFill>
-                  <a:schemeClr val="tx1"/>
-                </a:solidFill>
-                <a:latin typeface="Calibri" panose="020F0502020204030204" pitchFamily="34" charset="0"/>
-              </a:defRPr>
-            </a:lvl2pPr>
-            <a:lvl3pPr marL="1143000" indent="-228600">
-              <a:defRPr>
-                <a:solidFill>
-                  <a:schemeClr val="tx1"/>
-                </a:solidFill>
-                <a:latin typeface="Calibri" panose="020F0502020204030204" pitchFamily="34" charset="0"/>
-              </a:defRPr>
-            </a:lvl3pPr>
-            <a:lvl4pPr marL="1600200" indent="-228600">
-              <a:defRPr>
-                <a:solidFill>
-                  <a:schemeClr val="tx1"/>
-                </a:solidFill>
-                <a:latin typeface="Calibri" panose="020F0502020204030204" pitchFamily="34" charset="0"/>
-              </a:defRPr>
-            </a:lvl4pPr>
-            <a:lvl5pPr marL="2057400" indent="-228600">
-              <a:defRPr>
-                <a:solidFill>
-                  <a:schemeClr val="tx1"/>
-                </a:solidFill>
-                <a:latin typeface="Calibri" panose="020F0502020204030204" pitchFamily="34" charset="0"/>
-              </a:defRPr>
-            </a:lvl5pPr>
-            <a:lvl6pPr marL="2514600" indent="-228600" eaLnBrk="0" fontAlgn="base" hangingPunct="0">
-              <a:spcBef>
-                <a:spcPct val="0"/>
-              </a:spcBef>
-              <a:spcAft>
-                <a:spcPct val="0"/>
-              </a:spcAft>
-              <a:defRPr>
-                <a:solidFill>
-                  <a:schemeClr val="tx1"/>
-                </a:solidFill>
-                <a:latin typeface="Calibri" panose="020F0502020204030204" pitchFamily="34" charset="0"/>
-              </a:defRPr>
-            </a:lvl6pPr>
-            <a:lvl7pPr marL="2971800" indent="-228600" eaLnBrk="0" fontAlgn="base" hangingPunct="0">
-              <a:spcBef>
-                <a:spcPct val="0"/>
-              </a:spcBef>
-              <a:spcAft>
-                <a:spcPct val="0"/>
-              </a:spcAft>
-              <a:defRPr>
-                <a:solidFill>
-                  <a:schemeClr val="tx1"/>
-                </a:solidFill>
-                <a:latin typeface="Calibri" panose="020F0502020204030204" pitchFamily="34" charset="0"/>
-              </a:defRPr>
-            </a:lvl7pPr>
-            <a:lvl8pPr marL="3429000" indent="-228600" eaLnBrk="0" fontAlgn="base" hangingPunct="0">
-              <a:spcBef>
-                <a:spcPct val="0"/>
-              </a:spcBef>
-              <a:spcAft>
-                <a:spcPct val="0"/>
-              </a:spcAft>
-              <a:defRPr>
-                <a:solidFill>
-                  <a:schemeClr val="tx1"/>
-                </a:solidFill>
-                <a:latin typeface="Calibri" panose="020F0502020204030204" pitchFamily="34" charset="0"/>
-              </a:defRPr>
-            </a:lvl8pPr>
-            <a:lvl9pPr marL="3886200" indent="-228600" eaLnBrk="0" fontAlgn="base" hangingPunct="0">
-              <a:spcBef>
-                <a:spcPct val="0"/>
-              </a:spcBef>
-              <a:spcAft>
-                <a:spcPct val="0"/>
-              </a:spcAft>
-              <a:defRPr>
-                <a:solidFill>
-                  <a:schemeClr val="tx1"/>
-                </a:solidFill>
-                <a:latin typeface="Calibri" panose="020F0502020204030204" pitchFamily="34" charset="0"/>
-              </a:defRPr>
-            </a:lvl9pPr>
-          </a:lstStyle>
-          <a:p>
-            <a:pPr algn="ctr" eaLnBrk="1" hangingPunct="1"/>
-            <a:r>
-              <a:rPr lang="en-US" altLang="en-US" sz="1200" dirty="0">
-                <a:latin typeface="Arial" panose="020B0604020202020204" pitchFamily="34" charset="0"/>
-                <a:ea typeface="Amazon Ember" panose="020B0603020204020204" pitchFamily="34" charset="0"/>
-                <a:cs typeface="Arial" panose="020B0604020202020204" pitchFamily="34" charset="0"/>
-              </a:rPr>
-              <a:t>Readings SFTP</a:t>
-            </a:r>
-          </a:p>
-        </p:txBody>
-      </p:sp>
-      <p:pic>
-        <p:nvPicPr>
-          <p:cNvPr id="54" name="Graphic 11">
-            <a:extLst>
-              <a:ext uri="{FF2B5EF4-FFF2-40B4-BE49-F238E27FC236}">
-                <a16:creationId xmlns:a16="http://schemas.microsoft.com/office/drawing/2014/main" id="{E1FC2295-9D07-4616-B819-23565D430FAD}"/>
-              </a:ext>
-            </a:extLst>
-          </p:cNvPr>
-          <p:cNvPicPr>
-            <a:picLocks noChangeAspect="1" noChangeArrowheads="1"/>
-          </p:cNvPicPr>
-          <p:nvPr/>
-        </p:nvPicPr>
-        <p:blipFill>
-          <a:blip r:embed="rId4">
-            <a:extLst>
-              <a:ext uri="{28A0092B-C50C-407E-A947-70E740481C1C}">
-                <a14:useLocalDpi xmlns:a14="http://schemas.microsoft.com/office/drawing/2010/main" val="0"/>
-              </a:ext>
-            </a:extLst>
-          </a:blip>
-          <a:srcRect/>
-          <a:stretch>
-            <a:fillRect/>
-          </a:stretch>
-        </p:blipFill>
-        <p:spPr bwMode="auto">
-          <a:xfrm>
-            <a:off x="9692997" y="914400"/>
-            <a:ext cx="457200" cy="457200"/>
-          </a:xfrm>
-          <a:prstGeom prst="rect">
-            <a:avLst/>
-          </a:prstGeom>
-          <a:noFill/>
-          <a:ln>
-            <a:noFill/>
-          </a:ln>
-          <a:extLst>
-            <a:ext uri="{909E8E84-426E-40DD-AFC4-6F175D3DCCD1}">
-              <a14:hiddenFill xmlns:a14="http://schemas.microsoft.com/office/drawing/2010/main">
-                <a:solidFill>
-                  <a:srgbClr val="FFFFFF"/>
-                </a:solidFill>
-              </a14:hiddenFill>
-            </a:ext>
-            <a:ext uri="{91240B29-F687-4F45-9708-019B960494DF}">
-              <a14:hiddenLine xmlns:a14="http://schemas.microsoft.com/office/drawing/2010/main" w="9525">
-                <a:solidFill>
-                  <a:srgbClr val="000000"/>
-                </a:solidFill>
-                <a:miter lim="800000"/>
-                <a:headEnd/>
-                <a:tailEnd/>
-              </a14:hiddenLine>
-            </a:ext>
-          </a:extLst>
-        </p:spPr>
-      </p:pic>
-      <p:sp>
-        <p:nvSpPr>
-          <p:cNvPr id="55" name="TextBox 28">
-            <a:extLst>
-              <a:ext uri="{FF2B5EF4-FFF2-40B4-BE49-F238E27FC236}">
-                <a16:creationId xmlns:a16="http://schemas.microsoft.com/office/drawing/2014/main" id="{72FAA09A-A585-4105-B4CB-7B3D3A802D99}"/>
-              </a:ext>
-            </a:extLst>
-          </p:cNvPr>
-          <p:cNvSpPr txBox="1">
-            <a:spLocks noChangeArrowheads="1"/>
-          </p:cNvSpPr>
-          <p:nvPr/>
-        </p:nvSpPr>
-        <p:spPr bwMode="auto">
-          <a:xfrm>
-            <a:off x="9372957" y="1389888"/>
-            <a:ext cx="1097280" cy="457200"/>
-          </a:xfrm>
-          <a:prstGeom prst="rect">
-            <a:avLst/>
-          </a:prstGeom>
-          <a:noFill/>
-          <a:ln>
-            <a:noFill/>
-          </a:ln>
-          <a:extLst>
-            <a:ext uri="{909E8E84-426E-40DD-AFC4-6F175D3DCCD1}">
-              <a14:hiddenFill xmlns:a14="http://schemas.microsoft.com/office/drawing/2010/main">
-                <a:solidFill>
-                  <a:srgbClr val="FFFFFF"/>
-                </a:solidFill>
-              </a14:hiddenFill>
-            </a:ext>
-            <a:ext uri="{91240B29-F687-4F45-9708-019B960494DF}">
-              <a14:hiddenLine xmlns:a14="http://schemas.microsoft.com/office/drawing/2010/main" w="9525">
-                <a:solidFill>
-                  <a:srgbClr val="000000"/>
-                </a:solidFill>
-                <a:miter lim="800000"/>
-                <a:headEnd/>
-                <a:tailEnd/>
-              </a14:hiddenLine>
-            </a:ext>
-          </a:extLst>
-        </p:spPr>
-        <p:txBody>
-          <a:bodyPr>
-            <a:spAutoFit/>
-          </a:bodyPr>
-          <a:lstStyle>
-            <a:lvl1pPr>
-              <a:defRPr>
-                <a:solidFill>
-                  <a:schemeClr val="tx1"/>
-                </a:solidFill>
-                <a:latin typeface="Calibri" panose="020F0502020204030204" pitchFamily="34" charset="0"/>
-              </a:defRPr>
-            </a:lvl1pPr>
-            <a:lvl2pPr marL="742950" indent="-285750">
-              <a:defRPr>
-                <a:solidFill>
-                  <a:schemeClr val="tx1"/>
-                </a:solidFill>
-                <a:latin typeface="Calibri" panose="020F0502020204030204" pitchFamily="34" charset="0"/>
-              </a:defRPr>
-            </a:lvl2pPr>
-            <a:lvl3pPr marL="1143000" indent="-228600">
-              <a:defRPr>
-                <a:solidFill>
-                  <a:schemeClr val="tx1"/>
-                </a:solidFill>
-                <a:latin typeface="Calibri" panose="020F0502020204030204" pitchFamily="34" charset="0"/>
-              </a:defRPr>
-            </a:lvl3pPr>
-            <a:lvl4pPr marL="1600200" indent="-228600">
-              <a:defRPr>
-                <a:solidFill>
-                  <a:schemeClr val="tx1"/>
-                </a:solidFill>
-                <a:latin typeface="Calibri" panose="020F0502020204030204" pitchFamily="34" charset="0"/>
-              </a:defRPr>
-            </a:lvl4pPr>
-            <a:lvl5pPr marL="2057400" indent="-228600">
-              <a:defRPr>
-                <a:solidFill>
-                  <a:schemeClr val="tx1"/>
-                </a:solidFill>
-                <a:latin typeface="Calibri" panose="020F0502020204030204" pitchFamily="34" charset="0"/>
-              </a:defRPr>
-            </a:lvl5pPr>
-            <a:lvl6pPr marL="2514600" indent="-228600" eaLnBrk="0" fontAlgn="base" hangingPunct="0">
-              <a:spcBef>
-                <a:spcPct val="0"/>
-              </a:spcBef>
-              <a:spcAft>
-                <a:spcPct val="0"/>
-              </a:spcAft>
-              <a:defRPr>
-                <a:solidFill>
-                  <a:schemeClr val="tx1"/>
-                </a:solidFill>
-                <a:latin typeface="Calibri" panose="020F0502020204030204" pitchFamily="34" charset="0"/>
-              </a:defRPr>
-            </a:lvl6pPr>
-            <a:lvl7pPr marL="2971800" indent="-228600" eaLnBrk="0" fontAlgn="base" hangingPunct="0">
-              <a:spcBef>
-                <a:spcPct val="0"/>
-              </a:spcBef>
-              <a:spcAft>
-                <a:spcPct val="0"/>
-              </a:spcAft>
-              <a:defRPr>
-                <a:solidFill>
-                  <a:schemeClr val="tx1"/>
-                </a:solidFill>
-                <a:latin typeface="Calibri" panose="020F0502020204030204" pitchFamily="34" charset="0"/>
-              </a:defRPr>
-            </a:lvl7pPr>
-            <a:lvl8pPr marL="3429000" indent="-228600" eaLnBrk="0" fontAlgn="base" hangingPunct="0">
-              <a:spcBef>
-                <a:spcPct val="0"/>
-              </a:spcBef>
-              <a:spcAft>
-                <a:spcPct val="0"/>
-              </a:spcAft>
-              <a:defRPr>
-                <a:solidFill>
-                  <a:schemeClr val="tx1"/>
-                </a:solidFill>
-                <a:latin typeface="Calibri" panose="020F0502020204030204" pitchFamily="34" charset="0"/>
-              </a:defRPr>
-            </a:lvl8pPr>
-            <a:lvl9pPr marL="3886200" indent="-228600" eaLnBrk="0" fontAlgn="base" hangingPunct="0">
-              <a:spcBef>
-                <a:spcPct val="0"/>
-              </a:spcBef>
-              <a:spcAft>
-                <a:spcPct val="0"/>
-              </a:spcAft>
-              <a:defRPr>
-                <a:solidFill>
-                  <a:schemeClr val="tx1"/>
-                </a:solidFill>
-                <a:latin typeface="Calibri" panose="020F0502020204030204" pitchFamily="34" charset="0"/>
-              </a:defRPr>
-            </a:lvl9pPr>
-          </a:lstStyle>
-          <a:p>
-            <a:pPr algn="ctr" eaLnBrk="1" hangingPunct="1"/>
-            <a:r>
-              <a:rPr lang="en-US" altLang="en-US" sz="1200" dirty="0">
-                <a:solidFill>
-                  <a:srgbClr val="000000"/>
-                </a:solidFill>
-                <a:latin typeface="Arial" panose="020B0604020202020204" pitchFamily="34" charset="0"/>
-                <a:cs typeface="Arial" panose="020B0604020202020204" pitchFamily="34" charset="0"/>
-              </a:rPr>
-              <a:t>Device Data Generator</a:t>
-            </a:r>
-          </a:p>
-        </p:txBody>
-      </p:sp>
-      <p:cxnSp>
-        <p:nvCxnSpPr>
-          <p:cNvPr id="57" name="Straight Arrow Connector 56">
-            <a:extLst>
-              <a:ext uri="{FF2B5EF4-FFF2-40B4-BE49-F238E27FC236}">
-                <a16:creationId xmlns:a16="http://schemas.microsoft.com/office/drawing/2014/main" id="{2C86670D-B6F0-4942-A74E-E0CABDEB74B4}"/>
-              </a:ext>
-            </a:extLst>
-          </p:cNvPr>
-          <p:cNvCxnSpPr>
-            <a:cxnSpLocks/>
-            <a:stCxn id="2" idx="3"/>
-            <a:endCxn id="67" idx="1"/>
-          </p:cNvCxnSpPr>
-          <p:nvPr/>
-        </p:nvCxnSpPr>
-        <p:spPr>
-          <a:xfrm>
-            <a:off x="923290" y="2752344"/>
-            <a:ext cx="996950" cy="0"/>
-          </a:xfrm>
-          <a:prstGeom prst="straightConnector1">
-            <a:avLst/>
-          </a:prstGeom>
-          <a:ln w="15875">
-            <a:solidFill>
-              <a:schemeClr val="tx2"/>
-            </a:solidFill>
-            <a:headEnd type="none" w="med" len="sm"/>
-            <a:tailEnd type="arrow" w="med" len="sm"/>
-          </a:ln>
-        </p:spPr>
-        <p:style>
-          <a:lnRef idx="1">
-            <a:schemeClr val="accent1"/>
-          </a:lnRef>
-          <a:fillRef idx="0">
-            <a:schemeClr val="accent1"/>
-          </a:fillRef>
-          <a:effectRef idx="0">
-            <a:schemeClr val="accent1"/>
-          </a:effectRef>
-          <a:fontRef idx="minor">
-            <a:schemeClr val="tx1"/>
-          </a:fontRef>
-        </p:style>
-      </p:cxnSp>
-      <p:cxnSp>
-        <p:nvCxnSpPr>
-          <p:cNvPr id="81" name="Straight Arrow Connector 80">
-            <a:extLst>
-              <a:ext uri="{FF2B5EF4-FFF2-40B4-BE49-F238E27FC236}">
-                <a16:creationId xmlns:a16="http://schemas.microsoft.com/office/drawing/2014/main" id="{D4300F90-F5F7-4C23-92F6-2F4AF1C3EDAD}"/>
-              </a:ext>
-            </a:extLst>
-          </p:cNvPr>
-          <p:cNvCxnSpPr>
-            <a:cxnSpLocks/>
-            <a:stCxn id="60" idx="3"/>
-            <a:endCxn id="66" idx="1"/>
-          </p:cNvCxnSpPr>
-          <p:nvPr/>
-        </p:nvCxnSpPr>
-        <p:spPr>
-          <a:xfrm>
-            <a:off x="3474338" y="1143000"/>
-            <a:ext cx="3822574" cy="0"/>
-          </a:xfrm>
-          <a:prstGeom prst="straightConnector1">
-            <a:avLst/>
-          </a:prstGeom>
-          <a:ln w="15875">
-            <a:solidFill>
-              <a:schemeClr val="tx2"/>
-            </a:solidFill>
-            <a:headEnd type="none" w="med" len="sm"/>
-            <a:tailEnd type="arrow" w="med" len="sm"/>
-          </a:ln>
-        </p:spPr>
-        <p:style>
-          <a:lnRef idx="1">
-            <a:schemeClr val="accent1"/>
-          </a:lnRef>
-          <a:fillRef idx="0">
-            <a:schemeClr val="accent1"/>
-          </a:fillRef>
-          <a:effectRef idx="0">
-            <a:schemeClr val="accent1"/>
-          </a:effectRef>
-          <a:fontRef idx="minor">
-            <a:schemeClr val="tx1"/>
-          </a:fontRef>
-        </p:style>
-      </p:cxnSp>
-      <p:sp>
-        <p:nvSpPr>
-          <p:cNvPr id="115" name="Freeform 91">
-            <a:extLst>
-              <a:ext uri="{FF2B5EF4-FFF2-40B4-BE49-F238E27FC236}">
-                <a16:creationId xmlns:a16="http://schemas.microsoft.com/office/drawing/2014/main" id="{2E4B7A33-22C0-4403-A136-C5F9EF8277D4}"/>
-              </a:ext>
-            </a:extLst>
-          </p:cNvPr>
-          <p:cNvSpPr/>
-          <p:nvPr/>
-        </p:nvSpPr>
-        <p:spPr>
-          <a:xfrm rot="10800000" flipH="1">
-            <a:off x="3489837" y="3199148"/>
-            <a:ext cx="985717" cy="66187"/>
-          </a:xfrm>
-          <a:custGeom>
-            <a:avLst/>
-            <a:gdLst>
-              <a:gd name="connsiteX0" fmla="*/ 1371600 w 1371600"/>
-              <a:gd name="connsiteY0" fmla="*/ 711200 h 711200"/>
-              <a:gd name="connsiteX1" fmla="*/ 1371600 w 1371600"/>
-              <a:gd name="connsiteY1" fmla="*/ 0 h 711200"/>
-              <a:gd name="connsiteX2" fmla="*/ 0 w 1371600"/>
-              <a:gd name="connsiteY2" fmla="*/ 0 h 711200"/>
-            </a:gdLst>
-            <a:ahLst/>
-            <a:cxnLst>
-              <a:cxn ang="0">
-                <a:pos x="connsiteX0" y="connsiteY0"/>
-              </a:cxn>
-              <a:cxn ang="0">
-                <a:pos x="connsiteX1" y="connsiteY1"/>
-              </a:cxn>
-              <a:cxn ang="0">
-                <a:pos x="connsiteX2" y="connsiteY2"/>
-              </a:cxn>
-            </a:cxnLst>
-            <a:rect l="l" t="t" r="r" b="b"/>
-            <a:pathLst>
-              <a:path w="1371600" h="711200">
-                <a:moveTo>
-                  <a:pt x="1371600" y="711200"/>
-                </a:moveTo>
-                <a:lnTo>
-                  <a:pt x="1371600" y="0"/>
-                </a:lnTo>
-                <a:lnTo>
-                  <a:pt x="0" y="0"/>
-                </a:lnTo>
-              </a:path>
-            </a:pathLst>
-          </a:custGeom>
-          <a:noFill/>
-          <a:ln w="15875">
-            <a:solidFill>
-              <a:schemeClr val="tx2"/>
-            </a:solidFill>
-            <a:headEnd type="none" w="med" len="sm"/>
-            <a:tailEnd type="arrow" w="med" len="sm"/>
-          </a:ln>
-        </p:spPr>
-        <p:style>
-          <a:lnRef idx="2">
-            <a:schemeClr val="accent1">
-              <a:shade val="50000"/>
-            </a:schemeClr>
-          </a:lnRef>
-          <a:fillRef idx="1">
-            <a:schemeClr val="accent1"/>
-          </a:fillRef>
-          <a:effectRef idx="0">
-            <a:schemeClr val="accent1"/>
-          </a:effectRef>
-          <a:fontRef idx="minor">
-            <a:schemeClr val="lt1"/>
-          </a:fontRef>
-        </p:style>
-        <p:txBody>
-          <a:bodyPr anchor="ctr"/>
-          <a:lstStyle/>
-          <a:p>
-            <a:pPr algn="ctr" eaLnBrk="1" fontAlgn="auto" hangingPunct="1">
-              <a:spcBef>
-                <a:spcPts val="0"/>
-              </a:spcBef>
-              <a:spcAft>
-                <a:spcPts val="0"/>
-              </a:spcAft>
-              <a:defRPr/>
-            </a:pPr>
-            <a:endParaRPr lang="en-US" dirty="0"/>
           </a:p>
         </p:txBody>
       </p:sp>
       <p:grpSp>
         <p:nvGrpSpPr>
-          <p:cNvPr id="119" name="Group 23">
-            <a:extLst>
-              <a:ext uri="{FF2B5EF4-FFF2-40B4-BE49-F238E27FC236}">
-                <a16:creationId xmlns:a16="http://schemas.microsoft.com/office/drawing/2014/main" id="{3A1BC2AC-C586-4110-96F6-7763E58D0E20}"/>
+          <p:cNvPr id="130" name="Group 23">
+            <a:extLst>
+              <a:ext uri="{FF2B5EF4-FFF2-40B4-BE49-F238E27FC236}">
+                <a16:creationId xmlns:a16="http://schemas.microsoft.com/office/drawing/2014/main" id="{0C062A70-3A51-4A5F-AFB4-59C3094C5A20}"/>
               </a:ext>
             </a:extLst>
           </p:cNvPr>
@@ -6378,190 +3976,10 @@
         </p:nvGrpSpPr>
         <p:grpSpPr bwMode="auto">
           <a:xfrm>
-            <a:off x="3474720" y="1795719"/>
-            <a:ext cx="804787" cy="999295"/>
-            <a:chOff x="2486957" y="1517811"/>
-            <a:chExt cx="1644672" cy="382743"/>
-          </a:xfrm>
-        </p:grpSpPr>
-        <p:sp>
-          <p:nvSpPr>
-            <p:cNvPr id="120" name="Freeform 51">
-              <a:extLst>
-                <a:ext uri="{FF2B5EF4-FFF2-40B4-BE49-F238E27FC236}">
-                  <a16:creationId xmlns:a16="http://schemas.microsoft.com/office/drawing/2014/main" id="{A2E3F78B-C37B-410D-93FF-DEDEF9209753}"/>
-                </a:ext>
-              </a:extLst>
-            </p:cNvPr>
-            <p:cNvSpPr/>
-            <p:nvPr/>
-          </p:nvSpPr>
-          <p:spPr>
-            <a:xfrm rot="10800000">
-              <a:off x="3216692" y="1517811"/>
-              <a:ext cx="914937" cy="382743"/>
-            </a:xfrm>
-            <a:custGeom>
-              <a:avLst/>
-              <a:gdLst>
-                <a:gd name="connsiteX0" fmla="*/ 0 w 622300"/>
-                <a:gd name="connsiteY0" fmla="*/ 0 h 1574800"/>
-                <a:gd name="connsiteX1" fmla="*/ 622300 w 622300"/>
-                <a:gd name="connsiteY1" fmla="*/ 0 h 1574800"/>
-                <a:gd name="connsiteX2" fmla="*/ 622300 w 622300"/>
-                <a:gd name="connsiteY2" fmla="*/ 1574800 h 1574800"/>
-                <a:gd name="connsiteX3" fmla="*/ 482600 w 622300"/>
-                <a:gd name="connsiteY3" fmla="*/ 1574800 h 1574800"/>
-                <a:gd name="connsiteX4" fmla="*/ 0 w 622300"/>
-                <a:gd name="connsiteY4" fmla="*/ 1574800 h 1574800"/>
-              </a:gdLst>
-              <a:ahLst/>
-              <a:cxnLst>
-                <a:cxn ang="0">
-                  <a:pos x="connsiteX0" y="connsiteY0"/>
-                </a:cxn>
-                <a:cxn ang="0">
-                  <a:pos x="connsiteX1" y="connsiteY1"/>
-                </a:cxn>
-                <a:cxn ang="0">
-                  <a:pos x="connsiteX2" y="connsiteY2"/>
-                </a:cxn>
-                <a:cxn ang="0">
-                  <a:pos x="connsiteX3" y="connsiteY3"/>
-                </a:cxn>
-                <a:cxn ang="0">
-                  <a:pos x="connsiteX4" y="connsiteY4"/>
-                </a:cxn>
-              </a:cxnLst>
-              <a:rect l="l" t="t" r="r" b="b"/>
-              <a:pathLst>
-                <a:path w="622300" h="1574800">
-                  <a:moveTo>
-                    <a:pt x="0" y="0"/>
-                  </a:moveTo>
-                  <a:lnTo>
-                    <a:pt x="622300" y="0"/>
-                  </a:lnTo>
-                  <a:lnTo>
-                    <a:pt x="622300" y="1574800"/>
-                  </a:lnTo>
-                  <a:lnTo>
-                    <a:pt x="482600" y="1574800"/>
-                  </a:lnTo>
-                  <a:lnTo>
-                    <a:pt x="0" y="1574800"/>
-                  </a:lnTo>
-                </a:path>
-              </a:pathLst>
-            </a:custGeom>
-            <a:noFill/>
-            <a:ln w="15875">
-              <a:solidFill>
-                <a:schemeClr val="tx2"/>
-              </a:solidFill>
-              <a:headEnd type="arrow" w="med" len="sm"/>
-              <a:tailEnd type="arrow" w="med" len="sm"/>
-            </a:ln>
-          </p:spPr>
-          <p:style>
-            <a:lnRef idx="2">
-              <a:schemeClr val="accent1">
-                <a:shade val="50000"/>
-              </a:schemeClr>
-            </a:lnRef>
-            <a:fillRef idx="1">
-              <a:schemeClr val="accent1"/>
-            </a:fillRef>
-            <a:effectRef idx="0">
-              <a:schemeClr val="accent1"/>
-            </a:effectRef>
-            <a:fontRef idx="minor">
-              <a:schemeClr val="lt1"/>
-            </a:fontRef>
-          </p:style>
-          <p:txBody>
-            <a:bodyPr anchor="ctr"/>
-            <a:lstStyle/>
-            <a:p>
-              <a:pPr algn="ctr" eaLnBrk="1" fontAlgn="auto" hangingPunct="1">
-                <a:spcBef>
-                  <a:spcPts val="0"/>
-                </a:spcBef>
-                <a:spcAft>
-                  <a:spcPts val="0"/>
-                </a:spcAft>
-                <a:defRPr/>
-              </a:pPr>
-              <a:endParaRPr lang="en-US" dirty="0"/>
-            </a:p>
-          </p:txBody>
-        </p:sp>
-        <p:cxnSp>
-          <p:nvCxnSpPr>
-            <p:cNvPr id="122" name="Straight Arrow Connector 121">
-              <a:extLst>
-                <a:ext uri="{FF2B5EF4-FFF2-40B4-BE49-F238E27FC236}">
-                  <a16:creationId xmlns:a16="http://schemas.microsoft.com/office/drawing/2014/main" id="{7D2D1403-8C85-4AD4-9052-19A73E5CA88B}"/>
-                </a:ext>
-              </a:extLst>
-            </p:cNvPr>
-            <p:cNvCxnSpPr>
-              <a:cxnSpLocks/>
-            </p:cNvCxnSpPr>
-            <p:nvPr/>
-          </p:nvCxnSpPr>
-          <p:spPr>
-            <a:xfrm flipV="1">
-              <a:off x="2486957" y="1723106"/>
-              <a:ext cx="729735" cy="0"/>
-            </a:xfrm>
-            <a:prstGeom prst="straightConnector1">
-              <a:avLst/>
-            </a:prstGeom>
-            <a:ln w="15875">
-              <a:solidFill>
-                <a:schemeClr val="tx2"/>
-              </a:solidFill>
-              <a:headEnd type="none" w="med" len="sm"/>
-              <a:tailEnd type="none" w="med" len="sm"/>
-            </a:ln>
-          </p:spPr>
-          <p:style>
-            <a:lnRef idx="1">
-              <a:schemeClr val="accent1"/>
-            </a:lnRef>
-            <a:fillRef idx="0">
-              <a:schemeClr val="accent1"/>
-            </a:fillRef>
-            <a:effectRef idx="0">
-              <a:schemeClr val="accent1"/>
-            </a:effectRef>
-            <a:fontRef idx="minor">
-              <a:schemeClr val="tx1"/>
-            </a:fontRef>
-          </p:style>
-        </p:cxnSp>
-      </p:grpSp>
-      <p:grpSp>
-        <p:nvGrpSpPr>
-          <p:cNvPr id="130" name="Group 23">
-            <a:extLst>
-              <a:ext uri="{FF2B5EF4-FFF2-40B4-BE49-F238E27FC236}">
-                <a16:creationId xmlns:a16="http://schemas.microsoft.com/office/drawing/2014/main" id="{0C062A70-3A51-4A5F-AFB4-59C3094C5A20}"/>
-              </a:ext>
-            </a:extLst>
-          </p:cNvPr>
-          <p:cNvGrpSpPr>
-            <a:grpSpLocks/>
-          </p:cNvGrpSpPr>
-          <p:nvPr/>
-        </p:nvGrpSpPr>
-        <p:grpSpPr bwMode="auto">
-          <a:xfrm>
-            <a:off x="2370573" y="2331723"/>
-            <a:ext cx="646947" cy="933619"/>
-            <a:chOff x="2674471" y="1556245"/>
-            <a:chExt cx="1322108" cy="341476"/>
+            <a:off x="813816" y="992488"/>
+            <a:ext cx="1137892" cy="1339232"/>
+            <a:chOff x="2755400" y="1556245"/>
+            <a:chExt cx="1241179" cy="341476"/>
           </a:xfrm>
         </p:grpSpPr>
         <p:sp>
@@ -6687,13 +4105,14 @@
             </p:cNvPr>
             <p:cNvCxnSpPr>
               <a:cxnSpLocks/>
+              <a:stCxn id="98" idx="3"/>
             </p:cNvCxnSpPr>
             <p:nvPr/>
           </p:nvCxnSpPr>
           <p:spPr>
-            <a:xfrm>
-              <a:off x="2674471" y="1710853"/>
-              <a:ext cx="573423" cy="0"/>
+            <a:xfrm flipV="1">
+              <a:off x="2755400" y="1710853"/>
+              <a:ext cx="492494" cy="345"/>
             </a:xfrm>
             <a:prstGeom prst="straightConnector1">
               <a:avLst/>
@@ -6722,26 +4141,1319 @@
           </p:style>
         </p:cxnSp>
       </p:grpSp>
+      <p:sp>
+        <p:nvSpPr>
+          <p:cNvPr id="155" name="TextBox 9">
+            <a:extLst>
+              <a:ext uri="{FF2B5EF4-FFF2-40B4-BE49-F238E27FC236}">
+                <a16:creationId xmlns:a16="http://schemas.microsoft.com/office/drawing/2014/main" id="{322316AE-9C5E-9B34-6AE4-D9254E9E9013}"/>
+              </a:ext>
+            </a:extLst>
+          </p:cNvPr>
+          <p:cNvSpPr txBox="1">
+            <a:spLocks noChangeArrowheads="1"/>
+          </p:cNvSpPr>
+          <p:nvPr/>
+        </p:nvSpPr>
+        <p:spPr bwMode="auto">
+          <a:xfrm>
+            <a:off x="6873240" y="2743200"/>
+            <a:ext cx="914400" cy="276999"/>
+          </a:xfrm>
+          <a:prstGeom prst="rect">
+            <a:avLst/>
+          </a:prstGeom>
+          <a:noFill/>
+          <a:ln>
+            <a:noFill/>
+          </a:ln>
+          <a:extLst>
+            <a:ext uri="{909E8E84-426E-40DD-AFC4-6F175D3DCCD1}">
+              <a14:hiddenFill xmlns:a14="http://schemas.microsoft.com/office/drawing/2010/main">
+                <a:solidFill>
+                  <a:srgbClr val="FFFFFF"/>
+                </a:solidFill>
+              </a14:hiddenFill>
+            </a:ext>
+            <a:ext uri="{91240B29-F687-4F45-9708-019B960494DF}">
+              <a14:hiddenLine xmlns:a14="http://schemas.microsoft.com/office/drawing/2010/main" w="9525">
+                <a:solidFill>
+                  <a:srgbClr val="000000"/>
+                </a:solidFill>
+                <a:miter lim="800000"/>
+                <a:headEnd/>
+                <a:tailEnd/>
+              </a14:hiddenLine>
+            </a:ext>
+          </a:extLst>
+        </p:spPr>
+        <p:txBody>
+          <a:bodyPr wrap="square">
+            <a:spAutoFit/>
+          </a:bodyPr>
+          <a:lstStyle>
+            <a:lvl1pPr>
+              <a:defRPr>
+                <a:solidFill>
+                  <a:schemeClr val="tx1"/>
+                </a:solidFill>
+                <a:latin typeface="Calibri" panose="020F0502020204030204" pitchFamily="34" charset="0"/>
+              </a:defRPr>
+            </a:lvl1pPr>
+            <a:lvl2pPr marL="742950" indent="-285750">
+              <a:defRPr>
+                <a:solidFill>
+                  <a:schemeClr val="tx1"/>
+                </a:solidFill>
+                <a:latin typeface="Calibri" panose="020F0502020204030204" pitchFamily="34" charset="0"/>
+              </a:defRPr>
+            </a:lvl2pPr>
+            <a:lvl3pPr marL="1143000" indent="-228600">
+              <a:defRPr>
+                <a:solidFill>
+                  <a:schemeClr val="tx1"/>
+                </a:solidFill>
+                <a:latin typeface="Calibri" panose="020F0502020204030204" pitchFamily="34" charset="0"/>
+              </a:defRPr>
+            </a:lvl3pPr>
+            <a:lvl4pPr marL="1600200" indent="-228600">
+              <a:defRPr>
+                <a:solidFill>
+                  <a:schemeClr val="tx1"/>
+                </a:solidFill>
+                <a:latin typeface="Calibri" panose="020F0502020204030204" pitchFamily="34" charset="0"/>
+              </a:defRPr>
+            </a:lvl4pPr>
+            <a:lvl5pPr marL="2057400" indent="-228600">
+              <a:defRPr>
+                <a:solidFill>
+                  <a:schemeClr val="tx1"/>
+                </a:solidFill>
+                <a:latin typeface="Calibri" panose="020F0502020204030204" pitchFamily="34" charset="0"/>
+              </a:defRPr>
+            </a:lvl5pPr>
+            <a:lvl6pPr marL="2514600" indent="-228600" eaLnBrk="0" fontAlgn="base" hangingPunct="0">
+              <a:spcBef>
+                <a:spcPct val="0"/>
+              </a:spcBef>
+              <a:spcAft>
+                <a:spcPct val="0"/>
+              </a:spcAft>
+              <a:defRPr>
+                <a:solidFill>
+                  <a:schemeClr val="tx1"/>
+                </a:solidFill>
+                <a:latin typeface="Calibri" panose="020F0502020204030204" pitchFamily="34" charset="0"/>
+              </a:defRPr>
+            </a:lvl6pPr>
+            <a:lvl7pPr marL="2971800" indent="-228600" eaLnBrk="0" fontAlgn="base" hangingPunct="0">
+              <a:spcBef>
+                <a:spcPct val="0"/>
+              </a:spcBef>
+              <a:spcAft>
+                <a:spcPct val="0"/>
+              </a:spcAft>
+              <a:defRPr>
+                <a:solidFill>
+                  <a:schemeClr val="tx1"/>
+                </a:solidFill>
+                <a:latin typeface="Calibri" panose="020F0502020204030204" pitchFamily="34" charset="0"/>
+              </a:defRPr>
+            </a:lvl7pPr>
+            <a:lvl8pPr marL="3429000" indent="-228600" eaLnBrk="0" fontAlgn="base" hangingPunct="0">
+              <a:spcBef>
+                <a:spcPct val="0"/>
+              </a:spcBef>
+              <a:spcAft>
+                <a:spcPct val="0"/>
+              </a:spcAft>
+              <a:defRPr>
+                <a:solidFill>
+                  <a:schemeClr val="tx1"/>
+                </a:solidFill>
+                <a:latin typeface="Calibri" panose="020F0502020204030204" pitchFamily="34" charset="0"/>
+              </a:defRPr>
+            </a:lvl8pPr>
+            <a:lvl9pPr marL="3886200" indent="-228600" eaLnBrk="0" fontAlgn="base" hangingPunct="0">
+              <a:spcBef>
+                <a:spcPct val="0"/>
+              </a:spcBef>
+              <a:spcAft>
+                <a:spcPct val="0"/>
+              </a:spcAft>
+              <a:defRPr>
+                <a:solidFill>
+                  <a:schemeClr val="tx1"/>
+                </a:solidFill>
+                <a:latin typeface="Calibri" panose="020F0502020204030204" pitchFamily="34" charset="0"/>
+              </a:defRPr>
+            </a:lvl9pPr>
+          </a:lstStyle>
+          <a:p>
+            <a:pPr algn="ctr" eaLnBrk="1" hangingPunct="1"/>
+            <a:r>
+              <a:rPr lang="en-US" altLang="en-US" sz="1200" dirty="0">
+                <a:latin typeface="Arial" panose="020B0604020202020204" pitchFamily="34" charset="0"/>
+                <a:ea typeface="Amazon Ember" panose="020B0603020204020204" pitchFamily="34" charset="0"/>
+                <a:cs typeface="Arial" panose="020B0604020202020204" pitchFamily="34" charset="0"/>
+              </a:rPr>
+              <a:t>AWS Glue</a:t>
+            </a:r>
+          </a:p>
+        </p:txBody>
+      </p:sp>
+      <p:pic>
+        <p:nvPicPr>
+          <p:cNvPr id="58" name="Graphic 6">
+            <a:extLst>
+              <a:ext uri="{FF2B5EF4-FFF2-40B4-BE49-F238E27FC236}">
+                <a16:creationId xmlns:a16="http://schemas.microsoft.com/office/drawing/2014/main" id="{B18F25F0-D79E-4EAC-BE4B-2FB231273405}"/>
+              </a:ext>
+            </a:extLst>
+          </p:cNvPr>
+          <p:cNvPicPr>
+            <a:picLocks noChangeAspect="1" noChangeArrowheads="1"/>
+          </p:cNvPicPr>
+          <p:nvPr/>
+        </p:nvPicPr>
+        <p:blipFill>
+          <a:blip r:embed="rId4">
+            <a:extLst>
+              <a:ext uri="{96DAC541-7B7A-43D3-8B79-37D633B846F1}">
+                <asvg:svgBlip xmlns:asvg="http://schemas.microsoft.com/office/drawing/2016/SVG/main" r:embed="rId5"/>
+              </a:ext>
+            </a:extLst>
+          </a:blip>
+          <a:srcRect/>
+          <a:stretch/>
+        </p:blipFill>
+        <p:spPr bwMode="auto">
+          <a:xfrm>
+            <a:off x="6949440" y="1947672"/>
+            <a:ext cx="762000" cy="762000"/>
+          </a:xfrm>
+          <a:prstGeom prst="rect">
+            <a:avLst/>
+          </a:prstGeom>
+          <a:noFill/>
+          <a:ln>
+            <a:noFill/>
+          </a:ln>
+          <a:extLst>
+            <a:ext uri="{909E8E84-426E-40DD-AFC4-6F175D3DCCD1}">
+              <a14:hiddenFill xmlns:a14="http://schemas.microsoft.com/office/drawing/2010/main">
+                <a:solidFill>
+                  <a:srgbClr val="FFFFFF"/>
+                </a:solidFill>
+              </a14:hiddenFill>
+            </a:ext>
+            <a:ext uri="{91240B29-F687-4F45-9708-019B960494DF}">
+              <a14:hiddenLine xmlns:a14="http://schemas.microsoft.com/office/drawing/2010/main" w="9525">
+                <a:solidFill>
+                  <a:srgbClr val="000000"/>
+                </a:solidFill>
+                <a:miter lim="800000"/>
+                <a:headEnd/>
+                <a:tailEnd/>
+              </a14:hiddenLine>
+            </a:ext>
+          </a:extLst>
+        </p:spPr>
+      </p:pic>
+      <p:sp>
+        <p:nvSpPr>
+          <p:cNvPr id="154" name="TextBox 9">
+            <a:extLst>
+              <a:ext uri="{FF2B5EF4-FFF2-40B4-BE49-F238E27FC236}">
+                <a16:creationId xmlns:a16="http://schemas.microsoft.com/office/drawing/2014/main" id="{F00445B4-4E4D-AFEC-84E6-62676BCA2A21}"/>
+              </a:ext>
+            </a:extLst>
+          </p:cNvPr>
+          <p:cNvSpPr txBox="1">
+            <a:spLocks noChangeArrowheads="1"/>
+          </p:cNvSpPr>
+          <p:nvPr/>
+        </p:nvSpPr>
+        <p:spPr bwMode="auto">
+          <a:xfrm>
+            <a:off x="4992306" y="2514599"/>
+            <a:ext cx="1280160" cy="274320"/>
+          </a:xfrm>
+          <a:prstGeom prst="rect">
+            <a:avLst/>
+          </a:prstGeom>
+          <a:noFill/>
+          <a:ln>
+            <a:noFill/>
+          </a:ln>
+          <a:extLst>
+            <a:ext uri="{909E8E84-426E-40DD-AFC4-6F175D3DCCD1}">
+              <a14:hiddenFill xmlns:a14="http://schemas.microsoft.com/office/drawing/2010/main">
+                <a:solidFill>
+                  <a:srgbClr val="FFFFFF"/>
+                </a:solidFill>
+              </a14:hiddenFill>
+            </a:ext>
+            <a:ext uri="{91240B29-F687-4F45-9708-019B960494DF}">
+              <a14:hiddenLine xmlns:a14="http://schemas.microsoft.com/office/drawing/2010/main" w="9525">
+                <a:solidFill>
+                  <a:srgbClr val="000000"/>
+                </a:solidFill>
+                <a:miter lim="800000"/>
+                <a:headEnd/>
+                <a:tailEnd/>
+              </a14:hiddenLine>
+            </a:ext>
+          </a:extLst>
+        </p:spPr>
+        <p:txBody>
+          <a:bodyPr wrap="square">
+            <a:spAutoFit/>
+          </a:bodyPr>
+          <a:lstStyle>
+            <a:lvl1pPr>
+              <a:defRPr>
+                <a:solidFill>
+                  <a:schemeClr val="tx1"/>
+                </a:solidFill>
+                <a:latin typeface="Calibri" panose="020F0502020204030204" pitchFamily="34" charset="0"/>
+              </a:defRPr>
+            </a:lvl1pPr>
+            <a:lvl2pPr marL="742950" indent="-285750">
+              <a:defRPr>
+                <a:solidFill>
+                  <a:schemeClr val="tx1"/>
+                </a:solidFill>
+                <a:latin typeface="Calibri" panose="020F0502020204030204" pitchFamily="34" charset="0"/>
+              </a:defRPr>
+            </a:lvl2pPr>
+            <a:lvl3pPr marL="1143000" indent="-228600">
+              <a:defRPr>
+                <a:solidFill>
+                  <a:schemeClr val="tx1"/>
+                </a:solidFill>
+                <a:latin typeface="Calibri" panose="020F0502020204030204" pitchFamily="34" charset="0"/>
+              </a:defRPr>
+            </a:lvl3pPr>
+            <a:lvl4pPr marL="1600200" indent="-228600">
+              <a:defRPr>
+                <a:solidFill>
+                  <a:schemeClr val="tx1"/>
+                </a:solidFill>
+                <a:latin typeface="Calibri" panose="020F0502020204030204" pitchFamily="34" charset="0"/>
+              </a:defRPr>
+            </a:lvl4pPr>
+            <a:lvl5pPr marL="2057400" indent="-228600">
+              <a:defRPr>
+                <a:solidFill>
+                  <a:schemeClr val="tx1"/>
+                </a:solidFill>
+                <a:latin typeface="Calibri" panose="020F0502020204030204" pitchFamily="34" charset="0"/>
+              </a:defRPr>
+            </a:lvl5pPr>
+            <a:lvl6pPr marL="2514600" indent="-228600" eaLnBrk="0" fontAlgn="base" hangingPunct="0">
+              <a:spcBef>
+                <a:spcPct val="0"/>
+              </a:spcBef>
+              <a:spcAft>
+                <a:spcPct val="0"/>
+              </a:spcAft>
+              <a:defRPr>
+                <a:solidFill>
+                  <a:schemeClr val="tx1"/>
+                </a:solidFill>
+                <a:latin typeface="Calibri" panose="020F0502020204030204" pitchFamily="34" charset="0"/>
+              </a:defRPr>
+            </a:lvl6pPr>
+            <a:lvl7pPr marL="2971800" indent="-228600" eaLnBrk="0" fontAlgn="base" hangingPunct="0">
+              <a:spcBef>
+                <a:spcPct val="0"/>
+              </a:spcBef>
+              <a:spcAft>
+                <a:spcPct val="0"/>
+              </a:spcAft>
+              <a:defRPr>
+                <a:solidFill>
+                  <a:schemeClr val="tx1"/>
+                </a:solidFill>
+                <a:latin typeface="Calibri" panose="020F0502020204030204" pitchFamily="34" charset="0"/>
+              </a:defRPr>
+            </a:lvl7pPr>
+            <a:lvl8pPr marL="3429000" indent="-228600" eaLnBrk="0" fontAlgn="base" hangingPunct="0">
+              <a:spcBef>
+                <a:spcPct val="0"/>
+              </a:spcBef>
+              <a:spcAft>
+                <a:spcPct val="0"/>
+              </a:spcAft>
+              <a:defRPr>
+                <a:solidFill>
+                  <a:schemeClr val="tx1"/>
+                </a:solidFill>
+                <a:latin typeface="Calibri" panose="020F0502020204030204" pitchFamily="34" charset="0"/>
+              </a:defRPr>
+            </a:lvl8pPr>
+            <a:lvl9pPr marL="3886200" indent="-228600" eaLnBrk="0" fontAlgn="base" hangingPunct="0">
+              <a:spcBef>
+                <a:spcPct val="0"/>
+              </a:spcBef>
+              <a:spcAft>
+                <a:spcPct val="0"/>
+              </a:spcAft>
+              <a:defRPr>
+                <a:solidFill>
+                  <a:schemeClr val="tx1"/>
+                </a:solidFill>
+                <a:latin typeface="Calibri" panose="020F0502020204030204" pitchFamily="34" charset="0"/>
+              </a:defRPr>
+            </a:lvl9pPr>
+          </a:lstStyle>
+          <a:p>
+            <a:pPr algn="ctr" eaLnBrk="1" hangingPunct="1"/>
+            <a:r>
+              <a:rPr lang="en-US" altLang="en-US" sz="1200" dirty="0">
+                <a:latin typeface="Arial" panose="020B0604020202020204" pitchFamily="34" charset="0"/>
+                <a:ea typeface="Amazon Ember" panose="020B0603020204020204" pitchFamily="34" charset="0"/>
+                <a:cs typeface="Arial" panose="020B0604020202020204" pitchFamily="34" charset="0"/>
+              </a:rPr>
+              <a:t>Submit Glue job</a:t>
+            </a:r>
+          </a:p>
+        </p:txBody>
+      </p:sp>
+      <p:pic>
+        <p:nvPicPr>
+          <p:cNvPr id="59" name="Graphic 13">
+            <a:extLst>
+              <a:ext uri="{FF2B5EF4-FFF2-40B4-BE49-F238E27FC236}">
+                <a16:creationId xmlns:a16="http://schemas.microsoft.com/office/drawing/2014/main" id="{26E62974-848D-42EB-80FA-E6C968DFC4B4}"/>
+              </a:ext>
+            </a:extLst>
+          </p:cNvPr>
+          <p:cNvPicPr>
+            <a:picLocks noChangeAspect="1" noChangeArrowheads="1"/>
+          </p:cNvPicPr>
+          <p:nvPr/>
+        </p:nvPicPr>
+        <p:blipFill>
+          <a:blip r:embed="rId6">
+            <a:extLst>
+              <a:ext uri="{96DAC541-7B7A-43D3-8B79-37D633B846F1}">
+                <asvg:svgBlip xmlns:asvg="http://schemas.microsoft.com/office/drawing/2016/SVG/main" r:embed="rId7"/>
+              </a:ext>
+            </a:extLst>
+          </a:blip>
+          <a:srcRect/>
+          <a:stretch/>
+        </p:blipFill>
+        <p:spPr bwMode="auto">
+          <a:xfrm>
+            <a:off x="5404104" y="2103120"/>
+            <a:ext cx="457200" cy="457200"/>
+          </a:xfrm>
+          <a:prstGeom prst="rect">
+            <a:avLst/>
+          </a:prstGeom>
+          <a:noFill/>
+          <a:ln>
+            <a:noFill/>
+          </a:ln>
+          <a:extLst>
+            <a:ext uri="{909E8E84-426E-40DD-AFC4-6F175D3DCCD1}">
+              <a14:hiddenFill xmlns:a14="http://schemas.microsoft.com/office/drawing/2010/main">
+                <a:solidFill>
+                  <a:srgbClr val="FFFFFF"/>
+                </a:solidFill>
+              </a14:hiddenFill>
+            </a:ext>
+            <a:ext uri="{91240B29-F687-4F45-9708-019B960494DF}">
+              <a14:hiddenLine xmlns:a14="http://schemas.microsoft.com/office/drawing/2010/main" w="9525">
+                <a:solidFill>
+                  <a:srgbClr val="000000"/>
+                </a:solidFill>
+                <a:miter lim="800000"/>
+                <a:headEnd/>
+                <a:tailEnd/>
+              </a14:hiddenLine>
+            </a:ext>
+          </a:extLst>
+        </p:spPr>
+      </p:pic>
+      <p:sp>
+        <p:nvSpPr>
+          <p:cNvPr id="129" name="TextBox 9">
+            <a:extLst>
+              <a:ext uri="{FF2B5EF4-FFF2-40B4-BE49-F238E27FC236}">
+                <a16:creationId xmlns:a16="http://schemas.microsoft.com/office/drawing/2014/main" id="{B9ECF3F7-E9F6-A564-FCE8-884ABCE5FDC3}"/>
+              </a:ext>
+            </a:extLst>
+          </p:cNvPr>
+          <p:cNvSpPr txBox="1">
+            <a:spLocks noChangeArrowheads="1"/>
+          </p:cNvSpPr>
+          <p:nvPr/>
+        </p:nvSpPr>
+        <p:spPr bwMode="auto">
+          <a:xfrm>
+            <a:off x="3697750" y="4515417"/>
+            <a:ext cx="1645920" cy="457200"/>
+          </a:xfrm>
+          <a:prstGeom prst="rect">
+            <a:avLst/>
+          </a:prstGeom>
+          <a:noFill/>
+          <a:ln>
+            <a:noFill/>
+          </a:ln>
+          <a:extLst>
+            <a:ext uri="{909E8E84-426E-40DD-AFC4-6F175D3DCCD1}">
+              <a14:hiddenFill xmlns:a14="http://schemas.microsoft.com/office/drawing/2010/main">
+                <a:solidFill>
+                  <a:srgbClr val="FFFFFF"/>
+                </a:solidFill>
+              </a14:hiddenFill>
+            </a:ext>
+            <a:ext uri="{91240B29-F687-4F45-9708-019B960494DF}">
+              <a14:hiddenLine xmlns:a14="http://schemas.microsoft.com/office/drawing/2010/main" w="9525">
+                <a:solidFill>
+                  <a:srgbClr val="000000"/>
+                </a:solidFill>
+                <a:miter lim="800000"/>
+                <a:headEnd/>
+                <a:tailEnd/>
+              </a14:hiddenLine>
+            </a:ext>
+          </a:extLst>
+        </p:spPr>
+        <p:txBody>
+          <a:bodyPr wrap="square">
+            <a:spAutoFit/>
+          </a:bodyPr>
+          <a:lstStyle>
+            <a:lvl1pPr>
+              <a:defRPr>
+                <a:solidFill>
+                  <a:schemeClr val="tx1"/>
+                </a:solidFill>
+                <a:latin typeface="Calibri" panose="020F0502020204030204" pitchFamily="34" charset="0"/>
+              </a:defRPr>
+            </a:lvl1pPr>
+            <a:lvl2pPr marL="742950" indent="-285750">
+              <a:defRPr>
+                <a:solidFill>
+                  <a:schemeClr val="tx1"/>
+                </a:solidFill>
+                <a:latin typeface="Calibri" panose="020F0502020204030204" pitchFamily="34" charset="0"/>
+              </a:defRPr>
+            </a:lvl2pPr>
+            <a:lvl3pPr marL="1143000" indent="-228600">
+              <a:defRPr>
+                <a:solidFill>
+                  <a:schemeClr val="tx1"/>
+                </a:solidFill>
+                <a:latin typeface="Calibri" panose="020F0502020204030204" pitchFamily="34" charset="0"/>
+              </a:defRPr>
+            </a:lvl3pPr>
+            <a:lvl4pPr marL="1600200" indent="-228600">
+              <a:defRPr>
+                <a:solidFill>
+                  <a:schemeClr val="tx1"/>
+                </a:solidFill>
+                <a:latin typeface="Calibri" panose="020F0502020204030204" pitchFamily="34" charset="0"/>
+              </a:defRPr>
+            </a:lvl4pPr>
+            <a:lvl5pPr marL="2057400" indent="-228600">
+              <a:defRPr>
+                <a:solidFill>
+                  <a:schemeClr val="tx1"/>
+                </a:solidFill>
+                <a:latin typeface="Calibri" panose="020F0502020204030204" pitchFamily="34" charset="0"/>
+              </a:defRPr>
+            </a:lvl5pPr>
+            <a:lvl6pPr marL="2514600" indent="-228600" eaLnBrk="0" fontAlgn="base" hangingPunct="0">
+              <a:spcBef>
+                <a:spcPct val="0"/>
+              </a:spcBef>
+              <a:spcAft>
+                <a:spcPct val="0"/>
+              </a:spcAft>
+              <a:defRPr>
+                <a:solidFill>
+                  <a:schemeClr val="tx1"/>
+                </a:solidFill>
+                <a:latin typeface="Calibri" panose="020F0502020204030204" pitchFamily="34" charset="0"/>
+              </a:defRPr>
+            </a:lvl6pPr>
+            <a:lvl7pPr marL="2971800" indent="-228600" eaLnBrk="0" fontAlgn="base" hangingPunct="0">
+              <a:spcBef>
+                <a:spcPct val="0"/>
+              </a:spcBef>
+              <a:spcAft>
+                <a:spcPct val="0"/>
+              </a:spcAft>
+              <a:defRPr>
+                <a:solidFill>
+                  <a:schemeClr val="tx1"/>
+                </a:solidFill>
+                <a:latin typeface="Calibri" panose="020F0502020204030204" pitchFamily="34" charset="0"/>
+              </a:defRPr>
+            </a:lvl7pPr>
+            <a:lvl8pPr marL="3429000" indent="-228600" eaLnBrk="0" fontAlgn="base" hangingPunct="0">
+              <a:spcBef>
+                <a:spcPct val="0"/>
+              </a:spcBef>
+              <a:spcAft>
+                <a:spcPct val="0"/>
+              </a:spcAft>
+              <a:defRPr>
+                <a:solidFill>
+                  <a:schemeClr val="tx1"/>
+                </a:solidFill>
+                <a:latin typeface="Calibri" panose="020F0502020204030204" pitchFamily="34" charset="0"/>
+              </a:defRPr>
+            </a:lvl8pPr>
+            <a:lvl9pPr marL="3886200" indent="-228600" eaLnBrk="0" fontAlgn="base" hangingPunct="0">
+              <a:spcBef>
+                <a:spcPct val="0"/>
+              </a:spcBef>
+              <a:spcAft>
+                <a:spcPct val="0"/>
+              </a:spcAft>
+              <a:defRPr>
+                <a:solidFill>
+                  <a:schemeClr val="tx1"/>
+                </a:solidFill>
+                <a:latin typeface="Calibri" panose="020F0502020204030204" pitchFamily="34" charset="0"/>
+              </a:defRPr>
+            </a:lvl9pPr>
+          </a:lstStyle>
+          <a:p>
+            <a:pPr algn="ctr" eaLnBrk="1" hangingPunct="1"/>
+            <a:r>
+              <a:rPr lang="en-US" altLang="en-US" sz="1200" dirty="0">
+                <a:latin typeface="Arial" panose="020B0604020202020204" pitchFamily="34" charset="0"/>
+                <a:ea typeface="Amazon Ember" panose="020B0603020204020204" pitchFamily="34" charset="0"/>
+                <a:cs typeface="Arial" panose="020B0604020202020204" pitchFamily="34" charset="0"/>
+              </a:rPr>
+              <a:t>Get meter readings file status</a:t>
+            </a:r>
+          </a:p>
+        </p:txBody>
+      </p:sp>
+      <p:pic>
+        <p:nvPicPr>
+          <p:cNvPr id="61" name="Graphic 13">
+            <a:extLst>
+              <a:ext uri="{FF2B5EF4-FFF2-40B4-BE49-F238E27FC236}">
+                <a16:creationId xmlns:a16="http://schemas.microsoft.com/office/drawing/2014/main" id="{1B13CFDB-16F2-4808-8837-65A9263F333B}"/>
+              </a:ext>
+            </a:extLst>
+          </p:cNvPr>
+          <p:cNvPicPr>
+            <a:picLocks noChangeAspect="1" noChangeArrowheads="1"/>
+          </p:cNvPicPr>
+          <p:nvPr/>
+        </p:nvPicPr>
+        <p:blipFill>
+          <a:blip r:embed="rId6">
+            <a:extLst>
+              <a:ext uri="{96DAC541-7B7A-43D3-8B79-37D633B846F1}">
+                <asvg:svgBlip xmlns:asvg="http://schemas.microsoft.com/office/drawing/2016/SVG/main" r:embed="rId7"/>
+              </a:ext>
+            </a:extLst>
+          </a:blip>
+          <a:srcRect/>
+          <a:stretch/>
+        </p:blipFill>
+        <p:spPr bwMode="auto">
+          <a:xfrm>
+            <a:off x="4270248" y="4114800"/>
+            <a:ext cx="457200" cy="457200"/>
+          </a:xfrm>
+          <a:prstGeom prst="rect">
+            <a:avLst/>
+          </a:prstGeom>
+          <a:noFill/>
+          <a:ln>
+            <a:noFill/>
+          </a:ln>
+          <a:extLst>
+            <a:ext uri="{909E8E84-426E-40DD-AFC4-6F175D3DCCD1}">
+              <a14:hiddenFill xmlns:a14="http://schemas.microsoft.com/office/drawing/2010/main">
+                <a:solidFill>
+                  <a:srgbClr val="FFFFFF"/>
+                </a:solidFill>
+              </a14:hiddenFill>
+            </a:ext>
+            <a:ext uri="{91240B29-F687-4F45-9708-019B960494DF}">
+              <a14:hiddenLine xmlns:a14="http://schemas.microsoft.com/office/drawing/2010/main" w="9525">
+                <a:solidFill>
+                  <a:srgbClr val="000000"/>
+                </a:solidFill>
+                <a:miter lim="800000"/>
+                <a:headEnd/>
+                <a:tailEnd/>
+              </a14:hiddenLine>
+            </a:ext>
+          </a:extLst>
+        </p:spPr>
+      </p:pic>
+      <p:pic>
+        <p:nvPicPr>
+          <p:cNvPr id="62" name="Graphic 13">
+            <a:extLst>
+              <a:ext uri="{FF2B5EF4-FFF2-40B4-BE49-F238E27FC236}">
+                <a16:creationId xmlns:a16="http://schemas.microsoft.com/office/drawing/2014/main" id="{3D1CF34A-CE7E-41FE-942C-411F1DABF072}"/>
+              </a:ext>
+            </a:extLst>
+          </p:cNvPr>
+          <p:cNvPicPr>
+            <a:picLocks noChangeAspect="1" noChangeArrowheads="1"/>
+          </p:cNvPicPr>
+          <p:nvPr/>
+        </p:nvPicPr>
+        <p:blipFill>
+          <a:blip r:embed="rId6">
+            <a:extLst>
+              <a:ext uri="{96DAC541-7B7A-43D3-8B79-37D633B846F1}">
+                <asvg:svgBlip xmlns:asvg="http://schemas.microsoft.com/office/drawing/2016/SVG/main" r:embed="rId7"/>
+              </a:ext>
+            </a:extLst>
+          </a:blip>
+          <a:srcRect/>
+          <a:stretch/>
+        </p:blipFill>
+        <p:spPr bwMode="auto">
+          <a:xfrm>
+            <a:off x="3017520" y="2103120"/>
+            <a:ext cx="457200" cy="457200"/>
+          </a:xfrm>
+          <a:prstGeom prst="rect">
+            <a:avLst/>
+          </a:prstGeom>
+          <a:noFill/>
+          <a:ln>
+            <a:noFill/>
+          </a:ln>
+          <a:extLst>
+            <a:ext uri="{909E8E84-426E-40DD-AFC4-6F175D3DCCD1}">
+              <a14:hiddenFill xmlns:a14="http://schemas.microsoft.com/office/drawing/2010/main">
+                <a:solidFill>
+                  <a:srgbClr val="FFFFFF"/>
+                </a:solidFill>
+              </a14:hiddenFill>
+            </a:ext>
+            <a:ext uri="{91240B29-F687-4F45-9708-019B960494DF}">
+              <a14:hiddenLine xmlns:a14="http://schemas.microsoft.com/office/drawing/2010/main" w="9525">
+                <a:solidFill>
+                  <a:srgbClr val="000000"/>
+                </a:solidFill>
+                <a:miter lim="800000"/>
+                <a:headEnd/>
+                <a:tailEnd/>
+              </a14:hiddenLine>
+            </a:ext>
+          </a:extLst>
+        </p:spPr>
+      </p:pic>
+      <p:pic>
+        <p:nvPicPr>
+          <p:cNvPr id="64" name="Graphic 17">
+            <a:extLst>
+              <a:ext uri="{FF2B5EF4-FFF2-40B4-BE49-F238E27FC236}">
+                <a16:creationId xmlns:a16="http://schemas.microsoft.com/office/drawing/2014/main" id="{D224F861-3658-4FCF-A510-70EDE1943B17}"/>
+              </a:ext>
+            </a:extLst>
+          </p:cNvPr>
+          <p:cNvPicPr>
+            <a:picLocks noChangeAspect="1" noChangeArrowheads="1"/>
+          </p:cNvPicPr>
+          <p:nvPr/>
+        </p:nvPicPr>
+        <p:blipFill>
+          <a:blip r:embed="rId8">
+            <a:extLst>
+              <a:ext uri="{96DAC541-7B7A-43D3-8B79-37D633B846F1}">
+                <asvg:svgBlip xmlns:asvg="http://schemas.microsoft.com/office/drawing/2016/SVG/main" r:embed="rId9"/>
+              </a:ext>
+            </a:extLst>
+          </a:blip>
+          <a:srcRect/>
+          <a:stretch/>
+        </p:blipFill>
+        <p:spPr bwMode="auto">
+          <a:xfrm>
+            <a:off x="8503920" y="1947672"/>
+            <a:ext cx="762000" cy="762000"/>
+          </a:xfrm>
+          <a:prstGeom prst="rect">
+            <a:avLst/>
+          </a:prstGeom>
+          <a:noFill/>
+          <a:ln>
+            <a:noFill/>
+          </a:ln>
+          <a:extLst>
+            <a:ext uri="{909E8E84-426E-40DD-AFC4-6F175D3DCCD1}">
+              <a14:hiddenFill xmlns:a14="http://schemas.microsoft.com/office/drawing/2010/main">
+                <a:solidFill>
+                  <a:srgbClr val="FFFFFF"/>
+                </a:solidFill>
+              </a14:hiddenFill>
+            </a:ext>
+            <a:ext uri="{91240B29-F687-4F45-9708-019B960494DF}">
+              <a14:hiddenLine xmlns:a14="http://schemas.microsoft.com/office/drawing/2010/main" w="9525">
+                <a:solidFill>
+                  <a:srgbClr val="000000"/>
+                </a:solidFill>
+                <a:miter lim="800000"/>
+                <a:headEnd/>
+                <a:tailEnd/>
+              </a14:hiddenLine>
+            </a:ext>
+          </a:extLst>
+        </p:spPr>
+      </p:pic>
+      <p:grpSp>
+        <p:nvGrpSpPr>
+          <p:cNvPr id="3" name="Group 2">
+            <a:extLst>
+              <a:ext uri="{FF2B5EF4-FFF2-40B4-BE49-F238E27FC236}">
+                <a16:creationId xmlns:a16="http://schemas.microsoft.com/office/drawing/2014/main" id="{5DC96817-CB43-485E-AF10-B8226FE82A71}"/>
+              </a:ext>
+            </a:extLst>
+          </p:cNvPr>
+          <p:cNvGrpSpPr/>
+          <p:nvPr/>
+        </p:nvGrpSpPr>
+        <p:grpSpPr>
+          <a:xfrm>
+            <a:off x="1641864" y="5029200"/>
+            <a:ext cx="3452231" cy="734199"/>
+            <a:chOff x="1641864" y="4151376"/>
+            <a:chExt cx="3452231" cy="734199"/>
+          </a:xfrm>
+        </p:grpSpPr>
+        <p:cxnSp>
+          <p:nvCxnSpPr>
+            <p:cNvPr id="168" name="Straight Arrow Connector 167">
+              <a:extLst>
+                <a:ext uri="{FF2B5EF4-FFF2-40B4-BE49-F238E27FC236}">
+                  <a16:creationId xmlns:a16="http://schemas.microsoft.com/office/drawing/2014/main" id="{EC006825-A5E2-48DB-64AF-9CB8ED708EC8}"/>
+                </a:ext>
+              </a:extLst>
+            </p:cNvPr>
+            <p:cNvCxnSpPr>
+              <a:cxnSpLocks/>
+              <a:stCxn id="65" idx="1"/>
+              <a:endCxn id="63" idx="3"/>
+            </p:cNvCxnSpPr>
+            <p:nvPr/>
+          </p:nvCxnSpPr>
+          <p:spPr>
+            <a:xfrm flipH="1">
+              <a:off x="2377440" y="4379976"/>
+              <a:ext cx="1892808" cy="0"/>
+            </a:xfrm>
+            <a:prstGeom prst="straightConnector1">
+              <a:avLst/>
+            </a:prstGeom>
+            <a:ln w="15875">
+              <a:solidFill>
+                <a:schemeClr val="tx2"/>
+              </a:solidFill>
+              <a:headEnd type="none" w="med" len="sm"/>
+              <a:tailEnd type="arrow" w="med" len="sm"/>
+            </a:ln>
+          </p:spPr>
+          <p:style>
+            <a:lnRef idx="1">
+              <a:schemeClr val="accent1"/>
+            </a:lnRef>
+            <a:fillRef idx="0">
+              <a:schemeClr val="accent1"/>
+            </a:fillRef>
+            <a:effectRef idx="0">
+              <a:schemeClr val="accent1"/>
+            </a:effectRef>
+            <a:fontRef idx="minor">
+              <a:schemeClr val="tx1"/>
+            </a:fontRef>
+          </p:style>
+        </p:cxnSp>
+        <p:sp>
+          <p:nvSpPr>
+            <p:cNvPr id="169" name="TextBox 9">
+              <a:extLst>
+                <a:ext uri="{FF2B5EF4-FFF2-40B4-BE49-F238E27FC236}">
+                  <a16:creationId xmlns:a16="http://schemas.microsoft.com/office/drawing/2014/main" id="{EDC4914A-62A9-F973-3A3F-5B05954CE68D}"/>
+                </a:ext>
+              </a:extLst>
+            </p:cNvPr>
+            <p:cNvSpPr txBox="1">
+              <a:spLocks noChangeArrowheads="1"/>
+            </p:cNvSpPr>
+            <p:nvPr/>
+          </p:nvSpPr>
+          <p:spPr bwMode="auto">
+            <a:xfrm>
+              <a:off x="3897543" y="4608576"/>
+              <a:ext cx="1196552" cy="276999"/>
+            </a:xfrm>
+            <a:prstGeom prst="rect">
+              <a:avLst/>
+            </a:prstGeom>
+            <a:noFill/>
+            <a:ln>
+              <a:noFill/>
+            </a:ln>
+            <a:extLst>
+              <a:ext uri="{909E8E84-426E-40DD-AFC4-6F175D3DCCD1}">
+                <a14:hiddenFill xmlns:a14="http://schemas.microsoft.com/office/drawing/2010/main">
+                  <a:solidFill>
+                    <a:srgbClr val="FFFFFF"/>
+                  </a:solidFill>
+                </a14:hiddenFill>
+              </a:ext>
+              <a:ext uri="{91240B29-F687-4F45-9708-019B960494DF}">
+                <a14:hiddenLine xmlns:a14="http://schemas.microsoft.com/office/drawing/2010/main" w="9525">
+                  <a:solidFill>
+                    <a:srgbClr val="000000"/>
+                  </a:solidFill>
+                  <a:miter lim="800000"/>
+                  <a:headEnd/>
+                  <a:tailEnd/>
+                </a14:hiddenLine>
+              </a:ext>
+            </a:extLst>
+          </p:spPr>
+          <p:txBody>
+            <a:bodyPr wrap="square">
+              <a:spAutoFit/>
+            </a:bodyPr>
+            <a:lstStyle>
+              <a:lvl1pPr>
+                <a:defRPr>
+                  <a:solidFill>
+                    <a:schemeClr val="tx1"/>
+                  </a:solidFill>
+                  <a:latin typeface="Calibri" panose="020F0502020204030204" pitchFamily="34" charset="0"/>
+                </a:defRPr>
+              </a:lvl1pPr>
+              <a:lvl2pPr marL="742950" indent="-285750">
+                <a:defRPr>
+                  <a:solidFill>
+                    <a:schemeClr val="tx1"/>
+                  </a:solidFill>
+                  <a:latin typeface="Calibri" panose="020F0502020204030204" pitchFamily="34" charset="0"/>
+                </a:defRPr>
+              </a:lvl2pPr>
+              <a:lvl3pPr marL="1143000" indent="-228600">
+                <a:defRPr>
+                  <a:solidFill>
+                    <a:schemeClr val="tx1"/>
+                  </a:solidFill>
+                  <a:latin typeface="Calibri" panose="020F0502020204030204" pitchFamily="34" charset="0"/>
+                </a:defRPr>
+              </a:lvl3pPr>
+              <a:lvl4pPr marL="1600200" indent="-228600">
+                <a:defRPr>
+                  <a:solidFill>
+                    <a:schemeClr val="tx1"/>
+                  </a:solidFill>
+                  <a:latin typeface="Calibri" panose="020F0502020204030204" pitchFamily="34" charset="0"/>
+                </a:defRPr>
+              </a:lvl4pPr>
+              <a:lvl5pPr marL="2057400" indent="-228600">
+                <a:defRPr>
+                  <a:solidFill>
+                    <a:schemeClr val="tx1"/>
+                  </a:solidFill>
+                  <a:latin typeface="Calibri" panose="020F0502020204030204" pitchFamily="34" charset="0"/>
+                </a:defRPr>
+              </a:lvl5pPr>
+              <a:lvl6pPr marL="2514600" indent="-228600" eaLnBrk="0" fontAlgn="base" hangingPunct="0">
+                <a:spcBef>
+                  <a:spcPct val="0"/>
+                </a:spcBef>
+                <a:spcAft>
+                  <a:spcPct val="0"/>
+                </a:spcAft>
+                <a:defRPr>
+                  <a:solidFill>
+                    <a:schemeClr val="tx1"/>
+                  </a:solidFill>
+                  <a:latin typeface="Calibri" panose="020F0502020204030204" pitchFamily="34" charset="0"/>
+                </a:defRPr>
+              </a:lvl6pPr>
+              <a:lvl7pPr marL="2971800" indent="-228600" eaLnBrk="0" fontAlgn="base" hangingPunct="0">
+                <a:spcBef>
+                  <a:spcPct val="0"/>
+                </a:spcBef>
+                <a:spcAft>
+                  <a:spcPct val="0"/>
+                </a:spcAft>
+                <a:defRPr>
+                  <a:solidFill>
+                    <a:schemeClr val="tx1"/>
+                  </a:solidFill>
+                  <a:latin typeface="Calibri" panose="020F0502020204030204" pitchFamily="34" charset="0"/>
+                </a:defRPr>
+              </a:lvl7pPr>
+              <a:lvl8pPr marL="3429000" indent="-228600" eaLnBrk="0" fontAlgn="base" hangingPunct="0">
+                <a:spcBef>
+                  <a:spcPct val="0"/>
+                </a:spcBef>
+                <a:spcAft>
+                  <a:spcPct val="0"/>
+                </a:spcAft>
+                <a:defRPr>
+                  <a:solidFill>
+                    <a:schemeClr val="tx1"/>
+                  </a:solidFill>
+                  <a:latin typeface="Calibri" panose="020F0502020204030204" pitchFamily="34" charset="0"/>
+                </a:defRPr>
+              </a:lvl8pPr>
+              <a:lvl9pPr marL="3886200" indent="-228600" eaLnBrk="0" fontAlgn="base" hangingPunct="0">
+                <a:spcBef>
+                  <a:spcPct val="0"/>
+                </a:spcBef>
+                <a:spcAft>
+                  <a:spcPct val="0"/>
+                </a:spcAft>
+                <a:defRPr>
+                  <a:solidFill>
+                    <a:schemeClr val="tx1"/>
+                  </a:solidFill>
+                  <a:latin typeface="Calibri" panose="020F0502020204030204" pitchFamily="34" charset="0"/>
+                </a:defRPr>
+              </a:lvl9pPr>
+            </a:lstStyle>
+            <a:p>
+              <a:pPr algn="ctr" eaLnBrk="1" hangingPunct="1"/>
+              <a:r>
+                <a:rPr lang="en-US" altLang="en-US" sz="1200" dirty="0">
+                  <a:latin typeface="Arial" panose="020B0604020202020204" pitchFamily="34" charset="0"/>
+                  <a:ea typeface="Amazon Ember" panose="020B0603020204020204" pitchFamily="34" charset="0"/>
+                  <a:cs typeface="Arial" panose="020B0604020202020204" pitchFamily="34" charset="0"/>
+                </a:rPr>
+                <a:t>Meter readings</a:t>
+              </a:r>
+            </a:p>
+          </p:txBody>
+        </p:sp>
+        <p:sp>
+          <p:nvSpPr>
+            <p:cNvPr id="188" name="TextBox 9">
+              <a:extLst>
+                <a:ext uri="{FF2B5EF4-FFF2-40B4-BE49-F238E27FC236}">
+                  <a16:creationId xmlns:a16="http://schemas.microsoft.com/office/drawing/2014/main" id="{082D5BEB-1797-15CA-4723-34702F567923}"/>
+                </a:ext>
+              </a:extLst>
+            </p:cNvPr>
+            <p:cNvSpPr txBox="1">
+              <a:spLocks noChangeArrowheads="1"/>
+            </p:cNvSpPr>
+            <p:nvPr/>
+          </p:nvSpPr>
+          <p:spPr bwMode="auto">
+            <a:xfrm>
+              <a:off x="1641864" y="4608576"/>
+              <a:ext cx="1005840" cy="274320"/>
+            </a:xfrm>
+            <a:prstGeom prst="rect">
+              <a:avLst/>
+            </a:prstGeom>
+            <a:noFill/>
+            <a:ln>
+              <a:noFill/>
+            </a:ln>
+            <a:extLst>
+              <a:ext uri="{909E8E84-426E-40DD-AFC4-6F175D3DCCD1}">
+                <a14:hiddenFill xmlns:a14="http://schemas.microsoft.com/office/drawing/2010/main">
+                  <a:solidFill>
+                    <a:srgbClr val="FFFFFF"/>
+                  </a:solidFill>
+                </a14:hiddenFill>
+              </a:ext>
+              <a:ext uri="{91240B29-F687-4F45-9708-019B960494DF}">
+                <a14:hiddenLine xmlns:a14="http://schemas.microsoft.com/office/drawing/2010/main" w="9525">
+                  <a:solidFill>
+                    <a:srgbClr val="000000"/>
+                  </a:solidFill>
+                  <a:miter lim="800000"/>
+                  <a:headEnd/>
+                  <a:tailEnd/>
+                </a14:hiddenLine>
+              </a:ext>
+            </a:extLst>
+          </p:spPr>
+          <p:txBody>
+            <a:bodyPr wrap="square">
+              <a:spAutoFit/>
+            </a:bodyPr>
+            <a:lstStyle>
+              <a:lvl1pPr>
+                <a:defRPr>
+                  <a:solidFill>
+                    <a:schemeClr val="tx1"/>
+                  </a:solidFill>
+                  <a:latin typeface="Calibri" panose="020F0502020204030204" pitchFamily="34" charset="0"/>
+                </a:defRPr>
+              </a:lvl1pPr>
+              <a:lvl2pPr marL="742950" indent="-285750">
+                <a:defRPr>
+                  <a:solidFill>
+                    <a:schemeClr val="tx1"/>
+                  </a:solidFill>
+                  <a:latin typeface="Calibri" panose="020F0502020204030204" pitchFamily="34" charset="0"/>
+                </a:defRPr>
+              </a:lvl2pPr>
+              <a:lvl3pPr marL="1143000" indent="-228600">
+                <a:defRPr>
+                  <a:solidFill>
+                    <a:schemeClr val="tx1"/>
+                  </a:solidFill>
+                  <a:latin typeface="Calibri" panose="020F0502020204030204" pitchFamily="34" charset="0"/>
+                </a:defRPr>
+              </a:lvl3pPr>
+              <a:lvl4pPr marL="1600200" indent="-228600">
+                <a:defRPr>
+                  <a:solidFill>
+                    <a:schemeClr val="tx1"/>
+                  </a:solidFill>
+                  <a:latin typeface="Calibri" panose="020F0502020204030204" pitchFamily="34" charset="0"/>
+                </a:defRPr>
+              </a:lvl4pPr>
+              <a:lvl5pPr marL="2057400" indent="-228600">
+                <a:defRPr>
+                  <a:solidFill>
+                    <a:schemeClr val="tx1"/>
+                  </a:solidFill>
+                  <a:latin typeface="Calibri" panose="020F0502020204030204" pitchFamily="34" charset="0"/>
+                </a:defRPr>
+              </a:lvl5pPr>
+              <a:lvl6pPr marL="2514600" indent="-228600" eaLnBrk="0" fontAlgn="base" hangingPunct="0">
+                <a:spcBef>
+                  <a:spcPct val="0"/>
+                </a:spcBef>
+                <a:spcAft>
+                  <a:spcPct val="0"/>
+                </a:spcAft>
+                <a:defRPr>
+                  <a:solidFill>
+                    <a:schemeClr val="tx1"/>
+                  </a:solidFill>
+                  <a:latin typeface="Calibri" panose="020F0502020204030204" pitchFamily="34" charset="0"/>
+                </a:defRPr>
+              </a:lvl6pPr>
+              <a:lvl7pPr marL="2971800" indent="-228600" eaLnBrk="0" fontAlgn="base" hangingPunct="0">
+                <a:spcBef>
+                  <a:spcPct val="0"/>
+                </a:spcBef>
+                <a:spcAft>
+                  <a:spcPct val="0"/>
+                </a:spcAft>
+                <a:defRPr>
+                  <a:solidFill>
+                    <a:schemeClr val="tx1"/>
+                  </a:solidFill>
+                  <a:latin typeface="Calibri" panose="020F0502020204030204" pitchFamily="34" charset="0"/>
+                </a:defRPr>
+              </a:lvl7pPr>
+              <a:lvl8pPr marL="3429000" indent="-228600" eaLnBrk="0" fontAlgn="base" hangingPunct="0">
+                <a:spcBef>
+                  <a:spcPct val="0"/>
+                </a:spcBef>
+                <a:spcAft>
+                  <a:spcPct val="0"/>
+                </a:spcAft>
+                <a:defRPr>
+                  <a:solidFill>
+                    <a:schemeClr val="tx1"/>
+                  </a:solidFill>
+                  <a:latin typeface="Calibri" panose="020F0502020204030204" pitchFamily="34" charset="0"/>
+                </a:defRPr>
+              </a:lvl8pPr>
+              <a:lvl9pPr marL="3886200" indent="-228600" eaLnBrk="0" fontAlgn="base" hangingPunct="0">
+                <a:spcBef>
+                  <a:spcPct val="0"/>
+                </a:spcBef>
+                <a:spcAft>
+                  <a:spcPct val="0"/>
+                </a:spcAft>
+                <a:defRPr>
+                  <a:solidFill>
+                    <a:schemeClr val="tx1"/>
+                  </a:solidFill>
+                  <a:latin typeface="Calibri" panose="020F0502020204030204" pitchFamily="34" charset="0"/>
+                </a:defRPr>
+              </a:lvl9pPr>
+            </a:lstStyle>
+            <a:p>
+              <a:pPr algn="ctr" eaLnBrk="1" hangingPunct="1"/>
+              <a:r>
+                <a:rPr lang="en-US" altLang="en-US" sz="1200" dirty="0">
+                  <a:latin typeface="Arial" panose="020B0604020202020204" pitchFamily="34" charset="0"/>
+                  <a:ea typeface="Amazon Ember" panose="020B0603020204020204" pitchFamily="34" charset="0"/>
+                  <a:cs typeface="Arial" panose="020B0604020202020204" pitchFamily="34" charset="0"/>
+                </a:rPr>
+                <a:t>AWS SFTP</a:t>
+              </a:r>
+            </a:p>
+          </p:txBody>
+        </p:sp>
+        <p:pic>
+          <p:nvPicPr>
+            <p:cNvPr id="63" name="Graphic 62">
+              <a:extLst>
+                <a:ext uri="{FF2B5EF4-FFF2-40B4-BE49-F238E27FC236}">
+                  <a16:creationId xmlns:a16="http://schemas.microsoft.com/office/drawing/2014/main" id="{09BADE95-CD75-44CF-9770-A715BA48C29B}"/>
+                </a:ext>
+              </a:extLst>
+            </p:cNvPr>
+            <p:cNvPicPr>
+              <a:picLocks noChangeAspect="1"/>
+            </p:cNvPicPr>
+            <p:nvPr/>
+          </p:nvPicPr>
+          <p:blipFill>
+            <a:blip r:embed="rId10">
+              <a:extLst>
+                <a:ext uri="{96DAC541-7B7A-43D3-8B79-37D633B846F1}">
+                  <asvg:svgBlip xmlns:asvg="http://schemas.microsoft.com/office/drawing/2016/SVG/main" r:embed="rId11"/>
+                </a:ext>
+              </a:extLst>
+            </a:blip>
+            <a:stretch>
+              <a:fillRect/>
+            </a:stretch>
+          </p:blipFill>
+          <p:spPr>
+            <a:xfrm>
+              <a:off x="1920240" y="4151376"/>
+              <a:ext cx="457200" cy="457200"/>
+            </a:xfrm>
+            <a:prstGeom prst="rect">
+              <a:avLst/>
+            </a:prstGeom>
+          </p:spPr>
+        </p:pic>
+        <p:pic>
+          <p:nvPicPr>
+            <p:cNvPr id="65" name="Graphic 64">
+              <a:extLst>
+                <a:ext uri="{FF2B5EF4-FFF2-40B4-BE49-F238E27FC236}">
+                  <a16:creationId xmlns:a16="http://schemas.microsoft.com/office/drawing/2014/main" id="{E3B1F7EE-7841-4472-BD2B-F924EC16DB15}"/>
+                </a:ext>
+              </a:extLst>
+            </p:cNvPr>
+            <p:cNvPicPr>
+              <a:picLocks noChangeAspect="1"/>
+            </p:cNvPicPr>
+            <p:nvPr/>
+          </p:nvPicPr>
+          <p:blipFill>
+            <a:blip r:embed="rId12">
+              <a:extLst>
+                <a:ext uri="{96DAC541-7B7A-43D3-8B79-37D633B846F1}">
+                  <asvg:svgBlip xmlns:asvg="http://schemas.microsoft.com/office/drawing/2016/SVG/main" r:embed="rId13"/>
+                </a:ext>
+              </a:extLst>
+            </a:blip>
+            <a:stretch>
+              <a:fillRect/>
+            </a:stretch>
+          </p:blipFill>
+          <p:spPr>
+            <a:xfrm>
+              <a:off x="4270248" y="4151376"/>
+              <a:ext cx="457200" cy="457200"/>
+            </a:xfrm>
+            <a:prstGeom prst="rect">
+              <a:avLst/>
+            </a:prstGeom>
+          </p:spPr>
+        </p:pic>
+      </p:grpSp>
+      <p:pic>
+        <p:nvPicPr>
+          <p:cNvPr id="67" name="Graphic 6">
+            <a:extLst>
+              <a:ext uri="{FF2B5EF4-FFF2-40B4-BE49-F238E27FC236}">
+                <a16:creationId xmlns:a16="http://schemas.microsoft.com/office/drawing/2014/main" id="{DFF7DA98-2B47-4709-BDC3-41A9BE2020E7}"/>
+              </a:ext>
+            </a:extLst>
+          </p:cNvPr>
+          <p:cNvPicPr>
+            <a:picLocks noChangeAspect="1" noChangeArrowheads="1"/>
+          </p:cNvPicPr>
+          <p:nvPr/>
+        </p:nvPicPr>
+        <p:blipFill>
+          <a:blip r:embed="rId14">
+            <a:extLst>
+              <a:ext uri="{96DAC541-7B7A-43D3-8B79-37D633B846F1}">
+                <asvg:svgBlip xmlns:asvg="http://schemas.microsoft.com/office/drawing/2016/SVG/main" r:embed="rId15"/>
+              </a:ext>
+            </a:extLst>
+          </a:blip>
+          <a:srcRect/>
+          <a:stretch/>
+        </p:blipFill>
+        <p:spPr bwMode="auto">
+          <a:xfrm>
+            <a:off x="1920240" y="2103120"/>
+            <a:ext cx="457200" cy="457200"/>
+          </a:xfrm>
+          <a:prstGeom prst="rect">
+            <a:avLst/>
+          </a:prstGeom>
+          <a:noFill/>
+          <a:ln>
+            <a:noFill/>
+          </a:ln>
+          <a:extLst>
+            <a:ext uri="{909E8E84-426E-40DD-AFC4-6F175D3DCCD1}">
+              <a14:hiddenFill xmlns:a14="http://schemas.microsoft.com/office/drawing/2010/main">
+                <a:solidFill>
+                  <a:srgbClr val="FFFFFF"/>
+                </a:solidFill>
+              </a14:hiddenFill>
+            </a:ext>
+            <a:ext uri="{91240B29-F687-4F45-9708-019B960494DF}">
+              <a14:hiddenLine xmlns:a14="http://schemas.microsoft.com/office/drawing/2010/main" w="9525">
+                <a:solidFill>
+                  <a:srgbClr val="000000"/>
+                </a:solidFill>
+                <a:miter lim="800000"/>
+                <a:headEnd/>
+                <a:tailEnd/>
+              </a14:hiddenLine>
+            </a:ext>
+          </a:extLst>
+        </p:spPr>
+      </p:pic>
       <p:cxnSp>
         <p:nvCxnSpPr>
-          <p:cNvPr id="162" name="Straight Arrow Connector 161">
-            <a:extLst>
-              <a:ext uri="{FF2B5EF4-FFF2-40B4-BE49-F238E27FC236}">
-                <a16:creationId xmlns:a16="http://schemas.microsoft.com/office/drawing/2014/main" id="{84C085D3-934E-4487-9E7C-846935533F43}"/>
+          <p:cNvPr id="173" name="Straight Arrow Connector 172">
+            <a:extLst>
+              <a:ext uri="{FF2B5EF4-FFF2-40B4-BE49-F238E27FC236}">
+                <a16:creationId xmlns:a16="http://schemas.microsoft.com/office/drawing/2014/main" id="{60A32A17-6B3B-16CF-271B-F840DBE793FB}"/>
               </a:ext>
             </a:extLst>
           </p:cNvPr>
           <p:cNvCxnSpPr>
             <a:cxnSpLocks/>
-            <a:stCxn id="58" idx="1"/>
-            <a:endCxn id="70" idx="3"/>
+            <a:stCxn id="54" idx="1"/>
+            <a:endCxn id="66" idx="3"/>
           </p:cNvCxnSpPr>
           <p:nvPr/>
         </p:nvCxnSpPr>
         <p:spPr>
-          <a:xfrm flipH="1" flipV="1">
-            <a:off x="4709160" y="2779776"/>
-            <a:ext cx="1636776" cy="1697"/>
+          <a:xfrm flipH="1">
+            <a:off x="7717472" y="1016192"/>
+            <a:ext cx="2478088" cy="4888"/>
           </a:xfrm>
           <a:prstGeom prst="straightConnector1">
             <a:avLst/>
@@ -6771,10 +5483,1705 @@
       </p:cxnSp>
       <p:sp>
         <p:nvSpPr>
-          <p:cNvPr id="167" name="Freeform 59">
-            <a:extLst>
-              <a:ext uri="{FF2B5EF4-FFF2-40B4-BE49-F238E27FC236}">
-                <a16:creationId xmlns:a16="http://schemas.microsoft.com/office/drawing/2014/main" id="{35D6097A-2AE7-4931-A690-6E336304E3EE}"/>
+          <p:cNvPr id="95" name="TextBox 9">
+            <a:extLst>
+              <a:ext uri="{FF2B5EF4-FFF2-40B4-BE49-F238E27FC236}">
+                <a16:creationId xmlns:a16="http://schemas.microsoft.com/office/drawing/2014/main" id="{D4B7CAA4-6F77-3D10-02AF-921B335F5120}"/>
+              </a:ext>
+            </a:extLst>
+          </p:cNvPr>
+          <p:cNvSpPr txBox="1">
+            <a:spLocks noChangeArrowheads="1"/>
+          </p:cNvSpPr>
+          <p:nvPr/>
+        </p:nvSpPr>
+        <p:spPr bwMode="auto">
+          <a:xfrm>
+            <a:off x="1706660" y="1199072"/>
+            <a:ext cx="896162" cy="461665"/>
+          </a:xfrm>
+          <a:prstGeom prst="rect">
+            <a:avLst/>
+          </a:prstGeom>
+          <a:noFill/>
+          <a:ln>
+            <a:noFill/>
+          </a:ln>
+          <a:extLst>
+            <a:ext uri="{909E8E84-426E-40DD-AFC4-6F175D3DCCD1}">
+              <a14:hiddenFill xmlns:a14="http://schemas.microsoft.com/office/drawing/2010/main">
+                <a:solidFill>
+                  <a:srgbClr val="FFFFFF"/>
+                </a:solidFill>
+              </a14:hiddenFill>
+            </a:ext>
+            <a:ext uri="{91240B29-F687-4F45-9708-019B960494DF}">
+              <a14:hiddenLine xmlns:a14="http://schemas.microsoft.com/office/drawing/2010/main" w="9525">
+                <a:solidFill>
+                  <a:srgbClr val="000000"/>
+                </a:solidFill>
+                <a:miter lim="800000"/>
+                <a:headEnd/>
+                <a:tailEnd/>
+              </a14:hiddenLine>
+            </a:ext>
+          </a:extLst>
+        </p:spPr>
+        <p:txBody>
+          <a:bodyPr wrap="square">
+            <a:spAutoFit/>
+          </a:bodyPr>
+          <a:lstStyle>
+            <a:lvl1pPr>
+              <a:defRPr>
+                <a:solidFill>
+                  <a:schemeClr val="tx1"/>
+                </a:solidFill>
+                <a:latin typeface="Calibri" panose="020F0502020204030204" pitchFamily="34" charset="0"/>
+              </a:defRPr>
+            </a:lvl1pPr>
+            <a:lvl2pPr marL="742950" indent="-285750">
+              <a:defRPr>
+                <a:solidFill>
+                  <a:schemeClr val="tx1"/>
+                </a:solidFill>
+                <a:latin typeface="Calibri" panose="020F0502020204030204" pitchFamily="34" charset="0"/>
+              </a:defRPr>
+            </a:lvl2pPr>
+            <a:lvl3pPr marL="1143000" indent="-228600">
+              <a:defRPr>
+                <a:solidFill>
+                  <a:schemeClr val="tx1"/>
+                </a:solidFill>
+                <a:latin typeface="Calibri" panose="020F0502020204030204" pitchFamily="34" charset="0"/>
+              </a:defRPr>
+            </a:lvl3pPr>
+            <a:lvl4pPr marL="1600200" indent="-228600">
+              <a:defRPr>
+                <a:solidFill>
+                  <a:schemeClr val="tx1"/>
+                </a:solidFill>
+                <a:latin typeface="Calibri" panose="020F0502020204030204" pitchFamily="34" charset="0"/>
+              </a:defRPr>
+            </a:lvl4pPr>
+            <a:lvl5pPr marL="2057400" indent="-228600">
+              <a:defRPr>
+                <a:solidFill>
+                  <a:schemeClr val="tx1"/>
+                </a:solidFill>
+                <a:latin typeface="Calibri" panose="020F0502020204030204" pitchFamily="34" charset="0"/>
+              </a:defRPr>
+            </a:lvl5pPr>
+            <a:lvl6pPr marL="2514600" indent="-228600" eaLnBrk="0" fontAlgn="base" hangingPunct="0">
+              <a:spcBef>
+                <a:spcPct val="0"/>
+              </a:spcBef>
+              <a:spcAft>
+                <a:spcPct val="0"/>
+              </a:spcAft>
+              <a:defRPr>
+                <a:solidFill>
+                  <a:schemeClr val="tx1"/>
+                </a:solidFill>
+                <a:latin typeface="Calibri" panose="020F0502020204030204" pitchFamily="34" charset="0"/>
+              </a:defRPr>
+            </a:lvl6pPr>
+            <a:lvl7pPr marL="2971800" indent="-228600" eaLnBrk="0" fontAlgn="base" hangingPunct="0">
+              <a:spcBef>
+                <a:spcPct val="0"/>
+              </a:spcBef>
+              <a:spcAft>
+                <a:spcPct val="0"/>
+              </a:spcAft>
+              <a:defRPr>
+                <a:solidFill>
+                  <a:schemeClr val="tx1"/>
+                </a:solidFill>
+                <a:latin typeface="Calibri" panose="020F0502020204030204" pitchFamily="34" charset="0"/>
+              </a:defRPr>
+            </a:lvl7pPr>
+            <a:lvl8pPr marL="3429000" indent="-228600" eaLnBrk="0" fontAlgn="base" hangingPunct="0">
+              <a:spcBef>
+                <a:spcPct val="0"/>
+              </a:spcBef>
+              <a:spcAft>
+                <a:spcPct val="0"/>
+              </a:spcAft>
+              <a:defRPr>
+                <a:solidFill>
+                  <a:schemeClr val="tx1"/>
+                </a:solidFill>
+                <a:latin typeface="Calibri" panose="020F0502020204030204" pitchFamily="34" charset="0"/>
+              </a:defRPr>
+            </a:lvl8pPr>
+            <a:lvl9pPr marL="3886200" indent="-228600" eaLnBrk="0" fontAlgn="base" hangingPunct="0">
+              <a:spcBef>
+                <a:spcPct val="0"/>
+              </a:spcBef>
+              <a:spcAft>
+                <a:spcPct val="0"/>
+              </a:spcAft>
+              <a:defRPr>
+                <a:solidFill>
+                  <a:schemeClr val="tx1"/>
+                </a:solidFill>
+                <a:latin typeface="Calibri" panose="020F0502020204030204" pitchFamily="34" charset="0"/>
+              </a:defRPr>
+            </a:lvl9pPr>
+          </a:lstStyle>
+          <a:p>
+            <a:pPr algn="ctr" eaLnBrk="1" hangingPunct="1"/>
+            <a:r>
+              <a:rPr lang="en-US" altLang="en-US" sz="1200" dirty="0">
+                <a:latin typeface="Arial" panose="020B0604020202020204" pitchFamily="34" charset="0"/>
+                <a:ea typeface="Amazon Ember" panose="020B0603020204020204" pitchFamily="34" charset="0"/>
+                <a:cs typeface="Arial" panose="020B0604020202020204" pitchFamily="34" charset="0"/>
+              </a:rPr>
+              <a:t>Readings</a:t>
+            </a:r>
+            <a:br>
+              <a:rPr lang="en-US" altLang="en-US" sz="1200" dirty="0">
+                <a:latin typeface="Arial" panose="020B0604020202020204" pitchFamily="34" charset="0"/>
+                <a:ea typeface="Amazon Ember" panose="020B0603020204020204" pitchFamily="34" charset="0"/>
+                <a:cs typeface="Arial" panose="020B0604020202020204" pitchFamily="34" charset="0"/>
+              </a:rPr>
+            </a:br>
+            <a:r>
+              <a:rPr lang="en-US" altLang="en-US" sz="1200" dirty="0">
+                <a:latin typeface="Arial" panose="020B0604020202020204" pitchFamily="34" charset="0"/>
+                <a:ea typeface="Amazon Ember" panose="020B0603020204020204" pitchFamily="34" charset="0"/>
+                <a:cs typeface="Arial" panose="020B0604020202020204" pitchFamily="34" charset="0"/>
+              </a:rPr>
+              <a:t>resource</a:t>
+            </a:r>
+          </a:p>
+        </p:txBody>
+      </p:sp>
+      <p:cxnSp>
+        <p:nvCxnSpPr>
+          <p:cNvPr id="105" name="Straight Arrow Connector 104">
+            <a:extLst>
+              <a:ext uri="{FF2B5EF4-FFF2-40B4-BE49-F238E27FC236}">
+                <a16:creationId xmlns:a16="http://schemas.microsoft.com/office/drawing/2014/main" id="{82690B69-B7B0-7BD9-BB7D-35FBBB07FBED}"/>
+              </a:ext>
+            </a:extLst>
+          </p:cNvPr>
+          <p:cNvCxnSpPr>
+            <a:cxnSpLocks/>
+            <a:stCxn id="68" idx="3"/>
+            <a:endCxn id="60" idx="1"/>
+          </p:cNvCxnSpPr>
+          <p:nvPr/>
+        </p:nvCxnSpPr>
+        <p:spPr>
+          <a:xfrm>
+            <a:off x="2377440" y="1016192"/>
+            <a:ext cx="639698" cy="0"/>
+          </a:xfrm>
+          <a:prstGeom prst="straightConnector1">
+            <a:avLst/>
+          </a:prstGeom>
+          <a:ln w="15875">
+            <a:solidFill>
+              <a:schemeClr val="tx2"/>
+            </a:solidFill>
+            <a:headEnd type="none" w="med" len="sm"/>
+            <a:tailEnd type="arrow" w="med" len="sm"/>
+          </a:ln>
+        </p:spPr>
+        <p:style>
+          <a:lnRef idx="1">
+            <a:schemeClr val="accent1"/>
+          </a:lnRef>
+          <a:fillRef idx="0">
+            <a:schemeClr val="accent1"/>
+          </a:fillRef>
+          <a:effectRef idx="0">
+            <a:schemeClr val="accent1"/>
+          </a:effectRef>
+          <a:fontRef idx="minor">
+            <a:schemeClr val="tx1"/>
+          </a:fontRef>
+        </p:style>
+      </p:cxnSp>
+      <p:sp>
+        <p:nvSpPr>
+          <p:cNvPr id="123" name="TextBox 9">
+            <a:extLst>
+              <a:ext uri="{FF2B5EF4-FFF2-40B4-BE49-F238E27FC236}">
+                <a16:creationId xmlns:a16="http://schemas.microsoft.com/office/drawing/2014/main" id="{2DD71556-8AB9-6EB0-A799-E697435224BC}"/>
+              </a:ext>
+            </a:extLst>
+          </p:cNvPr>
+          <p:cNvSpPr txBox="1">
+            <a:spLocks noChangeArrowheads="1"/>
+          </p:cNvSpPr>
+          <p:nvPr/>
+        </p:nvSpPr>
+        <p:spPr bwMode="auto">
+          <a:xfrm>
+            <a:off x="2771750" y="1199072"/>
+            <a:ext cx="989953" cy="461665"/>
+          </a:xfrm>
+          <a:prstGeom prst="rect">
+            <a:avLst/>
+          </a:prstGeom>
+          <a:noFill/>
+          <a:ln>
+            <a:noFill/>
+          </a:ln>
+          <a:extLst>
+            <a:ext uri="{909E8E84-426E-40DD-AFC4-6F175D3DCCD1}">
+              <a14:hiddenFill xmlns:a14="http://schemas.microsoft.com/office/drawing/2010/main">
+                <a:solidFill>
+                  <a:srgbClr val="FFFFFF"/>
+                </a:solidFill>
+              </a14:hiddenFill>
+            </a:ext>
+            <a:ext uri="{91240B29-F687-4F45-9708-019B960494DF}">
+              <a14:hiddenLine xmlns:a14="http://schemas.microsoft.com/office/drawing/2010/main" w="9525">
+                <a:solidFill>
+                  <a:srgbClr val="000000"/>
+                </a:solidFill>
+                <a:miter lim="800000"/>
+                <a:headEnd/>
+                <a:tailEnd/>
+              </a14:hiddenLine>
+            </a:ext>
+          </a:extLst>
+        </p:spPr>
+        <p:txBody>
+          <a:bodyPr wrap="square">
+            <a:spAutoFit/>
+          </a:bodyPr>
+          <a:lstStyle>
+            <a:lvl1pPr>
+              <a:defRPr>
+                <a:solidFill>
+                  <a:schemeClr val="tx1"/>
+                </a:solidFill>
+                <a:latin typeface="Calibri" panose="020F0502020204030204" pitchFamily="34" charset="0"/>
+              </a:defRPr>
+            </a:lvl1pPr>
+            <a:lvl2pPr marL="742950" indent="-285750">
+              <a:defRPr>
+                <a:solidFill>
+                  <a:schemeClr val="tx1"/>
+                </a:solidFill>
+                <a:latin typeface="Calibri" panose="020F0502020204030204" pitchFamily="34" charset="0"/>
+              </a:defRPr>
+            </a:lvl2pPr>
+            <a:lvl3pPr marL="1143000" indent="-228600">
+              <a:defRPr>
+                <a:solidFill>
+                  <a:schemeClr val="tx1"/>
+                </a:solidFill>
+                <a:latin typeface="Calibri" panose="020F0502020204030204" pitchFamily="34" charset="0"/>
+              </a:defRPr>
+            </a:lvl3pPr>
+            <a:lvl4pPr marL="1600200" indent="-228600">
+              <a:defRPr>
+                <a:solidFill>
+                  <a:schemeClr val="tx1"/>
+                </a:solidFill>
+                <a:latin typeface="Calibri" panose="020F0502020204030204" pitchFamily="34" charset="0"/>
+              </a:defRPr>
+            </a:lvl4pPr>
+            <a:lvl5pPr marL="2057400" indent="-228600">
+              <a:defRPr>
+                <a:solidFill>
+                  <a:schemeClr val="tx1"/>
+                </a:solidFill>
+                <a:latin typeface="Calibri" panose="020F0502020204030204" pitchFamily="34" charset="0"/>
+              </a:defRPr>
+            </a:lvl5pPr>
+            <a:lvl6pPr marL="2514600" indent="-228600" eaLnBrk="0" fontAlgn="base" hangingPunct="0">
+              <a:spcBef>
+                <a:spcPct val="0"/>
+              </a:spcBef>
+              <a:spcAft>
+                <a:spcPct val="0"/>
+              </a:spcAft>
+              <a:defRPr>
+                <a:solidFill>
+                  <a:schemeClr val="tx1"/>
+                </a:solidFill>
+                <a:latin typeface="Calibri" panose="020F0502020204030204" pitchFamily="34" charset="0"/>
+              </a:defRPr>
+            </a:lvl6pPr>
+            <a:lvl7pPr marL="2971800" indent="-228600" eaLnBrk="0" fontAlgn="base" hangingPunct="0">
+              <a:spcBef>
+                <a:spcPct val="0"/>
+              </a:spcBef>
+              <a:spcAft>
+                <a:spcPct val="0"/>
+              </a:spcAft>
+              <a:defRPr>
+                <a:solidFill>
+                  <a:schemeClr val="tx1"/>
+                </a:solidFill>
+                <a:latin typeface="Calibri" panose="020F0502020204030204" pitchFamily="34" charset="0"/>
+              </a:defRPr>
+            </a:lvl7pPr>
+            <a:lvl8pPr marL="3429000" indent="-228600" eaLnBrk="0" fontAlgn="base" hangingPunct="0">
+              <a:spcBef>
+                <a:spcPct val="0"/>
+              </a:spcBef>
+              <a:spcAft>
+                <a:spcPct val="0"/>
+              </a:spcAft>
+              <a:defRPr>
+                <a:solidFill>
+                  <a:schemeClr val="tx1"/>
+                </a:solidFill>
+                <a:latin typeface="Calibri" panose="020F0502020204030204" pitchFamily="34" charset="0"/>
+              </a:defRPr>
+            </a:lvl8pPr>
+            <a:lvl9pPr marL="3886200" indent="-228600" eaLnBrk="0" fontAlgn="base" hangingPunct="0">
+              <a:spcBef>
+                <a:spcPct val="0"/>
+              </a:spcBef>
+              <a:spcAft>
+                <a:spcPct val="0"/>
+              </a:spcAft>
+              <a:defRPr>
+                <a:solidFill>
+                  <a:schemeClr val="tx1"/>
+                </a:solidFill>
+                <a:latin typeface="Calibri" panose="020F0502020204030204" pitchFamily="34" charset="0"/>
+              </a:defRPr>
+            </a:lvl9pPr>
+          </a:lstStyle>
+          <a:p>
+            <a:pPr algn="ctr" eaLnBrk="1" hangingPunct="1"/>
+            <a:r>
+              <a:rPr lang="en-US" altLang="en-US" sz="1200" dirty="0">
+                <a:latin typeface="Arial" panose="020B0604020202020204" pitchFamily="34" charset="0"/>
+                <a:ea typeface="Amazon Ember" panose="020B0603020204020204" pitchFamily="34" charset="0"/>
+                <a:cs typeface="Arial" panose="020B0604020202020204" pitchFamily="34" charset="0"/>
+              </a:rPr>
+              <a:t>Get meter</a:t>
+            </a:r>
+            <a:br>
+              <a:rPr lang="en-US" altLang="en-US" sz="1200" dirty="0">
+                <a:latin typeface="Arial" panose="020B0604020202020204" pitchFamily="34" charset="0"/>
+                <a:ea typeface="Amazon Ember" panose="020B0603020204020204" pitchFamily="34" charset="0"/>
+                <a:cs typeface="Arial" panose="020B0604020202020204" pitchFamily="34" charset="0"/>
+              </a:rPr>
+            </a:br>
+            <a:r>
+              <a:rPr lang="en-US" altLang="en-US" sz="1200" dirty="0">
+                <a:latin typeface="Arial" panose="020B0604020202020204" pitchFamily="34" charset="0"/>
+                <a:ea typeface="Amazon Ember" panose="020B0603020204020204" pitchFamily="34" charset="0"/>
+                <a:cs typeface="Arial" panose="020B0604020202020204" pitchFamily="34" charset="0"/>
+              </a:rPr>
+              <a:t>readings</a:t>
+            </a:r>
+          </a:p>
+        </p:txBody>
+      </p:sp>
+      <p:grpSp>
+        <p:nvGrpSpPr>
+          <p:cNvPr id="35" name="Group 34">
+            <a:extLst>
+              <a:ext uri="{FF2B5EF4-FFF2-40B4-BE49-F238E27FC236}">
+                <a16:creationId xmlns:a16="http://schemas.microsoft.com/office/drawing/2014/main" id="{1F21E9C2-9606-4D6E-8B3C-485D74C1C4D5}"/>
+              </a:ext>
+            </a:extLst>
+          </p:cNvPr>
+          <p:cNvGrpSpPr/>
+          <p:nvPr/>
+        </p:nvGrpSpPr>
+        <p:grpSpPr>
+          <a:xfrm>
+            <a:off x="9875520" y="787592"/>
+            <a:ext cx="1097280" cy="932688"/>
+            <a:chOff x="9372957" y="914400"/>
+            <a:chExt cx="1097280" cy="932688"/>
+          </a:xfrm>
+        </p:grpSpPr>
+        <p:pic>
+          <p:nvPicPr>
+            <p:cNvPr id="54" name="Graphic 11">
+              <a:extLst>
+                <a:ext uri="{FF2B5EF4-FFF2-40B4-BE49-F238E27FC236}">
+                  <a16:creationId xmlns:a16="http://schemas.microsoft.com/office/drawing/2014/main" id="{E1FC2295-9D07-4616-B819-23565D430FAD}"/>
+                </a:ext>
+              </a:extLst>
+            </p:cNvPr>
+            <p:cNvPicPr>
+              <a:picLocks noChangeAspect="1" noChangeArrowheads="1"/>
+            </p:cNvPicPr>
+            <p:nvPr/>
+          </p:nvPicPr>
+          <p:blipFill>
+            <a:blip r:embed="rId16">
+              <a:extLst>
+                <a:ext uri="{28A0092B-C50C-407E-A947-70E740481C1C}">
+                  <a14:useLocalDpi xmlns:a14="http://schemas.microsoft.com/office/drawing/2010/main" val="0"/>
+                </a:ext>
+              </a:extLst>
+            </a:blip>
+            <a:srcRect/>
+            <a:stretch>
+              <a:fillRect/>
+            </a:stretch>
+          </p:blipFill>
+          <p:spPr bwMode="auto">
+            <a:xfrm>
+              <a:off x="9692997" y="914400"/>
+              <a:ext cx="457200" cy="457200"/>
+            </a:xfrm>
+            <a:prstGeom prst="rect">
+              <a:avLst/>
+            </a:prstGeom>
+            <a:noFill/>
+            <a:ln>
+              <a:noFill/>
+            </a:ln>
+            <a:extLst>
+              <a:ext uri="{909E8E84-426E-40DD-AFC4-6F175D3DCCD1}">
+                <a14:hiddenFill xmlns:a14="http://schemas.microsoft.com/office/drawing/2010/main">
+                  <a:solidFill>
+                    <a:srgbClr val="FFFFFF"/>
+                  </a:solidFill>
+                </a14:hiddenFill>
+              </a:ext>
+              <a:ext uri="{91240B29-F687-4F45-9708-019B960494DF}">
+                <a14:hiddenLine xmlns:a14="http://schemas.microsoft.com/office/drawing/2010/main" w="9525">
+                  <a:solidFill>
+                    <a:srgbClr val="000000"/>
+                  </a:solidFill>
+                  <a:miter lim="800000"/>
+                  <a:headEnd/>
+                  <a:tailEnd/>
+                </a14:hiddenLine>
+              </a:ext>
+            </a:extLst>
+          </p:spPr>
+        </p:pic>
+        <p:sp>
+          <p:nvSpPr>
+            <p:cNvPr id="55" name="TextBox 28">
+              <a:extLst>
+                <a:ext uri="{FF2B5EF4-FFF2-40B4-BE49-F238E27FC236}">
+                  <a16:creationId xmlns:a16="http://schemas.microsoft.com/office/drawing/2014/main" id="{72FAA09A-A585-4105-B4CB-7B3D3A802D99}"/>
+                </a:ext>
+              </a:extLst>
+            </p:cNvPr>
+            <p:cNvSpPr txBox="1">
+              <a:spLocks noChangeArrowheads="1"/>
+            </p:cNvSpPr>
+            <p:nvPr/>
+          </p:nvSpPr>
+          <p:spPr bwMode="auto">
+            <a:xfrm>
+              <a:off x="9372957" y="1389888"/>
+              <a:ext cx="1097280" cy="457200"/>
+            </a:xfrm>
+            <a:prstGeom prst="rect">
+              <a:avLst/>
+            </a:prstGeom>
+            <a:noFill/>
+            <a:ln>
+              <a:noFill/>
+            </a:ln>
+            <a:extLst>
+              <a:ext uri="{909E8E84-426E-40DD-AFC4-6F175D3DCCD1}">
+                <a14:hiddenFill xmlns:a14="http://schemas.microsoft.com/office/drawing/2010/main">
+                  <a:solidFill>
+                    <a:srgbClr val="FFFFFF"/>
+                  </a:solidFill>
+                </a14:hiddenFill>
+              </a:ext>
+              <a:ext uri="{91240B29-F687-4F45-9708-019B960494DF}">
+                <a14:hiddenLine xmlns:a14="http://schemas.microsoft.com/office/drawing/2010/main" w="9525">
+                  <a:solidFill>
+                    <a:srgbClr val="000000"/>
+                  </a:solidFill>
+                  <a:miter lim="800000"/>
+                  <a:headEnd/>
+                  <a:tailEnd/>
+                </a14:hiddenLine>
+              </a:ext>
+            </a:extLst>
+          </p:spPr>
+          <p:txBody>
+            <a:bodyPr>
+              <a:spAutoFit/>
+            </a:bodyPr>
+            <a:lstStyle>
+              <a:lvl1pPr>
+                <a:defRPr>
+                  <a:solidFill>
+                    <a:schemeClr val="tx1"/>
+                  </a:solidFill>
+                  <a:latin typeface="Calibri" panose="020F0502020204030204" pitchFamily="34" charset="0"/>
+                </a:defRPr>
+              </a:lvl1pPr>
+              <a:lvl2pPr marL="742950" indent="-285750">
+                <a:defRPr>
+                  <a:solidFill>
+                    <a:schemeClr val="tx1"/>
+                  </a:solidFill>
+                  <a:latin typeface="Calibri" panose="020F0502020204030204" pitchFamily="34" charset="0"/>
+                </a:defRPr>
+              </a:lvl2pPr>
+              <a:lvl3pPr marL="1143000" indent="-228600">
+                <a:defRPr>
+                  <a:solidFill>
+                    <a:schemeClr val="tx1"/>
+                  </a:solidFill>
+                  <a:latin typeface="Calibri" panose="020F0502020204030204" pitchFamily="34" charset="0"/>
+                </a:defRPr>
+              </a:lvl3pPr>
+              <a:lvl4pPr marL="1600200" indent="-228600">
+                <a:defRPr>
+                  <a:solidFill>
+                    <a:schemeClr val="tx1"/>
+                  </a:solidFill>
+                  <a:latin typeface="Calibri" panose="020F0502020204030204" pitchFamily="34" charset="0"/>
+                </a:defRPr>
+              </a:lvl4pPr>
+              <a:lvl5pPr marL="2057400" indent="-228600">
+                <a:defRPr>
+                  <a:solidFill>
+                    <a:schemeClr val="tx1"/>
+                  </a:solidFill>
+                  <a:latin typeface="Calibri" panose="020F0502020204030204" pitchFamily="34" charset="0"/>
+                </a:defRPr>
+              </a:lvl5pPr>
+              <a:lvl6pPr marL="2514600" indent="-228600" eaLnBrk="0" fontAlgn="base" hangingPunct="0">
+                <a:spcBef>
+                  <a:spcPct val="0"/>
+                </a:spcBef>
+                <a:spcAft>
+                  <a:spcPct val="0"/>
+                </a:spcAft>
+                <a:defRPr>
+                  <a:solidFill>
+                    <a:schemeClr val="tx1"/>
+                  </a:solidFill>
+                  <a:latin typeface="Calibri" panose="020F0502020204030204" pitchFamily="34" charset="0"/>
+                </a:defRPr>
+              </a:lvl6pPr>
+              <a:lvl7pPr marL="2971800" indent="-228600" eaLnBrk="0" fontAlgn="base" hangingPunct="0">
+                <a:spcBef>
+                  <a:spcPct val="0"/>
+                </a:spcBef>
+                <a:spcAft>
+                  <a:spcPct val="0"/>
+                </a:spcAft>
+                <a:defRPr>
+                  <a:solidFill>
+                    <a:schemeClr val="tx1"/>
+                  </a:solidFill>
+                  <a:latin typeface="Calibri" panose="020F0502020204030204" pitchFamily="34" charset="0"/>
+                </a:defRPr>
+              </a:lvl7pPr>
+              <a:lvl8pPr marL="3429000" indent="-228600" eaLnBrk="0" fontAlgn="base" hangingPunct="0">
+                <a:spcBef>
+                  <a:spcPct val="0"/>
+                </a:spcBef>
+                <a:spcAft>
+                  <a:spcPct val="0"/>
+                </a:spcAft>
+                <a:defRPr>
+                  <a:solidFill>
+                    <a:schemeClr val="tx1"/>
+                  </a:solidFill>
+                  <a:latin typeface="Calibri" panose="020F0502020204030204" pitchFamily="34" charset="0"/>
+                </a:defRPr>
+              </a:lvl8pPr>
+              <a:lvl9pPr marL="3886200" indent="-228600" eaLnBrk="0" fontAlgn="base" hangingPunct="0">
+                <a:spcBef>
+                  <a:spcPct val="0"/>
+                </a:spcBef>
+                <a:spcAft>
+                  <a:spcPct val="0"/>
+                </a:spcAft>
+                <a:defRPr>
+                  <a:solidFill>
+                    <a:schemeClr val="tx1"/>
+                  </a:solidFill>
+                  <a:latin typeface="Calibri" panose="020F0502020204030204" pitchFamily="34" charset="0"/>
+                </a:defRPr>
+              </a:lvl9pPr>
+            </a:lstStyle>
+            <a:p>
+              <a:pPr algn="ctr" eaLnBrk="1" hangingPunct="1"/>
+              <a:r>
+                <a:rPr lang="en-US" altLang="en-US" sz="1200" dirty="0">
+                  <a:solidFill>
+                    <a:srgbClr val="000000"/>
+                  </a:solidFill>
+                  <a:latin typeface="Arial" panose="020B0604020202020204" pitchFamily="34" charset="0"/>
+                  <a:cs typeface="Arial" panose="020B0604020202020204" pitchFamily="34" charset="0"/>
+                </a:rPr>
+                <a:t>Device Data Generator</a:t>
+              </a:r>
+            </a:p>
+          </p:txBody>
+        </p:sp>
+      </p:grpSp>
+      <p:cxnSp>
+        <p:nvCxnSpPr>
+          <p:cNvPr id="81" name="Straight Arrow Connector 80">
+            <a:extLst>
+              <a:ext uri="{FF2B5EF4-FFF2-40B4-BE49-F238E27FC236}">
+                <a16:creationId xmlns:a16="http://schemas.microsoft.com/office/drawing/2014/main" id="{D4300F90-F5F7-4C23-92F6-2F4AF1C3EDAD}"/>
+              </a:ext>
+            </a:extLst>
+          </p:cNvPr>
+          <p:cNvCxnSpPr>
+            <a:cxnSpLocks/>
+            <a:stCxn id="60" idx="3"/>
+            <a:endCxn id="66" idx="1"/>
+          </p:cNvCxnSpPr>
+          <p:nvPr/>
+        </p:nvCxnSpPr>
+        <p:spPr>
+          <a:xfrm>
+            <a:off x="3474338" y="1016192"/>
+            <a:ext cx="3481134" cy="4888"/>
+          </a:xfrm>
+          <a:prstGeom prst="straightConnector1">
+            <a:avLst/>
+          </a:prstGeom>
+          <a:ln w="15875">
+            <a:solidFill>
+              <a:schemeClr val="tx2"/>
+            </a:solidFill>
+            <a:headEnd type="none" w="med" len="sm"/>
+            <a:tailEnd type="arrow" w="med" len="sm"/>
+          </a:ln>
+        </p:spPr>
+        <p:style>
+          <a:lnRef idx="1">
+            <a:schemeClr val="accent1"/>
+          </a:lnRef>
+          <a:fillRef idx="0">
+            <a:schemeClr val="accent1"/>
+          </a:fillRef>
+          <a:effectRef idx="0">
+            <a:schemeClr val="accent1"/>
+          </a:effectRef>
+          <a:fontRef idx="minor">
+            <a:schemeClr val="tx1"/>
+          </a:fontRef>
+        </p:style>
+      </p:cxnSp>
+      <p:pic>
+        <p:nvPicPr>
+          <p:cNvPr id="60" name="Graphic 13">
+            <a:extLst>
+              <a:ext uri="{FF2B5EF4-FFF2-40B4-BE49-F238E27FC236}">
+                <a16:creationId xmlns:a16="http://schemas.microsoft.com/office/drawing/2014/main" id="{2838896C-2194-4A65-9D0A-3891DF458C99}"/>
+              </a:ext>
+            </a:extLst>
+          </p:cNvPr>
+          <p:cNvPicPr>
+            <a:picLocks noChangeAspect="1" noChangeArrowheads="1"/>
+          </p:cNvPicPr>
+          <p:nvPr/>
+        </p:nvPicPr>
+        <p:blipFill>
+          <a:blip r:embed="rId6">
+            <a:extLst>
+              <a:ext uri="{96DAC541-7B7A-43D3-8B79-37D633B846F1}">
+                <asvg:svgBlip xmlns:asvg="http://schemas.microsoft.com/office/drawing/2016/SVG/main" r:embed="rId7"/>
+              </a:ext>
+            </a:extLst>
+          </a:blip>
+          <a:srcRect/>
+          <a:stretch/>
+        </p:blipFill>
+        <p:spPr bwMode="auto">
+          <a:xfrm>
+            <a:off x="3017138" y="787592"/>
+            <a:ext cx="457200" cy="457200"/>
+          </a:xfrm>
+          <a:prstGeom prst="rect">
+            <a:avLst/>
+          </a:prstGeom>
+          <a:noFill/>
+          <a:ln>
+            <a:noFill/>
+          </a:ln>
+          <a:extLst>
+            <a:ext uri="{909E8E84-426E-40DD-AFC4-6F175D3DCCD1}">
+              <a14:hiddenFill xmlns:a14="http://schemas.microsoft.com/office/drawing/2010/main">
+                <a:solidFill>
+                  <a:srgbClr val="FFFFFF"/>
+                </a:solidFill>
+              </a14:hiddenFill>
+            </a:ext>
+            <a:ext uri="{91240B29-F687-4F45-9708-019B960494DF}">
+              <a14:hiddenLine xmlns:a14="http://schemas.microsoft.com/office/drawing/2010/main" w="9525">
+                <a:solidFill>
+                  <a:srgbClr val="000000"/>
+                </a:solidFill>
+                <a:miter lim="800000"/>
+                <a:headEnd/>
+                <a:tailEnd/>
+              </a14:hiddenLine>
+            </a:ext>
+          </a:extLst>
+        </p:spPr>
+      </p:pic>
+      <p:grpSp>
+        <p:nvGrpSpPr>
+          <p:cNvPr id="16" name="Group 15">
+            <a:extLst>
+              <a:ext uri="{FF2B5EF4-FFF2-40B4-BE49-F238E27FC236}">
+                <a16:creationId xmlns:a16="http://schemas.microsoft.com/office/drawing/2014/main" id="{86DF3C54-36EE-4416-8647-43983839E4D3}"/>
+              </a:ext>
+            </a:extLst>
+          </p:cNvPr>
+          <p:cNvGrpSpPr/>
+          <p:nvPr/>
+        </p:nvGrpSpPr>
+        <p:grpSpPr>
+          <a:xfrm>
+            <a:off x="6492240" y="640080"/>
+            <a:ext cx="1681017" cy="1028831"/>
+            <a:chOff x="6833680" y="766888"/>
+            <a:chExt cx="1681017" cy="1028831"/>
+          </a:xfrm>
+        </p:grpSpPr>
+        <p:sp>
+          <p:nvSpPr>
+            <p:cNvPr id="157" name="TextBox 9">
+              <a:extLst>
+                <a:ext uri="{FF2B5EF4-FFF2-40B4-BE49-F238E27FC236}">
+                  <a16:creationId xmlns:a16="http://schemas.microsoft.com/office/drawing/2014/main" id="{D0C0AFF6-5DC7-08FE-342F-91C925E3B96A}"/>
+                </a:ext>
+              </a:extLst>
+            </p:cNvPr>
+            <p:cNvSpPr txBox="1">
+              <a:spLocks noChangeArrowheads="1"/>
+            </p:cNvSpPr>
+            <p:nvPr/>
+          </p:nvSpPr>
+          <p:spPr bwMode="auto">
+            <a:xfrm>
+              <a:off x="6833680" y="1518720"/>
+              <a:ext cx="1681017" cy="276999"/>
+            </a:xfrm>
+            <a:prstGeom prst="rect">
+              <a:avLst/>
+            </a:prstGeom>
+            <a:noFill/>
+            <a:ln>
+              <a:noFill/>
+            </a:ln>
+            <a:extLst>
+              <a:ext uri="{909E8E84-426E-40DD-AFC4-6F175D3DCCD1}">
+                <a14:hiddenFill xmlns:a14="http://schemas.microsoft.com/office/drawing/2010/main">
+                  <a:solidFill>
+                    <a:srgbClr val="FFFFFF"/>
+                  </a:solidFill>
+                </a14:hiddenFill>
+              </a:ext>
+              <a:ext uri="{91240B29-F687-4F45-9708-019B960494DF}">
+                <a14:hiddenLine xmlns:a14="http://schemas.microsoft.com/office/drawing/2010/main" w="9525">
+                  <a:solidFill>
+                    <a:srgbClr val="000000"/>
+                  </a:solidFill>
+                  <a:miter lim="800000"/>
+                  <a:headEnd/>
+                  <a:tailEnd/>
+                </a14:hiddenLine>
+              </a:ext>
+            </a:extLst>
+          </p:spPr>
+          <p:txBody>
+            <a:bodyPr wrap="square">
+              <a:spAutoFit/>
+            </a:bodyPr>
+            <a:lstStyle>
+              <a:lvl1pPr>
+                <a:defRPr>
+                  <a:solidFill>
+                    <a:schemeClr val="tx1"/>
+                  </a:solidFill>
+                  <a:latin typeface="Calibri" panose="020F0502020204030204" pitchFamily="34" charset="0"/>
+                </a:defRPr>
+              </a:lvl1pPr>
+              <a:lvl2pPr marL="742950" indent="-285750">
+                <a:defRPr>
+                  <a:solidFill>
+                    <a:schemeClr val="tx1"/>
+                  </a:solidFill>
+                  <a:latin typeface="Calibri" panose="020F0502020204030204" pitchFamily="34" charset="0"/>
+                </a:defRPr>
+              </a:lvl2pPr>
+              <a:lvl3pPr marL="1143000" indent="-228600">
+                <a:defRPr>
+                  <a:solidFill>
+                    <a:schemeClr val="tx1"/>
+                  </a:solidFill>
+                  <a:latin typeface="Calibri" panose="020F0502020204030204" pitchFamily="34" charset="0"/>
+                </a:defRPr>
+              </a:lvl3pPr>
+              <a:lvl4pPr marL="1600200" indent="-228600">
+                <a:defRPr>
+                  <a:solidFill>
+                    <a:schemeClr val="tx1"/>
+                  </a:solidFill>
+                  <a:latin typeface="Calibri" panose="020F0502020204030204" pitchFamily="34" charset="0"/>
+                </a:defRPr>
+              </a:lvl4pPr>
+              <a:lvl5pPr marL="2057400" indent="-228600">
+                <a:defRPr>
+                  <a:solidFill>
+                    <a:schemeClr val="tx1"/>
+                  </a:solidFill>
+                  <a:latin typeface="Calibri" panose="020F0502020204030204" pitchFamily="34" charset="0"/>
+                </a:defRPr>
+              </a:lvl5pPr>
+              <a:lvl6pPr marL="2514600" indent="-228600" eaLnBrk="0" fontAlgn="base" hangingPunct="0">
+                <a:spcBef>
+                  <a:spcPct val="0"/>
+                </a:spcBef>
+                <a:spcAft>
+                  <a:spcPct val="0"/>
+                </a:spcAft>
+                <a:defRPr>
+                  <a:solidFill>
+                    <a:schemeClr val="tx1"/>
+                  </a:solidFill>
+                  <a:latin typeface="Calibri" panose="020F0502020204030204" pitchFamily="34" charset="0"/>
+                </a:defRPr>
+              </a:lvl6pPr>
+              <a:lvl7pPr marL="2971800" indent="-228600" eaLnBrk="0" fontAlgn="base" hangingPunct="0">
+                <a:spcBef>
+                  <a:spcPct val="0"/>
+                </a:spcBef>
+                <a:spcAft>
+                  <a:spcPct val="0"/>
+                </a:spcAft>
+                <a:defRPr>
+                  <a:solidFill>
+                    <a:schemeClr val="tx1"/>
+                  </a:solidFill>
+                  <a:latin typeface="Calibri" panose="020F0502020204030204" pitchFamily="34" charset="0"/>
+                </a:defRPr>
+              </a:lvl7pPr>
+              <a:lvl8pPr marL="3429000" indent="-228600" eaLnBrk="0" fontAlgn="base" hangingPunct="0">
+                <a:spcBef>
+                  <a:spcPct val="0"/>
+                </a:spcBef>
+                <a:spcAft>
+                  <a:spcPct val="0"/>
+                </a:spcAft>
+                <a:defRPr>
+                  <a:solidFill>
+                    <a:schemeClr val="tx1"/>
+                  </a:solidFill>
+                  <a:latin typeface="Calibri" panose="020F0502020204030204" pitchFamily="34" charset="0"/>
+                </a:defRPr>
+              </a:lvl8pPr>
+              <a:lvl9pPr marL="3886200" indent="-228600" eaLnBrk="0" fontAlgn="base" hangingPunct="0">
+                <a:spcBef>
+                  <a:spcPct val="0"/>
+                </a:spcBef>
+                <a:spcAft>
+                  <a:spcPct val="0"/>
+                </a:spcAft>
+                <a:defRPr>
+                  <a:solidFill>
+                    <a:schemeClr val="tx1"/>
+                  </a:solidFill>
+                  <a:latin typeface="Calibri" panose="020F0502020204030204" pitchFamily="34" charset="0"/>
+                </a:defRPr>
+              </a:lvl9pPr>
+            </a:lstStyle>
+            <a:p>
+              <a:pPr algn="ctr" eaLnBrk="1" hangingPunct="1"/>
+              <a:r>
+                <a:rPr lang="en-US" altLang="en-US" sz="1200" dirty="0">
+                  <a:latin typeface="Arial" panose="020B0604020202020204" pitchFamily="34" charset="0"/>
+                  <a:ea typeface="Amazon Ember" panose="020B0603020204020204" pitchFamily="34" charset="0"/>
+                  <a:cs typeface="Arial" panose="020B0604020202020204" pitchFamily="34" charset="0"/>
+                </a:rPr>
+                <a:t>Amazon Timestream</a:t>
+              </a:r>
+            </a:p>
+          </p:txBody>
+        </p:sp>
+        <p:pic>
+          <p:nvPicPr>
+            <p:cNvPr id="66" name="Graphic 19">
+              <a:extLst>
+                <a:ext uri="{FF2B5EF4-FFF2-40B4-BE49-F238E27FC236}">
+                  <a16:creationId xmlns:a16="http://schemas.microsoft.com/office/drawing/2014/main" id="{0C569C94-BBA2-4FE9-8272-A004CEE7928D}"/>
+                </a:ext>
+              </a:extLst>
+            </p:cNvPr>
+            <p:cNvPicPr>
+              <a:picLocks noChangeAspect="1" noChangeArrowheads="1"/>
+            </p:cNvPicPr>
+            <p:nvPr/>
+          </p:nvPicPr>
+          <p:blipFill>
+            <a:blip r:embed="rId17">
+              <a:extLst>
+                <a:ext uri="{96DAC541-7B7A-43D3-8B79-37D633B846F1}">
+                  <asvg:svgBlip xmlns:asvg="http://schemas.microsoft.com/office/drawing/2016/SVG/main" r:embed="rId18"/>
+                </a:ext>
+              </a:extLst>
+            </a:blip>
+            <a:srcRect/>
+            <a:stretch/>
+          </p:blipFill>
+          <p:spPr bwMode="auto">
+            <a:xfrm>
+              <a:off x="7296912" y="766888"/>
+              <a:ext cx="762000" cy="762000"/>
+            </a:xfrm>
+            <a:prstGeom prst="rect">
+              <a:avLst/>
+            </a:prstGeom>
+            <a:noFill/>
+            <a:ln>
+              <a:noFill/>
+            </a:ln>
+            <a:extLst>
+              <a:ext uri="{909E8E84-426E-40DD-AFC4-6F175D3DCCD1}">
+                <a14:hiddenFill xmlns:a14="http://schemas.microsoft.com/office/drawing/2010/main">
+                  <a:solidFill>
+                    <a:srgbClr val="FFFFFF"/>
+                  </a:solidFill>
+                </a14:hiddenFill>
+              </a:ext>
+              <a:ext uri="{91240B29-F687-4F45-9708-019B960494DF}">
+                <a14:hiddenLine xmlns:a14="http://schemas.microsoft.com/office/drawing/2010/main" w="9525">
+                  <a:solidFill>
+                    <a:srgbClr val="000000"/>
+                  </a:solidFill>
+                  <a:miter lim="800000"/>
+                  <a:headEnd/>
+                  <a:tailEnd/>
+                </a14:hiddenLine>
+              </a:ext>
+            </a:extLst>
+          </p:spPr>
+        </p:pic>
+      </p:grpSp>
+      <p:pic>
+        <p:nvPicPr>
+          <p:cNvPr id="68" name="Graphic 6">
+            <a:extLst>
+              <a:ext uri="{FF2B5EF4-FFF2-40B4-BE49-F238E27FC236}">
+                <a16:creationId xmlns:a16="http://schemas.microsoft.com/office/drawing/2014/main" id="{BFF4FFC7-31B4-4D55-B0D1-548E43436196}"/>
+              </a:ext>
+            </a:extLst>
+          </p:cNvPr>
+          <p:cNvPicPr>
+            <a:picLocks noChangeAspect="1" noChangeArrowheads="1"/>
+          </p:cNvPicPr>
+          <p:nvPr/>
+        </p:nvPicPr>
+        <p:blipFill>
+          <a:blip r:embed="rId14">
+            <a:extLst>
+              <a:ext uri="{96DAC541-7B7A-43D3-8B79-37D633B846F1}">
+                <asvg:svgBlip xmlns:asvg="http://schemas.microsoft.com/office/drawing/2016/SVG/main" r:embed="rId15"/>
+              </a:ext>
+            </a:extLst>
+          </a:blip>
+          <a:srcRect/>
+          <a:stretch/>
+        </p:blipFill>
+        <p:spPr bwMode="auto">
+          <a:xfrm>
+            <a:off x="1920240" y="787592"/>
+            <a:ext cx="457200" cy="457200"/>
+          </a:xfrm>
+          <a:prstGeom prst="rect">
+            <a:avLst/>
+          </a:prstGeom>
+          <a:noFill/>
+          <a:ln>
+            <a:noFill/>
+          </a:ln>
+          <a:extLst>
+            <a:ext uri="{909E8E84-426E-40DD-AFC4-6F175D3DCCD1}">
+              <a14:hiddenFill xmlns:a14="http://schemas.microsoft.com/office/drawing/2010/main">
+                <a:solidFill>
+                  <a:srgbClr val="FFFFFF"/>
+                </a:solidFill>
+              </a14:hiddenFill>
+            </a:ext>
+            <a:ext uri="{91240B29-F687-4F45-9708-019B960494DF}">
+              <a14:hiddenLine xmlns:a14="http://schemas.microsoft.com/office/drawing/2010/main" w="9525">
+                <a:solidFill>
+                  <a:srgbClr val="000000"/>
+                </a:solidFill>
+                <a:miter lim="800000"/>
+                <a:headEnd/>
+                <a:tailEnd/>
+              </a14:hiddenLine>
+            </a:ext>
+          </a:extLst>
+        </p:spPr>
+      </p:pic>
+      <p:sp>
+        <p:nvSpPr>
+          <p:cNvPr id="153" name="TextBox 9">
+            <a:extLst>
+              <a:ext uri="{FF2B5EF4-FFF2-40B4-BE49-F238E27FC236}">
+                <a16:creationId xmlns:a16="http://schemas.microsoft.com/office/drawing/2014/main" id="{54B00827-1EEE-2C8E-DC89-A85D32549D51}"/>
+              </a:ext>
+            </a:extLst>
+          </p:cNvPr>
+          <p:cNvSpPr txBox="1">
+            <a:spLocks noChangeArrowheads="1"/>
+          </p:cNvSpPr>
+          <p:nvPr/>
+        </p:nvSpPr>
+        <p:spPr bwMode="auto">
+          <a:xfrm>
+            <a:off x="4206240" y="2514600"/>
+            <a:ext cx="640080" cy="274320"/>
+          </a:xfrm>
+          <a:prstGeom prst="rect">
+            <a:avLst/>
+          </a:prstGeom>
+          <a:noFill/>
+          <a:ln>
+            <a:noFill/>
+          </a:ln>
+          <a:extLst>
+            <a:ext uri="{909E8E84-426E-40DD-AFC4-6F175D3DCCD1}">
+              <a14:hiddenFill xmlns:a14="http://schemas.microsoft.com/office/drawing/2010/main">
+                <a:solidFill>
+                  <a:srgbClr val="FFFFFF"/>
+                </a:solidFill>
+              </a14:hiddenFill>
+            </a:ext>
+            <a:ext uri="{91240B29-F687-4F45-9708-019B960494DF}">
+              <a14:hiddenLine xmlns:a14="http://schemas.microsoft.com/office/drawing/2010/main" w="9525">
+                <a:solidFill>
+                  <a:srgbClr val="000000"/>
+                </a:solidFill>
+                <a:miter lim="800000"/>
+                <a:headEnd/>
+                <a:tailEnd/>
+              </a14:hiddenLine>
+            </a:ext>
+          </a:extLst>
+        </p:spPr>
+        <p:txBody>
+          <a:bodyPr wrap="square">
+            <a:spAutoFit/>
+          </a:bodyPr>
+          <a:lstStyle>
+            <a:lvl1pPr>
+              <a:defRPr>
+                <a:solidFill>
+                  <a:schemeClr val="tx1"/>
+                </a:solidFill>
+                <a:latin typeface="Calibri" panose="020F0502020204030204" pitchFamily="34" charset="0"/>
+              </a:defRPr>
+            </a:lvl1pPr>
+            <a:lvl2pPr marL="742950" indent="-285750">
+              <a:defRPr>
+                <a:solidFill>
+                  <a:schemeClr val="tx1"/>
+                </a:solidFill>
+                <a:latin typeface="Calibri" panose="020F0502020204030204" pitchFamily="34" charset="0"/>
+              </a:defRPr>
+            </a:lvl2pPr>
+            <a:lvl3pPr marL="1143000" indent="-228600">
+              <a:defRPr>
+                <a:solidFill>
+                  <a:schemeClr val="tx1"/>
+                </a:solidFill>
+                <a:latin typeface="Calibri" panose="020F0502020204030204" pitchFamily="34" charset="0"/>
+              </a:defRPr>
+            </a:lvl3pPr>
+            <a:lvl4pPr marL="1600200" indent="-228600">
+              <a:defRPr>
+                <a:solidFill>
+                  <a:schemeClr val="tx1"/>
+                </a:solidFill>
+                <a:latin typeface="Calibri" panose="020F0502020204030204" pitchFamily="34" charset="0"/>
+              </a:defRPr>
+            </a:lvl4pPr>
+            <a:lvl5pPr marL="2057400" indent="-228600">
+              <a:defRPr>
+                <a:solidFill>
+                  <a:schemeClr val="tx1"/>
+                </a:solidFill>
+                <a:latin typeface="Calibri" panose="020F0502020204030204" pitchFamily="34" charset="0"/>
+              </a:defRPr>
+            </a:lvl5pPr>
+            <a:lvl6pPr marL="2514600" indent="-228600" eaLnBrk="0" fontAlgn="base" hangingPunct="0">
+              <a:spcBef>
+                <a:spcPct val="0"/>
+              </a:spcBef>
+              <a:spcAft>
+                <a:spcPct val="0"/>
+              </a:spcAft>
+              <a:defRPr>
+                <a:solidFill>
+                  <a:schemeClr val="tx1"/>
+                </a:solidFill>
+                <a:latin typeface="Calibri" panose="020F0502020204030204" pitchFamily="34" charset="0"/>
+              </a:defRPr>
+            </a:lvl6pPr>
+            <a:lvl7pPr marL="2971800" indent="-228600" eaLnBrk="0" fontAlgn="base" hangingPunct="0">
+              <a:spcBef>
+                <a:spcPct val="0"/>
+              </a:spcBef>
+              <a:spcAft>
+                <a:spcPct val="0"/>
+              </a:spcAft>
+              <a:defRPr>
+                <a:solidFill>
+                  <a:schemeClr val="tx1"/>
+                </a:solidFill>
+                <a:latin typeface="Calibri" panose="020F0502020204030204" pitchFamily="34" charset="0"/>
+              </a:defRPr>
+            </a:lvl7pPr>
+            <a:lvl8pPr marL="3429000" indent="-228600" eaLnBrk="0" fontAlgn="base" hangingPunct="0">
+              <a:spcBef>
+                <a:spcPct val="0"/>
+              </a:spcBef>
+              <a:spcAft>
+                <a:spcPct val="0"/>
+              </a:spcAft>
+              <a:defRPr>
+                <a:solidFill>
+                  <a:schemeClr val="tx1"/>
+                </a:solidFill>
+                <a:latin typeface="Calibri" panose="020F0502020204030204" pitchFamily="34" charset="0"/>
+              </a:defRPr>
+            </a:lvl8pPr>
+            <a:lvl9pPr marL="3886200" indent="-228600" eaLnBrk="0" fontAlgn="base" hangingPunct="0">
+              <a:spcBef>
+                <a:spcPct val="0"/>
+              </a:spcBef>
+              <a:spcAft>
+                <a:spcPct val="0"/>
+              </a:spcAft>
+              <a:defRPr>
+                <a:solidFill>
+                  <a:schemeClr val="tx1"/>
+                </a:solidFill>
+                <a:latin typeface="Calibri" panose="020F0502020204030204" pitchFamily="34" charset="0"/>
+              </a:defRPr>
+            </a:lvl9pPr>
+          </a:lstStyle>
+          <a:p>
+            <a:pPr algn="ctr" eaLnBrk="1" hangingPunct="1"/>
+            <a:r>
+              <a:rPr lang="en-US" altLang="en-US" sz="1200" dirty="0">
+                <a:latin typeface="Arial" panose="020B0604020202020204" pitchFamily="34" charset="0"/>
+                <a:ea typeface="Amazon Ember" panose="020B0603020204020204" pitchFamily="34" charset="0"/>
+                <a:cs typeface="Arial" panose="020B0604020202020204" pitchFamily="34" charset="0"/>
+              </a:rPr>
+              <a:t>Queue</a:t>
+            </a:r>
+          </a:p>
+        </p:txBody>
+      </p:sp>
+      <p:pic>
+        <p:nvPicPr>
+          <p:cNvPr id="69" name="Graphic 68">
+            <a:extLst>
+              <a:ext uri="{FF2B5EF4-FFF2-40B4-BE49-F238E27FC236}">
+                <a16:creationId xmlns:a16="http://schemas.microsoft.com/office/drawing/2014/main" id="{446B5341-D139-487B-9F4D-3B53320DB98B}"/>
+              </a:ext>
+            </a:extLst>
+          </p:cNvPr>
+          <p:cNvPicPr>
+            <a:picLocks noChangeAspect="1"/>
+          </p:cNvPicPr>
+          <p:nvPr/>
+        </p:nvPicPr>
+        <p:blipFill>
+          <a:blip r:embed="rId19">
+            <a:extLst>
+              <a:ext uri="{96DAC541-7B7A-43D3-8B79-37D633B846F1}">
+                <asvg:svgBlip xmlns:asvg="http://schemas.microsoft.com/office/drawing/2016/SVG/main" r:embed="rId20"/>
+              </a:ext>
+            </a:extLst>
+          </a:blip>
+          <a:stretch>
+            <a:fillRect/>
+          </a:stretch>
+        </p:blipFill>
+        <p:spPr>
+          <a:xfrm>
+            <a:off x="4279392" y="2103120"/>
+            <a:ext cx="457200" cy="457200"/>
+          </a:xfrm>
+          <a:prstGeom prst="rect">
+            <a:avLst/>
+          </a:prstGeom>
+        </p:spPr>
+      </p:pic>
+      <p:sp>
+        <p:nvSpPr>
+          <p:cNvPr id="165" name="TextBox 9">
+            <a:extLst>
+              <a:ext uri="{FF2B5EF4-FFF2-40B4-BE49-F238E27FC236}">
+                <a16:creationId xmlns:a16="http://schemas.microsoft.com/office/drawing/2014/main" id="{74494672-C2CA-8265-4C88-AD6A85837CB5}"/>
+              </a:ext>
+            </a:extLst>
+          </p:cNvPr>
+          <p:cNvSpPr txBox="1">
+            <a:spLocks noChangeArrowheads="1"/>
+          </p:cNvSpPr>
+          <p:nvPr/>
+        </p:nvSpPr>
+        <p:spPr bwMode="auto">
+          <a:xfrm>
+            <a:off x="4224528" y="3566160"/>
+            <a:ext cx="548640" cy="276999"/>
+          </a:xfrm>
+          <a:prstGeom prst="rect">
+            <a:avLst/>
+          </a:prstGeom>
+          <a:noFill/>
+          <a:ln>
+            <a:noFill/>
+          </a:ln>
+          <a:extLst>
+            <a:ext uri="{909E8E84-426E-40DD-AFC4-6F175D3DCCD1}">
+              <a14:hiddenFill xmlns:a14="http://schemas.microsoft.com/office/drawing/2010/main">
+                <a:solidFill>
+                  <a:srgbClr val="FFFFFF"/>
+                </a:solidFill>
+              </a14:hiddenFill>
+            </a:ext>
+            <a:ext uri="{91240B29-F687-4F45-9708-019B960494DF}">
+              <a14:hiddenLine xmlns:a14="http://schemas.microsoft.com/office/drawing/2010/main" w="9525">
+                <a:solidFill>
+                  <a:srgbClr val="000000"/>
+                </a:solidFill>
+                <a:miter lim="800000"/>
+                <a:headEnd/>
+                <a:tailEnd/>
+              </a14:hiddenLine>
+            </a:ext>
+          </a:extLst>
+        </p:spPr>
+        <p:txBody>
+          <a:bodyPr wrap="square">
+            <a:spAutoFit/>
+          </a:bodyPr>
+          <a:lstStyle>
+            <a:lvl1pPr>
+              <a:defRPr>
+                <a:solidFill>
+                  <a:schemeClr val="tx1"/>
+                </a:solidFill>
+                <a:latin typeface="Calibri" panose="020F0502020204030204" pitchFamily="34" charset="0"/>
+              </a:defRPr>
+            </a:lvl1pPr>
+            <a:lvl2pPr marL="742950" indent="-285750">
+              <a:defRPr>
+                <a:solidFill>
+                  <a:schemeClr val="tx1"/>
+                </a:solidFill>
+                <a:latin typeface="Calibri" panose="020F0502020204030204" pitchFamily="34" charset="0"/>
+              </a:defRPr>
+            </a:lvl2pPr>
+            <a:lvl3pPr marL="1143000" indent="-228600">
+              <a:defRPr>
+                <a:solidFill>
+                  <a:schemeClr val="tx1"/>
+                </a:solidFill>
+                <a:latin typeface="Calibri" panose="020F0502020204030204" pitchFamily="34" charset="0"/>
+              </a:defRPr>
+            </a:lvl3pPr>
+            <a:lvl4pPr marL="1600200" indent="-228600">
+              <a:defRPr>
+                <a:solidFill>
+                  <a:schemeClr val="tx1"/>
+                </a:solidFill>
+                <a:latin typeface="Calibri" panose="020F0502020204030204" pitchFamily="34" charset="0"/>
+              </a:defRPr>
+            </a:lvl4pPr>
+            <a:lvl5pPr marL="2057400" indent="-228600">
+              <a:defRPr>
+                <a:solidFill>
+                  <a:schemeClr val="tx1"/>
+                </a:solidFill>
+                <a:latin typeface="Calibri" panose="020F0502020204030204" pitchFamily="34" charset="0"/>
+              </a:defRPr>
+            </a:lvl5pPr>
+            <a:lvl6pPr marL="2514600" indent="-228600" eaLnBrk="0" fontAlgn="base" hangingPunct="0">
+              <a:spcBef>
+                <a:spcPct val="0"/>
+              </a:spcBef>
+              <a:spcAft>
+                <a:spcPct val="0"/>
+              </a:spcAft>
+              <a:defRPr>
+                <a:solidFill>
+                  <a:schemeClr val="tx1"/>
+                </a:solidFill>
+                <a:latin typeface="Calibri" panose="020F0502020204030204" pitchFamily="34" charset="0"/>
+              </a:defRPr>
+            </a:lvl6pPr>
+            <a:lvl7pPr marL="2971800" indent="-228600" eaLnBrk="0" fontAlgn="base" hangingPunct="0">
+              <a:spcBef>
+                <a:spcPct val="0"/>
+              </a:spcBef>
+              <a:spcAft>
+                <a:spcPct val="0"/>
+              </a:spcAft>
+              <a:defRPr>
+                <a:solidFill>
+                  <a:schemeClr val="tx1"/>
+                </a:solidFill>
+                <a:latin typeface="Calibri" panose="020F0502020204030204" pitchFamily="34" charset="0"/>
+              </a:defRPr>
+            </a:lvl7pPr>
+            <a:lvl8pPr marL="3429000" indent="-228600" eaLnBrk="0" fontAlgn="base" hangingPunct="0">
+              <a:spcBef>
+                <a:spcPct val="0"/>
+              </a:spcBef>
+              <a:spcAft>
+                <a:spcPct val="0"/>
+              </a:spcAft>
+              <a:defRPr>
+                <a:solidFill>
+                  <a:schemeClr val="tx1"/>
+                </a:solidFill>
+                <a:latin typeface="Calibri" panose="020F0502020204030204" pitchFamily="34" charset="0"/>
+              </a:defRPr>
+            </a:lvl8pPr>
+            <a:lvl9pPr marL="3886200" indent="-228600" eaLnBrk="0" fontAlgn="base" hangingPunct="0">
+              <a:spcBef>
+                <a:spcPct val="0"/>
+              </a:spcBef>
+              <a:spcAft>
+                <a:spcPct val="0"/>
+              </a:spcAft>
+              <a:defRPr>
+                <a:solidFill>
+                  <a:schemeClr val="tx1"/>
+                </a:solidFill>
+                <a:latin typeface="Calibri" panose="020F0502020204030204" pitchFamily="34" charset="0"/>
+              </a:defRPr>
+            </a:lvl9pPr>
+          </a:lstStyle>
+          <a:p>
+            <a:pPr algn="ctr" eaLnBrk="1" hangingPunct="1"/>
+            <a:r>
+              <a:rPr lang="en-US" altLang="en-US" sz="1200" dirty="0">
+                <a:latin typeface="Arial" panose="020B0604020202020204" pitchFamily="34" charset="0"/>
+                <a:ea typeface="Amazon Ember" panose="020B0603020204020204" pitchFamily="34" charset="0"/>
+                <a:cs typeface="Arial" panose="020B0604020202020204" pitchFamily="34" charset="0"/>
+              </a:rPr>
+              <a:t>Table</a:t>
+            </a:r>
+          </a:p>
+        </p:txBody>
+      </p:sp>
+      <p:pic>
+        <p:nvPicPr>
+          <p:cNvPr id="70" name="Graphic 69">
+            <a:extLst>
+              <a:ext uri="{FF2B5EF4-FFF2-40B4-BE49-F238E27FC236}">
+                <a16:creationId xmlns:a16="http://schemas.microsoft.com/office/drawing/2014/main" id="{467DAFE2-B420-43B6-B1C7-0F8C247DE332}"/>
+              </a:ext>
+            </a:extLst>
+          </p:cNvPr>
+          <p:cNvPicPr>
+            <a:picLocks noChangeAspect="1"/>
+          </p:cNvPicPr>
+          <p:nvPr/>
+        </p:nvPicPr>
+        <p:blipFill>
+          <a:blip r:embed="rId21">
+            <a:extLst>
+              <a:ext uri="{96DAC541-7B7A-43D3-8B79-37D633B846F1}">
+                <asvg:svgBlip xmlns:asvg="http://schemas.microsoft.com/office/drawing/2016/SVG/main" r:embed="rId22"/>
+              </a:ext>
+            </a:extLst>
+          </a:blip>
+          <a:stretch>
+            <a:fillRect/>
+          </a:stretch>
+        </p:blipFill>
+        <p:spPr>
+          <a:xfrm>
+            <a:off x="4278421" y="3109144"/>
+            <a:ext cx="457200" cy="457200"/>
+          </a:xfrm>
+          <a:prstGeom prst="rect">
+            <a:avLst/>
+          </a:prstGeom>
+        </p:spPr>
+      </p:pic>
+      <p:sp>
+        <p:nvSpPr>
+          <p:cNvPr id="189" name="TextBox 9">
+            <a:extLst>
+              <a:ext uri="{FF2B5EF4-FFF2-40B4-BE49-F238E27FC236}">
+                <a16:creationId xmlns:a16="http://schemas.microsoft.com/office/drawing/2014/main" id="{E90CD532-72E3-6104-2192-0CF45682743C}"/>
+              </a:ext>
+            </a:extLst>
+          </p:cNvPr>
+          <p:cNvSpPr txBox="1">
+            <a:spLocks noChangeArrowheads="1"/>
+          </p:cNvSpPr>
+          <p:nvPr/>
+        </p:nvSpPr>
+        <p:spPr bwMode="auto">
+          <a:xfrm>
+            <a:off x="222504" y="1827444"/>
+            <a:ext cx="731520" cy="457200"/>
+          </a:xfrm>
+          <a:prstGeom prst="rect">
+            <a:avLst/>
+          </a:prstGeom>
+          <a:noFill/>
+          <a:ln>
+            <a:noFill/>
+          </a:ln>
+          <a:extLst>
+            <a:ext uri="{909E8E84-426E-40DD-AFC4-6F175D3DCCD1}">
+              <a14:hiddenFill xmlns:a14="http://schemas.microsoft.com/office/drawing/2010/main">
+                <a:solidFill>
+                  <a:srgbClr val="FFFFFF"/>
+                </a:solidFill>
+              </a14:hiddenFill>
+            </a:ext>
+            <a:ext uri="{91240B29-F687-4F45-9708-019B960494DF}">
+              <a14:hiddenLine xmlns:a14="http://schemas.microsoft.com/office/drawing/2010/main" w="9525">
+                <a:solidFill>
+                  <a:srgbClr val="000000"/>
+                </a:solidFill>
+                <a:miter lim="800000"/>
+                <a:headEnd/>
+                <a:tailEnd/>
+              </a14:hiddenLine>
+            </a:ext>
+          </a:extLst>
+        </p:spPr>
+        <p:txBody>
+          <a:bodyPr wrap="square">
+            <a:spAutoFit/>
+          </a:bodyPr>
+          <a:lstStyle>
+            <a:lvl1pPr>
+              <a:defRPr>
+                <a:solidFill>
+                  <a:schemeClr val="tx1"/>
+                </a:solidFill>
+                <a:latin typeface="Calibri" panose="020F0502020204030204" pitchFamily="34" charset="0"/>
+              </a:defRPr>
+            </a:lvl1pPr>
+            <a:lvl2pPr marL="742950" indent="-285750">
+              <a:defRPr>
+                <a:solidFill>
+                  <a:schemeClr val="tx1"/>
+                </a:solidFill>
+                <a:latin typeface="Calibri" panose="020F0502020204030204" pitchFamily="34" charset="0"/>
+              </a:defRPr>
+            </a:lvl2pPr>
+            <a:lvl3pPr marL="1143000" indent="-228600">
+              <a:defRPr>
+                <a:solidFill>
+                  <a:schemeClr val="tx1"/>
+                </a:solidFill>
+                <a:latin typeface="Calibri" panose="020F0502020204030204" pitchFamily="34" charset="0"/>
+              </a:defRPr>
+            </a:lvl3pPr>
+            <a:lvl4pPr marL="1600200" indent="-228600">
+              <a:defRPr>
+                <a:solidFill>
+                  <a:schemeClr val="tx1"/>
+                </a:solidFill>
+                <a:latin typeface="Calibri" panose="020F0502020204030204" pitchFamily="34" charset="0"/>
+              </a:defRPr>
+            </a:lvl4pPr>
+            <a:lvl5pPr marL="2057400" indent="-228600">
+              <a:defRPr>
+                <a:solidFill>
+                  <a:schemeClr val="tx1"/>
+                </a:solidFill>
+                <a:latin typeface="Calibri" panose="020F0502020204030204" pitchFamily="34" charset="0"/>
+              </a:defRPr>
+            </a:lvl5pPr>
+            <a:lvl6pPr marL="2514600" indent="-228600" eaLnBrk="0" fontAlgn="base" hangingPunct="0">
+              <a:spcBef>
+                <a:spcPct val="0"/>
+              </a:spcBef>
+              <a:spcAft>
+                <a:spcPct val="0"/>
+              </a:spcAft>
+              <a:defRPr>
+                <a:solidFill>
+                  <a:schemeClr val="tx1"/>
+                </a:solidFill>
+                <a:latin typeface="Calibri" panose="020F0502020204030204" pitchFamily="34" charset="0"/>
+              </a:defRPr>
+            </a:lvl6pPr>
+            <a:lvl7pPr marL="2971800" indent="-228600" eaLnBrk="0" fontAlgn="base" hangingPunct="0">
+              <a:spcBef>
+                <a:spcPct val="0"/>
+              </a:spcBef>
+              <a:spcAft>
+                <a:spcPct val="0"/>
+              </a:spcAft>
+              <a:defRPr>
+                <a:solidFill>
+                  <a:schemeClr val="tx1"/>
+                </a:solidFill>
+                <a:latin typeface="Calibri" panose="020F0502020204030204" pitchFamily="34" charset="0"/>
+              </a:defRPr>
+            </a:lvl7pPr>
+            <a:lvl8pPr marL="3429000" indent="-228600" eaLnBrk="0" fontAlgn="base" hangingPunct="0">
+              <a:spcBef>
+                <a:spcPct val="0"/>
+              </a:spcBef>
+              <a:spcAft>
+                <a:spcPct val="0"/>
+              </a:spcAft>
+              <a:defRPr>
+                <a:solidFill>
+                  <a:schemeClr val="tx1"/>
+                </a:solidFill>
+                <a:latin typeface="Calibri" panose="020F0502020204030204" pitchFamily="34" charset="0"/>
+              </a:defRPr>
+            </a:lvl8pPr>
+            <a:lvl9pPr marL="3886200" indent="-228600" eaLnBrk="0" fontAlgn="base" hangingPunct="0">
+              <a:spcBef>
+                <a:spcPct val="0"/>
+              </a:spcBef>
+              <a:spcAft>
+                <a:spcPct val="0"/>
+              </a:spcAft>
+              <a:defRPr>
+                <a:solidFill>
+                  <a:schemeClr val="tx1"/>
+                </a:solidFill>
+                <a:latin typeface="Calibri" panose="020F0502020204030204" pitchFamily="34" charset="0"/>
+              </a:defRPr>
+            </a:lvl9pPr>
+          </a:lstStyle>
+          <a:p>
+            <a:pPr algn="ctr" eaLnBrk="1" hangingPunct="1"/>
+            <a:r>
+              <a:rPr lang="en-US" altLang="en-US" sz="1200" dirty="0">
+                <a:latin typeface="Arial" panose="020B0604020202020204" pitchFamily="34" charset="0"/>
+                <a:ea typeface="Amazon Ember" panose="020B0603020204020204" pitchFamily="34" charset="0"/>
+                <a:cs typeface="Arial" panose="020B0604020202020204" pitchFamily="34" charset="0"/>
+              </a:rPr>
+              <a:t>Utility supplier</a:t>
+            </a:r>
+          </a:p>
+        </p:txBody>
+      </p:sp>
+      <p:cxnSp>
+        <p:nvCxnSpPr>
+          <p:cNvPr id="32" name="Elbow Connector 31">
+            <a:extLst>
+              <a:ext uri="{FF2B5EF4-FFF2-40B4-BE49-F238E27FC236}">
+                <a16:creationId xmlns:a16="http://schemas.microsoft.com/office/drawing/2014/main" id="{7903F48C-67A6-4D29-89A7-E962D3B06240}"/>
+              </a:ext>
+            </a:extLst>
+          </p:cNvPr>
+          <p:cNvCxnSpPr>
+            <a:cxnSpLocks/>
+            <a:stCxn id="155" idx="2"/>
+            <a:endCxn id="65" idx="3"/>
+          </p:cNvCxnSpPr>
+          <p:nvPr/>
+        </p:nvCxnSpPr>
+        <p:spPr>
+          <a:xfrm rot="5400000">
+            <a:off x="4910144" y="2837503"/>
+            <a:ext cx="2237601" cy="2602992"/>
+          </a:xfrm>
+          <a:prstGeom prst="bentConnector2">
+            <a:avLst/>
+          </a:prstGeom>
+          <a:ln w="15875">
+            <a:solidFill>
+              <a:schemeClr val="tx2"/>
+            </a:solidFill>
+            <a:headEnd type="none" w="med" len="sm"/>
+            <a:tailEnd type="arrow" w="med" len="sm"/>
+          </a:ln>
+        </p:spPr>
+        <p:style>
+          <a:lnRef idx="1">
+            <a:schemeClr val="accent1"/>
+          </a:lnRef>
+          <a:fillRef idx="0">
+            <a:schemeClr val="accent1"/>
+          </a:fillRef>
+          <a:effectRef idx="0">
+            <a:schemeClr val="accent1"/>
+          </a:effectRef>
+          <a:fontRef idx="minor">
+            <a:schemeClr val="tx1"/>
+          </a:fontRef>
+        </p:style>
+      </p:cxnSp>
+      <p:cxnSp>
+        <p:nvCxnSpPr>
+          <p:cNvPr id="71" name="Straight Arrow Connector 70">
+            <a:extLst>
+              <a:ext uri="{FF2B5EF4-FFF2-40B4-BE49-F238E27FC236}">
+                <a16:creationId xmlns:a16="http://schemas.microsoft.com/office/drawing/2014/main" id="{D5B75DBB-38F6-4F36-A039-918F602BF536}"/>
+              </a:ext>
+            </a:extLst>
+          </p:cNvPr>
+          <p:cNvCxnSpPr>
+            <a:cxnSpLocks/>
+            <a:stCxn id="67" idx="3"/>
+            <a:endCxn id="62" idx="1"/>
+          </p:cNvCxnSpPr>
+          <p:nvPr/>
+        </p:nvCxnSpPr>
+        <p:spPr>
+          <a:xfrm>
+            <a:off x="2377440" y="2331720"/>
+            <a:ext cx="640080" cy="0"/>
+          </a:xfrm>
+          <a:prstGeom prst="straightConnector1">
+            <a:avLst/>
+          </a:prstGeom>
+          <a:ln w="15875">
+            <a:solidFill>
+              <a:schemeClr val="tx1"/>
+            </a:solidFill>
+            <a:headEnd type="none" w="med" len="sm"/>
+            <a:tailEnd type="arrow" w="med" len="sm"/>
+          </a:ln>
+        </p:spPr>
+        <p:style>
+          <a:lnRef idx="1">
+            <a:schemeClr val="accent1"/>
+          </a:lnRef>
+          <a:fillRef idx="0">
+            <a:schemeClr val="accent1"/>
+          </a:fillRef>
+          <a:effectRef idx="0">
+            <a:schemeClr val="accent1"/>
+          </a:effectRef>
+          <a:fontRef idx="minor">
+            <a:schemeClr val="tx1"/>
+          </a:fontRef>
+        </p:style>
+      </p:cxnSp>
+      <p:sp>
+        <p:nvSpPr>
+          <p:cNvPr id="72" name="Freeform 61">
+            <a:extLst>
+              <a:ext uri="{FF2B5EF4-FFF2-40B4-BE49-F238E27FC236}">
+                <a16:creationId xmlns:a16="http://schemas.microsoft.com/office/drawing/2014/main" id="{D3E43714-3328-412D-BBFC-424E50AD5F66}"/>
               </a:ext>
             </a:extLst>
           </p:cNvPr>
@@ -6782,9 +7189,9 @@
           <p:nvPr/>
         </p:nvSpPr>
         <p:spPr>
-          <a:xfrm rot="5400000" flipH="1">
-            <a:off x="6127881" y="1818172"/>
-            <a:ext cx="154884" cy="1031349"/>
+          <a:xfrm flipH="1" flipV="1">
+            <a:off x="2665814" y="2331714"/>
+            <a:ext cx="1624245" cy="2011683"/>
           </a:xfrm>
           <a:custGeom>
             <a:avLst/>
@@ -6826,7 +7233,7 @@
           <a:noFill/>
           <a:ln w="15875">
             <a:solidFill>
-              <a:schemeClr val="tx2"/>
+              <a:schemeClr val="tx1"/>
             </a:solidFill>
             <a:headEnd type="none" w="med" len="sm"/>
             <a:tailEnd type="arrow" w="med" len="sm"/>
@@ -6867,10 +7274,10 @@
       </p:sp>
       <p:sp>
         <p:nvSpPr>
-          <p:cNvPr id="191" name="Freeform 59">
-            <a:extLst>
-              <a:ext uri="{FF2B5EF4-FFF2-40B4-BE49-F238E27FC236}">
-                <a16:creationId xmlns:a16="http://schemas.microsoft.com/office/drawing/2014/main" id="{B2A7FD88-80CE-4FF8-8C16-A684F4B95EFD}"/>
+          <p:cNvPr id="73" name="Freeform 61">
+            <a:extLst>
+              <a:ext uri="{FF2B5EF4-FFF2-40B4-BE49-F238E27FC236}">
+                <a16:creationId xmlns:a16="http://schemas.microsoft.com/office/drawing/2014/main" id="{FF2D94BE-299C-4C18-87CF-043AEA1C9254}"/>
               </a:ext>
             </a:extLst>
           </p:cNvPr>
@@ -6878,9 +7285,9 @@
           <p:nvPr/>
         </p:nvSpPr>
         <p:spPr>
-          <a:xfrm rot="5400000" flipH="1">
-            <a:off x="4937776" y="1543758"/>
-            <a:ext cx="269407" cy="779031"/>
+          <a:xfrm flipH="1" flipV="1">
+            <a:off x="3232056" y="2993391"/>
+            <a:ext cx="1046363" cy="341986"/>
           </a:xfrm>
           <a:custGeom>
             <a:avLst/>
@@ -6922,7 +7329,7 @@
           <a:noFill/>
           <a:ln w="15875">
             <a:solidFill>
-              <a:schemeClr val="tx2"/>
+              <a:schemeClr val="tx1"/>
             </a:solidFill>
             <a:headEnd type="none" w="med" len="sm"/>
             <a:tailEnd type="arrow" w="med" len="sm"/>
@@ -6961,12 +7368,106 @@
           </a:p>
         </p:txBody>
       </p:sp>
+      <p:cxnSp>
+        <p:nvCxnSpPr>
+          <p:cNvPr id="74" name="Straight Arrow Connector 73">
+            <a:extLst>
+              <a:ext uri="{FF2B5EF4-FFF2-40B4-BE49-F238E27FC236}">
+                <a16:creationId xmlns:a16="http://schemas.microsoft.com/office/drawing/2014/main" id="{732F197A-CD51-4E29-9E68-75962C219D2B}"/>
+              </a:ext>
+            </a:extLst>
+          </p:cNvPr>
+          <p:cNvCxnSpPr>
+            <a:cxnSpLocks/>
+            <a:stCxn id="62" idx="3"/>
+            <a:endCxn id="69" idx="1"/>
+          </p:cNvCxnSpPr>
+          <p:nvPr/>
+        </p:nvCxnSpPr>
+        <p:spPr>
+          <a:xfrm>
+            <a:off x="3474720" y="2331720"/>
+            <a:ext cx="804672" cy="0"/>
+          </a:xfrm>
+          <a:prstGeom prst="straightConnector1">
+            <a:avLst/>
+          </a:prstGeom>
+          <a:ln w="15875">
+            <a:solidFill>
+              <a:schemeClr val="tx1"/>
+            </a:solidFill>
+            <a:headEnd type="none" w="med" len="sm"/>
+            <a:tailEnd type="arrow" w="med" len="sm"/>
+          </a:ln>
+        </p:spPr>
+        <p:style>
+          <a:lnRef idx="1">
+            <a:schemeClr val="accent1"/>
+          </a:lnRef>
+          <a:fillRef idx="0">
+            <a:schemeClr val="accent1"/>
+          </a:fillRef>
+          <a:effectRef idx="0">
+            <a:schemeClr val="accent1"/>
+          </a:effectRef>
+          <a:fontRef idx="minor">
+            <a:schemeClr val="tx1"/>
+          </a:fontRef>
+        </p:style>
+      </p:cxnSp>
+      <p:cxnSp>
+        <p:nvCxnSpPr>
+          <p:cNvPr id="75" name="Straight Arrow Connector 74">
+            <a:extLst>
+              <a:ext uri="{FF2B5EF4-FFF2-40B4-BE49-F238E27FC236}">
+                <a16:creationId xmlns:a16="http://schemas.microsoft.com/office/drawing/2014/main" id="{2E15A7DF-44FA-4F81-858E-8361F94A7B16}"/>
+              </a:ext>
+            </a:extLst>
+          </p:cNvPr>
+          <p:cNvCxnSpPr>
+            <a:cxnSpLocks/>
+            <a:stCxn id="69" idx="3"/>
+            <a:endCxn id="59" idx="1"/>
+          </p:cNvCxnSpPr>
+          <p:nvPr/>
+        </p:nvCxnSpPr>
+        <p:spPr>
+          <a:xfrm>
+            <a:off x="4736592" y="2331720"/>
+            <a:ext cx="667512" cy="0"/>
+          </a:xfrm>
+          <a:prstGeom prst="straightConnector1">
+            <a:avLst/>
+          </a:prstGeom>
+          <a:ln w="15875">
+            <a:solidFill>
+              <a:schemeClr val="tx1"/>
+            </a:solidFill>
+            <a:headEnd type="none" w="med" len="sm"/>
+            <a:tailEnd type="arrow" w="med" len="sm"/>
+          </a:ln>
+        </p:spPr>
+        <p:style>
+          <a:lnRef idx="1">
+            <a:schemeClr val="accent1"/>
+          </a:lnRef>
+          <a:fillRef idx="0">
+            <a:schemeClr val="accent1"/>
+          </a:fillRef>
+          <a:effectRef idx="0">
+            <a:schemeClr val="accent1"/>
+          </a:effectRef>
+          <a:fontRef idx="minor">
+            <a:schemeClr val="tx1"/>
+          </a:fontRef>
+        </p:style>
+      </p:cxnSp>
       <p:sp>
         <p:nvSpPr>
-          <p:cNvPr id="192" name="Freeform 60">
-            <a:extLst>
-              <a:ext uri="{FF2B5EF4-FFF2-40B4-BE49-F238E27FC236}">
-                <a16:creationId xmlns:a16="http://schemas.microsoft.com/office/drawing/2014/main" id="{8F086C99-7BFE-4593-A736-9ECD500CF263}"/>
+          <p:cNvPr id="76" name="Freeform 61">
+            <a:extLst>
+              <a:ext uri="{FF2B5EF4-FFF2-40B4-BE49-F238E27FC236}">
+                <a16:creationId xmlns:a16="http://schemas.microsoft.com/office/drawing/2014/main" id="{30C7264B-5A2C-468F-B61C-A5F9052201A4}"/>
               </a:ext>
             </a:extLst>
           </p:cNvPr>
@@ -6974,9 +7475,9 @@
           <p:nvPr/>
         </p:nvSpPr>
         <p:spPr>
-          <a:xfrm rot="5400000" flipH="1" flipV="1">
-            <a:off x="4707045" y="2026535"/>
-            <a:ext cx="318511" cy="779033"/>
+          <a:xfrm flipV="1">
+            <a:off x="4735621" y="2818696"/>
+            <a:ext cx="896766" cy="519047"/>
           </a:xfrm>
           <a:custGeom>
             <a:avLst/>
@@ -7018,7 +7519,7 @@
           <a:noFill/>
           <a:ln w="15875">
             <a:solidFill>
-              <a:schemeClr val="tx2"/>
+              <a:schemeClr val="tx1"/>
             </a:solidFill>
             <a:headEnd type="none" w="med" len="sm"/>
             <a:tailEnd type="arrow" w="med" len="sm"/>
@@ -7057,757 +7558,80 @@
           </a:p>
         </p:txBody>
       </p:sp>
-      <p:pic>
-        <p:nvPicPr>
-          <p:cNvPr id="58" name="Graphic 6">
-            <a:extLst>
-              <a:ext uri="{FF2B5EF4-FFF2-40B4-BE49-F238E27FC236}">
-                <a16:creationId xmlns:a16="http://schemas.microsoft.com/office/drawing/2014/main" id="{B18F25F0-D79E-4EAC-BE4B-2FB231273405}"/>
-              </a:ext>
-            </a:extLst>
-          </p:cNvPr>
-          <p:cNvPicPr>
-            <a:picLocks noChangeAspect="1" noChangeArrowheads="1"/>
-          </p:cNvPicPr>
-          <p:nvPr/>
-        </p:nvPicPr>
-        <p:blipFill>
-          <a:blip r:embed="rId5">
-            <a:extLst>
-              <a:ext uri="{96DAC541-7B7A-43D3-8B79-37D633B846F1}">
-                <asvg:svgBlip xmlns:asvg="http://schemas.microsoft.com/office/drawing/2016/SVG/main" r:embed="rId6"/>
-              </a:ext>
-            </a:extLst>
-          </a:blip>
-          <a:srcRect/>
-          <a:stretch/>
-        </p:blipFill>
-        <p:spPr bwMode="auto">
-          <a:xfrm>
-            <a:off x="6345936" y="2400473"/>
-            <a:ext cx="762000" cy="762000"/>
-          </a:xfrm>
-          <a:prstGeom prst="rect">
-            <a:avLst/>
-          </a:prstGeom>
-          <a:noFill/>
-          <a:ln>
-            <a:noFill/>
-          </a:ln>
-          <a:extLst>
-            <a:ext uri="{909E8E84-426E-40DD-AFC4-6F175D3DCCD1}">
-              <a14:hiddenFill xmlns:a14="http://schemas.microsoft.com/office/drawing/2010/main">
-                <a:solidFill>
-                  <a:srgbClr val="FFFFFF"/>
-                </a:solidFill>
-              </a14:hiddenFill>
-            </a:ext>
-            <a:ext uri="{91240B29-F687-4F45-9708-019B960494DF}">
-              <a14:hiddenLine xmlns:a14="http://schemas.microsoft.com/office/drawing/2010/main" w="9525">
-                <a:solidFill>
-                  <a:srgbClr val="000000"/>
-                </a:solidFill>
-                <a:miter lim="800000"/>
-                <a:headEnd/>
-                <a:tailEnd/>
-              </a14:hiddenLine>
-            </a:ext>
-          </a:extLst>
-        </p:spPr>
-      </p:pic>
-      <p:pic>
-        <p:nvPicPr>
-          <p:cNvPr id="59" name="Graphic 13">
-            <a:extLst>
-              <a:ext uri="{FF2B5EF4-FFF2-40B4-BE49-F238E27FC236}">
-                <a16:creationId xmlns:a16="http://schemas.microsoft.com/office/drawing/2014/main" id="{26E62974-848D-42EB-80FA-E6C968DFC4B4}"/>
-              </a:ext>
-            </a:extLst>
-          </p:cNvPr>
-          <p:cNvPicPr>
-            <a:picLocks noChangeAspect="1" noChangeArrowheads="1"/>
-          </p:cNvPicPr>
-          <p:nvPr/>
-        </p:nvPicPr>
-        <p:blipFill>
-          <a:blip r:embed="rId7">
-            <a:extLst>
-              <a:ext uri="{96DAC541-7B7A-43D3-8B79-37D633B846F1}">
-                <asvg:svgBlip xmlns:asvg="http://schemas.microsoft.com/office/drawing/2016/SVG/main" r:embed="rId8"/>
-              </a:ext>
-            </a:extLst>
-          </a:blip>
-          <a:srcRect/>
-          <a:stretch/>
-        </p:blipFill>
-        <p:spPr bwMode="auto">
-          <a:xfrm>
-            <a:off x="5239512" y="2039112"/>
-            <a:ext cx="457200" cy="457200"/>
-          </a:xfrm>
-          <a:prstGeom prst="rect">
-            <a:avLst/>
-          </a:prstGeom>
-          <a:noFill/>
-          <a:ln>
-            <a:noFill/>
-          </a:ln>
-          <a:extLst>
-            <a:ext uri="{909E8E84-426E-40DD-AFC4-6F175D3DCCD1}">
-              <a14:hiddenFill xmlns:a14="http://schemas.microsoft.com/office/drawing/2010/main">
-                <a:solidFill>
-                  <a:srgbClr val="FFFFFF"/>
-                </a:solidFill>
-              </a14:hiddenFill>
-            </a:ext>
-            <a:ext uri="{91240B29-F687-4F45-9708-019B960494DF}">
-              <a14:hiddenLine xmlns:a14="http://schemas.microsoft.com/office/drawing/2010/main" w="9525">
-                <a:solidFill>
-                  <a:srgbClr val="000000"/>
-                </a:solidFill>
-                <a:miter lim="800000"/>
-                <a:headEnd/>
-                <a:tailEnd/>
-              </a14:hiddenLine>
-            </a:ext>
-          </a:extLst>
-        </p:spPr>
-      </p:pic>
-      <p:pic>
-        <p:nvPicPr>
-          <p:cNvPr id="60" name="Graphic 13">
-            <a:extLst>
-              <a:ext uri="{FF2B5EF4-FFF2-40B4-BE49-F238E27FC236}">
-                <a16:creationId xmlns:a16="http://schemas.microsoft.com/office/drawing/2014/main" id="{2838896C-2194-4A65-9D0A-3891DF458C99}"/>
-              </a:ext>
-            </a:extLst>
-          </p:cNvPr>
-          <p:cNvPicPr>
-            <a:picLocks noChangeAspect="1" noChangeArrowheads="1"/>
-          </p:cNvPicPr>
-          <p:nvPr/>
-        </p:nvPicPr>
-        <p:blipFill>
-          <a:blip r:embed="rId7">
-            <a:extLst>
-              <a:ext uri="{96DAC541-7B7A-43D3-8B79-37D633B846F1}">
-                <asvg:svgBlip xmlns:asvg="http://schemas.microsoft.com/office/drawing/2016/SVG/main" r:embed="rId8"/>
-              </a:ext>
-            </a:extLst>
-          </a:blip>
-          <a:srcRect/>
-          <a:stretch/>
-        </p:blipFill>
-        <p:spPr bwMode="auto">
-          <a:xfrm>
-            <a:off x="3017138" y="914400"/>
-            <a:ext cx="457200" cy="457200"/>
-          </a:xfrm>
-          <a:prstGeom prst="rect">
-            <a:avLst/>
-          </a:prstGeom>
-          <a:noFill/>
-          <a:ln>
-            <a:noFill/>
-          </a:ln>
-          <a:extLst>
-            <a:ext uri="{909E8E84-426E-40DD-AFC4-6F175D3DCCD1}">
-              <a14:hiddenFill xmlns:a14="http://schemas.microsoft.com/office/drawing/2010/main">
-                <a:solidFill>
-                  <a:srgbClr val="FFFFFF"/>
-                </a:solidFill>
-              </a14:hiddenFill>
-            </a:ext>
-            <a:ext uri="{91240B29-F687-4F45-9708-019B960494DF}">
-              <a14:hiddenLine xmlns:a14="http://schemas.microsoft.com/office/drawing/2010/main" w="9525">
-                <a:solidFill>
-                  <a:srgbClr val="000000"/>
-                </a:solidFill>
-                <a:miter lim="800000"/>
-                <a:headEnd/>
-                <a:tailEnd/>
-              </a14:hiddenLine>
-            </a:ext>
-          </a:extLst>
-        </p:spPr>
-      </p:pic>
-      <p:pic>
-        <p:nvPicPr>
-          <p:cNvPr id="61" name="Graphic 13">
-            <a:extLst>
-              <a:ext uri="{FF2B5EF4-FFF2-40B4-BE49-F238E27FC236}">
-                <a16:creationId xmlns:a16="http://schemas.microsoft.com/office/drawing/2014/main" id="{1B13CFDB-16F2-4808-8837-65A9263F333B}"/>
-              </a:ext>
-            </a:extLst>
-          </p:cNvPr>
-          <p:cNvPicPr>
-            <a:picLocks noChangeAspect="1" noChangeArrowheads="1"/>
-          </p:cNvPicPr>
-          <p:nvPr/>
-        </p:nvPicPr>
-        <p:blipFill>
-          <a:blip r:embed="rId7">
-            <a:extLst>
-              <a:ext uri="{96DAC541-7B7A-43D3-8B79-37D633B846F1}">
-                <asvg:svgBlip xmlns:asvg="http://schemas.microsoft.com/office/drawing/2016/SVG/main" r:embed="rId8"/>
-              </a:ext>
-            </a:extLst>
-          </a:blip>
-          <a:srcRect/>
-          <a:stretch/>
-        </p:blipFill>
-        <p:spPr bwMode="auto">
-          <a:xfrm>
-            <a:off x="3017520" y="3035808"/>
-            <a:ext cx="457200" cy="457200"/>
-          </a:xfrm>
-          <a:prstGeom prst="rect">
-            <a:avLst/>
-          </a:prstGeom>
-          <a:noFill/>
-          <a:ln>
-            <a:noFill/>
-          </a:ln>
-          <a:extLst>
-            <a:ext uri="{909E8E84-426E-40DD-AFC4-6F175D3DCCD1}">
-              <a14:hiddenFill xmlns:a14="http://schemas.microsoft.com/office/drawing/2010/main">
-                <a:solidFill>
-                  <a:srgbClr val="FFFFFF"/>
-                </a:solidFill>
-              </a14:hiddenFill>
-            </a:ext>
-            <a:ext uri="{91240B29-F687-4F45-9708-019B960494DF}">
-              <a14:hiddenLine xmlns:a14="http://schemas.microsoft.com/office/drawing/2010/main" w="9525">
-                <a:solidFill>
-                  <a:srgbClr val="000000"/>
-                </a:solidFill>
-                <a:miter lim="800000"/>
-                <a:headEnd/>
-                <a:tailEnd/>
-              </a14:hiddenLine>
-            </a:ext>
-          </a:extLst>
-        </p:spPr>
-      </p:pic>
-      <p:pic>
-        <p:nvPicPr>
-          <p:cNvPr id="62" name="Graphic 13">
-            <a:extLst>
-              <a:ext uri="{FF2B5EF4-FFF2-40B4-BE49-F238E27FC236}">
-                <a16:creationId xmlns:a16="http://schemas.microsoft.com/office/drawing/2014/main" id="{3D1CF34A-CE7E-41FE-942C-411F1DABF072}"/>
-              </a:ext>
-            </a:extLst>
-          </p:cNvPr>
-          <p:cNvPicPr>
-            <a:picLocks noChangeAspect="1" noChangeArrowheads="1"/>
-          </p:cNvPicPr>
-          <p:nvPr/>
-        </p:nvPicPr>
-        <p:blipFill>
-          <a:blip r:embed="rId7">
-            <a:extLst>
-              <a:ext uri="{96DAC541-7B7A-43D3-8B79-37D633B846F1}">
-                <asvg:svgBlip xmlns:asvg="http://schemas.microsoft.com/office/drawing/2016/SVG/main" r:embed="rId8"/>
-              </a:ext>
-            </a:extLst>
-          </a:blip>
-          <a:srcRect/>
-          <a:stretch/>
-        </p:blipFill>
-        <p:spPr bwMode="auto">
-          <a:xfrm>
-            <a:off x="3017520" y="2103120"/>
-            <a:ext cx="457200" cy="457200"/>
-          </a:xfrm>
-          <a:prstGeom prst="rect">
-            <a:avLst/>
-          </a:prstGeom>
-          <a:noFill/>
-          <a:ln>
-            <a:noFill/>
-          </a:ln>
-          <a:extLst>
-            <a:ext uri="{909E8E84-426E-40DD-AFC4-6F175D3DCCD1}">
-              <a14:hiddenFill xmlns:a14="http://schemas.microsoft.com/office/drawing/2010/main">
-                <a:solidFill>
-                  <a:srgbClr val="FFFFFF"/>
-                </a:solidFill>
-              </a14:hiddenFill>
-            </a:ext>
-            <a:ext uri="{91240B29-F687-4F45-9708-019B960494DF}">
-              <a14:hiddenLine xmlns:a14="http://schemas.microsoft.com/office/drawing/2010/main" w="9525">
-                <a:solidFill>
-                  <a:srgbClr val="000000"/>
-                </a:solidFill>
-                <a:miter lim="800000"/>
-                <a:headEnd/>
-                <a:tailEnd/>
-              </a14:hiddenLine>
-            </a:ext>
-          </a:extLst>
-        </p:spPr>
-      </p:pic>
-      <p:pic>
-        <p:nvPicPr>
-          <p:cNvPr id="63" name="Graphic 62">
-            <a:extLst>
-              <a:ext uri="{FF2B5EF4-FFF2-40B4-BE49-F238E27FC236}">
-                <a16:creationId xmlns:a16="http://schemas.microsoft.com/office/drawing/2014/main" id="{09BADE95-CD75-44CF-9770-A715BA48C29B}"/>
-              </a:ext>
-            </a:extLst>
-          </p:cNvPr>
-          <p:cNvPicPr>
-            <a:picLocks noChangeAspect="1"/>
-          </p:cNvPicPr>
-          <p:nvPr/>
-        </p:nvPicPr>
-        <p:blipFill>
-          <a:blip r:embed="rId9">
-            <a:extLst>
-              <a:ext uri="{96DAC541-7B7A-43D3-8B79-37D633B846F1}">
-                <asvg:svgBlip xmlns:asvg="http://schemas.microsoft.com/office/drawing/2016/SVG/main" r:embed="rId10"/>
-              </a:ext>
-            </a:extLst>
-          </a:blip>
-          <a:stretch>
-            <a:fillRect/>
-          </a:stretch>
-        </p:blipFill>
-        <p:spPr>
-          <a:xfrm>
-            <a:off x="1920240" y="4151376"/>
-            <a:ext cx="457200" cy="457200"/>
-          </a:xfrm>
-          <a:prstGeom prst="rect">
-            <a:avLst/>
-          </a:prstGeom>
-        </p:spPr>
-      </p:pic>
-      <p:pic>
-        <p:nvPicPr>
-          <p:cNvPr id="64" name="Graphic 17">
-            <a:extLst>
-              <a:ext uri="{FF2B5EF4-FFF2-40B4-BE49-F238E27FC236}">
-                <a16:creationId xmlns:a16="http://schemas.microsoft.com/office/drawing/2014/main" id="{D224F861-3658-4FCF-A510-70EDE1943B17}"/>
-              </a:ext>
-            </a:extLst>
-          </p:cNvPr>
-          <p:cNvPicPr>
-            <a:picLocks noChangeAspect="1" noChangeArrowheads="1"/>
-          </p:cNvPicPr>
-          <p:nvPr/>
-        </p:nvPicPr>
-        <p:blipFill>
-          <a:blip r:embed="rId11">
-            <a:extLst>
-              <a:ext uri="{96DAC541-7B7A-43D3-8B79-37D633B846F1}">
-                <asvg:svgBlip xmlns:asvg="http://schemas.microsoft.com/office/drawing/2016/SVG/main" r:embed="rId12"/>
-              </a:ext>
-            </a:extLst>
-          </a:blip>
-          <a:srcRect/>
-          <a:stretch/>
-        </p:blipFill>
-        <p:spPr bwMode="auto">
-          <a:xfrm>
-            <a:off x="7863840" y="3474720"/>
-            <a:ext cx="762000" cy="762000"/>
-          </a:xfrm>
-          <a:prstGeom prst="rect">
-            <a:avLst/>
-          </a:prstGeom>
-          <a:noFill/>
-          <a:ln>
-            <a:noFill/>
-          </a:ln>
-          <a:extLst>
-            <a:ext uri="{909E8E84-426E-40DD-AFC4-6F175D3DCCD1}">
-              <a14:hiddenFill xmlns:a14="http://schemas.microsoft.com/office/drawing/2010/main">
-                <a:solidFill>
-                  <a:srgbClr val="FFFFFF"/>
-                </a:solidFill>
-              </a14:hiddenFill>
-            </a:ext>
-            <a:ext uri="{91240B29-F687-4F45-9708-019B960494DF}">
-              <a14:hiddenLine xmlns:a14="http://schemas.microsoft.com/office/drawing/2010/main" w="9525">
-                <a:solidFill>
-                  <a:srgbClr val="000000"/>
-                </a:solidFill>
-                <a:miter lim="800000"/>
-                <a:headEnd/>
-                <a:tailEnd/>
-              </a14:hiddenLine>
-            </a:ext>
-          </a:extLst>
-        </p:spPr>
-      </p:pic>
-      <p:pic>
-        <p:nvPicPr>
-          <p:cNvPr id="65" name="Graphic 64">
-            <a:extLst>
-              <a:ext uri="{FF2B5EF4-FFF2-40B4-BE49-F238E27FC236}">
-                <a16:creationId xmlns:a16="http://schemas.microsoft.com/office/drawing/2014/main" id="{E3B1F7EE-7841-4472-BD2B-F924EC16DB15}"/>
-              </a:ext>
-            </a:extLst>
-          </p:cNvPr>
-          <p:cNvPicPr>
-            <a:picLocks noChangeAspect="1"/>
-          </p:cNvPicPr>
-          <p:nvPr/>
-        </p:nvPicPr>
-        <p:blipFill>
-          <a:blip r:embed="rId13">
-            <a:extLst>
-              <a:ext uri="{96DAC541-7B7A-43D3-8B79-37D633B846F1}">
-                <asvg:svgBlip xmlns:asvg="http://schemas.microsoft.com/office/drawing/2016/SVG/main" r:embed="rId14"/>
-              </a:ext>
-            </a:extLst>
-          </a:blip>
-          <a:stretch>
-            <a:fillRect/>
-          </a:stretch>
-        </p:blipFill>
-        <p:spPr>
-          <a:xfrm>
-            <a:off x="4246954" y="4151376"/>
-            <a:ext cx="457200" cy="457200"/>
-          </a:xfrm>
-          <a:prstGeom prst="rect">
-            <a:avLst/>
-          </a:prstGeom>
-        </p:spPr>
-      </p:pic>
-      <p:pic>
-        <p:nvPicPr>
-          <p:cNvPr id="66" name="Graphic 19">
-            <a:extLst>
-              <a:ext uri="{FF2B5EF4-FFF2-40B4-BE49-F238E27FC236}">
-                <a16:creationId xmlns:a16="http://schemas.microsoft.com/office/drawing/2014/main" id="{0C569C94-BBA2-4FE9-8272-A004CEE7928D}"/>
-              </a:ext>
-            </a:extLst>
-          </p:cNvPr>
-          <p:cNvPicPr>
-            <a:picLocks noChangeAspect="1" noChangeArrowheads="1"/>
-          </p:cNvPicPr>
-          <p:nvPr/>
-        </p:nvPicPr>
-        <p:blipFill>
-          <a:blip r:embed="rId15">
-            <a:extLst>
-              <a:ext uri="{96DAC541-7B7A-43D3-8B79-37D633B846F1}">
-                <asvg:svgBlip xmlns:asvg="http://schemas.microsoft.com/office/drawing/2016/SVG/main" r:embed="rId16"/>
-              </a:ext>
-            </a:extLst>
-          </a:blip>
-          <a:srcRect/>
-          <a:stretch/>
-        </p:blipFill>
-        <p:spPr bwMode="auto">
-          <a:xfrm>
-            <a:off x="7296912" y="766888"/>
-            <a:ext cx="762000" cy="762000"/>
-          </a:xfrm>
-          <a:prstGeom prst="rect">
-            <a:avLst/>
-          </a:prstGeom>
-          <a:noFill/>
-          <a:ln>
-            <a:noFill/>
-          </a:ln>
-          <a:extLst>
-            <a:ext uri="{909E8E84-426E-40DD-AFC4-6F175D3DCCD1}">
-              <a14:hiddenFill xmlns:a14="http://schemas.microsoft.com/office/drawing/2010/main">
-                <a:solidFill>
-                  <a:srgbClr val="FFFFFF"/>
-                </a:solidFill>
-              </a14:hiddenFill>
-            </a:ext>
-            <a:ext uri="{91240B29-F687-4F45-9708-019B960494DF}">
-              <a14:hiddenLine xmlns:a14="http://schemas.microsoft.com/office/drawing/2010/main" w="9525">
-                <a:solidFill>
-                  <a:srgbClr val="000000"/>
-                </a:solidFill>
-                <a:miter lim="800000"/>
-                <a:headEnd/>
-                <a:tailEnd/>
-              </a14:hiddenLine>
-            </a:ext>
-          </a:extLst>
-        </p:spPr>
-      </p:pic>
-      <p:pic>
-        <p:nvPicPr>
-          <p:cNvPr id="67" name="Graphic 6">
-            <a:extLst>
-              <a:ext uri="{FF2B5EF4-FFF2-40B4-BE49-F238E27FC236}">
-                <a16:creationId xmlns:a16="http://schemas.microsoft.com/office/drawing/2014/main" id="{DFF7DA98-2B47-4709-BDC3-41A9BE2020E7}"/>
-              </a:ext>
-            </a:extLst>
-          </p:cNvPr>
-          <p:cNvPicPr>
-            <a:picLocks noChangeAspect="1" noChangeArrowheads="1"/>
-          </p:cNvPicPr>
-          <p:nvPr/>
-        </p:nvPicPr>
-        <p:blipFill>
-          <a:blip r:embed="rId17">
-            <a:extLst>
-              <a:ext uri="{96DAC541-7B7A-43D3-8B79-37D633B846F1}">
-                <asvg:svgBlip xmlns:asvg="http://schemas.microsoft.com/office/drawing/2016/SVG/main" r:embed="rId18"/>
-              </a:ext>
-            </a:extLst>
-          </a:blip>
-          <a:srcRect/>
-          <a:stretch/>
-        </p:blipFill>
-        <p:spPr bwMode="auto">
-          <a:xfrm>
-            <a:off x="1920240" y="2523744"/>
-            <a:ext cx="457200" cy="457200"/>
-          </a:xfrm>
-          <a:prstGeom prst="rect">
-            <a:avLst/>
-          </a:prstGeom>
-          <a:noFill/>
-          <a:ln>
-            <a:noFill/>
-          </a:ln>
-          <a:extLst>
-            <a:ext uri="{909E8E84-426E-40DD-AFC4-6F175D3DCCD1}">
-              <a14:hiddenFill xmlns:a14="http://schemas.microsoft.com/office/drawing/2010/main">
-                <a:solidFill>
-                  <a:srgbClr val="FFFFFF"/>
-                </a:solidFill>
-              </a14:hiddenFill>
-            </a:ext>
-            <a:ext uri="{91240B29-F687-4F45-9708-019B960494DF}">
-              <a14:hiddenLine xmlns:a14="http://schemas.microsoft.com/office/drawing/2010/main" w="9525">
-                <a:solidFill>
-                  <a:srgbClr val="000000"/>
-                </a:solidFill>
-                <a:miter lim="800000"/>
-                <a:headEnd/>
-                <a:tailEnd/>
-              </a14:hiddenLine>
-            </a:ext>
-          </a:extLst>
-        </p:spPr>
-      </p:pic>
-      <p:pic>
-        <p:nvPicPr>
-          <p:cNvPr id="68" name="Graphic 6">
-            <a:extLst>
-              <a:ext uri="{FF2B5EF4-FFF2-40B4-BE49-F238E27FC236}">
-                <a16:creationId xmlns:a16="http://schemas.microsoft.com/office/drawing/2014/main" id="{BFF4FFC7-31B4-4D55-B0D1-548E43436196}"/>
-              </a:ext>
-            </a:extLst>
-          </p:cNvPr>
-          <p:cNvPicPr>
-            <a:picLocks noChangeAspect="1" noChangeArrowheads="1"/>
-          </p:cNvPicPr>
-          <p:nvPr/>
-        </p:nvPicPr>
-        <p:blipFill>
-          <a:blip r:embed="rId17">
-            <a:extLst>
-              <a:ext uri="{96DAC541-7B7A-43D3-8B79-37D633B846F1}">
-                <asvg:svgBlip xmlns:asvg="http://schemas.microsoft.com/office/drawing/2016/SVG/main" r:embed="rId18"/>
-              </a:ext>
-            </a:extLst>
-          </a:blip>
-          <a:srcRect/>
-          <a:stretch/>
-        </p:blipFill>
-        <p:spPr bwMode="auto">
-          <a:xfrm>
-            <a:off x="1920240" y="914400"/>
-            <a:ext cx="457200" cy="457200"/>
-          </a:xfrm>
-          <a:prstGeom prst="rect">
-            <a:avLst/>
-          </a:prstGeom>
-          <a:noFill/>
-          <a:ln>
-            <a:noFill/>
-          </a:ln>
-          <a:extLst>
-            <a:ext uri="{909E8E84-426E-40DD-AFC4-6F175D3DCCD1}">
-              <a14:hiddenFill xmlns:a14="http://schemas.microsoft.com/office/drawing/2010/main">
-                <a:solidFill>
-                  <a:srgbClr val="FFFFFF"/>
-                </a:solidFill>
-              </a14:hiddenFill>
-            </a:ext>
-            <a:ext uri="{91240B29-F687-4F45-9708-019B960494DF}">
-              <a14:hiddenLine xmlns:a14="http://schemas.microsoft.com/office/drawing/2010/main" w="9525">
-                <a:solidFill>
-                  <a:srgbClr val="000000"/>
-                </a:solidFill>
-                <a:miter lim="800000"/>
-                <a:headEnd/>
-                <a:tailEnd/>
-              </a14:hiddenLine>
-            </a:ext>
-          </a:extLst>
-        </p:spPr>
-      </p:pic>
-      <p:pic>
-        <p:nvPicPr>
-          <p:cNvPr id="69" name="Graphic 68">
-            <a:extLst>
-              <a:ext uri="{FF2B5EF4-FFF2-40B4-BE49-F238E27FC236}">
-                <a16:creationId xmlns:a16="http://schemas.microsoft.com/office/drawing/2014/main" id="{446B5341-D139-487B-9F4D-3B53320DB98B}"/>
-              </a:ext>
-            </a:extLst>
-          </p:cNvPr>
-          <p:cNvPicPr>
-            <a:picLocks noChangeAspect="1"/>
-          </p:cNvPicPr>
-          <p:nvPr/>
-        </p:nvPicPr>
-        <p:blipFill>
-          <a:blip r:embed="rId19">
-            <a:extLst>
-              <a:ext uri="{96DAC541-7B7A-43D3-8B79-37D633B846F1}">
-                <asvg:svgBlip xmlns:asvg="http://schemas.microsoft.com/office/drawing/2016/SVG/main" r:embed="rId20"/>
-              </a:ext>
-            </a:extLst>
-          </a:blip>
-          <a:stretch>
-            <a:fillRect/>
-          </a:stretch>
-        </p:blipFill>
-        <p:spPr>
-          <a:xfrm>
-            <a:off x="4251960" y="1572768"/>
-            <a:ext cx="457200" cy="457200"/>
-          </a:xfrm>
-          <a:prstGeom prst="rect">
-            <a:avLst/>
-          </a:prstGeom>
-        </p:spPr>
-      </p:pic>
-      <p:pic>
-        <p:nvPicPr>
-          <p:cNvPr id="70" name="Graphic 69">
-            <a:extLst>
-              <a:ext uri="{FF2B5EF4-FFF2-40B4-BE49-F238E27FC236}">
-                <a16:creationId xmlns:a16="http://schemas.microsoft.com/office/drawing/2014/main" id="{467DAFE2-B420-43B6-B1C7-0F8C247DE332}"/>
-              </a:ext>
-            </a:extLst>
-          </p:cNvPr>
-          <p:cNvPicPr>
-            <a:picLocks noChangeAspect="1"/>
-          </p:cNvPicPr>
-          <p:nvPr/>
-        </p:nvPicPr>
-        <p:blipFill>
-          <a:blip r:embed="rId21">
-            <a:extLst>
-              <a:ext uri="{96DAC541-7B7A-43D3-8B79-37D633B846F1}">
-                <asvg:svgBlip xmlns:asvg="http://schemas.microsoft.com/office/drawing/2016/SVG/main" r:embed="rId22"/>
-              </a:ext>
-            </a:extLst>
-          </a:blip>
-          <a:stretch>
-            <a:fillRect/>
-          </a:stretch>
-        </p:blipFill>
-        <p:spPr>
-          <a:xfrm>
-            <a:off x="4251960" y="2551176"/>
-            <a:ext cx="457200" cy="457200"/>
-          </a:xfrm>
-          <a:prstGeom prst="rect">
-            <a:avLst/>
-          </a:prstGeom>
-        </p:spPr>
-      </p:pic>
-      <p:pic>
-        <p:nvPicPr>
-          <p:cNvPr id="2" name="Graphic 22">
-            <a:extLst>
-              <a:ext uri="{FF2B5EF4-FFF2-40B4-BE49-F238E27FC236}">
-                <a16:creationId xmlns:a16="http://schemas.microsoft.com/office/drawing/2014/main" id="{A1FC6C44-8793-2A0B-6082-8B5B8F10FBDD}"/>
-              </a:ext>
-            </a:extLst>
-          </p:cNvPr>
-          <p:cNvPicPr>
-            <a:picLocks noChangeAspect="1" noChangeArrowheads="1"/>
-          </p:cNvPicPr>
-          <p:nvPr/>
-        </p:nvPicPr>
-        <p:blipFill>
-          <a:blip r:embed="rId23">
-            <a:extLst>
-              <a:ext uri="{96DAC541-7B7A-43D3-8B79-37D633B846F1}">
-                <asvg:svgBlip xmlns:asvg="http://schemas.microsoft.com/office/drawing/2016/SVG/main" r:embed="rId24"/>
-              </a:ext>
-            </a:extLst>
-          </a:blip>
-          <a:srcRect/>
-          <a:stretch/>
-        </p:blipFill>
-        <p:spPr bwMode="auto">
-          <a:xfrm>
-            <a:off x="466090" y="2523744"/>
-            <a:ext cx="457200" cy="457200"/>
-          </a:xfrm>
-          <a:prstGeom prst="rect">
-            <a:avLst/>
-          </a:prstGeom>
-          <a:noFill/>
-          <a:ln>
-            <a:noFill/>
-          </a:ln>
-          <a:extLst>
-            <a:ext uri="{909E8E84-426E-40DD-AFC4-6F175D3DCCD1}">
-              <a14:hiddenFill xmlns:a14="http://schemas.microsoft.com/office/drawing/2010/main">
-                <a:solidFill>
-                  <a:srgbClr val="FFFFFF"/>
-                </a:solidFill>
-              </a14:hiddenFill>
-            </a:ext>
-            <a:ext uri="{91240B29-F687-4F45-9708-019B960494DF}">
-              <a14:hiddenLine xmlns:a14="http://schemas.microsoft.com/office/drawing/2010/main" w="9525">
-                <a:solidFill>
-                  <a:srgbClr val="000000"/>
-                </a:solidFill>
-                <a:miter lim="800000"/>
-                <a:headEnd/>
-                <a:tailEnd/>
-              </a14:hiddenLine>
-            </a:ext>
-          </a:extLst>
-        </p:spPr>
-      </p:pic>
       <p:cxnSp>
         <p:nvCxnSpPr>
-          <p:cNvPr id="28" name="Elbow Connector 27">
-            <a:extLst>
-              <a:ext uri="{FF2B5EF4-FFF2-40B4-BE49-F238E27FC236}">
-                <a16:creationId xmlns:a16="http://schemas.microsoft.com/office/drawing/2014/main" id="{40BA69F7-8622-8232-40DC-A6DA4504B745}"/>
+          <p:cNvPr id="77" name="Straight Arrow Connector 76">
+            <a:extLst>
+              <a:ext uri="{FF2B5EF4-FFF2-40B4-BE49-F238E27FC236}">
+                <a16:creationId xmlns:a16="http://schemas.microsoft.com/office/drawing/2014/main" id="{893B3792-93C7-4788-A0DD-7D2F8A6C76AF}"/>
               </a:ext>
             </a:extLst>
           </p:cNvPr>
           <p:cNvCxnSpPr>
             <a:cxnSpLocks/>
-            <a:stCxn id="58" idx="3"/>
-            <a:endCxn id="157" idx="2"/>
+            <a:stCxn id="61" idx="0"/>
+            <a:endCxn id="165" idx="2"/>
           </p:cNvCxnSpPr>
           <p:nvPr/>
         </p:nvCxnSpPr>
         <p:spPr>
           <a:xfrm flipV="1">
-            <a:off x="7107936" y="1795719"/>
-            <a:ext cx="566253" cy="985754"/>
+            <a:off x="4498848" y="3843159"/>
+            <a:ext cx="0" cy="271641"/>
           </a:xfrm>
-          <a:prstGeom prst="bentConnector2">
+          <a:prstGeom prst="straightConnector1">
             <a:avLst/>
           </a:prstGeom>
           <a:ln w="15875">
             <a:solidFill>
-              <a:schemeClr val="tx2"/>
+              <a:schemeClr val="tx1"/>
+            </a:solidFill>
+            <a:headEnd type="arrow" w="med" len="sm"/>
+            <a:tailEnd type="none" w="med" len="sm"/>
+          </a:ln>
+        </p:spPr>
+        <p:style>
+          <a:lnRef idx="1">
+            <a:schemeClr val="accent1"/>
+          </a:lnRef>
+          <a:fillRef idx="0">
+            <a:schemeClr val="accent1"/>
+          </a:fillRef>
+          <a:effectRef idx="0">
+            <a:schemeClr val="accent1"/>
+          </a:effectRef>
+          <a:fontRef idx="minor">
+            <a:schemeClr val="tx1"/>
+          </a:fontRef>
+        </p:style>
+      </p:cxnSp>
+      <p:cxnSp>
+        <p:nvCxnSpPr>
+          <p:cNvPr id="82" name="Straight Arrow Connector 81">
+            <a:extLst>
+              <a:ext uri="{FF2B5EF4-FFF2-40B4-BE49-F238E27FC236}">
+                <a16:creationId xmlns:a16="http://schemas.microsoft.com/office/drawing/2014/main" id="{5857595E-1A3A-45B3-BDF8-54C14B4D758C}"/>
+              </a:ext>
+            </a:extLst>
+          </p:cNvPr>
+          <p:cNvCxnSpPr>
+            <a:cxnSpLocks/>
+            <a:stCxn id="59" idx="3"/>
+            <a:endCxn id="58" idx="1"/>
+          </p:cNvCxnSpPr>
+          <p:nvPr/>
+        </p:nvCxnSpPr>
+        <p:spPr>
+          <a:xfrm flipV="1">
+            <a:off x="5861304" y="2328672"/>
+            <a:ext cx="1088136" cy="3048"/>
+          </a:xfrm>
+          <a:prstGeom prst="straightConnector1">
+            <a:avLst/>
+          </a:prstGeom>
+          <a:ln w="15875">
+            <a:solidFill>
+              <a:schemeClr val="tx1"/>
             </a:solidFill>
             <a:headEnd type="none" w="med" len="sm"/>
             <a:tailEnd type="arrow" w="med" len="sm"/>
@@ -7830,34 +7654,185 @@
       </p:cxnSp>
       <p:cxnSp>
         <p:nvCxnSpPr>
-          <p:cNvPr id="32" name="Elbow Connector 31">
-            <a:extLst>
-              <a:ext uri="{FF2B5EF4-FFF2-40B4-BE49-F238E27FC236}">
-                <a16:creationId xmlns:a16="http://schemas.microsoft.com/office/drawing/2014/main" id="{7903F48C-67A6-4D29-89A7-E962D3B06240}"/>
+          <p:cNvPr id="93" name="Straight Arrow Connector 92">
+            <a:extLst>
+              <a:ext uri="{FF2B5EF4-FFF2-40B4-BE49-F238E27FC236}">
+                <a16:creationId xmlns:a16="http://schemas.microsoft.com/office/drawing/2014/main" id="{6FD6B6A5-C6D1-4D6D-A792-7FAE1CDA1FE0}"/>
               </a:ext>
             </a:extLst>
           </p:cNvPr>
           <p:cNvCxnSpPr>
             <a:cxnSpLocks/>
-            <a:stCxn id="155" idx="2"/>
-            <a:endCxn id="65" idx="3"/>
+            <a:stCxn id="58" idx="0"/>
+            <a:endCxn id="157" idx="2"/>
           </p:cNvCxnSpPr>
           <p:nvPr/>
         </p:nvCxnSpPr>
         <p:spPr>
-          <a:xfrm rot="5400000">
-            <a:off x="5249965" y="2896562"/>
-            <a:ext cx="937603" cy="2029224"/>
+          <a:xfrm flipV="1">
+            <a:off x="7330440" y="1668911"/>
+            <a:ext cx="2309" cy="278761"/>
           </a:xfrm>
-          <a:prstGeom prst="bentConnector2">
+          <a:prstGeom prst="straightConnector1">
             <a:avLst/>
           </a:prstGeom>
           <a:ln w="15875">
             <a:solidFill>
-              <a:schemeClr val="tx2"/>
+              <a:schemeClr val="tx1"/>
             </a:solidFill>
             <a:headEnd type="none" w="med" len="sm"/>
             <a:tailEnd type="arrow" w="med" len="sm"/>
+          </a:ln>
+        </p:spPr>
+        <p:style>
+          <a:lnRef idx="1">
+            <a:schemeClr val="accent1"/>
+          </a:lnRef>
+          <a:fillRef idx="0">
+            <a:schemeClr val="accent1"/>
+          </a:fillRef>
+          <a:effectRef idx="0">
+            <a:schemeClr val="accent1"/>
+          </a:effectRef>
+          <a:fontRef idx="minor">
+            <a:schemeClr val="tx1"/>
+          </a:fontRef>
+        </p:style>
+      </p:cxnSp>
+      <p:pic>
+        <p:nvPicPr>
+          <p:cNvPr id="98" name="Graphic 11">
+            <a:extLst>
+              <a:ext uri="{FF2B5EF4-FFF2-40B4-BE49-F238E27FC236}">
+                <a16:creationId xmlns:a16="http://schemas.microsoft.com/office/drawing/2014/main" id="{1F11D95C-A310-4892-8556-C55A1BDD1B57}"/>
+              </a:ext>
+            </a:extLst>
+          </p:cNvPr>
+          <p:cNvPicPr>
+            <a:picLocks noChangeAspect="1" noChangeArrowheads="1"/>
+          </p:cNvPicPr>
+          <p:nvPr/>
+        </p:nvPicPr>
+        <p:blipFill>
+          <a:blip r:embed="rId16">
+            <a:extLst>
+              <a:ext uri="{28A0092B-C50C-407E-A947-70E740481C1C}">
+                <a14:useLocalDpi xmlns:a14="http://schemas.microsoft.com/office/drawing/2010/main" val="0"/>
+              </a:ext>
+            </a:extLst>
+          </a:blip>
+          <a:srcRect/>
+          <a:stretch>
+            <a:fillRect/>
+          </a:stretch>
+        </p:blipFill>
+        <p:spPr bwMode="auto">
+          <a:xfrm>
+            <a:off x="356616" y="1371600"/>
+            <a:ext cx="457200" cy="457200"/>
+          </a:xfrm>
+          <a:prstGeom prst="rect">
+            <a:avLst/>
+          </a:prstGeom>
+          <a:noFill/>
+          <a:ln>
+            <a:noFill/>
+          </a:ln>
+          <a:extLst>
+            <a:ext uri="{909E8E84-426E-40DD-AFC4-6F175D3DCCD1}">
+              <a14:hiddenFill xmlns:a14="http://schemas.microsoft.com/office/drawing/2010/main">
+                <a:solidFill>
+                  <a:srgbClr val="FFFFFF"/>
+                </a:solidFill>
+              </a14:hiddenFill>
+            </a:ext>
+            <a:ext uri="{91240B29-F687-4F45-9708-019B960494DF}">
+              <a14:hiddenLine xmlns:a14="http://schemas.microsoft.com/office/drawing/2010/main" w="9525">
+                <a:solidFill>
+                  <a:srgbClr val="000000"/>
+                </a:solidFill>
+                <a:miter lim="800000"/>
+                <a:headEnd/>
+                <a:tailEnd/>
+              </a14:hiddenLine>
+            </a:ext>
+          </a:extLst>
+        </p:spPr>
+      </p:pic>
+      <p:cxnSp>
+        <p:nvCxnSpPr>
+          <p:cNvPr id="100" name="Straight Arrow Connector 99">
+            <a:extLst>
+              <a:ext uri="{FF2B5EF4-FFF2-40B4-BE49-F238E27FC236}">
+                <a16:creationId xmlns:a16="http://schemas.microsoft.com/office/drawing/2014/main" id="{02799B46-8A44-4580-85F9-738ADD140CC8}"/>
+              </a:ext>
+            </a:extLst>
+          </p:cNvPr>
+          <p:cNvCxnSpPr>
+            <a:cxnSpLocks/>
+          </p:cNvCxnSpPr>
+          <p:nvPr/>
+        </p:nvCxnSpPr>
+        <p:spPr>
+          <a:xfrm>
+            <a:off x="5577529" y="3335377"/>
+            <a:ext cx="1752911" cy="0"/>
+          </a:xfrm>
+          <a:prstGeom prst="straightConnector1">
+            <a:avLst/>
+          </a:prstGeom>
+          <a:ln w="15875">
+            <a:solidFill>
+              <a:schemeClr val="tx1"/>
+            </a:solidFill>
+            <a:headEnd type="none" w="med" len="sm"/>
+            <a:tailEnd type="none" w="med" len="sm"/>
+          </a:ln>
+        </p:spPr>
+        <p:style>
+          <a:lnRef idx="1">
+            <a:schemeClr val="accent1"/>
+          </a:lnRef>
+          <a:fillRef idx="0">
+            <a:schemeClr val="accent1"/>
+          </a:fillRef>
+          <a:effectRef idx="0">
+            <a:schemeClr val="accent1"/>
+          </a:effectRef>
+          <a:fontRef idx="minor">
+            <a:schemeClr val="tx1"/>
+          </a:fontRef>
+        </p:style>
+      </p:cxnSp>
+      <p:cxnSp>
+        <p:nvCxnSpPr>
+          <p:cNvPr id="103" name="Straight Arrow Connector 102">
+            <a:extLst>
+              <a:ext uri="{FF2B5EF4-FFF2-40B4-BE49-F238E27FC236}">
+                <a16:creationId xmlns:a16="http://schemas.microsoft.com/office/drawing/2014/main" id="{404D89BA-E41C-4639-9D47-A39B5E8E4048}"/>
+              </a:ext>
+            </a:extLst>
+          </p:cNvPr>
+          <p:cNvCxnSpPr>
+            <a:cxnSpLocks/>
+            <a:endCxn id="59" idx="0"/>
+          </p:cNvCxnSpPr>
+          <p:nvPr/>
+        </p:nvCxnSpPr>
+        <p:spPr>
+          <a:xfrm>
+            <a:off x="5632386" y="1016192"/>
+            <a:ext cx="318" cy="1086928"/>
+          </a:xfrm>
+          <a:prstGeom prst="straightConnector1">
+            <a:avLst/>
+          </a:prstGeom>
+          <a:ln w="15875">
+            <a:solidFill>
+              <a:schemeClr val="tx1"/>
+            </a:solidFill>
+            <a:headEnd type="none" w="med" len="sm"/>
+            <a:tailEnd type="none" w="med" len="sm"/>
           </a:ln>
         </p:spPr>
         <p:style>
@@ -8173,7 +8148,47 @@
       </a:bgFillStyleLst>
     </a:fmtScheme>
   </a:themeElements>
-  <a:objectDefaults/>
+  <a:objectDefaults>
+    <a:txDef>
+      <a:spPr bwMode="auto">
+        <a:noFill/>
+        <a:ln>
+          <a:noFill/>
+        </a:ln>
+        <a:extLst>
+          <a:ext uri="{909E8E84-426E-40DD-AFC4-6F175D3DCCD1}">
+            <a14:hiddenFill xmlns:a14="http://schemas.microsoft.com/office/drawing/2010/main">
+              <a:solidFill>
+                <a:srgbClr val="FFFFFF"/>
+              </a:solidFill>
+            </a14:hiddenFill>
+          </a:ext>
+          <a:ext uri="{91240B29-F687-4F45-9708-019B960494DF}">
+            <a14:hiddenLine xmlns:a14="http://schemas.microsoft.com/office/drawing/2010/main" w="9525">
+              <a:solidFill>
+                <a:srgbClr val="000000"/>
+              </a:solidFill>
+              <a:miter lim="800000"/>
+              <a:headEnd/>
+              <a:tailEnd/>
+            </a14:hiddenLine>
+          </a:ext>
+        </a:extLst>
+      </a:spPr>
+      <a:bodyPr wrap="square">
+        <a:spAutoFit/>
+      </a:bodyPr>
+      <a:lstStyle>
+        <a:defPPr algn="ctr" eaLnBrk="1" hangingPunct="1">
+          <a:defRPr sz="1200" dirty="0" smtClean="0">
+            <a:latin typeface="Arial" panose="020B0604020202020204" pitchFamily="34" charset="0"/>
+            <a:ea typeface="Amazon Ember" panose="020B0603020204020204" pitchFamily="34" charset="0"/>
+            <a:cs typeface="Arial" panose="020B0604020202020204" pitchFamily="34" charset="0"/>
+          </a:defRPr>
+        </a:defPPr>
+      </a:lstStyle>
+    </a:txDef>
+  </a:objectDefaults>
   <a:extraClrSchemeLst/>
   <a:extLst>
     <a:ext uri="{05A4C25C-085E-4340-85A3-A5531E510DB2}">
